--- a/発表資料.pptx
+++ b/発表資料.pptx
@@ -4,6 +4,9 @@
   <p:sldMasterIdLst>
     <p:sldMasterId id="2147483660" r:id="rId1"/>
   </p:sldMasterIdLst>
+  <p:notesMasterIdLst>
+    <p:notesMasterId r:id="rId20"/>
+  </p:notesMasterIdLst>
   <p:sldIdLst>
     <p:sldId id="256" r:id="rId2"/>
     <p:sldId id="260" r:id="rId3"/>
@@ -13,10 +16,16 @@
     <p:sldId id="261" r:id="rId7"/>
     <p:sldId id="264" r:id="rId8"/>
     <p:sldId id="268" r:id="rId9"/>
-    <p:sldId id="262" r:id="rId10"/>
-    <p:sldId id="257" r:id="rId11"/>
-    <p:sldId id="259" r:id="rId12"/>
-    <p:sldId id="263" r:id="rId13"/>
+    <p:sldId id="269" r:id="rId10"/>
+    <p:sldId id="262" r:id="rId11"/>
+    <p:sldId id="257" r:id="rId12"/>
+    <p:sldId id="270" r:id="rId13"/>
+    <p:sldId id="259" r:id="rId14"/>
+    <p:sldId id="273" r:id="rId15"/>
+    <p:sldId id="271" r:id="rId16"/>
+    <p:sldId id="272" r:id="rId17"/>
+    <p:sldId id="274" r:id="rId18"/>
+    <p:sldId id="276" r:id="rId19"/>
   </p:sldIdLst>
   <p:sldSz cx="12192000" cy="6858000"/>
   <p:notesSz cx="6858000" cy="9144000"/>
@@ -126,113 +135,13 @@
 <file path=ppt/revisionInfo.xml><?xml version="1.0" encoding="utf-8"?>
 <p1510:revInfo xmlns:a="http://schemas.openxmlformats.org/drawingml/2006/main" xmlns:r="http://schemas.openxmlformats.org/officeDocument/2006/relationships" xmlns:p1510="http://schemas.microsoft.com/office/powerpoint/2015/10/main">
   <p1510:revLst>
-    <p1510:client id="{F1A2D807-E411-4BAA-ADCB-281A16E9918E}" v="5" dt="2023-05-29T00:39:10.440"/>
+    <p1510:client id="{F1A2D807-E411-4BAA-ADCB-281A16E9918E}" v="140" dt="2023-06-02T07:18:14.919"/>
   </p1510:revLst>
 </p1510:revInfo>
 </file>
 
 <file path=ppt/changesInfos/changesInfo1.xml><?xml version="1.0" encoding="utf-8"?>
 <pc:chgInfo xmlns:a="http://schemas.openxmlformats.org/drawingml/2006/main" xmlns:r="http://schemas.openxmlformats.org/officeDocument/2006/relationships" xmlns:ac="http://schemas.microsoft.com/office/drawing/2013/main/command" xmlns:pc="http://schemas.microsoft.com/office/powerpoint/2013/main/command">
-  <pc:docChgLst>
-    <pc:chgData name="g2172010" userId="677ea30d-a8de-4f49-ade8-c07a37f9575b" providerId="ADAL" clId="{F1A2D807-E411-4BAA-ADCB-281A16E9918E}"/>
-    <pc:docChg chg="undo custSel addSld delSld modSld">
-      <pc:chgData name="g2172010" userId="677ea30d-a8de-4f49-ade8-c07a37f9575b" providerId="ADAL" clId="{F1A2D807-E411-4BAA-ADCB-281A16E9918E}" dt="2023-05-29T00:40:28.730" v="193" actId="14100"/>
-      <pc:docMkLst>
-        <pc:docMk/>
-      </pc:docMkLst>
-      <pc:sldChg chg="modSp mod">
-        <pc:chgData name="g2172010" userId="677ea30d-a8de-4f49-ade8-c07a37f9575b" providerId="ADAL" clId="{F1A2D807-E411-4BAA-ADCB-281A16E9918E}" dt="2023-05-29T00:39:47.721" v="136" actId="20577"/>
-        <pc:sldMkLst>
-          <pc:docMk/>
-          <pc:sldMk cId="417529461" sldId="256"/>
-        </pc:sldMkLst>
-        <pc:spChg chg="mod">
-          <ac:chgData name="g2172010" userId="677ea30d-a8de-4f49-ade8-c07a37f9575b" providerId="ADAL" clId="{F1A2D807-E411-4BAA-ADCB-281A16E9918E}" dt="2023-05-29T00:39:37.602" v="132" actId="14100"/>
-          <ac:spMkLst>
-            <pc:docMk/>
-            <pc:sldMk cId="417529461" sldId="256"/>
-            <ac:spMk id="2" creationId="{F72B820E-9C9D-E70A-65BA-F85683B7B53F}"/>
-          </ac:spMkLst>
-        </pc:spChg>
-        <pc:spChg chg="mod">
-          <ac:chgData name="g2172010" userId="677ea30d-a8de-4f49-ade8-c07a37f9575b" providerId="ADAL" clId="{F1A2D807-E411-4BAA-ADCB-281A16E9918E}" dt="2023-05-29T00:39:47.721" v="136" actId="20577"/>
-          <ac:spMkLst>
-            <pc:docMk/>
-            <pc:sldMk cId="417529461" sldId="256"/>
-            <ac:spMk id="3" creationId="{E160AF1F-3D83-5CD8-897C-DCE60F271224}"/>
-          </ac:spMkLst>
-        </pc:spChg>
-      </pc:sldChg>
-      <pc:sldChg chg="addSp delSp modSp mod">
-        <pc:chgData name="g2172010" userId="677ea30d-a8de-4f49-ade8-c07a37f9575b" providerId="ADAL" clId="{F1A2D807-E411-4BAA-ADCB-281A16E9918E}" dt="2023-05-29T00:39:18.660" v="128" actId="20577"/>
-        <pc:sldMkLst>
-          <pc:docMk/>
-          <pc:sldMk cId="1173041562" sldId="257"/>
-        </pc:sldMkLst>
-        <pc:spChg chg="add del mod">
-          <ac:chgData name="g2172010" userId="677ea30d-a8de-4f49-ade8-c07a37f9575b" providerId="ADAL" clId="{F1A2D807-E411-4BAA-ADCB-281A16E9918E}" dt="2023-05-29T00:39:08.859" v="102" actId="478"/>
-          <ac:spMkLst>
-            <pc:docMk/>
-            <pc:sldMk cId="1173041562" sldId="257"/>
-            <ac:spMk id="2" creationId="{B7BD9FDA-D3D3-C063-7734-8DDA8F13E47D}"/>
-          </ac:spMkLst>
-        </pc:spChg>
-        <pc:spChg chg="add del mod">
-          <ac:chgData name="g2172010" userId="677ea30d-a8de-4f49-ade8-c07a37f9575b" providerId="ADAL" clId="{F1A2D807-E411-4BAA-ADCB-281A16E9918E}" dt="2023-05-29T00:39:03.681" v="100"/>
-          <ac:spMkLst>
-            <pc:docMk/>
-            <pc:sldMk cId="1173041562" sldId="257"/>
-            <ac:spMk id="3" creationId="{2C122574-4C1B-8DFE-8682-6CD7E6C7ECA2}"/>
-          </ac:spMkLst>
-        </pc:spChg>
-        <pc:spChg chg="add mod">
-          <ac:chgData name="g2172010" userId="677ea30d-a8de-4f49-ade8-c07a37f9575b" providerId="ADAL" clId="{F1A2D807-E411-4BAA-ADCB-281A16E9918E}" dt="2023-05-29T00:39:18.660" v="128" actId="20577"/>
-          <ac:spMkLst>
-            <pc:docMk/>
-            <pc:sldMk cId="1173041562" sldId="257"/>
-            <ac:spMk id="4" creationId="{AA884702-11B4-AFDB-29E2-AE0D74A3E472}"/>
-          </ac:spMkLst>
-        </pc:spChg>
-      </pc:sldChg>
-      <pc:sldChg chg="modSp new mod">
-        <pc:chgData name="g2172010" userId="677ea30d-a8de-4f49-ade8-c07a37f9575b" providerId="ADAL" clId="{F1A2D807-E411-4BAA-ADCB-281A16E9918E}" dt="2023-05-29T00:39:56.338" v="150" actId="20577"/>
-        <pc:sldMkLst>
-          <pc:docMk/>
-          <pc:sldMk cId="1090225632" sldId="258"/>
-        </pc:sldMkLst>
-        <pc:spChg chg="mod">
-          <ac:chgData name="g2172010" userId="677ea30d-a8de-4f49-ade8-c07a37f9575b" providerId="ADAL" clId="{F1A2D807-E411-4BAA-ADCB-281A16E9918E}" dt="2023-05-29T00:39:56.338" v="150" actId="20577"/>
-          <ac:spMkLst>
-            <pc:docMk/>
-            <pc:sldMk cId="1090225632" sldId="258"/>
-            <ac:spMk id="2" creationId="{E885C0B0-4AB5-56B4-9AA6-06609495ADE6}"/>
-          </ac:spMkLst>
-        </pc:spChg>
-      </pc:sldChg>
-      <pc:sldChg chg="new del">
-        <pc:chgData name="g2172010" userId="677ea30d-a8de-4f49-ade8-c07a37f9575b" providerId="ADAL" clId="{F1A2D807-E411-4BAA-ADCB-281A16E9918E}" dt="2023-05-29T00:39:04.147" v="101" actId="680"/>
-        <pc:sldMkLst>
-          <pc:docMk/>
-          <pc:sldMk cId="2187491737" sldId="258"/>
-        </pc:sldMkLst>
-      </pc:sldChg>
-      <pc:sldChg chg="modSp new mod">
-        <pc:chgData name="g2172010" userId="677ea30d-a8de-4f49-ade8-c07a37f9575b" providerId="ADAL" clId="{F1A2D807-E411-4BAA-ADCB-281A16E9918E}" dt="2023-05-29T00:40:28.730" v="193" actId="14100"/>
-        <pc:sldMkLst>
-          <pc:docMk/>
-          <pc:sldMk cId="3544319917" sldId="259"/>
-        </pc:sldMkLst>
-        <pc:spChg chg="mod">
-          <ac:chgData name="g2172010" userId="677ea30d-a8de-4f49-ade8-c07a37f9575b" providerId="ADAL" clId="{F1A2D807-E411-4BAA-ADCB-281A16E9918E}" dt="2023-05-29T00:40:28.730" v="193" actId="14100"/>
-          <ac:spMkLst>
-            <pc:docMk/>
-            <pc:sldMk cId="3544319917" sldId="259"/>
-            <ac:spMk id="2" creationId="{7D393D50-2609-2A6D-918A-735E8BB71EAA}"/>
-          </ac:spMkLst>
-        </pc:spChg>
-      </pc:sldChg>
-    </pc:docChg>
-  </pc:docChgLst>
   <pc:docChgLst>
     <pc:chgData name="g2172010" userId="677ea30d-a8de-4f49-ade8-c07a37f9575b" providerId="ADAL" clId="{C907617E-C4A9-4E2A-A5F9-4FFE4D50F61C}"/>
     <pc:docChg chg="custSel addSld modSld">
@@ -304,6 +213,575 @@
       </pc:sldChg>
     </pc:docChg>
   </pc:docChgLst>
+  <pc:docChgLst>
+    <pc:chgData name="g2172010" userId="677ea30d-a8de-4f49-ade8-c07a37f9575b" providerId="ADAL" clId="{F1A2D807-E411-4BAA-ADCB-281A16E9918E}"/>
+    <pc:docChg chg="undo custSel addSld delSld modSld">
+      <pc:chgData name="g2172010" userId="677ea30d-a8de-4f49-ade8-c07a37f9575b" providerId="ADAL" clId="{F1A2D807-E411-4BAA-ADCB-281A16E9918E}" dt="2023-06-02T07:18:14.919" v="254" actId="164"/>
+      <pc:docMkLst>
+        <pc:docMk/>
+      </pc:docMkLst>
+      <pc:sldChg chg="modSp mod">
+        <pc:chgData name="g2172010" userId="677ea30d-a8de-4f49-ade8-c07a37f9575b" providerId="ADAL" clId="{F1A2D807-E411-4BAA-ADCB-281A16E9918E}" dt="2023-05-29T00:39:47.721" v="136" actId="20577"/>
+        <pc:sldMkLst>
+          <pc:docMk/>
+          <pc:sldMk cId="417529461" sldId="256"/>
+        </pc:sldMkLst>
+        <pc:spChg chg="mod">
+          <ac:chgData name="g2172010" userId="677ea30d-a8de-4f49-ade8-c07a37f9575b" providerId="ADAL" clId="{F1A2D807-E411-4BAA-ADCB-281A16E9918E}" dt="2023-05-29T00:39:37.602" v="132" actId="14100"/>
+          <ac:spMkLst>
+            <pc:docMk/>
+            <pc:sldMk cId="417529461" sldId="256"/>
+            <ac:spMk id="2" creationId="{F72B820E-9C9D-E70A-65BA-F85683B7B53F}"/>
+          </ac:spMkLst>
+        </pc:spChg>
+        <pc:spChg chg="mod">
+          <ac:chgData name="g2172010" userId="677ea30d-a8de-4f49-ade8-c07a37f9575b" providerId="ADAL" clId="{F1A2D807-E411-4BAA-ADCB-281A16E9918E}" dt="2023-05-29T00:39:47.721" v="136" actId="20577"/>
+          <ac:spMkLst>
+            <pc:docMk/>
+            <pc:sldMk cId="417529461" sldId="256"/>
+            <ac:spMk id="3" creationId="{E160AF1F-3D83-5CD8-897C-DCE60F271224}"/>
+          </ac:spMkLst>
+        </pc:spChg>
+      </pc:sldChg>
+      <pc:sldChg chg="addSp delSp modSp mod">
+        <pc:chgData name="g2172010" userId="677ea30d-a8de-4f49-ade8-c07a37f9575b" providerId="ADAL" clId="{F1A2D807-E411-4BAA-ADCB-281A16E9918E}" dt="2023-06-02T07:18:14.919" v="254" actId="164"/>
+        <pc:sldMkLst>
+          <pc:docMk/>
+          <pc:sldMk cId="1173041562" sldId="257"/>
+        </pc:sldMkLst>
+        <pc:spChg chg="add mod">
+          <ac:chgData name="g2172010" userId="677ea30d-a8de-4f49-ade8-c07a37f9575b" providerId="ADAL" clId="{F1A2D807-E411-4BAA-ADCB-281A16E9918E}" dt="2023-06-02T07:18:14.919" v="254" actId="164"/>
+          <ac:spMkLst>
+            <pc:docMk/>
+            <pc:sldMk cId="1173041562" sldId="257"/>
+            <ac:spMk id="2" creationId="{0DA187D8-D021-882E-A694-84E5BE4E73A9}"/>
+          </ac:spMkLst>
+        </pc:spChg>
+        <pc:spChg chg="add del mod">
+          <ac:chgData name="g2172010" userId="677ea30d-a8de-4f49-ade8-c07a37f9575b" providerId="ADAL" clId="{F1A2D807-E411-4BAA-ADCB-281A16E9918E}" dt="2023-05-29T00:39:08.859" v="102" actId="478"/>
+          <ac:spMkLst>
+            <pc:docMk/>
+            <pc:sldMk cId="1173041562" sldId="257"/>
+            <ac:spMk id="2" creationId="{B7BD9FDA-D3D3-C063-7734-8DDA8F13E47D}"/>
+          </ac:spMkLst>
+        </pc:spChg>
+        <pc:spChg chg="add del mod">
+          <ac:chgData name="g2172010" userId="677ea30d-a8de-4f49-ade8-c07a37f9575b" providerId="ADAL" clId="{F1A2D807-E411-4BAA-ADCB-281A16E9918E}" dt="2023-05-29T00:39:03.681" v="100"/>
+          <ac:spMkLst>
+            <pc:docMk/>
+            <pc:sldMk cId="1173041562" sldId="257"/>
+            <ac:spMk id="3" creationId="{2C122574-4C1B-8DFE-8682-6CD7E6C7ECA2}"/>
+          </ac:spMkLst>
+        </pc:spChg>
+        <pc:spChg chg="add mod">
+          <ac:chgData name="g2172010" userId="677ea30d-a8de-4f49-ade8-c07a37f9575b" providerId="ADAL" clId="{F1A2D807-E411-4BAA-ADCB-281A16E9918E}" dt="2023-06-02T07:18:14.919" v="254" actId="164"/>
+          <ac:spMkLst>
+            <pc:docMk/>
+            <pc:sldMk cId="1173041562" sldId="257"/>
+            <ac:spMk id="3" creationId="{7770E8C5-6EEE-EE7F-DD82-0D2538634896}"/>
+          </ac:spMkLst>
+        </pc:spChg>
+        <pc:spChg chg="add mod">
+          <ac:chgData name="g2172010" userId="677ea30d-a8de-4f49-ade8-c07a37f9575b" providerId="ADAL" clId="{F1A2D807-E411-4BAA-ADCB-281A16E9918E}" dt="2023-05-29T00:39:18.660" v="128" actId="20577"/>
+          <ac:spMkLst>
+            <pc:docMk/>
+            <pc:sldMk cId="1173041562" sldId="257"/>
+            <ac:spMk id="4" creationId="{AA884702-11B4-AFDB-29E2-AE0D74A3E472}"/>
+          </ac:spMkLst>
+        </pc:spChg>
+        <pc:spChg chg="mod">
+          <ac:chgData name="g2172010" userId="677ea30d-a8de-4f49-ade8-c07a37f9575b" providerId="ADAL" clId="{F1A2D807-E411-4BAA-ADCB-281A16E9918E}" dt="2023-06-02T07:18:14.919" v="254" actId="164"/>
+          <ac:spMkLst>
+            <pc:docMk/>
+            <pc:sldMk cId="1173041562" sldId="257"/>
+            <ac:spMk id="5" creationId="{BCAE3668-9828-43FA-AD9A-88D255A69839}"/>
+          </ac:spMkLst>
+        </pc:spChg>
+        <pc:spChg chg="add mod">
+          <ac:chgData name="g2172010" userId="677ea30d-a8de-4f49-ade8-c07a37f9575b" providerId="ADAL" clId="{F1A2D807-E411-4BAA-ADCB-281A16E9918E}" dt="2023-06-02T07:18:14.919" v="254" actId="164"/>
+          <ac:spMkLst>
+            <pc:docMk/>
+            <pc:sldMk cId="1173041562" sldId="257"/>
+            <ac:spMk id="6" creationId="{EE197F5D-168F-0285-0810-5E68541A8FBE}"/>
+          </ac:spMkLst>
+        </pc:spChg>
+        <pc:spChg chg="mod">
+          <ac:chgData name="g2172010" userId="677ea30d-a8de-4f49-ade8-c07a37f9575b" providerId="ADAL" clId="{F1A2D807-E411-4BAA-ADCB-281A16E9918E}" dt="2023-06-02T07:18:14.919" v="254" actId="164"/>
+          <ac:spMkLst>
+            <pc:docMk/>
+            <pc:sldMk cId="1173041562" sldId="257"/>
+            <ac:spMk id="8" creationId="{8D5CEAAB-EA26-491F-F2CF-62145D82C795}"/>
+          </ac:spMkLst>
+        </pc:spChg>
+        <pc:spChg chg="mod">
+          <ac:chgData name="g2172010" userId="677ea30d-a8de-4f49-ade8-c07a37f9575b" providerId="ADAL" clId="{F1A2D807-E411-4BAA-ADCB-281A16E9918E}" dt="2023-06-02T07:18:14.919" v="254" actId="164"/>
+          <ac:spMkLst>
+            <pc:docMk/>
+            <pc:sldMk cId="1173041562" sldId="257"/>
+            <ac:spMk id="9" creationId="{3B65950F-DDDE-455A-73E0-87CA76411D80}"/>
+          </ac:spMkLst>
+        </pc:spChg>
+        <pc:spChg chg="mod">
+          <ac:chgData name="g2172010" userId="677ea30d-a8de-4f49-ade8-c07a37f9575b" providerId="ADAL" clId="{F1A2D807-E411-4BAA-ADCB-281A16E9918E}" dt="2023-06-02T07:18:14.919" v="254" actId="164"/>
+          <ac:spMkLst>
+            <pc:docMk/>
+            <pc:sldMk cId="1173041562" sldId="257"/>
+            <ac:spMk id="10" creationId="{7AF14547-D451-E498-9C79-4133464E78CD}"/>
+          </ac:spMkLst>
+        </pc:spChg>
+        <pc:spChg chg="mod">
+          <ac:chgData name="g2172010" userId="677ea30d-a8de-4f49-ade8-c07a37f9575b" providerId="ADAL" clId="{F1A2D807-E411-4BAA-ADCB-281A16E9918E}" dt="2023-06-02T07:18:14.919" v="254" actId="164"/>
+          <ac:spMkLst>
+            <pc:docMk/>
+            <pc:sldMk cId="1173041562" sldId="257"/>
+            <ac:spMk id="11" creationId="{C4A4E2D7-2CCA-D1B3-E1E1-6B0DC38D536A}"/>
+          </ac:spMkLst>
+        </pc:spChg>
+        <pc:grpChg chg="add mod">
+          <ac:chgData name="g2172010" userId="677ea30d-a8de-4f49-ade8-c07a37f9575b" providerId="ADAL" clId="{F1A2D807-E411-4BAA-ADCB-281A16E9918E}" dt="2023-06-02T07:18:14.919" v="254" actId="164"/>
+          <ac:grpSpMkLst>
+            <pc:docMk/>
+            <pc:sldMk cId="1173041562" sldId="257"/>
+            <ac:grpSpMk id="12" creationId="{D4EB0D09-02D9-2225-6B0D-4A68C2DB3ED1}"/>
+          </ac:grpSpMkLst>
+        </pc:grpChg>
+        <pc:graphicFrameChg chg="mod">
+          <ac:chgData name="g2172010" userId="677ea30d-a8de-4f49-ade8-c07a37f9575b" providerId="ADAL" clId="{F1A2D807-E411-4BAA-ADCB-281A16E9918E}" dt="2023-06-02T07:18:14.919" v="254" actId="164"/>
+          <ac:graphicFrameMkLst>
+            <pc:docMk/>
+            <pc:sldMk cId="1173041562" sldId="257"/>
+            <ac:graphicFrameMk id="7" creationId="{4E224B72-27CD-3CFA-2925-1BC4809E4DF5}"/>
+          </ac:graphicFrameMkLst>
+        </pc:graphicFrameChg>
+      </pc:sldChg>
+      <pc:sldChg chg="modSp new mod">
+        <pc:chgData name="g2172010" userId="677ea30d-a8de-4f49-ade8-c07a37f9575b" providerId="ADAL" clId="{F1A2D807-E411-4BAA-ADCB-281A16E9918E}" dt="2023-05-29T00:39:56.338" v="150" actId="20577"/>
+        <pc:sldMkLst>
+          <pc:docMk/>
+          <pc:sldMk cId="1090225632" sldId="258"/>
+        </pc:sldMkLst>
+        <pc:spChg chg="mod">
+          <ac:chgData name="g2172010" userId="677ea30d-a8de-4f49-ade8-c07a37f9575b" providerId="ADAL" clId="{F1A2D807-E411-4BAA-ADCB-281A16E9918E}" dt="2023-05-29T00:39:56.338" v="150" actId="20577"/>
+          <ac:spMkLst>
+            <pc:docMk/>
+            <pc:sldMk cId="1090225632" sldId="258"/>
+            <ac:spMk id="2" creationId="{E885C0B0-4AB5-56B4-9AA6-06609495ADE6}"/>
+          </ac:spMkLst>
+        </pc:spChg>
+      </pc:sldChg>
+      <pc:sldChg chg="new del">
+        <pc:chgData name="g2172010" userId="677ea30d-a8de-4f49-ade8-c07a37f9575b" providerId="ADAL" clId="{F1A2D807-E411-4BAA-ADCB-281A16E9918E}" dt="2023-05-29T00:39:04.147" v="101" actId="680"/>
+        <pc:sldMkLst>
+          <pc:docMk/>
+          <pc:sldMk cId="2187491737" sldId="258"/>
+        </pc:sldMkLst>
+      </pc:sldChg>
+      <pc:sldChg chg="modSp new mod">
+        <pc:chgData name="g2172010" userId="677ea30d-a8de-4f49-ade8-c07a37f9575b" providerId="ADAL" clId="{F1A2D807-E411-4BAA-ADCB-281A16E9918E}" dt="2023-05-29T00:40:28.730" v="193" actId="14100"/>
+        <pc:sldMkLst>
+          <pc:docMk/>
+          <pc:sldMk cId="3544319917" sldId="259"/>
+        </pc:sldMkLst>
+        <pc:spChg chg="mod">
+          <ac:chgData name="g2172010" userId="677ea30d-a8de-4f49-ade8-c07a37f9575b" providerId="ADAL" clId="{F1A2D807-E411-4BAA-ADCB-281A16E9918E}" dt="2023-05-29T00:40:28.730" v="193" actId="14100"/>
+          <ac:spMkLst>
+            <pc:docMk/>
+            <pc:sldMk cId="3544319917" sldId="259"/>
+            <ac:spMk id="2" creationId="{7D393D50-2609-2A6D-918A-735E8BB71EAA}"/>
+          </ac:spMkLst>
+        </pc:spChg>
+      </pc:sldChg>
+    </pc:docChg>
+  </pc:docChgLst>
+  <pc:docChgLst>
+    <pc:chgData name="アリマ　ショウタ" userId="677ea30d-a8de-4f49-ade8-c07a37f9575b" providerId="ADAL" clId="{F1A2D807-E411-4BAA-ADCB-281A16E9918E}"/>
+    <pc:docChg chg="undo custSel addSld delSld modSld">
+      <pc:chgData name="アリマ　ショウタ" userId="677ea30d-a8de-4f49-ade8-c07a37f9575b" providerId="ADAL" clId="{F1A2D807-E411-4BAA-ADCB-281A16E9918E}" dt="2023-06-01T01:37:56.907" v="1258"/>
+      <pc:docMkLst>
+        <pc:docMk/>
+      </pc:docMkLst>
+      <pc:sldChg chg="addSp modSp mod">
+        <pc:chgData name="アリマ　ショウタ" userId="677ea30d-a8de-4f49-ade8-c07a37f9575b" providerId="ADAL" clId="{F1A2D807-E411-4BAA-ADCB-281A16E9918E}" dt="2023-06-01T00:31:13.416" v="1215" actId="20577"/>
+        <pc:sldMkLst>
+          <pc:docMk/>
+          <pc:sldMk cId="1090225632" sldId="258"/>
+        </pc:sldMkLst>
+        <pc:spChg chg="add mod">
+          <ac:chgData name="アリマ　ショウタ" userId="677ea30d-a8de-4f49-ade8-c07a37f9575b" providerId="ADAL" clId="{F1A2D807-E411-4BAA-ADCB-281A16E9918E}" dt="2023-06-01T00:31:13.416" v="1215" actId="20577"/>
+          <ac:spMkLst>
+            <pc:docMk/>
+            <pc:sldMk cId="1090225632" sldId="258"/>
+            <ac:spMk id="2" creationId="{79BA148F-158D-863C-F507-C52B2AA415DC}"/>
+          </ac:spMkLst>
+        </pc:spChg>
+        <pc:graphicFrameChg chg="mod">
+          <ac:chgData name="アリマ　ショウタ" userId="677ea30d-a8de-4f49-ade8-c07a37f9575b" providerId="ADAL" clId="{F1A2D807-E411-4BAA-ADCB-281A16E9918E}" dt="2023-06-01T00:30:54.628" v="1183"/>
+          <ac:graphicFrameMkLst>
+            <pc:docMk/>
+            <pc:sldMk cId="1090225632" sldId="258"/>
+            <ac:graphicFrameMk id="27" creationId="{8F9C8625-95E7-D543-AB4F-3D3B82A5EE7D}"/>
+          </ac:graphicFrameMkLst>
+        </pc:graphicFrameChg>
+      </pc:sldChg>
+      <pc:sldChg chg="addSp modSp mod">
+        <pc:chgData name="アリマ　ショウタ" userId="677ea30d-a8de-4f49-ade8-c07a37f9575b" providerId="ADAL" clId="{F1A2D807-E411-4BAA-ADCB-281A16E9918E}" dt="2023-06-01T00:16:00.339" v="744" actId="1076"/>
+        <pc:sldMkLst>
+          <pc:docMk/>
+          <pc:sldMk cId="3544319917" sldId="259"/>
+        </pc:sldMkLst>
+        <pc:spChg chg="mod">
+          <ac:chgData name="アリマ　ショウタ" userId="677ea30d-a8de-4f49-ade8-c07a37f9575b" providerId="ADAL" clId="{F1A2D807-E411-4BAA-ADCB-281A16E9918E}" dt="2023-06-01T00:15:45.747" v="742" actId="20577"/>
+          <ac:spMkLst>
+            <pc:docMk/>
+            <pc:sldMk cId="3544319917" sldId="259"/>
+            <ac:spMk id="3" creationId="{426DCB8B-AFDE-AA7C-A148-E0211D02D7B5}"/>
+          </ac:spMkLst>
+        </pc:spChg>
+        <pc:spChg chg="add mod">
+          <ac:chgData name="アリマ　ショウタ" userId="677ea30d-a8de-4f49-ade8-c07a37f9575b" providerId="ADAL" clId="{F1A2D807-E411-4BAA-ADCB-281A16E9918E}" dt="2023-06-01T00:16:00.339" v="744" actId="1076"/>
+          <ac:spMkLst>
+            <pc:docMk/>
+            <pc:sldMk cId="3544319917" sldId="259"/>
+            <ac:spMk id="4" creationId="{5141C720-0CFC-9CF2-CA60-2333CB8705B6}"/>
+          </ac:spMkLst>
+        </pc:spChg>
+      </pc:sldChg>
+      <pc:sldChg chg="modSp mod">
+        <pc:chgData name="アリマ　ショウタ" userId="677ea30d-a8de-4f49-ade8-c07a37f9575b" providerId="ADAL" clId="{F1A2D807-E411-4BAA-ADCB-281A16E9918E}" dt="2023-06-01T00:07:25.914" v="87" actId="20577"/>
+        <pc:sldMkLst>
+          <pc:docMk/>
+          <pc:sldMk cId="1318989021" sldId="260"/>
+        </pc:sldMkLst>
+        <pc:spChg chg="mod">
+          <ac:chgData name="アリマ　ショウタ" userId="677ea30d-a8de-4f49-ade8-c07a37f9575b" providerId="ADAL" clId="{F1A2D807-E411-4BAA-ADCB-281A16E9918E}" dt="2023-06-01T00:07:25.914" v="87" actId="20577"/>
+          <ac:spMkLst>
+            <pc:docMk/>
+            <pc:sldMk cId="1318989021" sldId="260"/>
+            <ac:spMk id="3" creationId="{854A9AA4-3D00-FB80-2D5B-A3E862736AD3}"/>
+          </ac:spMkLst>
+        </pc:spChg>
+      </pc:sldChg>
+      <pc:sldChg chg="modSp mod">
+        <pc:chgData name="アリマ　ショウタ" userId="677ea30d-a8de-4f49-ade8-c07a37f9575b" providerId="ADAL" clId="{F1A2D807-E411-4BAA-ADCB-281A16E9918E}" dt="2023-05-31T08:46:06.145" v="49" actId="20577"/>
+        <pc:sldMkLst>
+          <pc:docMk/>
+          <pc:sldMk cId="3344436348" sldId="262"/>
+        </pc:sldMkLst>
+        <pc:spChg chg="mod">
+          <ac:chgData name="アリマ　ショウタ" userId="677ea30d-a8de-4f49-ade8-c07a37f9575b" providerId="ADAL" clId="{F1A2D807-E411-4BAA-ADCB-281A16E9918E}" dt="2023-05-31T08:46:06.145" v="49" actId="20577"/>
+          <ac:spMkLst>
+            <pc:docMk/>
+            <pc:sldMk cId="3344436348" sldId="262"/>
+            <ac:spMk id="3" creationId="{8CEDE329-9F28-2E53-CE29-DAC08C6F5B8B}"/>
+          </ac:spMkLst>
+        </pc:spChg>
+      </pc:sldChg>
+      <pc:sldChg chg="addSp delSp modSp del mod setBg setClrOvrMap">
+        <pc:chgData name="アリマ　ショウタ" userId="677ea30d-a8de-4f49-ade8-c07a37f9575b" providerId="ADAL" clId="{F1A2D807-E411-4BAA-ADCB-281A16E9918E}" dt="2023-06-01T00:28:40.856" v="1175" actId="47"/>
+        <pc:sldMkLst>
+          <pc:docMk/>
+          <pc:sldMk cId="636815745" sldId="263"/>
+        </pc:sldMkLst>
+        <pc:spChg chg="del mod">
+          <ac:chgData name="アリマ　ショウタ" userId="677ea30d-a8de-4f49-ade8-c07a37f9575b" providerId="ADAL" clId="{F1A2D807-E411-4BAA-ADCB-281A16E9918E}" dt="2023-06-01T00:26:02.876" v="1162" actId="26606"/>
+          <ac:spMkLst>
+            <pc:docMk/>
+            <pc:sldMk cId="636815745" sldId="263"/>
+            <ac:spMk id="3" creationId="{1F1E2189-4EC4-C35B-A9EE-6C26037739F5}"/>
+          </ac:spMkLst>
+        </pc:spChg>
+        <pc:spChg chg="add del">
+          <ac:chgData name="アリマ　ショウタ" userId="677ea30d-a8de-4f49-ade8-c07a37f9575b" providerId="ADAL" clId="{F1A2D807-E411-4BAA-ADCB-281A16E9918E}" dt="2023-06-01T00:26:00.138" v="1161" actId="26606"/>
+          <ac:spMkLst>
+            <pc:docMk/>
+            <pc:sldMk cId="636815745" sldId="263"/>
+            <ac:spMk id="9" creationId="{DADC4F84-175A-4AB1-916C-1E5796E1E0D3}"/>
+          </ac:spMkLst>
+        </pc:spChg>
+        <pc:graphicFrameChg chg="add">
+          <ac:chgData name="アリマ　ショウタ" userId="677ea30d-a8de-4f49-ade8-c07a37f9575b" providerId="ADAL" clId="{F1A2D807-E411-4BAA-ADCB-281A16E9918E}" dt="2023-06-01T00:26:02.876" v="1162" actId="26606"/>
+          <ac:graphicFrameMkLst>
+            <pc:docMk/>
+            <pc:sldMk cId="636815745" sldId="263"/>
+            <ac:graphicFrameMk id="6" creationId="{4AF3B62B-CA3C-1AE4-C03B-1926017F9603}"/>
+          </ac:graphicFrameMkLst>
+        </pc:graphicFrameChg>
+        <pc:picChg chg="add del">
+          <ac:chgData name="アリマ　ショウタ" userId="677ea30d-a8de-4f49-ade8-c07a37f9575b" providerId="ADAL" clId="{F1A2D807-E411-4BAA-ADCB-281A16E9918E}" dt="2023-06-01T00:26:00.138" v="1161" actId="26606"/>
+          <ac:picMkLst>
+            <pc:docMk/>
+            <pc:sldMk cId="636815745" sldId="263"/>
+            <ac:picMk id="5" creationId="{D30EC814-4A1E-9314-4A4C-262B966BB2D3}"/>
+          </ac:picMkLst>
+        </pc:picChg>
+      </pc:sldChg>
+      <pc:sldChg chg="addSp delSp modSp mod">
+        <pc:chgData name="アリマ　ショウタ" userId="677ea30d-a8de-4f49-ade8-c07a37f9575b" providerId="ADAL" clId="{F1A2D807-E411-4BAA-ADCB-281A16E9918E}" dt="2023-06-01T00:12:04.143" v="573" actId="20577"/>
+        <pc:sldMkLst>
+          <pc:docMk/>
+          <pc:sldMk cId="1936147639" sldId="271"/>
+        </pc:sldMkLst>
+        <pc:spChg chg="mod">
+          <ac:chgData name="アリマ　ショウタ" userId="677ea30d-a8de-4f49-ade8-c07a37f9575b" providerId="ADAL" clId="{F1A2D807-E411-4BAA-ADCB-281A16E9918E}" dt="2023-06-01T00:12:04.143" v="573" actId="20577"/>
+          <ac:spMkLst>
+            <pc:docMk/>
+            <pc:sldMk cId="1936147639" sldId="271"/>
+            <ac:spMk id="3" creationId="{BFFB8F69-7F2F-9AA5-38E8-43B8BE176C8F}"/>
+          </ac:spMkLst>
+        </pc:spChg>
+        <pc:spChg chg="add del mod">
+          <ac:chgData name="アリマ　ショウタ" userId="677ea30d-a8de-4f49-ade8-c07a37f9575b" providerId="ADAL" clId="{F1A2D807-E411-4BAA-ADCB-281A16E9918E}" dt="2023-06-01T00:08:50.690" v="198" actId="478"/>
+          <ac:spMkLst>
+            <pc:docMk/>
+            <pc:sldMk cId="1936147639" sldId="271"/>
+            <ac:spMk id="4" creationId="{661D35FC-28C4-B5D8-2E40-81B88A09A4FA}"/>
+          </ac:spMkLst>
+        </pc:spChg>
+        <pc:spChg chg="add mod">
+          <ac:chgData name="アリマ　ショウタ" userId="677ea30d-a8de-4f49-ade8-c07a37f9575b" providerId="ADAL" clId="{F1A2D807-E411-4BAA-ADCB-281A16E9918E}" dt="2023-06-01T00:09:03.892" v="199"/>
+          <ac:spMkLst>
+            <pc:docMk/>
+            <pc:sldMk cId="1936147639" sldId="271"/>
+            <ac:spMk id="5" creationId="{4E3AB523-6555-9596-0C72-5EFEFB9723C8}"/>
+          </ac:spMkLst>
+        </pc:spChg>
+      </pc:sldChg>
+      <pc:sldChg chg="modSp mod">
+        <pc:chgData name="アリマ　ショウタ" userId="677ea30d-a8de-4f49-ade8-c07a37f9575b" providerId="ADAL" clId="{F1A2D807-E411-4BAA-ADCB-281A16E9918E}" dt="2023-06-01T00:07:33.790" v="98" actId="20577"/>
+        <pc:sldMkLst>
+          <pc:docMk/>
+          <pc:sldMk cId="3172999849" sldId="272"/>
+        </pc:sldMkLst>
+        <pc:spChg chg="mod">
+          <ac:chgData name="アリマ　ショウタ" userId="677ea30d-a8de-4f49-ade8-c07a37f9575b" providerId="ADAL" clId="{F1A2D807-E411-4BAA-ADCB-281A16E9918E}" dt="2023-06-01T00:07:33.790" v="98" actId="20577"/>
+          <ac:spMkLst>
+            <pc:docMk/>
+            <pc:sldMk cId="3172999849" sldId="272"/>
+            <ac:spMk id="2" creationId="{27D9FF26-59B0-1BFC-D544-3F89692885F5}"/>
+          </ac:spMkLst>
+        </pc:spChg>
+      </pc:sldChg>
+      <pc:sldChg chg="addSp delSp modSp new mod modNotesTx">
+        <pc:chgData name="アリマ　ショウタ" userId="677ea30d-a8de-4f49-ade8-c07a37f9575b" providerId="ADAL" clId="{F1A2D807-E411-4BAA-ADCB-281A16E9918E}" dt="2023-06-01T01:37:56.907" v="1258"/>
+        <pc:sldMkLst>
+          <pc:docMk/>
+          <pc:sldMk cId="2501971551" sldId="273"/>
+        </pc:sldMkLst>
+        <pc:spChg chg="del">
+          <ac:chgData name="アリマ　ショウタ" userId="677ea30d-a8de-4f49-ade8-c07a37f9575b" providerId="ADAL" clId="{F1A2D807-E411-4BAA-ADCB-281A16E9918E}" dt="2023-06-01T00:16:11.507" v="745" actId="478"/>
+          <ac:spMkLst>
+            <pc:docMk/>
+            <pc:sldMk cId="2501971551" sldId="273"/>
+            <ac:spMk id="2" creationId="{97ECAD94-C9CD-D3A8-4794-CDC87BF545CE}"/>
+          </ac:spMkLst>
+        </pc:spChg>
+        <pc:spChg chg="del">
+          <ac:chgData name="アリマ　ショウタ" userId="677ea30d-a8de-4f49-ade8-c07a37f9575b" providerId="ADAL" clId="{F1A2D807-E411-4BAA-ADCB-281A16E9918E}" dt="2023-06-01T00:15:52.120" v="743" actId="478"/>
+          <ac:spMkLst>
+            <pc:docMk/>
+            <pc:sldMk cId="2501971551" sldId="273"/>
+            <ac:spMk id="3" creationId="{C9860920-AECE-3C09-EB3E-7B31F0FE2435}"/>
+          </ac:spMkLst>
+        </pc:spChg>
+        <pc:spChg chg="add mod">
+          <ac:chgData name="アリマ　ショウタ" userId="677ea30d-a8de-4f49-ade8-c07a37f9575b" providerId="ADAL" clId="{F1A2D807-E411-4BAA-ADCB-281A16E9918E}" dt="2023-06-01T00:23:28.423" v="1116" actId="1076"/>
+          <ac:spMkLst>
+            <pc:docMk/>
+            <pc:sldMk cId="2501971551" sldId="273"/>
+            <ac:spMk id="4" creationId="{EFEFAB54-6BEB-453E-014D-7593062113AA}"/>
+          </ac:spMkLst>
+        </pc:spChg>
+        <pc:spChg chg="add mod">
+          <ac:chgData name="アリマ　ショウタ" userId="677ea30d-a8de-4f49-ade8-c07a37f9575b" providerId="ADAL" clId="{F1A2D807-E411-4BAA-ADCB-281A16E9918E}" dt="2023-06-01T00:23:28.423" v="1116" actId="1076"/>
+          <ac:spMkLst>
+            <pc:docMk/>
+            <pc:sldMk cId="2501971551" sldId="273"/>
+            <ac:spMk id="5" creationId="{B5415842-D8CE-7544-2567-D2E1E06F5AC4}"/>
+          </ac:spMkLst>
+        </pc:spChg>
+        <pc:spChg chg="add mod">
+          <ac:chgData name="アリマ　ショウタ" userId="677ea30d-a8de-4f49-ade8-c07a37f9575b" providerId="ADAL" clId="{F1A2D807-E411-4BAA-ADCB-281A16E9918E}" dt="2023-06-01T00:23:28.423" v="1116" actId="1076"/>
+          <ac:spMkLst>
+            <pc:docMk/>
+            <pc:sldMk cId="2501971551" sldId="273"/>
+            <ac:spMk id="6" creationId="{669E51B2-59DB-3AAF-C731-CF4FBE44A778}"/>
+          </ac:spMkLst>
+        </pc:spChg>
+        <pc:spChg chg="add mod">
+          <ac:chgData name="アリマ　ショウタ" userId="677ea30d-a8de-4f49-ade8-c07a37f9575b" providerId="ADAL" clId="{F1A2D807-E411-4BAA-ADCB-281A16E9918E}" dt="2023-06-01T00:23:28.423" v="1116" actId="1076"/>
+          <ac:spMkLst>
+            <pc:docMk/>
+            <pc:sldMk cId="2501971551" sldId="273"/>
+            <ac:spMk id="7" creationId="{F1AC65CC-F846-FC3D-B87A-0F0F96C04402}"/>
+          </ac:spMkLst>
+        </pc:spChg>
+        <pc:spChg chg="add del mod">
+          <ac:chgData name="アリマ　ショウタ" userId="677ea30d-a8de-4f49-ade8-c07a37f9575b" providerId="ADAL" clId="{F1A2D807-E411-4BAA-ADCB-281A16E9918E}" dt="2023-06-01T00:17:56.274" v="771" actId="478"/>
+          <ac:spMkLst>
+            <pc:docMk/>
+            <pc:sldMk cId="2501971551" sldId="273"/>
+            <ac:spMk id="8" creationId="{0A1624EC-F44C-FA36-3380-EA63BB226BD0}"/>
+          </ac:spMkLst>
+        </pc:spChg>
+        <pc:spChg chg="add mod">
+          <ac:chgData name="アリマ　ショウタ" userId="677ea30d-a8de-4f49-ade8-c07a37f9575b" providerId="ADAL" clId="{F1A2D807-E411-4BAA-ADCB-281A16E9918E}" dt="2023-06-01T00:23:28.423" v="1116" actId="1076"/>
+          <ac:spMkLst>
+            <pc:docMk/>
+            <pc:sldMk cId="2501971551" sldId="273"/>
+            <ac:spMk id="9" creationId="{B3CB6B36-8CF6-352D-8A2F-114DB11409F3}"/>
+          </ac:spMkLst>
+        </pc:spChg>
+        <pc:spChg chg="add mod">
+          <ac:chgData name="アリマ　ショウタ" userId="677ea30d-a8de-4f49-ade8-c07a37f9575b" providerId="ADAL" clId="{F1A2D807-E411-4BAA-ADCB-281A16E9918E}" dt="2023-06-01T00:23:28.423" v="1116" actId="1076"/>
+          <ac:spMkLst>
+            <pc:docMk/>
+            <pc:sldMk cId="2501971551" sldId="273"/>
+            <ac:spMk id="10" creationId="{85C1BB48-FA44-92B6-12C0-1CCA8969F451}"/>
+          </ac:spMkLst>
+        </pc:spChg>
+        <pc:spChg chg="add mod">
+          <ac:chgData name="アリマ　ショウタ" userId="677ea30d-a8de-4f49-ade8-c07a37f9575b" providerId="ADAL" clId="{F1A2D807-E411-4BAA-ADCB-281A16E9918E}" dt="2023-06-01T00:19:40.256" v="902" actId="20577"/>
+          <ac:spMkLst>
+            <pc:docMk/>
+            <pc:sldMk cId="2501971551" sldId="273"/>
+            <ac:spMk id="11" creationId="{28267A14-E2D4-80A4-BF2F-BDE67E835268}"/>
+          </ac:spMkLst>
+        </pc:spChg>
+        <pc:spChg chg="add mod">
+          <ac:chgData name="アリマ　ショウタ" userId="677ea30d-a8de-4f49-ade8-c07a37f9575b" providerId="ADAL" clId="{F1A2D807-E411-4BAA-ADCB-281A16E9918E}" dt="2023-06-01T00:22:19.328" v="1051" actId="6549"/>
+          <ac:spMkLst>
+            <pc:docMk/>
+            <pc:sldMk cId="2501971551" sldId="273"/>
+            <ac:spMk id="12" creationId="{2BB76342-B246-EB82-1298-0AD4B11885E3}"/>
+          </ac:spMkLst>
+        </pc:spChg>
+        <pc:spChg chg="add mod">
+          <ac:chgData name="アリマ　ショウタ" userId="677ea30d-a8de-4f49-ade8-c07a37f9575b" providerId="ADAL" clId="{F1A2D807-E411-4BAA-ADCB-281A16E9918E}" dt="2023-06-01T00:22:49.750" v="1054" actId="1076"/>
+          <ac:spMkLst>
+            <pc:docMk/>
+            <pc:sldMk cId="2501971551" sldId="273"/>
+            <ac:spMk id="13" creationId="{2CE15688-142C-63AF-2F80-838ABEAC7C27}"/>
+          </ac:spMkLst>
+        </pc:spChg>
+        <pc:spChg chg="add mod">
+          <ac:chgData name="アリマ　ショウタ" userId="677ea30d-a8de-4f49-ade8-c07a37f9575b" providerId="ADAL" clId="{F1A2D807-E411-4BAA-ADCB-281A16E9918E}" dt="2023-06-01T00:23:20.769" v="1115" actId="1076"/>
+          <ac:spMkLst>
+            <pc:docMk/>
+            <pc:sldMk cId="2501971551" sldId="273"/>
+            <ac:spMk id="14" creationId="{E9B9F281-9BB2-B70C-73CA-408196AB9411}"/>
+          </ac:spMkLst>
+        </pc:spChg>
+        <pc:spChg chg="add mod">
+          <ac:chgData name="アリマ　ショウタ" userId="677ea30d-a8de-4f49-ade8-c07a37f9575b" providerId="ADAL" clId="{F1A2D807-E411-4BAA-ADCB-281A16E9918E}" dt="2023-06-01T00:23:53.733" v="1122" actId="1076"/>
+          <ac:spMkLst>
+            <pc:docMk/>
+            <pc:sldMk cId="2501971551" sldId="273"/>
+            <ac:spMk id="15" creationId="{F954CC08-A9FE-6089-38B5-96E6B751BED2}"/>
+          </ac:spMkLst>
+        </pc:spChg>
+        <pc:spChg chg="add mod">
+          <ac:chgData name="アリマ　ショウタ" userId="677ea30d-a8de-4f49-ade8-c07a37f9575b" providerId="ADAL" clId="{F1A2D807-E411-4BAA-ADCB-281A16E9918E}" dt="2023-06-01T00:24:22.561" v="1125"/>
+          <ac:spMkLst>
+            <pc:docMk/>
+            <pc:sldMk cId="2501971551" sldId="273"/>
+            <ac:spMk id="16" creationId="{D25DD47F-8F14-0AD5-5953-B3254C528DF8}"/>
+          </ac:spMkLst>
+        </pc:spChg>
+        <pc:spChg chg="add del mod">
+          <ac:chgData name="アリマ　ショウタ" userId="677ea30d-a8de-4f49-ade8-c07a37f9575b" providerId="ADAL" clId="{F1A2D807-E411-4BAA-ADCB-281A16E9918E}" dt="2023-06-01T00:25:15.753" v="1140" actId="478"/>
+          <ac:spMkLst>
+            <pc:docMk/>
+            <pc:sldMk cId="2501971551" sldId="273"/>
+            <ac:spMk id="17" creationId="{F516184E-DBA1-FC90-2515-23A0E01F4C61}"/>
+          </ac:spMkLst>
+        </pc:spChg>
+        <pc:spChg chg="add del mod">
+          <ac:chgData name="アリマ　ショウタ" userId="677ea30d-a8de-4f49-ade8-c07a37f9575b" providerId="ADAL" clId="{F1A2D807-E411-4BAA-ADCB-281A16E9918E}" dt="2023-06-01T00:25:17.220" v="1141" actId="478"/>
+          <ac:spMkLst>
+            <pc:docMk/>
+            <pc:sldMk cId="2501971551" sldId="273"/>
+            <ac:spMk id="18" creationId="{8CEC1F1E-1793-B1BF-C9ED-A312B3F3CCEF}"/>
+          </ac:spMkLst>
+        </pc:spChg>
+        <pc:spChg chg="add mod">
+          <ac:chgData name="アリマ　ショウタ" userId="677ea30d-a8de-4f49-ade8-c07a37f9575b" providerId="ADAL" clId="{F1A2D807-E411-4BAA-ADCB-281A16E9918E}" dt="2023-06-01T00:25:06.334" v="1137" actId="1076"/>
+          <ac:spMkLst>
+            <pc:docMk/>
+            <pc:sldMk cId="2501971551" sldId="273"/>
+            <ac:spMk id="19" creationId="{3B5352FC-D391-257D-0536-374237D8332D}"/>
+          </ac:spMkLst>
+        </pc:spChg>
+        <pc:spChg chg="add del mod">
+          <ac:chgData name="アリマ　ショウタ" userId="677ea30d-a8de-4f49-ade8-c07a37f9575b" providerId="ADAL" clId="{F1A2D807-E411-4BAA-ADCB-281A16E9918E}" dt="2023-06-01T00:25:14.276" v="1139" actId="478"/>
+          <ac:spMkLst>
+            <pc:docMk/>
+            <pc:sldMk cId="2501971551" sldId="273"/>
+            <ac:spMk id="20" creationId="{7892006E-62F2-7AC1-DC11-600D29619CF8}"/>
+          </ac:spMkLst>
+        </pc:spChg>
+        <pc:spChg chg="add mod">
+          <ac:chgData name="アリマ　ショウタ" userId="677ea30d-a8de-4f49-ade8-c07a37f9575b" providerId="ADAL" clId="{F1A2D807-E411-4BAA-ADCB-281A16E9918E}" dt="2023-06-01T00:25:32.193" v="1158" actId="1076"/>
+          <ac:spMkLst>
+            <pc:docMk/>
+            <pc:sldMk cId="2501971551" sldId="273"/>
+            <ac:spMk id="21" creationId="{9A57ABE1-FE16-ABCA-FA95-717DA259E682}"/>
+          </ac:spMkLst>
+        </pc:spChg>
+      </pc:sldChg>
+      <pc:sldChg chg="addSp modSp new mod">
+        <pc:chgData name="アリマ　ショウタ" userId="677ea30d-a8de-4f49-ade8-c07a37f9575b" providerId="ADAL" clId="{F1A2D807-E411-4BAA-ADCB-281A16E9918E}" dt="2023-06-01T00:29:03.059" v="1179" actId="207"/>
+        <pc:sldMkLst>
+          <pc:docMk/>
+          <pc:sldMk cId="3034363157" sldId="274"/>
+        </pc:sldMkLst>
+        <pc:graphicFrameChg chg="add mod modGraphic">
+          <ac:chgData name="アリマ　ショウタ" userId="677ea30d-a8de-4f49-ade8-c07a37f9575b" providerId="ADAL" clId="{F1A2D807-E411-4BAA-ADCB-281A16E9918E}" dt="2023-06-01T00:29:03.059" v="1179" actId="207"/>
+          <ac:graphicFrameMkLst>
+            <pc:docMk/>
+            <pc:sldMk cId="3034363157" sldId="274"/>
+            <ac:graphicFrameMk id="2" creationId="{61EAECD7-BBE9-C6DD-48B3-AF10AC0AD07F}"/>
+          </ac:graphicFrameMkLst>
+        </pc:graphicFrameChg>
+      </pc:sldChg>
+      <pc:sldChg chg="new del">
+        <pc:chgData name="アリマ　ショウタ" userId="677ea30d-a8de-4f49-ade8-c07a37f9575b" providerId="ADAL" clId="{F1A2D807-E411-4BAA-ADCB-281A16E9918E}" dt="2023-06-01T00:25:34.998" v="1159" actId="47"/>
+        <pc:sldMkLst>
+          <pc:docMk/>
+          <pc:sldMk cId="3545240091" sldId="274"/>
+        </pc:sldMkLst>
+      </pc:sldChg>
+      <pc:sldChg chg="new del">
+        <pc:chgData name="アリマ　ショウタ" userId="677ea30d-a8de-4f49-ade8-c07a37f9575b" providerId="ADAL" clId="{F1A2D807-E411-4BAA-ADCB-281A16E9918E}" dt="2023-06-01T00:46:50.897" v="1218" actId="47"/>
+        <pc:sldMkLst>
+          <pc:docMk/>
+          <pc:sldMk cId="4294104532" sldId="275"/>
+        </pc:sldMkLst>
+      </pc:sldChg>
+      <pc:sldChg chg="modSp new mod">
+        <pc:chgData name="アリマ　ショウタ" userId="677ea30d-a8de-4f49-ade8-c07a37f9575b" providerId="ADAL" clId="{F1A2D807-E411-4BAA-ADCB-281A16E9918E}" dt="2023-06-01T00:47:33.124" v="1257" actId="404"/>
+        <pc:sldMkLst>
+          <pc:docMk/>
+          <pc:sldMk cId="849468075" sldId="276"/>
+        </pc:sldMkLst>
+        <pc:spChg chg="mod">
+          <ac:chgData name="アリマ　ショウタ" userId="677ea30d-a8de-4f49-ade8-c07a37f9575b" providerId="ADAL" clId="{F1A2D807-E411-4BAA-ADCB-281A16E9918E}" dt="2023-06-01T00:46:54.467" v="1223" actId="20577"/>
+          <ac:spMkLst>
+            <pc:docMk/>
+            <pc:sldMk cId="849468075" sldId="276"/>
+            <ac:spMk id="2" creationId="{0E2A8BE9-A84C-0BF5-33CC-F8410857E99B}"/>
+          </ac:spMkLst>
+        </pc:spChg>
+        <pc:spChg chg="mod">
+          <ac:chgData name="アリマ　ショウタ" userId="677ea30d-a8de-4f49-ade8-c07a37f9575b" providerId="ADAL" clId="{F1A2D807-E411-4BAA-ADCB-281A16E9918E}" dt="2023-06-01T00:47:33.124" v="1257" actId="404"/>
+          <ac:spMkLst>
+            <pc:docMk/>
+            <pc:sldMk cId="849468075" sldId="276"/>
+            <ac:spMk id="3" creationId="{64090476-C233-531C-AA86-6F16F46AD04D}"/>
+          </ac:spMkLst>
+        </pc:spChg>
+      </pc:sldChg>
+    </pc:docChg>
+  </pc:docChgLst>
 </pc:chgInfo>
 </file>
 
@@ -1973,11 +2451,793 @@
 </dgm:colorsDef>
 </file>
 
+<file path=ppt/diagrams/colors3.xml><?xml version="1.0" encoding="utf-8"?>
+<dgm:colorsDef xmlns:dgm="http://schemas.openxmlformats.org/drawingml/2006/diagram" xmlns:a="http://schemas.openxmlformats.org/drawingml/2006/main" uniqueId="urn:microsoft.com/office/officeart/2005/8/colors/colorful2">
+  <dgm:title val=""/>
+  <dgm:desc val=""/>
+  <dgm:catLst>
+    <dgm:cat type="colorful" pri="10200"/>
+  </dgm:catLst>
+  <dgm:styleLbl name="node0">
+    <dgm:fillClrLst meth="repeat">
+      <a:schemeClr val="accent1"/>
+    </dgm:fillClrLst>
+    <dgm:linClrLst meth="repeat">
+      <a:schemeClr val="lt1"/>
+    </dgm:linClrLst>
+    <dgm:effectClrLst/>
+    <dgm:txLinClrLst/>
+    <dgm:txFillClrLst/>
+    <dgm:txEffectClrLst/>
+  </dgm:styleLbl>
+  <dgm:styleLbl name="node1">
+    <dgm:fillClrLst>
+      <a:schemeClr val="accent2"/>
+      <a:schemeClr val="accent3"/>
+    </dgm:fillClrLst>
+    <dgm:linClrLst meth="repeat">
+      <a:schemeClr val="lt1"/>
+    </dgm:linClrLst>
+    <dgm:effectClrLst/>
+    <dgm:txLinClrLst/>
+    <dgm:txFillClrLst/>
+    <dgm:txEffectClrLst/>
+  </dgm:styleLbl>
+  <dgm:styleLbl name="alignNode1">
+    <dgm:fillClrLst>
+      <a:schemeClr val="accent2"/>
+      <a:schemeClr val="accent3"/>
+    </dgm:fillClrLst>
+    <dgm:linClrLst>
+      <a:schemeClr val="accent2"/>
+      <a:schemeClr val="accent3"/>
+    </dgm:linClrLst>
+    <dgm:effectClrLst/>
+    <dgm:txLinClrLst/>
+    <dgm:txFillClrLst/>
+    <dgm:txEffectClrLst/>
+  </dgm:styleLbl>
+  <dgm:styleLbl name="lnNode1">
+    <dgm:fillClrLst>
+      <a:schemeClr val="accent2"/>
+      <a:schemeClr val="accent3"/>
+    </dgm:fillClrLst>
+    <dgm:linClrLst meth="repeat">
+      <a:schemeClr val="lt1"/>
+    </dgm:linClrLst>
+    <dgm:effectClrLst/>
+    <dgm:txLinClrLst/>
+    <dgm:txFillClrLst/>
+    <dgm:txEffectClrLst/>
+  </dgm:styleLbl>
+  <dgm:styleLbl name="vennNode1">
+    <dgm:fillClrLst>
+      <a:schemeClr val="accent2">
+        <a:alpha val="50000"/>
+      </a:schemeClr>
+      <a:schemeClr val="accent3">
+        <a:alpha val="50000"/>
+      </a:schemeClr>
+    </dgm:fillClrLst>
+    <dgm:linClrLst meth="repeat">
+      <a:schemeClr val="lt1"/>
+    </dgm:linClrLst>
+    <dgm:effectClrLst/>
+    <dgm:txLinClrLst/>
+    <dgm:txFillClrLst/>
+    <dgm:txEffectClrLst/>
+  </dgm:styleLbl>
+  <dgm:styleLbl name="node2">
+    <dgm:fillClrLst>
+      <a:schemeClr val="accent3"/>
+    </dgm:fillClrLst>
+    <dgm:linClrLst meth="repeat">
+      <a:schemeClr val="lt1"/>
+    </dgm:linClrLst>
+    <dgm:effectClrLst/>
+    <dgm:txLinClrLst/>
+    <dgm:txFillClrLst/>
+    <dgm:txEffectClrLst/>
+  </dgm:styleLbl>
+  <dgm:styleLbl name="node3">
+    <dgm:fillClrLst>
+      <a:schemeClr val="accent4"/>
+    </dgm:fillClrLst>
+    <dgm:linClrLst meth="repeat">
+      <a:schemeClr val="lt1"/>
+    </dgm:linClrLst>
+    <dgm:effectClrLst/>
+    <dgm:txLinClrLst/>
+    <dgm:txFillClrLst/>
+    <dgm:txEffectClrLst/>
+  </dgm:styleLbl>
+  <dgm:styleLbl name="node4">
+    <dgm:fillClrLst>
+      <a:schemeClr val="accent5"/>
+    </dgm:fillClrLst>
+    <dgm:linClrLst meth="repeat">
+      <a:schemeClr val="lt1"/>
+    </dgm:linClrLst>
+    <dgm:effectClrLst/>
+    <dgm:txLinClrLst/>
+    <dgm:txFillClrLst/>
+    <dgm:txEffectClrLst/>
+  </dgm:styleLbl>
+  <dgm:styleLbl name="fgImgPlace1">
+    <dgm:fillClrLst>
+      <a:schemeClr val="accent2">
+        <a:tint val="50000"/>
+      </a:schemeClr>
+      <a:schemeClr val="accent3">
+        <a:tint val="50000"/>
+      </a:schemeClr>
+    </dgm:fillClrLst>
+    <dgm:linClrLst meth="repeat">
+      <a:schemeClr val="lt1"/>
+    </dgm:linClrLst>
+    <dgm:effectClrLst/>
+    <dgm:txLinClrLst/>
+    <dgm:txFillClrLst meth="repeat">
+      <a:schemeClr val="lt1"/>
+    </dgm:txFillClrLst>
+    <dgm:txEffectClrLst/>
+  </dgm:styleLbl>
+  <dgm:styleLbl name="alignImgPlace1">
+    <dgm:fillClrLst>
+      <a:schemeClr val="accent2">
+        <a:tint val="50000"/>
+      </a:schemeClr>
+      <a:schemeClr val="accent3">
+        <a:tint val="20000"/>
+      </a:schemeClr>
+    </dgm:fillClrLst>
+    <dgm:linClrLst meth="repeat">
+      <a:schemeClr val="lt1"/>
+    </dgm:linClrLst>
+    <dgm:effectClrLst/>
+    <dgm:txLinClrLst/>
+    <dgm:txFillClrLst meth="repeat">
+      <a:schemeClr val="lt1"/>
+    </dgm:txFillClrLst>
+    <dgm:txEffectClrLst/>
+  </dgm:styleLbl>
+  <dgm:styleLbl name="bgImgPlace1">
+    <dgm:fillClrLst>
+      <a:schemeClr val="accent2">
+        <a:tint val="50000"/>
+      </a:schemeClr>
+      <a:schemeClr val="accent3">
+        <a:tint val="20000"/>
+      </a:schemeClr>
+    </dgm:fillClrLst>
+    <dgm:linClrLst meth="repeat">
+      <a:schemeClr val="lt1"/>
+    </dgm:linClrLst>
+    <dgm:effectClrLst/>
+    <dgm:txLinClrLst/>
+    <dgm:txFillClrLst meth="repeat">
+      <a:schemeClr val="lt1"/>
+    </dgm:txFillClrLst>
+    <dgm:txEffectClrLst/>
+  </dgm:styleLbl>
+  <dgm:styleLbl name="sibTrans2D1">
+    <dgm:fillClrLst>
+      <a:schemeClr val="accent2"/>
+      <a:schemeClr val="accent3"/>
+    </dgm:fillClrLst>
+    <dgm:linClrLst meth="repeat">
+      <a:schemeClr val="lt1"/>
+    </dgm:linClrLst>
+    <dgm:effectClrLst/>
+    <dgm:txLinClrLst/>
+    <dgm:txFillClrLst/>
+    <dgm:txEffectClrLst/>
+  </dgm:styleLbl>
+  <dgm:styleLbl name="fgSibTrans2D1">
+    <dgm:fillClrLst>
+      <a:schemeClr val="accent2"/>
+      <a:schemeClr val="accent3"/>
+    </dgm:fillClrLst>
+    <dgm:linClrLst meth="repeat">
+      <a:schemeClr val="lt1"/>
+    </dgm:linClrLst>
+    <dgm:effectClrLst/>
+    <dgm:txLinClrLst/>
+    <dgm:txFillClrLst meth="repeat">
+      <a:schemeClr val="lt1"/>
+    </dgm:txFillClrLst>
+    <dgm:txEffectClrLst/>
+  </dgm:styleLbl>
+  <dgm:styleLbl name="bgSibTrans2D1">
+    <dgm:fillClrLst>
+      <a:schemeClr val="accent2"/>
+      <a:schemeClr val="accent3"/>
+    </dgm:fillClrLst>
+    <dgm:linClrLst meth="repeat">
+      <a:schemeClr val="lt1"/>
+    </dgm:linClrLst>
+    <dgm:effectClrLst/>
+    <dgm:txLinClrLst/>
+    <dgm:txFillClrLst meth="repeat">
+      <a:schemeClr val="lt1"/>
+    </dgm:txFillClrLst>
+    <dgm:txEffectClrLst/>
+  </dgm:styleLbl>
+  <dgm:styleLbl name="sibTrans1D1">
+    <dgm:fillClrLst/>
+    <dgm:linClrLst>
+      <a:schemeClr val="accent2"/>
+      <a:schemeClr val="accent3"/>
+    </dgm:linClrLst>
+    <dgm:effectClrLst/>
+    <dgm:txLinClrLst/>
+    <dgm:txFillClrLst meth="repeat">
+      <a:schemeClr val="tx1"/>
+    </dgm:txFillClrLst>
+    <dgm:txEffectClrLst/>
+  </dgm:styleLbl>
+  <dgm:styleLbl name="callout">
+    <dgm:fillClrLst meth="repeat">
+      <a:schemeClr val="accent2"/>
+    </dgm:fillClrLst>
+    <dgm:linClrLst meth="repeat">
+      <a:schemeClr val="accent2">
+        <a:tint val="50000"/>
+      </a:schemeClr>
+    </dgm:linClrLst>
+    <dgm:effectClrLst/>
+    <dgm:txLinClrLst/>
+    <dgm:txFillClrLst meth="repeat">
+      <a:schemeClr val="tx1"/>
+    </dgm:txFillClrLst>
+    <dgm:txEffectClrLst/>
+  </dgm:styleLbl>
+  <dgm:styleLbl name="asst0">
+    <dgm:fillClrLst meth="repeat">
+      <a:schemeClr val="accent2"/>
+    </dgm:fillClrLst>
+    <dgm:linClrLst meth="repeat">
+      <a:schemeClr val="lt1">
+        <a:shade val="80000"/>
+      </a:schemeClr>
+    </dgm:linClrLst>
+    <dgm:effectClrLst/>
+    <dgm:txLinClrLst/>
+    <dgm:txFillClrLst/>
+    <dgm:txEffectClrLst/>
+  </dgm:styleLbl>
+  <dgm:styleLbl name="asst1">
+    <dgm:fillClrLst meth="repeat">
+      <a:schemeClr val="accent3"/>
+    </dgm:fillClrLst>
+    <dgm:linClrLst meth="repeat">
+      <a:schemeClr val="lt1">
+        <a:shade val="80000"/>
+      </a:schemeClr>
+    </dgm:linClrLst>
+    <dgm:effectClrLst/>
+    <dgm:txLinClrLst/>
+    <dgm:txFillClrLst/>
+    <dgm:txEffectClrLst/>
+  </dgm:styleLbl>
+  <dgm:styleLbl name="asst2">
+    <dgm:fillClrLst>
+      <a:schemeClr val="accent4"/>
+    </dgm:fillClrLst>
+    <dgm:linClrLst meth="repeat">
+      <a:schemeClr val="lt1"/>
+    </dgm:linClrLst>
+    <dgm:effectClrLst/>
+    <dgm:txLinClrLst/>
+    <dgm:txFillClrLst/>
+    <dgm:txEffectClrLst/>
+  </dgm:styleLbl>
+  <dgm:styleLbl name="asst3">
+    <dgm:fillClrLst>
+      <a:schemeClr val="accent5"/>
+    </dgm:fillClrLst>
+    <dgm:linClrLst meth="repeat">
+      <a:schemeClr val="lt1"/>
+    </dgm:linClrLst>
+    <dgm:effectClrLst/>
+    <dgm:txLinClrLst/>
+    <dgm:txFillClrLst/>
+    <dgm:txEffectClrLst/>
+  </dgm:styleLbl>
+  <dgm:styleLbl name="asst4">
+    <dgm:fillClrLst>
+      <a:schemeClr val="accent6"/>
+    </dgm:fillClrLst>
+    <dgm:linClrLst meth="repeat">
+      <a:schemeClr val="lt1"/>
+    </dgm:linClrLst>
+    <dgm:effectClrLst/>
+    <dgm:txLinClrLst/>
+    <dgm:txFillClrLst/>
+    <dgm:txEffectClrLst/>
+  </dgm:styleLbl>
+  <dgm:styleLbl name="parChTrans2D1">
+    <dgm:fillClrLst meth="repeat">
+      <a:schemeClr val="accent2"/>
+    </dgm:fillClrLst>
+    <dgm:linClrLst meth="repeat">
+      <a:schemeClr val="lt1"/>
+    </dgm:linClrLst>
+    <dgm:effectClrLst/>
+    <dgm:txLinClrLst/>
+    <dgm:txFillClrLst meth="repeat">
+      <a:schemeClr val="lt1"/>
+    </dgm:txFillClrLst>
+    <dgm:txEffectClrLst/>
+  </dgm:styleLbl>
+  <dgm:styleLbl name="parChTrans2D2">
+    <dgm:fillClrLst meth="repeat">
+      <a:schemeClr val="accent3"/>
+    </dgm:fillClrLst>
+    <dgm:linClrLst meth="repeat">
+      <a:schemeClr val="lt1"/>
+    </dgm:linClrLst>
+    <dgm:effectClrLst/>
+    <dgm:txLinClrLst/>
+    <dgm:txFillClrLst/>
+    <dgm:txEffectClrLst/>
+  </dgm:styleLbl>
+  <dgm:styleLbl name="parChTrans2D3">
+    <dgm:fillClrLst meth="repeat">
+      <a:schemeClr val="accent4"/>
+    </dgm:fillClrLst>
+    <dgm:linClrLst meth="repeat">
+      <a:schemeClr val="lt1"/>
+    </dgm:linClrLst>
+    <dgm:effectClrLst/>
+    <dgm:txLinClrLst/>
+    <dgm:txFillClrLst/>
+    <dgm:txEffectClrLst/>
+  </dgm:styleLbl>
+  <dgm:styleLbl name="parChTrans2D4">
+    <dgm:fillClrLst meth="repeat">
+      <a:schemeClr val="accent5"/>
+    </dgm:fillClrLst>
+    <dgm:linClrLst meth="repeat">
+      <a:schemeClr val="lt1"/>
+    </dgm:linClrLst>
+    <dgm:effectClrLst/>
+    <dgm:txLinClrLst/>
+    <dgm:txFillClrLst meth="repeat">
+      <a:schemeClr val="lt1"/>
+    </dgm:txFillClrLst>
+    <dgm:txEffectClrLst/>
+  </dgm:styleLbl>
+  <dgm:styleLbl name="parChTrans1D1">
+    <dgm:fillClrLst meth="repeat">
+      <a:schemeClr val="accent2"/>
+    </dgm:fillClrLst>
+    <dgm:linClrLst meth="repeat">
+      <a:schemeClr val="accent2"/>
+    </dgm:linClrLst>
+    <dgm:effectClrLst/>
+    <dgm:txLinClrLst/>
+    <dgm:txFillClrLst meth="repeat">
+      <a:schemeClr val="tx1"/>
+    </dgm:txFillClrLst>
+    <dgm:txEffectClrLst/>
+  </dgm:styleLbl>
+  <dgm:styleLbl name="parChTrans1D2">
+    <dgm:fillClrLst meth="repeat">
+      <a:schemeClr val="accent2">
+        <a:tint val="90000"/>
+      </a:schemeClr>
+    </dgm:fillClrLst>
+    <dgm:linClrLst meth="repeat">
+      <a:schemeClr val="accent3"/>
+    </dgm:linClrLst>
+    <dgm:effectClrLst/>
+    <dgm:txLinClrLst/>
+    <dgm:txFillClrLst meth="repeat">
+      <a:schemeClr val="tx1"/>
+    </dgm:txFillClrLst>
+    <dgm:txEffectClrLst/>
+  </dgm:styleLbl>
+  <dgm:styleLbl name="parChTrans1D3">
+    <dgm:fillClrLst meth="repeat">
+      <a:schemeClr val="accent2">
+        <a:tint val="70000"/>
+      </a:schemeClr>
+    </dgm:fillClrLst>
+    <dgm:linClrLst meth="repeat">
+      <a:schemeClr val="accent4"/>
+    </dgm:linClrLst>
+    <dgm:effectClrLst/>
+    <dgm:txLinClrLst/>
+    <dgm:txFillClrLst meth="repeat">
+      <a:schemeClr val="tx1"/>
+    </dgm:txFillClrLst>
+    <dgm:txEffectClrLst/>
+  </dgm:styleLbl>
+  <dgm:styleLbl name="parChTrans1D4">
+    <dgm:fillClrLst meth="repeat">
+      <a:schemeClr val="accent2">
+        <a:tint val="50000"/>
+      </a:schemeClr>
+    </dgm:fillClrLst>
+    <dgm:linClrLst meth="repeat">
+      <a:schemeClr val="accent5"/>
+    </dgm:linClrLst>
+    <dgm:effectClrLst/>
+    <dgm:txLinClrLst/>
+    <dgm:txFillClrLst meth="repeat">
+      <a:schemeClr val="tx1"/>
+    </dgm:txFillClrLst>
+    <dgm:txEffectClrLst/>
+  </dgm:styleLbl>
+  <dgm:styleLbl name="fgAcc1">
+    <dgm:fillClrLst meth="repeat">
+      <a:schemeClr val="lt1">
+        <a:alpha val="90000"/>
+      </a:schemeClr>
+    </dgm:fillClrLst>
+    <dgm:linClrLst>
+      <a:schemeClr val="accent2"/>
+      <a:schemeClr val="accent3"/>
+    </dgm:linClrLst>
+    <dgm:effectClrLst/>
+    <dgm:txLinClrLst/>
+    <dgm:txFillClrLst meth="repeat">
+      <a:schemeClr val="dk1"/>
+    </dgm:txFillClrLst>
+    <dgm:txEffectClrLst/>
+  </dgm:styleLbl>
+  <dgm:styleLbl name="conFgAcc1">
+    <dgm:fillClrLst meth="repeat">
+      <a:schemeClr val="lt1">
+        <a:alpha val="90000"/>
+      </a:schemeClr>
+    </dgm:fillClrLst>
+    <dgm:linClrLst>
+      <a:schemeClr val="accent2"/>
+      <a:schemeClr val="accent3"/>
+    </dgm:linClrLst>
+    <dgm:effectClrLst/>
+    <dgm:txLinClrLst/>
+    <dgm:txFillClrLst meth="repeat">
+      <a:schemeClr val="dk1"/>
+    </dgm:txFillClrLst>
+    <dgm:txEffectClrLst/>
+  </dgm:styleLbl>
+  <dgm:styleLbl name="alignAcc1">
+    <dgm:fillClrLst meth="repeat">
+      <a:schemeClr val="lt1">
+        <a:alpha val="90000"/>
+      </a:schemeClr>
+    </dgm:fillClrLst>
+    <dgm:linClrLst>
+      <a:schemeClr val="accent2"/>
+      <a:schemeClr val="accent3"/>
+    </dgm:linClrLst>
+    <dgm:effectClrLst/>
+    <dgm:txLinClrLst/>
+    <dgm:txFillClrLst meth="repeat">
+      <a:schemeClr val="dk1"/>
+    </dgm:txFillClrLst>
+    <dgm:txEffectClrLst/>
+  </dgm:styleLbl>
+  <dgm:styleLbl name="trAlignAcc1">
+    <dgm:fillClrLst meth="repeat">
+      <a:schemeClr val="lt1">
+        <a:alpha val="40000"/>
+      </a:schemeClr>
+    </dgm:fillClrLst>
+    <dgm:linClrLst meth="repeat">
+      <a:schemeClr val="accent2"/>
+    </dgm:linClrLst>
+    <dgm:effectClrLst/>
+    <dgm:txLinClrLst/>
+    <dgm:txFillClrLst meth="repeat">
+      <a:schemeClr val="dk1"/>
+    </dgm:txFillClrLst>
+    <dgm:txEffectClrLst/>
+  </dgm:styleLbl>
+  <dgm:styleLbl name="bgAcc1">
+    <dgm:fillClrLst meth="repeat">
+      <a:schemeClr val="lt1">
+        <a:alpha val="90000"/>
+      </a:schemeClr>
+    </dgm:fillClrLst>
+    <dgm:linClrLst>
+      <a:schemeClr val="accent2"/>
+      <a:schemeClr val="accent3"/>
+    </dgm:linClrLst>
+    <dgm:effectClrLst/>
+    <dgm:txLinClrLst/>
+    <dgm:txFillClrLst meth="repeat">
+      <a:schemeClr val="dk1"/>
+    </dgm:txFillClrLst>
+    <dgm:txEffectClrLst/>
+  </dgm:styleLbl>
+  <dgm:styleLbl name="solidFgAcc1">
+    <dgm:fillClrLst meth="repeat">
+      <a:schemeClr val="lt1"/>
+    </dgm:fillClrLst>
+    <dgm:linClrLst>
+      <a:schemeClr val="accent2"/>
+      <a:schemeClr val="accent3"/>
+    </dgm:linClrLst>
+    <dgm:effectClrLst/>
+    <dgm:txLinClrLst/>
+    <dgm:txFillClrLst meth="repeat">
+      <a:schemeClr val="dk1"/>
+    </dgm:txFillClrLst>
+    <dgm:txEffectClrLst/>
+  </dgm:styleLbl>
+  <dgm:styleLbl name="solidAlignAcc1">
+    <dgm:fillClrLst meth="repeat">
+      <a:schemeClr val="lt1"/>
+    </dgm:fillClrLst>
+    <dgm:linClrLst>
+      <a:schemeClr val="accent2"/>
+      <a:schemeClr val="accent3"/>
+    </dgm:linClrLst>
+    <dgm:effectClrLst/>
+    <dgm:txLinClrLst/>
+    <dgm:txFillClrLst meth="repeat">
+      <a:schemeClr val="dk1"/>
+    </dgm:txFillClrLst>
+    <dgm:txEffectClrLst/>
+  </dgm:styleLbl>
+  <dgm:styleLbl name="solidBgAcc1">
+    <dgm:fillClrLst meth="repeat">
+      <a:schemeClr val="lt1"/>
+    </dgm:fillClrLst>
+    <dgm:linClrLst>
+      <a:schemeClr val="accent2"/>
+      <a:schemeClr val="accent3"/>
+    </dgm:linClrLst>
+    <dgm:effectClrLst/>
+    <dgm:txLinClrLst/>
+    <dgm:txFillClrLst meth="repeat">
+      <a:schemeClr val="dk1"/>
+    </dgm:txFillClrLst>
+    <dgm:txEffectClrLst/>
+  </dgm:styleLbl>
+  <dgm:styleLbl name="fgAccFollowNode1">
+    <dgm:fillClrLst>
+      <a:schemeClr val="accent2">
+        <a:tint val="40000"/>
+        <a:alpha val="90000"/>
+      </a:schemeClr>
+      <a:schemeClr val="accent3">
+        <a:tint val="40000"/>
+        <a:alpha val="90000"/>
+      </a:schemeClr>
+    </dgm:fillClrLst>
+    <dgm:linClrLst>
+      <a:schemeClr val="accent2">
+        <a:tint val="40000"/>
+        <a:alpha val="90000"/>
+      </a:schemeClr>
+      <a:schemeClr val="accent3">
+        <a:tint val="40000"/>
+        <a:alpha val="90000"/>
+      </a:schemeClr>
+    </dgm:linClrLst>
+    <dgm:effectClrLst/>
+    <dgm:txLinClrLst/>
+    <dgm:txFillClrLst meth="repeat">
+      <a:schemeClr val="dk1"/>
+    </dgm:txFillClrLst>
+    <dgm:txEffectClrLst/>
+  </dgm:styleLbl>
+  <dgm:styleLbl name="alignAccFollowNode1">
+    <dgm:fillClrLst>
+      <a:schemeClr val="accent2">
+        <a:tint val="40000"/>
+        <a:alpha val="90000"/>
+      </a:schemeClr>
+      <a:schemeClr val="accent3">
+        <a:tint val="40000"/>
+        <a:alpha val="90000"/>
+      </a:schemeClr>
+    </dgm:fillClrLst>
+    <dgm:linClrLst>
+      <a:schemeClr val="accent2">
+        <a:tint val="40000"/>
+        <a:alpha val="90000"/>
+      </a:schemeClr>
+      <a:schemeClr val="accent3">
+        <a:tint val="40000"/>
+        <a:alpha val="90000"/>
+      </a:schemeClr>
+    </dgm:linClrLst>
+    <dgm:effectClrLst/>
+    <dgm:txLinClrLst/>
+    <dgm:txFillClrLst meth="repeat">
+      <a:schemeClr val="dk1"/>
+    </dgm:txFillClrLst>
+    <dgm:txEffectClrLst/>
+  </dgm:styleLbl>
+  <dgm:styleLbl name="bgAccFollowNode1">
+    <dgm:fillClrLst>
+      <a:schemeClr val="accent2">
+        <a:tint val="40000"/>
+        <a:alpha val="90000"/>
+      </a:schemeClr>
+      <a:schemeClr val="accent3">
+        <a:tint val="40000"/>
+        <a:alpha val="90000"/>
+      </a:schemeClr>
+    </dgm:fillClrLst>
+    <dgm:linClrLst>
+      <a:schemeClr val="accent2">
+        <a:tint val="40000"/>
+        <a:alpha val="90000"/>
+      </a:schemeClr>
+      <a:schemeClr val="accent3">
+        <a:tint val="40000"/>
+        <a:alpha val="90000"/>
+      </a:schemeClr>
+    </dgm:linClrLst>
+    <dgm:effectClrLst/>
+    <dgm:txLinClrLst/>
+    <dgm:txFillClrLst meth="repeat">
+      <a:schemeClr val="dk1"/>
+    </dgm:txFillClrLst>
+    <dgm:txEffectClrLst/>
+  </dgm:styleLbl>
+  <dgm:styleLbl name="fgAcc0">
+    <dgm:fillClrLst meth="repeat">
+      <a:schemeClr val="lt1">
+        <a:alpha val="90000"/>
+      </a:schemeClr>
+    </dgm:fillClrLst>
+    <dgm:linClrLst>
+      <a:schemeClr val="accent1"/>
+    </dgm:linClrLst>
+    <dgm:effectClrLst/>
+    <dgm:txLinClrLst/>
+    <dgm:txFillClrLst meth="repeat">
+      <a:schemeClr val="dk1"/>
+    </dgm:txFillClrLst>
+    <dgm:txEffectClrLst/>
+  </dgm:styleLbl>
+  <dgm:styleLbl name="fgAcc2">
+    <dgm:fillClrLst meth="repeat">
+      <a:schemeClr val="lt1">
+        <a:alpha val="90000"/>
+      </a:schemeClr>
+    </dgm:fillClrLst>
+    <dgm:linClrLst>
+      <a:schemeClr val="accent3"/>
+    </dgm:linClrLst>
+    <dgm:effectClrLst/>
+    <dgm:txLinClrLst/>
+    <dgm:txFillClrLst meth="repeat">
+      <a:schemeClr val="dk1"/>
+    </dgm:txFillClrLst>
+    <dgm:txEffectClrLst/>
+  </dgm:styleLbl>
+  <dgm:styleLbl name="fgAcc3">
+    <dgm:fillClrLst meth="repeat">
+      <a:schemeClr val="lt1">
+        <a:alpha val="90000"/>
+      </a:schemeClr>
+    </dgm:fillClrLst>
+    <dgm:linClrLst>
+      <a:schemeClr val="accent4"/>
+    </dgm:linClrLst>
+    <dgm:effectClrLst/>
+    <dgm:txLinClrLst/>
+    <dgm:txFillClrLst meth="repeat">
+      <a:schemeClr val="dk1"/>
+    </dgm:txFillClrLst>
+    <dgm:txEffectClrLst/>
+  </dgm:styleLbl>
+  <dgm:styleLbl name="fgAcc4">
+    <dgm:fillClrLst meth="repeat">
+      <a:schemeClr val="lt1">
+        <a:alpha val="90000"/>
+      </a:schemeClr>
+    </dgm:fillClrLst>
+    <dgm:linClrLst>
+      <a:schemeClr val="accent5"/>
+    </dgm:linClrLst>
+    <dgm:effectClrLst/>
+    <dgm:txLinClrLst/>
+    <dgm:txFillClrLst meth="repeat">
+      <a:schemeClr val="dk1"/>
+    </dgm:txFillClrLst>
+    <dgm:txEffectClrLst/>
+  </dgm:styleLbl>
+  <dgm:styleLbl name="bgShp">
+    <dgm:fillClrLst meth="repeat">
+      <a:schemeClr val="accent2">
+        <a:tint val="40000"/>
+      </a:schemeClr>
+    </dgm:fillClrLst>
+    <dgm:linClrLst meth="repeat">
+      <a:schemeClr val="dk1"/>
+    </dgm:linClrLst>
+    <dgm:effectClrLst/>
+    <dgm:txLinClrLst/>
+    <dgm:txFillClrLst meth="repeat">
+      <a:schemeClr val="dk1"/>
+    </dgm:txFillClrLst>
+    <dgm:txEffectClrLst/>
+  </dgm:styleLbl>
+  <dgm:styleLbl name="dkBgShp">
+    <dgm:fillClrLst meth="repeat">
+      <a:schemeClr val="accent2">
+        <a:shade val="90000"/>
+      </a:schemeClr>
+    </dgm:fillClrLst>
+    <dgm:linClrLst meth="repeat">
+      <a:schemeClr val="dk1"/>
+    </dgm:linClrLst>
+    <dgm:effectClrLst/>
+    <dgm:txLinClrLst/>
+    <dgm:txFillClrLst meth="repeat">
+      <a:schemeClr val="lt1"/>
+    </dgm:txFillClrLst>
+    <dgm:txEffectClrLst/>
+  </dgm:styleLbl>
+  <dgm:styleLbl name="trBgShp">
+    <dgm:fillClrLst meth="repeat">
+      <a:schemeClr val="accent2">
+        <a:tint val="50000"/>
+        <a:alpha val="40000"/>
+      </a:schemeClr>
+    </dgm:fillClrLst>
+    <dgm:linClrLst meth="repeat">
+      <a:schemeClr val="accent2"/>
+    </dgm:linClrLst>
+    <dgm:effectClrLst/>
+    <dgm:txLinClrLst/>
+    <dgm:txFillClrLst meth="repeat">
+      <a:schemeClr val="lt1"/>
+    </dgm:txFillClrLst>
+    <dgm:txEffectClrLst/>
+  </dgm:styleLbl>
+  <dgm:styleLbl name="fgShp">
+    <dgm:fillClrLst meth="repeat">
+      <a:schemeClr val="accent2">
+        <a:tint val="40000"/>
+      </a:schemeClr>
+    </dgm:fillClrLst>
+    <dgm:linClrLst meth="repeat">
+      <a:schemeClr val="lt1"/>
+    </dgm:linClrLst>
+    <dgm:effectClrLst/>
+    <dgm:txLinClrLst/>
+    <dgm:txFillClrLst meth="repeat">
+      <a:schemeClr val="dk1"/>
+    </dgm:txFillClrLst>
+    <dgm:txEffectClrLst/>
+  </dgm:styleLbl>
+  <dgm:styleLbl name="revTx">
+    <dgm:fillClrLst meth="repeat">
+      <a:schemeClr val="lt1">
+        <a:alpha val="0"/>
+      </a:schemeClr>
+    </dgm:fillClrLst>
+    <dgm:linClrLst meth="repeat">
+      <a:schemeClr val="dk1">
+        <a:alpha val="0"/>
+      </a:schemeClr>
+    </dgm:linClrLst>
+    <dgm:effectClrLst/>
+    <dgm:txLinClrLst/>
+    <dgm:txFillClrLst meth="repeat">
+      <a:schemeClr val="tx1"/>
+    </dgm:txFillClrLst>
+    <dgm:txEffectClrLst/>
+  </dgm:styleLbl>
+</dgm:colorsDef>
+</file>
+
 <file path=ppt/diagrams/data1.xml><?xml version="1.0" encoding="utf-8"?>
 <dgm:dataModel xmlns:dgm="http://schemas.openxmlformats.org/drawingml/2006/diagram" xmlns:a="http://schemas.openxmlformats.org/drawingml/2006/main">
   <dgm:ptLst>
     <dgm:pt modelId="{9A2C5FED-B8B2-436E-8847-690660CC1313}" type="doc">
-      <dgm:prSet loTypeId="urn:microsoft.com/office/officeart/2016/7/layout/LinearBlockProcessNumbered" loCatId="process" qsTypeId="urn:microsoft.com/office/officeart/2005/8/quickstyle/simple1" qsCatId="simple" csTypeId="urn:microsoft.com/office/officeart/2005/8/colors/accent1_2" csCatId="accent1" phldr="1"/>
+      <dgm:prSet loTypeId="urn:microsoft.com/office/officeart/2005/8/layout/lProcess3" loCatId="process" qsTypeId="urn:microsoft.com/office/officeart/2005/8/quickstyle/simple1" qsCatId="simple" csTypeId="urn:microsoft.com/office/officeart/2005/8/colors/accent1_2" csCatId="accent1" phldr="1"/>
       <dgm:spPr/>
       <dgm:t>
         <a:bodyPr/>
@@ -2006,7 +3266,7 @@
             <a:rPr lang="ja-JP" sz="2400"/>
             <a:t>グラフィック描画を用い、ストップウォッチを作成</a:t>
           </a:r>
-          <a:endParaRPr lang="en-US" sz="2400" dirty="0"/>
+          <a:endParaRPr lang="en-US" sz="2400"/>
         </a:p>
       </dgm:t>
     </dgm:pt>
@@ -2024,16 +3284,6 @@
     <dgm:pt modelId="{83E42AE6-3AD0-4CC5-8944-A2D1CBC2FF33}" type="sibTrans" cxnId="{67A9489D-7B69-4AF9-94E3-64ED5A6CAA44}">
       <dgm:prSet phldrT="01"/>
       <dgm:spPr/>
-      <dgm:t>
-        <a:bodyPr/>
-        <a:lstStyle/>
-        <a:p>
-          <a:r>
-            <a:rPr lang="en-US"/>
-            <a:t>01</a:t>
-          </a:r>
-        </a:p>
-      </dgm:t>
     </dgm:pt>
     <dgm:pt modelId="{F61D9546-CFC6-418C-A9BB-94D278B7D3F0}">
       <dgm:prSet custT="1"/>
@@ -2043,10 +3293,10 @@
         <a:lstStyle/>
         <a:p>
           <a:r>
-            <a:rPr lang="ja-JP" sz="2400" dirty="0"/>
+            <a:rPr lang="ja-JP" sz="2400"/>
             <a:t>アナログ時計を再現し、視覚的にもわかりやすく設計</a:t>
           </a:r>
-          <a:endParaRPr lang="en-US" sz="2400" dirty="0"/>
+          <a:endParaRPr lang="en-US" sz="2400"/>
         </a:p>
       </dgm:t>
     </dgm:pt>
@@ -2064,108 +3314,50 @@
     <dgm:pt modelId="{73A13D63-A7E4-46FF-B6AA-1455D4AFBF87}" type="sibTrans" cxnId="{D4B249AC-AC5E-4C85-8EB4-50C7AF7E3599}">
       <dgm:prSet phldrT="02"/>
       <dgm:spPr/>
-      <dgm:t>
-        <a:bodyPr/>
-        <a:lstStyle/>
-        <a:p>
-          <a:r>
-            <a:rPr lang="en-US"/>
-            <a:t>02</a:t>
-          </a:r>
-        </a:p>
-      </dgm:t>
     </dgm:pt>
-    <dgm:pt modelId="{4A53FDFE-2072-4B8A-A964-BD050F6750C2}" type="pres">
+    <dgm:pt modelId="{D336CFC2-DBAC-4602-9DE8-A686C5B39F4A}" type="pres">
       <dgm:prSet presAssocID="{9A2C5FED-B8B2-436E-8847-690660CC1313}" presName="Name0" presStyleCnt="0">
         <dgm:presLayoutVars>
+          <dgm:chPref val="3"/>
+          <dgm:dir/>
           <dgm:animLvl val="lvl"/>
-          <dgm:resizeHandles val="exact"/>
+          <dgm:resizeHandles/>
         </dgm:presLayoutVars>
       </dgm:prSet>
       <dgm:spPr/>
     </dgm:pt>
-    <dgm:pt modelId="{2F4BD95A-FE58-4F16-81C2-B931A4D95D5D}" type="pres">
-      <dgm:prSet presAssocID="{97FFC9E1-4489-40CF-9BEE-72066E560851}" presName="compositeNode" presStyleCnt="0">
-        <dgm:presLayoutVars>
-          <dgm:bulletEnabled val="1"/>
-        </dgm:presLayoutVars>
-      </dgm:prSet>
+    <dgm:pt modelId="{C3A92686-141F-4EAA-AFB1-11ADDF591767}" type="pres">
+      <dgm:prSet presAssocID="{97FFC9E1-4489-40CF-9BEE-72066E560851}" presName="horFlow" presStyleCnt="0"/>
       <dgm:spPr/>
     </dgm:pt>
-    <dgm:pt modelId="{2AAB8E64-B394-4C68-BBD6-1E6D24D7AE10}" type="pres">
-      <dgm:prSet presAssocID="{97FFC9E1-4489-40CF-9BEE-72066E560851}" presName="bgRect" presStyleLbl="alignNode1" presStyleIdx="0" presStyleCnt="2"/>
+    <dgm:pt modelId="{595A1135-75AD-434E-B4E7-99FB5AA651D3}" type="pres">
+      <dgm:prSet presAssocID="{97FFC9E1-4489-40CF-9BEE-72066E560851}" presName="bigChev" presStyleLbl="node1" presStyleIdx="0" presStyleCnt="2" custScaleX="123088"/>
       <dgm:spPr/>
     </dgm:pt>
-    <dgm:pt modelId="{914D4547-2D53-40CA-8C4A-641A54335CBE}" type="pres">
-      <dgm:prSet presAssocID="{83E42AE6-3AD0-4CC5-8944-A2D1CBC2FF33}" presName="sibTransNodeRect" presStyleLbl="alignNode1" presStyleIdx="0" presStyleCnt="2">
-        <dgm:presLayoutVars>
-          <dgm:chMax val="0"/>
-          <dgm:bulletEnabled val="1"/>
-        </dgm:presLayoutVars>
-      </dgm:prSet>
+    <dgm:pt modelId="{F43F324B-D1CE-4D38-93BE-A3608FD623DF}" type="pres">
+      <dgm:prSet presAssocID="{97FFC9E1-4489-40CF-9BEE-72066E560851}" presName="vSp" presStyleCnt="0"/>
       <dgm:spPr/>
     </dgm:pt>
-    <dgm:pt modelId="{97E510A5-D104-48FD-A5AA-613EE7866837}" type="pres">
-      <dgm:prSet presAssocID="{97FFC9E1-4489-40CF-9BEE-72066E560851}" presName="nodeRect" presStyleLbl="alignNode1" presStyleIdx="0" presStyleCnt="2">
-        <dgm:presLayoutVars>
-          <dgm:bulletEnabled val="1"/>
-        </dgm:presLayoutVars>
-      </dgm:prSet>
+    <dgm:pt modelId="{E2754D36-AB60-408A-B1F3-0FC81BD19EE9}" type="pres">
+      <dgm:prSet presAssocID="{F61D9546-CFC6-418C-A9BB-94D278B7D3F0}" presName="horFlow" presStyleCnt="0"/>
       <dgm:spPr/>
     </dgm:pt>
-    <dgm:pt modelId="{A42A9C7C-893E-49A6-98F0-F6A8B0737C99}" type="pres">
-      <dgm:prSet presAssocID="{83E42AE6-3AD0-4CC5-8944-A2D1CBC2FF33}" presName="sibTrans" presStyleCnt="0"/>
-      <dgm:spPr/>
-    </dgm:pt>
-    <dgm:pt modelId="{17577484-1BA9-4C18-9CC3-328268607C56}" type="pres">
-      <dgm:prSet presAssocID="{F61D9546-CFC6-418C-A9BB-94D278B7D3F0}" presName="compositeNode" presStyleCnt="0">
-        <dgm:presLayoutVars>
-          <dgm:bulletEnabled val="1"/>
-        </dgm:presLayoutVars>
-      </dgm:prSet>
-      <dgm:spPr/>
-    </dgm:pt>
-    <dgm:pt modelId="{C0023173-5FA8-41A7-92C3-275480CE88CA}" type="pres">
-      <dgm:prSet presAssocID="{F61D9546-CFC6-418C-A9BB-94D278B7D3F0}" presName="bgRect" presStyleLbl="alignNode1" presStyleIdx="1" presStyleCnt="2"/>
-      <dgm:spPr/>
-    </dgm:pt>
-    <dgm:pt modelId="{B81DC665-BF25-4008-B238-356822A84686}" type="pres">
-      <dgm:prSet presAssocID="{73A13D63-A7E4-46FF-B6AA-1455D4AFBF87}" presName="sibTransNodeRect" presStyleLbl="alignNode1" presStyleIdx="1" presStyleCnt="2">
-        <dgm:presLayoutVars>
-          <dgm:chMax val="0"/>
-          <dgm:bulletEnabled val="1"/>
-        </dgm:presLayoutVars>
-      </dgm:prSet>
-      <dgm:spPr/>
-    </dgm:pt>
-    <dgm:pt modelId="{DF090629-D0F6-4D92-BD89-B1D66F878265}" type="pres">
-      <dgm:prSet presAssocID="{F61D9546-CFC6-418C-A9BB-94D278B7D3F0}" presName="nodeRect" presStyleLbl="alignNode1" presStyleIdx="1" presStyleCnt="2">
-        <dgm:presLayoutVars>
-          <dgm:bulletEnabled val="1"/>
-        </dgm:presLayoutVars>
-      </dgm:prSet>
+    <dgm:pt modelId="{379B214C-9AAE-4A37-A80C-7FD57927CE9F}" type="pres">
+      <dgm:prSet presAssocID="{F61D9546-CFC6-418C-A9BB-94D278B7D3F0}" presName="bigChev" presStyleLbl="node1" presStyleIdx="1" presStyleCnt="2" custScaleX="123088"/>
       <dgm:spPr/>
     </dgm:pt>
   </dgm:ptLst>
   <dgm:cxnLst>
-    <dgm:cxn modelId="{2D148F06-C57D-43BA-A196-E2F0D6717450}" type="presOf" srcId="{97FFC9E1-4489-40CF-9BEE-72066E560851}" destId="{97E510A5-D104-48FD-A5AA-613EE7866837}" srcOrd="1" destOrd="0" presId="urn:microsoft.com/office/officeart/2016/7/layout/LinearBlockProcessNumbered"/>
-    <dgm:cxn modelId="{54549712-0831-4829-8B66-4ECD130F3EA4}" type="presOf" srcId="{F61D9546-CFC6-418C-A9BB-94D278B7D3F0}" destId="{C0023173-5FA8-41A7-92C3-275480CE88CA}" srcOrd="0" destOrd="0" presId="urn:microsoft.com/office/officeart/2016/7/layout/LinearBlockProcessNumbered"/>
-    <dgm:cxn modelId="{4516CC26-2155-47D2-8B10-B19C5471F1A5}" type="presOf" srcId="{97FFC9E1-4489-40CF-9BEE-72066E560851}" destId="{2AAB8E64-B394-4C68-BBD6-1E6D24D7AE10}" srcOrd="0" destOrd="0" presId="urn:microsoft.com/office/officeart/2016/7/layout/LinearBlockProcessNumbered"/>
-    <dgm:cxn modelId="{B22F763F-3C93-472D-B630-F607D7BD6BD5}" type="presOf" srcId="{9A2C5FED-B8B2-436E-8847-690660CC1313}" destId="{4A53FDFE-2072-4B8A-A964-BD050F6750C2}" srcOrd="0" destOrd="0" presId="urn:microsoft.com/office/officeart/2016/7/layout/LinearBlockProcessNumbered"/>
-    <dgm:cxn modelId="{D2957140-F2F5-44C3-BF6D-CC4562FA33FA}" type="presOf" srcId="{73A13D63-A7E4-46FF-B6AA-1455D4AFBF87}" destId="{B81DC665-BF25-4008-B238-356822A84686}" srcOrd="0" destOrd="0" presId="urn:microsoft.com/office/officeart/2016/7/layout/LinearBlockProcessNumbered"/>
-    <dgm:cxn modelId="{7670AB59-7571-4104-B325-C42CFB6D8A69}" type="presOf" srcId="{F61D9546-CFC6-418C-A9BB-94D278B7D3F0}" destId="{DF090629-D0F6-4D92-BD89-B1D66F878265}" srcOrd="1" destOrd="0" presId="urn:microsoft.com/office/officeart/2016/7/layout/LinearBlockProcessNumbered"/>
+    <dgm:cxn modelId="{DE18BF2D-E958-40D5-9AF0-D5EEBD6FC437}" type="presOf" srcId="{F61D9546-CFC6-418C-A9BB-94D278B7D3F0}" destId="{379B214C-9AAE-4A37-A80C-7FD57927CE9F}" srcOrd="0" destOrd="0" presId="urn:microsoft.com/office/officeart/2005/8/layout/lProcess3"/>
+    <dgm:cxn modelId="{2D48EC38-7E6B-4420-BC30-D9FA2D588FF1}" type="presOf" srcId="{9A2C5FED-B8B2-436E-8847-690660CC1313}" destId="{D336CFC2-DBAC-4602-9DE8-A686C5B39F4A}" srcOrd="0" destOrd="0" presId="urn:microsoft.com/office/officeart/2005/8/layout/lProcess3"/>
     <dgm:cxn modelId="{67A9489D-7B69-4AF9-94E3-64ED5A6CAA44}" srcId="{9A2C5FED-B8B2-436E-8847-690660CC1313}" destId="{97FFC9E1-4489-40CF-9BEE-72066E560851}" srcOrd="0" destOrd="0" parTransId="{D966AB0B-CA9E-4FD9-9BAC-5C7C0B3F4FD9}" sibTransId="{83E42AE6-3AD0-4CC5-8944-A2D1CBC2FF33}"/>
+    <dgm:cxn modelId="{DB0CCFA6-EF4F-47BB-99B2-2D77639540C9}" type="presOf" srcId="{97FFC9E1-4489-40CF-9BEE-72066E560851}" destId="{595A1135-75AD-434E-B4E7-99FB5AA651D3}" srcOrd="0" destOrd="0" presId="urn:microsoft.com/office/officeart/2005/8/layout/lProcess3"/>
     <dgm:cxn modelId="{D4B249AC-AC5E-4C85-8EB4-50C7AF7E3599}" srcId="{9A2C5FED-B8B2-436E-8847-690660CC1313}" destId="{F61D9546-CFC6-418C-A9BB-94D278B7D3F0}" srcOrd="1" destOrd="0" parTransId="{F2DA78F3-F258-47BA-8286-ACA428AE1ECA}" sibTransId="{73A13D63-A7E4-46FF-B6AA-1455D4AFBF87}"/>
-    <dgm:cxn modelId="{A9C564EA-2D95-4327-AC43-F85054A9DA52}" type="presOf" srcId="{83E42AE6-3AD0-4CC5-8944-A2D1CBC2FF33}" destId="{914D4547-2D53-40CA-8C4A-641A54335CBE}" srcOrd="0" destOrd="0" presId="urn:microsoft.com/office/officeart/2016/7/layout/LinearBlockProcessNumbered"/>
-    <dgm:cxn modelId="{55A29AD7-4CA2-484D-B4E6-4B08E387FA03}" type="presParOf" srcId="{4A53FDFE-2072-4B8A-A964-BD050F6750C2}" destId="{2F4BD95A-FE58-4F16-81C2-B931A4D95D5D}" srcOrd="0" destOrd="0" presId="urn:microsoft.com/office/officeart/2016/7/layout/LinearBlockProcessNumbered"/>
-    <dgm:cxn modelId="{18F84C9E-1437-49CB-B33C-C0A5993C4B0E}" type="presParOf" srcId="{2F4BD95A-FE58-4F16-81C2-B931A4D95D5D}" destId="{2AAB8E64-B394-4C68-BBD6-1E6D24D7AE10}" srcOrd="0" destOrd="0" presId="urn:microsoft.com/office/officeart/2016/7/layout/LinearBlockProcessNumbered"/>
-    <dgm:cxn modelId="{99BC4A3D-984C-4A7D-92CE-9A8E9833E8CE}" type="presParOf" srcId="{2F4BD95A-FE58-4F16-81C2-B931A4D95D5D}" destId="{914D4547-2D53-40CA-8C4A-641A54335CBE}" srcOrd="1" destOrd="0" presId="urn:microsoft.com/office/officeart/2016/7/layout/LinearBlockProcessNumbered"/>
-    <dgm:cxn modelId="{0428C591-BAEE-4247-B952-E26B2F97FD30}" type="presParOf" srcId="{2F4BD95A-FE58-4F16-81C2-B931A4D95D5D}" destId="{97E510A5-D104-48FD-A5AA-613EE7866837}" srcOrd="2" destOrd="0" presId="urn:microsoft.com/office/officeart/2016/7/layout/LinearBlockProcessNumbered"/>
-    <dgm:cxn modelId="{159CD169-4474-42A7-99AA-7CBE1450D8B4}" type="presParOf" srcId="{4A53FDFE-2072-4B8A-A964-BD050F6750C2}" destId="{A42A9C7C-893E-49A6-98F0-F6A8B0737C99}" srcOrd="1" destOrd="0" presId="urn:microsoft.com/office/officeart/2016/7/layout/LinearBlockProcessNumbered"/>
-    <dgm:cxn modelId="{8FCABB1A-31D7-4A31-A11C-9D5924BEF68A}" type="presParOf" srcId="{4A53FDFE-2072-4B8A-A964-BD050F6750C2}" destId="{17577484-1BA9-4C18-9CC3-328268607C56}" srcOrd="2" destOrd="0" presId="urn:microsoft.com/office/officeart/2016/7/layout/LinearBlockProcessNumbered"/>
-    <dgm:cxn modelId="{06BD0E5F-755A-4D5C-B79D-E7C7F2BE14F6}" type="presParOf" srcId="{17577484-1BA9-4C18-9CC3-328268607C56}" destId="{C0023173-5FA8-41A7-92C3-275480CE88CA}" srcOrd="0" destOrd="0" presId="urn:microsoft.com/office/officeart/2016/7/layout/LinearBlockProcessNumbered"/>
-    <dgm:cxn modelId="{E6A50C66-FD5C-4B48-8FB1-236F77B023BD}" type="presParOf" srcId="{17577484-1BA9-4C18-9CC3-328268607C56}" destId="{B81DC665-BF25-4008-B238-356822A84686}" srcOrd="1" destOrd="0" presId="urn:microsoft.com/office/officeart/2016/7/layout/LinearBlockProcessNumbered"/>
-    <dgm:cxn modelId="{BBC3541A-F442-4369-A3B8-E58CEE44E5C4}" type="presParOf" srcId="{17577484-1BA9-4C18-9CC3-328268607C56}" destId="{DF090629-D0F6-4D92-BD89-B1D66F878265}" srcOrd="2" destOrd="0" presId="urn:microsoft.com/office/officeart/2016/7/layout/LinearBlockProcessNumbered"/>
+    <dgm:cxn modelId="{049FEB75-2B65-4373-904C-BE2797628575}" type="presParOf" srcId="{D336CFC2-DBAC-4602-9DE8-A686C5B39F4A}" destId="{C3A92686-141F-4EAA-AFB1-11ADDF591767}" srcOrd="0" destOrd="0" presId="urn:microsoft.com/office/officeart/2005/8/layout/lProcess3"/>
+    <dgm:cxn modelId="{9DF56480-40A3-4E72-A76A-0200800D9BE1}" type="presParOf" srcId="{C3A92686-141F-4EAA-AFB1-11ADDF591767}" destId="{595A1135-75AD-434E-B4E7-99FB5AA651D3}" srcOrd="0" destOrd="0" presId="urn:microsoft.com/office/officeart/2005/8/layout/lProcess3"/>
+    <dgm:cxn modelId="{8DE25E0E-207B-485B-A726-265ACB5A678D}" type="presParOf" srcId="{D336CFC2-DBAC-4602-9DE8-A686C5B39F4A}" destId="{F43F324B-D1CE-4D38-93BE-A3608FD623DF}" srcOrd="1" destOrd="0" presId="urn:microsoft.com/office/officeart/2005/8/layout/lProcess3"/>
+    <dgm:cxn modelId="{38E2B12D-398A-4CC3-875C-730CE0077283}" type="presParOf" srcId="{D336CFC2-DBAC-4602-9DE8-A686C5B39F4A}" destId="{E2754D36-AB60-408A-B1F3-0FC81BD19EE9}" srcOrd="2" destOrd="0" presId="urn:microsoft.com/office/officeart/2005/8/layout/lProcess3"/>
+    <dgm:cxn modelId="{669082A8-0694-42E6-B501-ED7D02F819BA}" type="presParOf" srcId="{E2754D36-AB60-408A-B1F3-0FC81BD19EE9}" destId="{379B214C-9AAE-4A37-A80C-7FD57927CE9F}" srcOrd="0" destOrd="0" presId="urn:microsoft.com/office/officeart/2005/8/layout/lProcess3"/>
   </dgm:cxnLst>
   <dgm:bg/>
   <dgm:whole/>
@@ -2199,14 +3391,14 @@
         <a:lstStyle/>
         <a:p>
           <a:r>
-            <a:rPr kumimoji="1" lang="ja-JP" altLang="en-US" dirty="0"/>
+            <a:rPr kumimoji="1" lang="ja-JP" altLang="en-US"/>
             <a:t>初期</a:t>
           </a:r>
           <a:r>
-            <a:rPr kumimoji="1" lang="ja-JP" dirty="0"/>
+            <a:rPr kumimoji="1" lang="ja-JP"/>
             <a:t>状態</a:t>
           </a:r>
-          <a:endParaRPr lang="ja-JP" dirty="0"/>
+          <a:endParaRPr lang="ja-JP"/>
         </a:p>
       </dgm:t>
     </dgm:pt>
@@ -2233,17 +3425,16 @@
       </dgm:t>
     </dgm:pt>
     <dgm:pt modelId="{A2470369-E041-48AC-8522-FF37D8F0BA9E}">
-      <dgm:prSet/>
+      <dgm:prSet custT="1"/>
       <dgm:spPr/>
       <dgm:t>
         <a:bodyPr/>
         <a:lstStyle/>
         <a:p>
           <a:r>
-            <a:rPr lang="ja-JP" altLang="en-US" dirty="0"/>
+            <a:rPr lang="ja-JP" altLang="en-US" sz="3900"/>
             <a:t>一時停止状態</a:t>
           </a:r>
-          <a:endParaRPr lang="ja-JP" dirty="0"/>
         </a:p>
       </dgm:t>
     </dgm:pt>
@@ -2277,10 +3468,10 @@
         <a:lstStyle/>
         <a:p>
           <a:r>
-            <a:rPr lang="ja-JP" altLang="en-US" dirty="0"/>
+            <a:rPr lang="ja-JP" altLang="en-US"/>
             <a:t>動作状態</a:t>
           </a:r>
-          <a:endParaRPr lang="ja-JP" dirty="0"/>
+          <a:endParaRPr lang="ja-JP"/>
         </a:p>
       </dgm:t>
     </dgm:pt>
@@ -2373,6 +3564,216 @@
 </dgm:dataModel>
 </file>
 
+<file path=ppt/diagrams/data3.xml><?xml version="1.0" encoding="utf-8"?>
+<dgm:dataModel xmlns:dgm="http://schemas.openxmlformats.org/drawingml/2006/diagram" xmlns:a="http://schemas.openxmlformats.org/drawingml/2006/main">
+  <dgm:ptLst>
+    <dgm:pt modelId="{C616FD97-2648-46E3-A4BC-17A371DDAC46}" type="doc">
+      <dgm:prSet loTypeId="urn:microsoft.com/office/officeart/2008/layout/VerticalCircleList" loCatId="list" qsTypeId="urn:microsoft.com/office/officeart/2005/8/quickstyle/simple1" qsCatId="simple" csTypeId="urn:microsoft.com/office/officeart/2005/8/colors/colorful2" csCatId="colorful"/>
+      <dgm:spPr/>
+      <dgm:t>
+        <a:bodyPr/>
+        <a:lstStyle/>
+        <a:p>
+          <a:endParaRPr lang="en-US"/>
+        </a:p>
+      </dgm:t>
+    </dgm:pt>
+    <dgm:pt modelId="{5F843385-63BD-4D89-AE4D-7D204FA990C5}">
+      <dgm:prSet/>
+      <dgm:spPr/>
+      <dgm:t>
+        <a:bodyPr/>
+        <a:lstStyle/>
+        <a:p>
+          <a:r>
+            <a:rPr kumimoji="1" lang="en-US"/>
+            <a:t>C</a:t>
+          </a:r>
+          <a:r>
+            <a:rPr kumimoji="1" lang="ja-JP"/>
+            <a:t>言語と</a:t>
+          </a:r>
+          <a:r>
+            <a:rPr kumimoji="1" lang="en-US"/>
+            <a:t>OpenGL</a:t>
+          </a:r>
+          <a:r>
+            <a:rPr lang="ja-JP"/>
+            <a:t>の組み合わせが非常に</a:t>
+          </a:r>
+          <a:r>
+            <a:rPr lang="en-US"/>
+            <a:t>1</a:t>
+          </a:r>
+          <a:r>
+            <a:rPr lang="ja-JP"/>
+            <a:t>秒を表現することが難しく、</a:t>
+          </a:r>
+          <a:r>
+            <a:rPr lang="ja-JP" b="1" u="sng">
+              <a:solidFill>
+                <a:srgbClr val="FF0000"/>
+              </a:solidFill>
+            </a:rPr>
+            <a:t>正確性には欠けるプログラム</a:t>
+          </a:r>
+          <a:r>
+            <a:rPr lang="ja-JP"/>
+            <a:t>になってしまった</a:t>
+          </a:r>
+          <a:endParaRPr lang="en-US"/>
+        </a:p>
+      </dgm:t>
+    </dgm:pt>
+    <dgm:pt modelId="{B16D9BAA-9778-4A4D-9BBC-E685FF56C8E6}" type="parTrans" cxnId="{84A91DBA-8C96-4CE3-81C8-710A2C1CB9A0}">
+      <dgm:prSet/>
+      <dgm:spPr/>
+      <dgm:t>
+        <a:bodyPr/>
+        <a:lstStyle/>
+        <a:p>
+          <a:endParaRPr lang="en-US"/>
+        </a:p>
+      </dgm:t>
+    </dgm:pt>
+    <dgm:pt modelId="{9C13185A-982F-4004-885F-1CB2DA770EB5}" type="sibTrans" cxnId="{84A91DBA-8C96-4CE3-81C8-710A2C1CB9A0}">
+      <dgm:prSet/>
+      <dgm:spPr/>
+      <dgm:t>
+        <a:bodyPr/>
+        <a:lstStyle/>
+        <a:p>
+          <a:endParaRPr lang="en-US"/>
+        </a:p>
+      </dgm:t>
+    </dgm:pt>
+    <dgm:pt modelId="{4572DCA8-5013-42B3-B4AB-80D3D34308AE}">
+      <dgm:prSet/>
+      <dgm:spPr/>
+      <dgm:t>
+        <a:bodyPr/>
+        <a:lstStyle/>
+        <a:p>
+          <a:r>
+            <a:rPr lang="ja-JP"/>
+            <a:t>グラフィックされた</a:t>
+          </a:r>
+          <a:r>
+            <a:rPr lang="ja-JP" u="none">
+              <a:solidFill>
+                <a:srgbClr val="FF0000"/>
+              </a:solidFill>
+            </a:rPr>
+            <a:t>画面に文字を出力</a:t>
+          </a:r>
+          <a:r>
+            <a:rPr lang="ja-JP"/>
+            <a:t>させることで、より視認性を上げることや、</a:t>
+          </a:r>
+          <a:r>
+            <a:rPr lang="ja-JP">
+              <a:solidFill>
+                <a:srgbClr val="FF0000"/>
+              </a:solidFill>
+            </a:rPr>
+            <a:t>ラップ機能</a:t>
+          </a:r>
+          <a:r>
+            <a:rPr lang="ja-JP"/>
+            <a:t>の追加もこの先検討したい</a:t>
+          </a:r>
+          <a:endParaRPr lang="en-US"/>
+        </a:p>
+      </dgm:t>
+    </dgm:pt>
+    <dgm:pt modelId="{E5D858DD-931E-49A7-8F41-78F6ED5F3210}" type="parTrans" cxnId="{5FDAC556-B968-4EF8-A7CC-E8D1E9A2DE47}">
+      <dgm:prSet/>
+      <dgm:spPr/>
+      <dgm:t>
+        <a:bodyPr/>
+        <a:lstStyle/>
+        <a:p>
+          <a:endParaRPr lang="en-US"/>
+        </a:p>
+      </dgm:t>
+    </dgm:pt>
+    <dgm:pt modelId="{59F70C0B-E107-496C-803B-49065348E592}" type="sibTrans" cxnId="{5FDAC556-B968-4EF8-A7CC-E8D1E9A2DE47}">
+      <dgm:prSet/>
+      <dgm:spPr/>
+      <dgm:t>
+        <a:bodyPr/>
+        <a:lstStyle/>
+        <a:p>
+          <a:endParaRPr lang="en-US"/>
+        </a:p>
+      </dgm:t>
+    </dgm:pt>
+    <dgm:pt modelId="{053322D2-2ABC-4822-8500-058D8289194F}" type="pres">
+      <dgm:prSet presAssocID="{C616FD97-2648-46E3-A4BC-17A371DDAC46}" presName="Name0" presStyleCnt="0">
+        <dgm:presLayoutVars>
+          <dgm:dir/>
+        </dgm:presLayoutVars>
+      </dgm:prSet>
+      <dgm:spPr/>
+    </dgm:pt>
+    <dgm:pt modelId="{549128F5-DAF2-42D9-9580-5E5BEE48BD5F}" type="pres">
+      <dgm:prSet presAssocID="{5F843385-63BD-4D89-AE4D-7D204FA990C5}" presName="noChildren" presStyleCnt="0"/>
+      <dgm:spPr/>
+    </dgm:pt>
+    <dgm:pt modelId="{51F540B7-1364-4390-9446-2DC45ADF06E9}" type="pres">
+      <dgm:prSet presAssocID="{5F843385-63BD-4D89-AE4D-7D204FA990C5}" presName="gap" presStyleCnt="0"/>
+      <dgm:spPr/>
+    </dgm:pt>
+    <dgm:pt modelId="{D495705C-C01D-42D1-A6E2-7E5C63BA8601}" type="pres">
+      <dgm:prSet presAssocID="{5F843385-63BD-4D89-AE4D-7D204FA990C5}" presName="medCircle2" presStyleLbl="vennNode1" presStyleIdx="0" presStyleCnt="2"/>
+      <dgm:spPr/>
+    </dgm:pt>
+    <dgm:pt modelId="{E2AC0692-E4BC-4B79-AF0E-7341819C383F}" type="pres">
+      <dgm:prSet presAssocID="{5F843385-63BD-4D89-AE4D-7D204FA990C5}" presName="txLvlOnly1" presStyleLbl="revTx" presStyleIdx="0" presStyleCnt="2"/>
+      <dgm:spPr/>
+    </dgm:pt>
+    <dgm:pt modelId="{EB6229DF-B540-44D7-8131-8FEC21E51812}" type="pres">
+      <dgm:prSet presAssocID="{4572DCA8-5013-42B3-B4AB-80D3D34308AE}" presName="noChildren" presStyleCnt="0"/>
+      <dgm:spPr/>
+    </dgm:pt>
+    <dgm:pt modelId="{679D94BE-F816-49F4-93F4-9C87833362C5}" type="pres">
+      <dgm:prSet presAssocID="{4572DCA8-5013-42B3-B4AB-80D3D34308AE}" presName="gap" presStyleCnt="0"/>
+      <dgm:spPr/>
+    </dgm:pt>
+    <dgm:pt modelId="{F0268DB3-9016-4A00-BBA6-8F7C3A3CC8B7}" type="pres">
+      <dgm:prSet presAssocID="{4572DCA8-5013-42B3-B4AB-80D3D34308AE}" presName="medCircle2" presStyleLbl="vennNode1" presStyleIdx="1" presStyleCnt="2"/>
+      <dgm:spPr/>
+    </dgm:pt>
+    <dgm:pt modelId="{506CC101-9C37-4A7C-AEA3-0C4346E8A205}" type="pres">
+      <dgm:prSet presAssocID="{4572DCA8-5013-42B3-B4AB-80D3D34308AE}" presName="txLvlOnly1" presStyleLbl="revTx" presStyleIdx="1" presStyleCnt="2"/>
+      <dgm:spPr/>
+    </dgm:pt>
+  </dgm:ptLst>
+  <dgm:cxnLst>
+    <dgm:cxn modelId="{26E89007-3B2F-4DDC-8D9E-D5A7803EF74E}" type="presOf" srcId="{4572DCA8-5013-42B3-B4AB-80D3D34308AE}" destId="{506CC101-9C37-4A7C-AEA3-0C4346E8A205}" srcOrd="0" destOrd="0" presId="urn:microsoft.com/office/officeart/2008/layout/VerticalCircleList"/>
+    <dgm:cxn modelId="{60F25121-83BE-4DE6-A69A-D05A7934B7C3}" type="presOf" srcId="{C616FD97-2648-46E3-A4BC-17A371DDAC46}" destId="{053322D2-2ABC-4822-8500-058D8289194F}" srcOrd="0" destOrd="0" presId="urn:microsoft.com/office/officeart/2008/layout/VerticalCircleList"/>
+    <dgm:cxn modelId="{A31B535E-DE76-4063-8A8B-A92D0D974428}" type="presOf" srcId="{5F843385-63BD-4D89-AE4D-7D204FA990C5}" destId="{E2AC0692-E4BC-4B79-AF0E-7341819C383F}" srcOrd="0" destOrd="0" presId="urn:microsoft.com/office/officeart/2008/layout/VerticalCircleList"/>
+    <dgm:cxn modelId="{5FDAC556-B968-4EF8-A7CC-E8D1E9A2DE47}" srcId="{C616FD97-2648-46E3-A4BC-17A371DDAC46}" destId="{4572DCA8-5013-42B3-B4AB-80D3D34308AE}" srcOrd="1" destOrd="0" parTransId="{E5D858DD-931E-49A7-8F41-78F6ED5F3210}" sibTransId="{59F70C0B-E107-496C-803B-49065348E592}"/>
+    <dgm:cxn modelId="{84A91DBA-8C96-4CE3-81C8-710A2C1CB9A0}" srcId="{C616FD97-2648-46E3-A4BC-17A371DDAC46}" destId="{5F843385-63BD-4D89-AE4D-7D204FA990C5}" srcOrd="0" destOrd="0" parTransId="{B16D9BAA-9778-4A4D-9BBC-E685FF56C8E6}" sibTransId="{9C13185A-982F-4004-885F-1CB2DA770EB5}"/>
+    <dgm:cxn modelId="{917C08B6-F7EC-4B3E-B839-CE2E997400ED}" type="presParOf" srcId="{053322D2-2ABC-4822-8500-058D8289194F}" destId="{549128F5-DAF2-42D9-9580-5E5BEE48BD5F}" srcOrd="0" destOrd="0" presId="urn:microsoft.com/office/officeart/2008/layout/VerticalCircleList"/>
+    <dgm:cxn modelId="{E57AF557-F79F-494C-BA6C-33D854167470}" type="presParOf" srcId="{549128F5-DAF2-42D9-9580-5E5BEE48BD5F}" destId="{51F540B7-1364-4390-9446-2DC45ADF06E9}" srcOrd="0" destOrd="0" presId="urn:microsoft.com/office/officeart/2008/layout/VerticalCircleList"/>
+    <dgm:cxn modelId="{0D0543CA-4BFA-42C6-A6C4-F83CF3D6DCFD}" type="presParOf" srcId="{549128F5-DAF2-42D9-9580-5E5BEE48BD5F}" destId="{D495705C-C01D-42D1-A6E2-7E5C63BA8601}" srcOrd="1" destOrd="0" presId="urn:microsoft.com/office/officeart/2008/layout/VerticalCircleList"/>
+    <dgm:cxn modelId="{C342B09B-68A8-4DE7-B8EE-4ECEE30DAF92}" type="presParOf" srcId="{549128F5-DAF2-42D9-9580-5E5BEE48BD5F}" destId="{E2AC0692-E4BC-4B79-AF0E-7341819C383F}" srcOrd="2" destOrd="0" presId="urn:microsoft.com/office/officeart/2008/layout/VerticalCircleList"/>
+    <dgm:cxn modelId="{CFA1CE9E-E1AE-4A4F-9227-A69490DBC553}" type="presParOf" srcId="{053322D2-2ABC-4822-8500-058D8289194F}" destId="{EB6229DF-B540-44D7-8131-8FEC21E51812}" srcOrd="1" destOrd="0" presId="urn:microsoft.com/office/officeart/2008/layout/VerticalCircleList"/>
+    <dgm:cxn modelId="{7D6B1BB5-99E0-4DD9-A232-2515D4A642C1}" type="presParOf" srcId="{EB6229DF-B540-44D7-8131-8FEC21E51812}" destId="{679D94BE-F816-49F4-93F4-9C87833362C5}" srcOrd="0" destOrd="0" presId="urn:microsoft.com/office/officeart/2008/layout/VerticalCircleList"/>
+    <dgm:cxn modelId="{FB7CD45D-891D-45C4-A6AE-549C9EE08758}" type="presParOf" srcId="{EB6229DF-B540-44D7-8131-8FEC21E51812}" destId="{F0268DB3-9016-4A00-BBA6-8F7C3A3CC8B7}" srcOrd="1" destOrd="0" presId="urn:microsoft.com/office/officeart/2008/layout/VerticalCircleList"/>
+    <dgm:cxn modelId="{D6ED2D03-9165-472B-8E3B-D3C5827E1759}" type="presParOf" srcId="{EB6229DF-B540-44D7-8131-8FEC21E51812}" destId="{506CC101-9C37-4A7C-AEA3-0C4346E8A205}" srcOrd="2" destOrd="0" presId="urn:microsoft.com/office/officeart/2008/layout/VerticalCircleList"/>
+  </dgm:cxnLst>
+  <dgm:bg/>
+  <dgm:whole/>
+  <dgm:extLst>
+    <a:ext uri="http://schemas.microsoft.com/office/drawing/2008/diagram">
+      <dsp:dataModelExt xmlns:dsp="http://schemas.microsoft.com/office/drawing/2008/diagram" relId="rId6" minVer="http://schemas.openxmlformats.org/drawingml/2006/diagram"/>
+    </a:ext>
+  </dgm:extLst>
+</dgm:dataModel>
+</file>
+
 <file path=ppt/diagrams/drawing1.xml><?xml version="1.0" encoding="utf-8"?>
 <dsp:drawing xmlns:dgm="http://schemas.openxmlformats.org/drawingml/2006/diagram" xmlns:dsp="http://schemas.microsoft.com/office/drawing/2008/diagram" xmlns:a="http://schemas.openxmlformats.org/drawingml/2006/main">
   <dsp:spTree>
@@ -2381,17 +3782,17 @@
       <dsp:cNvGrpSpPr/>
     </dsp:nvGrpSpPr>
     <dsp:grpSpPr/>
-    <dsp:sp modelId="{2AAB8E64-B394-4C68-BBD6-1E6D24D7AE10}">
+    <dsp:sp modelId="{595A1135-75AD-434E-B4E7-99FB5AA651D3}">
       <dsp:nvSpPr>
         <dsp:cNvPr id="0" name=""/>
         <dsp:cNvSpPr/>
       </dsp:nvSpPr>
       <dsp:spPr>
         <a:xfrm>
-          <a:off x="2279" y="418303"/>
-          <a:ext cx="3504351" cy="4205222"/>
+          <a:off x="25973" y="2852"/>
+          <a:ext cx="7241663" cy="2353328"/>
         </a:xfrm>
-        <a:prstGeom prst="rect">
+        <a:prstGeom prst="chevron">
           <a:avLst/>
         </a:prstGeom>
         <a:solidFill>
@@ -2404,7 +3805,7 @@
         </a:solidFill>
         <a:ln w="10795" cap="flat" cmpd="sng" algn="ctr">
           <a:solidFill>
-            <a:schemeClr val="accent1">
+            <a:schemeClr val="lt1">
               <a:hueOff val="0"/>
               <a:satOff val="0"/>
               <a:lumOff val="0"/>
@@ -2430,12 +3831,12 @@
         </a:fontRef>
       </dsp:style>
       <dsp:txBody>
-        <a:bodyPr spcFirstLastPara="0" vert="horz" wrap="square" lIns="346152" tIns="0" rIns="346152" bIns="330200" numCol="1" spcCol="1270" anchor="t" anchorCtr="0">
+        <a:bodyPr spcFirstLastPara="0" vert="horz" wrap="square" lIns="30480" tIns="15240" rIns="0" bIns="15240" numCol="1" spcCol="1270" anchor="ctr" anchorCtr="0">
           <a:noAutofit/>
         </a:bodyPr>
         <a:lstStyle/>
         <a:p>
-          <a:pPr marL="0" lvl="0" indent="0" algn="l" defTabSz="1066800">
+          <a:pPr marL="0" lvl="0" indent="0" algn="ctr" defTabSz="1066800">
             <a:lnSpc>
               <a:spcPct val="90000"/>
             </a:lnSpc>
@@ -2459,89 +3860,25 @@
             <a:rPr lang="ja-JP" sz="2400" kern="1200"/>
             <a:t>グラフィック描画を用い、ストップウォッチを作成</a:t>
           </a:r>
-          <a:endParaRPr lang="en-US" sz="2400" kern="1200" dirty="0"/>
+          <a:endParaRPr lang="en-US" sz="2400" kern="1200"/>
         </a:p>
       </dsp:txBody>
       <dsp:txXfrm>
-        <a:off x="2279" y="2100392"/>
-        <a:ext cx="3504351" cy="2523133"/>
+        <a:off x="1202637" y="2852"/>
+        <a:ext cx="4888335" cy="2353328"/>
       </dsp:txXfrm>
     </dsp:sp>
-    <dsp:sp modelId="{914D4547-2D53-40CA-8C4A-641A54335CBE}">
+    <dsp:sp modelId="{379B214C-9AAE-4A37-A80C-7FD57927CE9F}">
       <dsp:nvSpPr>
         <dsp:cNvPr id="0" name=""/>
         <dsp:cNvSpPr/>
       </dsp:nvSpPr>
       <dsp:spPr>
         <a:xfrm>
-          <a:off x="2279" y="418303"/>
-          <a:ext cx="3504351" cy="1682088"/>
+          <a:off x="25973" y="2685647"/>
+          <a:ext cx="7241663" cy="2353328"/>
         </a:xfrm>
-        <a:prstGeom prst="rect">
-          <a:avLst/>
-        </a:prstGeom>
-        <a:noFill/>
-        <a:ln w="10795" cap="flat" cmpd="sng" algn="ctr">
-          <a:noFill/>
-          <a:prstDash val="solid"/>
-        </a:ln>
-        <a:effectLst/>
-        <a:sp3d/>
-      </dsp:spPr>
-      <dsp:style>
-        <a:lnRef idx="2">
-          <a:scrgbClr r="0" g="0" b="0"/>
-        </a:lnRef>
-        <a:fillRef idx="1">
-          <a:scrgbClr r="0" g="0" b="0"/>
-        </a:fillRef>
-        <a:effectRef idx="0">
-          <a:scrgbClr r="0" g="0" b="0"/>
-        </a:effectRef>
-        <a:fontRef idx="minor">
-          <a:schemeClr val="lt1"/>
-        </a:fontRef>
-      </dsp:style>
-      <dsp:txBody>
-        <a:bodyPr spcFirstLastPara="0" vert="horz" wrap="square" lIns="346152" tIns="165100" rIns="346152" bIns="165100" numCol="1" spcCol="1270" anchor="ctr" anchorCtr="0">
-          <a:noAutofit/>
-        </a:bodyPr>
-        <a:lstStyle/>
-        <a:p>
-          <a:pPr marL="0" lvl="0" indent="0" algn="l" defTabSz="2933700">
-            <a:lnSpc>
-              <a:spcPct val="90000"/>
-            </a:lnSpc>
-            <a:spcBef>
-              <a:spcPct val="0"/>
-            </a:spcBef>
-            <a:spcAft>
-              <a:spcPct val="35000"/>
-            </a:spcAft>
-            <a:buNone/>
-          </a:pPr>
-          <a:r>
-            <a:rPr lang="en-US" sz="6600" kern="1200"/>
-            <a:t>01</a:t>
-          </a:r>
-        </a:p>
-      </dsp:txBody>
-      <dsp:txXfrm>
-        <a:off x="2279" y="418303"/>
-        <a:ext cx="3504351" cy="1682088"/>
-      </dsp:txXfrm>
-    </dsp:sp>
-    <dsp:sp modelId="{C0023173-5FA8-41A7-92C3-275480CE88CA}">
-      <dsp:nvSpPr>
-        <dsp:cNvPr id="0" name=""/>
-        <dsp:cNvSpPr/>
-      </dsp:nvSpPr>
-      <dsp:spPr>
-        <a:xfrm>
-          <a:off x="3786979" y="418303"/>
-          <a:ext cx="3504351" cy="4205222"/>
-        </a:xfrm>
-        <a:prstGeom prst="rect">
+        <a:prstGeom prst="chevron">
           <a:avLst/>
         </a:prstGeom>
         <a:solidFill>
@@ -2554,7 +3891,7 @@
         </a:solidFill>
         <a:ln w="10795" cap="flat" cmpd="sng" algn="ctr">
           <a:solidFill>
-            <a:schemeClr val="accent1">
+            <a:schemeClr val="lt1">
               <a:hueOff val="0"/>
               <a:satOff val="0"/>
               <a:lumOff val="0"/>
@@ -2580,12 +3917,12 @@
         </a:fontRef>
       </dsp:style>
       <dsp:txBody>
-        <a:bodyPr spcFirstLastPara="0" vert="horz" wrap="square" lIns="346152" tIns="0" rIns="346152" bIns="330200" numCol="1" spcCol="1270" anchor="t" anchorCtr="0">
+        <a:bodyPr spcFirstLastPara="0" vert="horz" wrap="square" lIns="30480" tIns="15240" rIns="0" bIns="15240" numCol="1" spcCol="1270" anchor="ctr" anchorCtr="0">
           <a:noAutofit/>
         </a:bodyPr>
         <a:lstStyle/>
         <a:p>
-          <a:pPr marL="0" lvl="0" indent="0" algn="l" defTabSz="1066800">
+          <a:pPr marL="0" lvl="0" indent="0" algn="ctr" defTabSz="1066800">
             <a:lnSpc>
               <a:spcPct val="90000"/>
             </a:lnSpc>
@@ -2598,79 +3935,15 @@
             <a:buNone/>
           </a:pPr>
           <a:r>
-            <a:rPr lang="ja-JP" sz="2400" kern="1200" dirty="0"/>
+            <a:rPr lang="ja-JP" sz="2400" kern="1200"/>
             <a:t>アナログ時計を再現し、視覚的にもわかりやすく設計</a:t>
           </a:r>
-          <a:endParaRPr lang="en-US" sz="2400" kern="1200" dirty="0"/>
+          <a:endParaRPr lang="en-US" sz="2400" kern="1200"/>
         </a:p>
       </dsp:txBody>
       <dsp:txXfrm>
-        <a:off x="3786979" y="2100392"/>
-        <a:ext cx="3504351" cy="2523133"/>
-      </dsp:txXfrm>
-    </dsp:sp>
-    <dsp:sp modelId="{B81DC665-BF25-4008-B238-356822A84686}">
-      <dsp:nvSpPr>
-        <dsp:cNvPr id="0" name=""/>
-        <dsp:cNvSpPr/>
-      </dsp:nvSpPr>
-      <dsp:spPr>
-        <a:xfrm>
-          <a:off x="3786979" y="418303"/>
-          <a:ext cx="3504351" cy="1682088"/>
-        </a:xfrm>
-        <a:prstGeom prst="rect">
-          <a:avLst/>
-        </a:prstGeom>
-        <a:noFill/>
-        <a:ln w="10795" cap="flat" cmpd="sng" algn="ctr">
-          <a:noFill/>
-          <a:prstDash val="solid"/>
-        </a:ln>
-        <a:effectLst/>
-        <a:sp3d/>
-      </dsp:spPr>
-      <dsp:style>
-        <a:lnRef idx="2">
-          <a:scrgbClr r="0" g="0" b="0"/>
-        </a:lnRef>
-        <a:fillRef idx="1">
-          <a:scrgbClr r="0" g="0" b="0"/>
-        </a:fillRef>
-        <a:effectRef idx="0">
-          <a:scrgbClr r="0" g="0" b="0"/>
-        </a:effectRef>
-        <a:fontRef idx="minor">
-          <a:schemeClr val="lt1"/>
-        </a:fontRef>
-      </dsp:style>
-      <dsp:txBody>
-        <a:bodyPr spcFirstLastPara="0" vert="horz" wrap="square" lIns="346152" tIns="165100" rIns="346152" bIns="165100" numCol="1" spcCol="1270" anchor="ctr" anchorCtr="0">
-          <a:noAutofit/>
-        </a:bodyPr>
-        <a:lstStyle/>
-        <a:p>
-          <a:pPr marL="0" lvl="0" indent="0" algn="l" defTabSz="2933700">
-            <a:lnSpc>
-              <a:spcPct val="90000"/>
-            </a:lnSpc>
-            <a:spcBef>
-              <a:spcPct val="0"/>
-            </a:spcBef>
-            <a:spcAft>
-              <a:spcPct val="35000"/>
-            </a:spcAft>
-            <a:buNone/>
-          </a:pPr>
-          <a:r>
-            <a:rPr lang="en-US" sz="6600" kern="1200"/>
-            <a:t>02</a:t>
-          </a:r>
-        </a:p>
-      </dsp:txBody>
-      <dsp:txXfrm>
-        <a:off x="3786979" y="418303"/>
-        <a:ext cx="3504351" cy="1682088"/>
+        <a:off x="1202637" y="2685647"/>
+        <a:ext cx="4888335" cy="2353328"/>
       </dsp:txXfrm>
     </dsp:sp>
   </dsp:spTree>
@@ -2692,15 +3965,15 @@
       </dsp:nvSpPr>
       <dsp:spPr>
         <a:xfrm>
-          <a:off x="893149" y="-87084"/>
-          <a:ext cx="3961357" cy="3961357"/>
+          <a:off x="1142540" y="-38012"/>
+          <a:ext cx="4932148" cy="4932148"/>
         </a:xfrm>
         <a:prstGeom prst="circularArrow">
           <a:avLst>
             <a:gd name="adj1" fmla="val 5689"/>
             <a:gd name="adj2" fmla="val 340510"/>
-            <a:gd name="adj3" fmla="val 12493606"/>
-            <a:gd name="adj4" fmla="val 18218676"/>
+            <a:gd name="adj3" fmla="val 12410413"/>
+            <a:gd name="adj4" fmla="val 18277879"/>
             <a:gd name="adj5" fmla="val 5908"/>
           </a:avLst>
         </a:prstGeom>
@@ -2738,8 +4011,8 @@
       </dsp:nvSpPr>
       <dsp:spPr>
         <a:xfrm>
-          <a:off x="1501462" y="119976"/>
-          <a:ext cx="2744730" cy="1372365"/>
+          <a:off x="1869501" y="243890"/>
+          <a:ext cx="3478225" cy="1739112"/>
         </a:xfrm>
         <a:prstGeom prst="roundRect">
           <a:avLst/>
@@ -2780,12 +4053,12 @@
         </a:fontRef>
       </dsp:style>
       <dsp:txBody>
-        <a:bodyPr spcFirstLastPara="0" vert="horz" wrap="square" lIns="125730" tIns="125730" rIns="125730" bIns="125730" numCol="1" spcCol="1270" anchor="ctr" anchorCtr="0">
+        <a:bodyPr spcFirstLastPara="0" vert="horz" wrap="square" lIns="213360" tIns="213360" rIns="213360" bIns="213360" numCol="1" spcCol="1270" anchor="ctr" anchorCtr="0">
           <a:noAutofit/>
         </a:bodyPr>
         <a:lstStyle/>
         <a:p>
-          <a:pPr marL="0" lvl="0" indent="0" algn="ctr" defTabSz="1466850">
+          <a:pPr marL="0" lvl="0" indent="0" algn="ctr" defTabSz="2489200">
             <a:lnSpc>
               <a:spcPct val="90000"/>
             </a:lnSpc>
@@ -2798,19 +4071,15 @@
             <a:buNone/>
           </a:pPr>
           <a:r>
-            <a:rPr kumimoji="1" lang="ja-JP" altLang="en-US" sz="3300" kern="1200" dirty="0"/>
-            <a:t>初期</a:t>
+            <a:rPr kumimoji="1" lang="ja-JP" altLang="en-US" sz="5600" kern="1200"/>
+            <a:t>初期状態</a:t>
           </a:r>
-          <a:r>
-            <a:rPr kumimoji="1" lang="ja-JP" sz="3300" kern="1200" dirty="0"/>
-            <a:t>状態</a:t>
-          </a:r>
-          <a:endParaRPr lang="ja-JP" sz="3300" kern="1200" dirty="0"/>
+          <a:endParaRPr lang="ja-JP" altLang="en-US" sz="5600" kern="1200"/>
         </a:p>
       </dsp:txBody>
       <dsp:txXfrm>
-        <a:off x="1568455" y="186969"/>
-        <a:ext cx="2610744" cy="1238379"/>
+        <a:off x="1954397" y="328786"/>
+        <a:ext cx="3308433" cy="1569320"/>
       </dsp:txXfrm>
     </dsp:sp>
     <dsp:sp modelId="{0915187F-AD84-4F39-94A6-B62511B6A58A}">
@@ -2820,8 +4089,8 @@
       </dsp:nvSpPr>
       <dsp:spPr>
         <a:xfrm>
-          <a:off x="3002835" y="2720429"/>
-          <a:ext cx="2744730" cy="1372365"/>
+          <a:off x="3738808" y="3481624"/>
+          <a:ext cx="3478225" cy="1739112"/>
         </a:xfrm>
         <a:prstGeom prst="roundRect">
           <a:avLst/>
@@ -2862,12 +4131,12 @@
         </a:fontRef>
       </dsp:style>
       <dsp:txBody>
-        <a:bodyPr spcFirstLastPara="0" vert="horz" wrap="square" lIns="125730" tIns="125730" rIns="125730" bIns="125730" numCol="1" spcCol="1270" anchor="ctr" anchorCtr="0">
+        <a:bodyPr spcFirstLastPara="0" vert="horz" wrap="square" lIns="213360" tIns="213360" rIns="213360" bIns="213360" numCol="1" spcCol="1270" anchor="ctr" anchorCtr="0">
           <a:noAutofit/>
         </a:bodyPr>
         <a:lstStyle/>
         <a:p>
-          <a:pPr marL="0" lvl="0" indent="0" algn="ctr" defTabSz="1466850">
+          <a:pPr marL="0" lvl="0" indent="0" algn="ctr" defTabSz="2489200">
             <a:lnSpc>
               <a:spcPct val="90000"/>
             </a:lnSpc>
@@ -2880,15 +4149,14 @@
             <a:buNone/>
           </a:pPr>
           <a:r>
-            <a:rPr lang="ja-JP" altLang="en-US" sz="3300" kern="1200" dirty="0"/>
+            <a:rPr lang="ja-JP" altLang="en-US" sz="5600" kern="1200"/>
             <a:t>動作状態</a:t>
           </a:r>
-          <a:endParaRPr lang="ja-JP" sz="3300" kern="1200" dirty="0"/>
         </a:p>
       </dsp:txBody>
       <dsp:txXfrm>
-        <a:off x="3069828" y="2787422"/>
-        <a:ext cx="2610744" cy="1238379"/>
+        <a:off x="3823704" y="3566520"/>
+        <a:ext cx="3308433" cy="1569320"/>
       </dsp:txXfrm>
     </dsp:sp>
     <dsp:sp modelId="{F2BED46C-49A2-4BAD-831B-FD79F0A059BC}">
@@ -2898,8 +4166,8 @@
       </dsp:nvSpPr>
       <dsp:spPr>
         <a:xfrm>
-          <a:off x="90" y="2720429"/>
-          <a:ext cx="2744730" cy="1372365"/>
+          <a:off x="195" y="3481624"/>
+          <a:ext cx="3478225" cy="1739112"/>
         </a:xfrm>
         <a:prstGeom prst="roundRect">
           <a:avLst/>
@@ -2940,12 +4208,12 @@
         </a:fontRef>
       </dsp:style>
       <dsp:txBody>
-        <a:bodyPr spcFirstLastPara="0" vert="horz" wrap="square" lIns="125730" tIns="125730" rIns="125730" bIns="125730" numCol="1" spcCol="1270" anchor="ctr" anchorCtr="0">
+        <a:bodyPr spcFirstLastPara="0" vert="horz" wrap="square" lIns="148590" tIns="148590" rIns="148590" bIns="148590" numCol="1" spcCol="1270" anchor="ctr" anchorCtr="0">
           <a:noAutofit/>
         </a:bodyPr>
         <a:lstStyle/>
         <a:p>
-          <a:pPr marL="0" lvl="0" indent="0" algn="ctr" defTabSz="1466850">
+          <a:pPr marL="0" lvl="0" indent="0" algn="ctr" defTabSz="1733550">
             <a:lnSpc>
               <a:spcPct val="90000"/>
             </a:lnSpc>
@@ -2958,15 +4226,304 @@
             <a:buNone/>
           </a:pPr>
           <a:r>
-            <a:rPr lang="ja-JP" altLang="en-US" sz="3300" kern="1200" dirty="0"/>
+            <a:rPr lang="ja-JP" altLang="en-US" sz="3900" kern="1200"/>
             <a:t>一時停止状態</a:t>
           </a:r>
-          <a:endParaRPr lang="ja-JP" sz="3300" kern="1200" dirty="0"/>
         </a:p>
       </dsp:txBody>
       <dsp:txXfrm>
-        <a:off x="67083" y="2787422"/>
-        <a:ext cx="2610744" cy="1238379"/>
+        <a:off x="85091" y="3566520"/>
+        <a:ext cx="3308433" cy="1569320"/>
+      </dsp:txXfrm>
+    </dsp:sp>
+  </dsp:spTree>
+</dsp:drawing>
+</file>
+
+<file path=ppt/diagrams/drawing3.xml><?xml version="1.0" encoding="utf-8"?>
+<dsp:drawing xmlns:dgm="http://schemas.openxmlformats.org/drawingml/2006/diagram" xmlns:dsp="http://schemas.microsoft.com/office/drawing/2008/diagram" xmlns:a="http://schemas.openxmlformats.org/drawingml/2006/main">
+  <dsp:spTree>
+    <dsp:nvGrpSpPr>
+      <dsp:cNvPr id="0" name=""/>
+      <dsp:cNvGrpSpPr/>
+    </dsp:nvGrpSpPr>
+    <dsp:grpSpPr/>
+    <dsp:sp modelId="{D495705C-C01D-42D1-A6E2-7E5C63BA8601}">
+      <dsp:nvSpPr>
+        <dsp:cNvPr id="0" name=""/>
+        <dsp:cNvSpPr/>
+      </dsp:nvSpPr>
+      <dsp:spPr>
+        <a:xfrm>
+          <a:off x="437452" y="891898"/>
+          <a:ext cx="1668421" cy="1668421"/>
+        </a:xfrm>
+        <a:prstGeom prst="ellipse">
+          <a:avLst/>
+        </a:prstGeom>
+        <a:solidFill>
+          <a:schemeClr val="accent2">
+            <a:alpha val="50000"/>
+            <a:hueOff val="0"/>
+            <a:satOff val="0"/>
+            <a:lumOff val="0"/>
+            <a:alphaOff val="0"/>
+          </a:schemeClr>
+        </a:solidFill>
+        <a:ln w="10795" cap="flat" cmpd="sng" algn="ctr">
+          <a:solidFill>
+            <a:schemeClr val="lt1">
+              <a:hueOff val="0"/>
+              <a:satOff val="0"/>
+              <a:lumOff val="0"/>
+              <a:alphaOff val="0"/>
+            </a:schemeClr>
+          </a:solidFill>
+          <a:prstDash val="solid"/>
+        </a:ln>
+        <a:effectLst/>
+      </dsp:spPr>
+      <dsp:style>
+        <a:lnRef idx="2">
+          <a:scrgbClr r="0" g="0" b="0"/>
+        </a:lnRef>
+        <a:fillRef idx="1">
+          <a:scrgbClr r="0" g="0" b="0"/>
+        </a:fillRef>
+        <a:effectRef idx="0">
+          <a:scrgbClr r="0" g="0" b="0"/>
+        </a:effectRef>
+        <a:fontRef idx="minor">
+          <a:schemeClr val="tx1"/>
+        </a:fontRef>
+      </dsp:style>
+    </dsp:sp>
+    <dsp:sp modelId="{E2AC0692-E4BC-4B79-AF0E-7341819C383F}">
+      <dsp:nvSpPr>
+        <dsp:cNvPr id="0" name=""/>
+        <dsp:cNvSpPr/>
+      </dsp:nvSpPr>
+      <dsp:spPr>
+        <a:xfrm>
+          <a:off x="1271662" y="891898"/>
+          <a:ext cx="8901640" cy="1668421"/>
+        </a:xfrm>
+        <a:prstGeom prst="rect">
+          <a:avLst/>
+        </a:prstGeom>
+        <a:noFill/>
+        <a:ln>
+          <a:noFill/>
+        </a:ln>
+        <a:effectLst/>
+      </dsp:spPr>
+      <dsp:style>
+        <a:lnRef idx="0">
+          <a:scrgbClr r="0" g="0" b="0"/>
+        </a:lnRef>
+        <a:fillRef idx="0">
+          <a:scrgbClr r="0" g="0" b="0"/>
+        </a:fillRef>
+        <a:effectRef idx="0">
+          <a:scrgbClr r="0" g="0" b="0"/>
+        </a:effectRef>
+        <a:fontRef idx="minor"/>
+      </dsp:style>
+      <dsp:txBody>
+        <a:bodyPr spcFirstLastPara="0" vert="horz" wrap="square" lIns="0" tIns="44450" rIns="0" bIns="44450" numCol="1" spcCol="1270" anchor="ctr" anchorCtr="0">
+          <a:noAutofit/>
+        </a:bodyPr>
+        <a:lstStyle/>
+        <a:p>
+          <a:pPr marL="0" lvl="0" indent="0" algn="l" defTabSz="1555750">
+            <a:lnSpc>
+              <a:spcPct val="90000"/>
+            </a:lnSpc>
+            <a:spcBef>
+              <a:spcPct val="0"/>
+            </a:spcBef>
+            <a:spcAft>
+              <a:spcPct val="35000"/>
+            </a:spcAft>
+            <a:buNone/>
+          </a:pPr>
+          <a:r>
+            <a:rPr kumimoji="1" lang="en-US" sz="3500" kern="1200"/>
+            <a:t>C</a:t>
+          </a:r>
+          <a:r>
+            <a:rPr kumimoji="1" lang="ja-JP" sz="3500" kern="1200"/>
+            <a:t>言語と</a:t>
+          </a:r>
+          <a:r>
+            <a:rPr kumimoji="1" lang="en-US" sz="3500" kern="1200"/>
+            <a:t>OpenGL</a:t>
+          </a:r>
+          <a:r>
+            <a:rPr lang="ja-JP" sz="3500" kern="1200"/>
+            <a:t>の組み合わせが非常に</a:t>
+          </a:r>
+          <a:r>
+            <a:rPr lang="en-US" sz="3500" kern="1200"/>
+            <a:t>1</a:t>
+          </a:r>
+          <a:r>
+            <a:rPr lang="ja-JP" sz="3500" kern="1200"/>
+            <a:t>秒を表現することが難しく、</a:t>
+          </a:r>
+          <a:r>
+            <a:rPr lang="ja-JP" sz="3500" b="1" u="sng" kern="1200">
+              <a:solidFill>
+                <a:srgbClr val="FF0000"/>
+              </a:solidFill>
+            </a:rPr>
+            <a:t>正確性には欠けるプログラム</a:t>
+          </a:r>
+          <a:r>
+            <a:rPr lang="ja-JP" sz="3500" kern="1200"/>
+            <a:t>になってしまった</a:t>
+          </a:r>
+          <a:endParaRPr lang="en-US" sz="3500" kern="1200"/>
+        </a:p>
+      </dsp:txBody>
+      <dsp:txXfrm>
+        <a:off x="1271662" y="891898"/>
+        <a:ext cx="8901640" cy="1668421"/>
+      </dsp:txXfrm>
+    </dsp:sp>
+    <dsp:sp modelId="{F0268DB3-9016-4A00-BBA6-8F7C3A3CC8B7}">
+      <dsp:nvSpPr>
+        <dsp:cNvPr id="0" name=""/>
+        <dsp:cNvSpPr/>
+      </dsp:nvSpPr>
+      <dsp:spPr>
+        <a:xfrm>
+          <a:off x="437452" y="2560320"/>
+          <a:ext cx="1668421" cy="1668421"/>
+        </a:xfrm>
+        <a:prstGeom prst="ellipse">
+          <a:avLst/>
+        </a:prstGeom>
+        <a:solidFill>
+          <a:schemeClr val="accent2">
+            <a:alpha val="50000"/>
+            <a:hueOff val="1954454"/>
+            <a:satOff val="-31534"/>
+            <a:lumOff val="-5490"/>
+            <a:alphaOff val="0"/>
+          </a:schemeClr>
+        </a:solidFill>
+        <a:ln w="10795" cap="flat" cmpd="sng" algn="ctr">
+          <a:solidFill>
+            <a:schemeClr val="lt1">
+              <a:hueOff val="0"/>
+              <a:satOff val="0"/>
+              <a:lumOff val="0"/>
+              <a:alphaOff val="0"/>
+            </a:schemeClr>
+          </a:solidFill>
+          <a:prstDash val="solid"/>
+        </a:ln>
+        <a:effectLst/>
+      </dsp:spPr>
+      <dsp:style>
+        <a:lnRef idx="2">
+          <a:scrgbClr r="0" g="0" b="0"/>
+        </a:lnRef>
+        <a:fillRef idx="1">
+          <a:scrgbClr r="0" g="0" b="0"/>
+        </a:fillRef>
+        <a:effectRef idx="0">
+          <a:scrgbClr r="0" g="0" b="0"/>
+        </a:effectRef>
+        <a:fontRef idx="minor">
+          <a:schemeClr val="tx1"/>
+        </a:fontRef>
+      </dsp:style>
+    </dsp:sp>
+    <dsp:sp modelId="{506CC101-9C37-4A7C-AEA3-0C4346E8A205}">
+      <dsp:nvSpPr>
+        <dsp:cNvPr id="0" name=""/>
+        <dsp:cNvSpPr/>
+      </dsp:nvSpPr>
+      <dsp:spPr>
+        <a:xfrm>
+          <a:off x="1271662" y="2560320"/>
+          <a:ext cx="8901640" cy="1668421"/>
+        </a:xfrm>
+        <a:prstGeom prst="rect">
+          <a:avLst/>
+        </a:prstGeom>
+        <a:noFill/>
+        <a:ln>
+          <a:noFill/>
+        </a:ln>
+        <a:effectLst/>
+      </dsp:spPr>
+      <dsp:style>
+        <a:lnRef idx="0">
+          <a:scrgbClr r="0" g="0" b="0"/>
+        </a:lnRef>
+        <a:fillRef idx="0">
+          <a:scrgbClr r="0" g="0" b="0"/>
+        </a:fillRef>
+        <a:effectRef idx="0">
+          <a:scrgbClr r="0" g="0" b="0"/>
+        </a:effectRef>
+        <a:fontRef idx="minor"/>
+      </dsp:style>
+      <dsp:txBody>
+        <a:bodyPr spcFirstLastPara="0" vert="horz" wrap="square" lIns="0" tIns="44450" rIns="0" bIns="44450" numCol="1" spcCol="1270" anchor="ctr" anchorCtr="0">
+          <a:noAutofit/>
+        </a:bodyPr>
+        <a:lstStyle/>
+        <a:p>
+          <a:pPr marL="0" lvl="0" indent="0" algn="l" defTabSz="1555750">
+            <a:lnSpc>
+              <a:spcPct val="90000"/>
+            </a:lnSpc>
+            <a:spcBef>
+              <a:spcPct val="0"/>
+            </a:spcBef>
+            <a:spcAft>
+              <a:spcPct val="35000"/>
+            </a:spcAft>
+            <a:buNone/>
+          </a:pPr>
+          <a:r>
+            <a:rPr lang="ja-JP" sz="3500" kern="1200"/>
+            <a:t>グラフィックされた</a:t>
+          </a:r>
+          <a:r>
+            <a:rPr lang="ja-JP" sz="3500" u="none" kern="1200">
+              <a:solidFill>
+                <a:srgbClr val="FF0000"/>
+              </a:solidFill>
+            </a:rPr>
+            <a:t>画面に文字を出力</a:t>
+          </a:r>
+          <a:r>
+            <a:rPr lang="ja-JP" sz="3500" kern="1200"/>
+            <a:t>させることで、より視認性を上げることや、</a:t>
+          </a:r>
+          <a:r>
+            <a:rPr lang="ja-JP" sz="3500" kern="1200">
+              <a:solidFill>
+                <a:srgbClr val="FF0000"/>
+              </a:solidFill>
+            </a:rPr>
+            <a:t>ラップ機能</a:t>
+          </a:r>
+          <a:r>
+            <a:rPr lang="ja-JP" sz="3500" kern="1200"/>
+            <a:t>の追加もこの先検討したい</a:t>
+          </a:r>
+          <a:endParaRPr lang="en-US" sz="3500" kern="1200"/>
+        </a:p>
+      </dsp:txBody>
+      <dsp:txXfrm>
+        <a:off x="1271662" y="2560320"/>
+        <a:ext cx="8901640" cy="1668421"/>
       </dsp:txXfrm>
     </dsp:sp>
   </dsp:spTree>
@@ -2974,11 +4531,12 @@
 </file>
 
 <file path=ppt/diagrams/layout1.xml><?xml version="1.0" encoding="utf-8"?>
-<dgm:layoutDef xmlns:dgm="http://schemas.openxmlformats.org/drawingml/2006/diagram" xmlns:a="http://schemas.openxmlformats.org/drawingml/2006/main" uniqueId="urn:microsoft.com/office/officeart/2016/7/layout/LinearBlockProcessNumbered">
-  <dgm:title val="Linear Block Process Numbered"/>
-  <dgm:desc val="Used to show a progression; a timeline; sequential steps in a task, process, or workflow; or to emphasize movement or direction. Automatic numbers have been introduced to show the steps of the process. Level 1 text and Level 2 text both appears in a rectangle."/>
+<dgm:layoutDef xmlns:dgm="http://schemas.openxmlformats.org/drawingml/2006/diagram" xmlns:a="http://schemas.openxmlformats.org/drawingml/2006/main" uniqueId="urn:microsoft.com/office/officeart/2005/8/layout/lProcess3">
+  <dgm:title val=""/>
+  <dgm:desc val=""/>
   <dgm:catLst>
-    <dgm:cat type="process" pri="500"/>
+    <dgm:cat type="process" pri="11000"/>
+    <dgm:cat type="convert" pri="12000"/>
   </dgm:catLst>
   <dgm:sampData>
     <dgm:dataModel>
@@ -2990,10 +4548,16 @@
         <dgm:pt modelId="11">
           <dgm:prSet phldr="1"/>
         </dgm:pt>
+        <dgm:pt modelId="12">
+          <dgm:prSet phldr="1"/>
+        </dgm:pt>
         <dgm:pt modelId="2">
           <dgm:prSet phldr="1"/>
         </dgm:pt>
         <dgm:pt modelId="21">
+          <dgm:prSet phldr="1"/>
+        </dgm:pt>
+        <dgm:pt modelId="22">
           <dgm:prSet phldr="1"/>
         </dgm:pt>
         <dgm:pt modelId="3">
@@ -3002,50 +4566,20 @@
         <dgm:pt modelId="31">
           <dgm:prSet phldr="1"/>
         </dgm:pt>
-        <dgm:pt modelId="101" type="sibTrans" cxnId="4">
-          <dgm:prSet phldrT="1"/>
-          <dgm:t>
-            <a:bodyPr/>
-            <a:lstStyle/>
-            <a:p>
-              <a:r>
-                <a:t>01</a:t>
-              </a:r>
-            </a:p>
-          </dgm:t>
-        </dgm:pt>
-        <dgm:pt modelId="201" type="sibTrans" cxnId="5">
-          <dgm:prSet phldrT="2"/>
-          <dgm:t>
-            <a:bodyPr/>
-            <a:lstStyle/>
-            <a:p>
-              <a:r>
-                <a:t>02</a:t>
-              </a:r>
-            </a:p>
-          </dgm:t>
-        </dgm:pt>
-        <dgm:pt modelId="301" type="sibTrans" cxnId="6">
-          <dgm:prSet phldrT="3"/>
-          <dgm:t>
-            <a:bodyPr/>
-            <a:lstStyle/>
-            <a:p>
-              <a:r>
-                <a:t>03</a:t>
-              </a:r>
-            </a:p>
-          </dgm:t>
+        <dgm:pt modelId="32">
+          <dgm:prSet phldr="1"/>
         </dgm:pt>
       </dgm:ptLst>
       <dgm:cxnLst>
-        <dgm:cxn modelId="4" srcId="0" destId="1" srcOrd="0" destOrd="0" sibTransId="101"/>
-        <dgm:cxn modelId="5" srcId="0" destId="2" srcOrd="1" destOrd="0" sibTransId="201"/>
-        <dgm:cxn modelId="6" srcId="0" destId="3" srcOrd="2" destOrd="0" sibTransId="301"/>
-        <dgm:cxn modelId="13" srcId="1" destId="11" srcOrd="0" destOrd="0"/>
-        <dgm:cxn modelId="23" srcId="2" destId="21" srcOrd="0" destOrd="0"/>
-        <dgm:cxn modelId="33" srcId="3" destId="31" srcOrd="0" destOrd="0"/>
+        <dgm:cxn modelId="4" srcId="0" destId="1" srcOrd="0" destOrd="0"/>
+        <dgm:cxn modelId="5" srcId="0" destId="2" srcOrd="1" destOrd="0"/>
+        <dgm:cxn modelId="6" srcId="0" destId="3" srcOrd="2" destOrd="0"/>
+        <dgm:cxn modelId="41" srcId="1" destId="11" srcOrd="0" destOrd="0"/>
+        <dgm:cxn modelId="42" srcId="1" destId="12" srcOrd="1" destOrd="0"/>
+        <dgm:cxn modelId="51" srcId="2" destId="21" srcOrd="0" destOrd="0"/>
+        <dgm:cxn modelId="52" srcId="2" destId="22" srcOrd="1" destOrd="0"/>
+        <dgm:cxn modelId="61" srcId="3" destId="31" srcOrd="0" destOrd="0"/>
+        <dgm:cxn modelId="62" srcId="3" destId="32" srcOrd="1" destOrd="0"/>
       </dgm:cxnLst>
       <dgm:bg/>
       <dgm:whole/>
@@ -3056,15 +4590,11 @@
       <dgm:ptLst>
         <dgm:pt modelId="0" type="doc"/>
         <dgm:pt modelId="1"/>
-        <dgm:pt modelId="11"/>
         <dgm:pt modelId="2"/>
-        <dgm:pt modelId="21"/>
       </dgm:ptLst>
       <dgm:cxnLst>
         <dgm:cxn modelId="4" srcId="0" destId="1" srcOrd="0" destOrd="0"/>
-        <dgm:cxn modelId="5" srcId="0" destId="2" srcOrd="1" destOrd="0"/>
-        <dgm:cxn modelId="13" srcId="1" destId="11" srcOrd="0" destOrd="0"/>
-        <dgm:cxn modelId="23" srcId="2" destId="21" srcOrd="0" destOrd="0"/>
+        <dgm:cxn modelId="5" srcId="1" destId="2" srcOrd="0" destOrd="0"/>
       </dgm:cxnLst>
       <dgm:bg/>
       <dgm:whole/>
@@ -3088,10 +4618,10 @@
         <dgm:cxn modelId="6" srcId="0" destId="2" srcOrd="1" destOrd="0"/>
         <dgm:cxn modelId="7" srcId="0" destId="3" srcOrd="2" destOrd="0"/>
         <dgm:cxn modelId="8" srcId="0" destId="4" srcOrd="3" destOrd="0"/>
-        <dgm:cxn modelId="13" srcId="1" destId="11" srcOrd="0" destOrd="0"/>
-        <dgm:cxn modelId="23" srcId="2" destId="21" srcOrd="0" destOrd="0"/>
-        <dgm:cxn modelId="33" srcId="3" destId="31" srcOrd="0" destOrd="0"/>
-        <dgm:cxn modelId="43" srcId="4" destId="41" srcOrd="0" destOrd="0"/>
+        <dgm:cxn modelId="51" srcId="1" destId="11" srcOrd="0" destOrd="0"/>
+        <dgm:cxn modelId="61" srcId="2" destId="21" srcOrd="0" destOrd="0"/>
+        <dgm:cxn modelId="71" srcId="3" destId="31" srcOrd="0" destOrd="0"/>
+        <dgm:cxn modelId="81" srcId="4" destId="41" srcOrd="0" destOrd="0"/>
       </dgm:cxnLst>
       <dgm:bg/>
       <dgm:whole/>
@@ -3099,143 +4629,185 @@
   </dgm:clrData>
   <dgm:layoutNode name="Name0">
     <dgm:varLst>
+      <dgm:chPref val="3"/>
+      <dgm:dir/>
       <dgm:animLvl val="lvl"/>
-      <dgm:resizeHandles val="exact"/>
+      <dgm:resizeHandles/>
     </dgm:varLst>
-    <dgm:alg type="lin">
-      <dgm:param type="linDir" val="fromL"/>
-      <dgm:param type="nodeVertAlign" val="t"/>
-    </dgm:alg>
+    <dgm:choose name="Name1">
+      <dgm:if name="Name2" func="var" arg="dir" op="equ" val="norm">
+        <dgm:alg type="lin">
+          <dgm:param type="linDir" val="fromT"/>
+          <dgm:param type="vertAlign" val="mid"/>
+          <dgm:param type="nodeHorzAlign" val="l"/>
+          <dgm:param type="nodeVertAlign" val="t"/>
+          <dgm:param type="fallback" val="2D"/>
+        </dgm:alg>
+      </dgm:if>
+      <dgm:else name="Name3">
+        <dgm:alg type="lin">
+          <dgm:param type="linDir" val="fromT"/>
+          <dgm:param type="vertAlign" val="mid"/>
+          <dgm:param type="nodeHorzAlign" val="r"/>
+          <dgm:param type="nodeVertAlign" val="t"/>
+          <dgm:param type="fallback" val="2D"/>
+        </dgm:alg>
+      </dgm:else>
+    </dgm:choose>
     <dgm:shape xmlns:r="http://schemas.openxmlformats.org/officeDocument/2006/relationships" r:blip="">
       <dgm:adjLst/>
     </dgm:shape>
     <dgm:presOf/>
     <dgm:constrLst>
-      <dgm:constr type="h" for="ch" forName="compositeNode" refType="h"/>
-      <dgm:constr type="w" for="ch" forName="compositeNode" refType="w"/>
-      <dgm:constr type="w" for="des" forName="simulatedConn" refType="w" refFor="ch" refForName="compositeNode" fact="0.15"/>
-      <dgm:constr type="h" for="des" forName="simulatedConn" refType="w" refFor="des" refForName="simulatedConn"/>
-      <dgm:constr type="h" for="des" forName="vSp1" refType="w" refFor="ch" refForName="compositeNode" fact="0.8"/>
-      <dgm:constr type="h" for="des" forName="vSp2" refType="w" refFor="ch" refForName="compositeNode" fact="0.07"/>
-      <dgm:constr type="w" for="ch" forName="vProcSp" refType="w" refFor="des" refForName="simulatedConn" op="equ"/>
-      <dgm:constr type="h" for="ch" forName="vProcSp" refType="h" refFor="ch" refForName="compositeNode" op="equ"/>
-      <dgm:constr type="w" for="ch" forName="sibTrans" refType="w" refFor="ch" refForName="compositeNode" fact="0.08"/>
-      <dgm:constr type="primFontSz" for="des" forName="sibTransNodeRect" op="equ"/>
-      <dgm:constr type="primFontSz" for="des" forName="nodeRect" op="equ"/>
+      <dgm:constr type="w" for="des" forName="bigChev" refType="w"/>
+      <dgm:constr type="h" for="des" forName="bigChev" refType="w" refFor="des" refForName="bigChev" op="equ" fact="0.4"/>
+      <dgm:constr type="w" for="des" forName="node" refType="w" refFor="des" refForName="bigChev" fact="0.83"/>
+      <dgm:constr type="h" for="des" forName="node" refType="w" refFor="des" refForName="node" op="equ" fact="0.4"/>
+      <dgm:constr type="w" for="des" forName="parTrans" refType="w" refFor="des" refForName="bigChev" op="equ" fact="-0.13"/>
+      <dgm:constr type="w" for="des" forName="sibTrans" refType="w" refFor="des" refForName="node" op="equ" fact="-0.14"/>
+      <dgm:constr type="h" for="ch" forName="vSp" refType="h" refFor="des" refForName="bigChev" op="equ" fact="0.14"/>
+      <dgm:constr type="primFontSz" for="des" forName="node" op="equ"/>
+      <dgm:constr type="primFontSz" for="des" forName="bigChev" op="equ"/>
     </dgm:constrLst>
     <dgm:ruleLst/>
     <dgm:forEach name="Name4" axis="ch" ptType="node">
-      <dgm:layoutNode name="compositeNode">
-        <dgm:varLst>
-          <dgm:bulletEnabled val="1"/>
-        </dgm:varLst>
-        <dgm:alg type="composite"/>
-        <dgm:constrLst>
-          <dgm:constr type="h" refType="w" op="lte" fact="1.2"/>
-          <dgm:constr type="w" for="ch" forName="bgRect" refType="w"/>
-          <dgm:constr type="h" for="ch" forName="bgRect" refType="h"/>
-          <dgm:constr type="t" for="ch" forName="bgRect"/>
-          <dgm:constr type="l" for="ch" forName="bgRect"/>
-          <dgm:constr type="w" for="ch" forName="sibTransNodeRect" refType="w" refFor="ch" refForName="bgRect"/>
-          <dgm:constr type="h" for="ch" forName="sibTransNodeRect" refType="h" refFor="ch" refForName="bgRect" fact="0.4"/>
-          <dgm:constr type="t" for="ch" forName="sibTransNodeRect"/>
-          <dgm:constr type="l" for="ch" forName="sibTransNodeRect"/>
-          <dgm:constr type="r" for="ch" forName="nodeRect" refType="r" refFor="ch" refForName="bgRect"/>
-          <dgm:constr type="h" for="ch" forName="nodeRect" refType="h" refFor="ch" refForName="bgRect" fact="0.6"/>
-          <dgm:constr type="t" for="ch" forName="nodeRect" refType="b" refFor="ch" refForName="sibTransNodeRect"/>
-          <dgm:constr type="l" for="ch" forName="nodeRect" refType="l" refFor="ch" refForName="bgRect"/>
-        </dgm:constrLst>
-        <dgm:ruleLst>
-          <dgm:rule type="w" for="ch" forName="nodeRect" val="NaN" fact="NaN" max="30"/>
-        </dgm:ruleLst>
-        <dgm:layoutNode name="bgRect" styleLbl="alignNode1">
-          <dgm:alg type="sp"/>
-          <dgm:shape xmlns:r="http://schemas.openxmlformats.org/officeDocument/2006/relationships" type="rect" r:blip="">
-            <dgm:adjLst>
-              <dgm:adj idx="1" val="0.05"/>
-            </dgm:adjLst>
-          </dgm:shape>
-          <dgm:presOf axis="self"/>
-          <dgm:constrLst/>
-          <dgm:ruleLst/>
+      <dgm:layoutNode name="horFlow">
+        <dgm:choose name="Name5">
+          <dgm:if name="Name6" func="var" arg="dir" op="equ" val="norm">
+            <dgm:alg type="lin">
+              <dgm:param type="linDir" val="fromL"/>
+              <dgm:param type="nodeHorzAlign" val="l"/>
+              <dgm:param type="nodeVertAlign" val="mid"/>
+              <dgm:param type="fallback" val="2D"/>
+            </dgm:alg>
+          </dgm:if>
+          <dgm:else name="Name7">
+            <dgm:alg type="lin">
+              <dgm:param type="linDir" val="fromR"/>
+              <dgm:param type="nodeHorzAlign" val="r"/>
+              <dgm:param type="nodeVertAlign" val="mid"/>
+              <dgm:param type="fallback" val="2D"/>
+            </dgm:alg>
+          </dgm:else>
+        </dgm:choose>
+        <dgm:shape xmlns:r="http://schemas.openxmlformats.org/officeDocument/2006/relationships" r:blip="">
+          <dgm:adjLst/>
+        </dgm:shape>
+        <dgm:presOf/>
+        <dgm:constrLst/>
+        <dgm:ruleLst/>
+        <dgm:layoutNode name="bigChev" styleLbl="node1">
+          <dgm:alg type="tx"/>
+          <dgm:choose name="Name8">
+            <dgm:if name="Name9" func="var" arg="dir" op="equ" val="norm">
+              <dgm:shape xmlns:r="http://schemas.openxmlformats.org/officeDocument/2006/relationships" type="chevron" r:blip="">
+                <dgm:adjLst/>
+              </dgm:shape>
+              <dgm:presOf axis="self"/>
+              <dgm:constrLst>
+                <dgm:constr type="primFontSz" val="65"/>
+                <dgm:constr type="rMarg"/>
+                <dgm:constr type="lMarg" refType="primFontSz" fact="0.1"/>
+                <dgm:constr type="tMarg" refType="primFontSz" fact="0.05"/>
+                <dgm:constr type="bMarg" refType="primFontSz" fact="0.05"/>
+              </dgm:constrLst>
+            </dgm:if>
+            <dgm:else name="Name10">
+              <dgm:shape xmlns:r="http://schemas.openxmlformats.org/officeDocument/2006/relationships" rot="180" type="chevron" r:blip="">
+                <dgm:adjLst/>
+              </dgm:shape>
+              <dgm:presOf axis="self"/>
+              <dgm:constrLst>
+                <dgm:constr type="primFontSz" val="65"/>
+                <dgm:constr type="lMarg"/>
+                <dgm:constr type="rMarg" refType="primFontSz" fact="0.1"/>
+                <dgm:constr type="tMarg" refType="primFontSz" fact="0.05"/>
+                <dgm:constr type="bMarg" refType="primFontSz" fact="0.05"/>
+              </dgm:constrLst>
+            </dgm:else>
+          </dgm:choose>
+          <dgm:ruleLst>
+            <dgm:rule type="primFontSz" val="5" fact="NaN" max="NaN"/>
+          </dgm:ruleLst>
         </dgm:layoutNode>
-        <dgm:forEach name="Name19" axis="followSib" ptType="sibTrans" hideLastTrans="0" cnt="1">
-          <dgm:layoutNode name="sibTransNodeRect" styleLbl="alignNode1">
+        <dgm:forEach name="parTransForEach" axis="ch" ptType="parTrans" cnt="1">
+          <dgm:layoutNode name="parTrans">
+            <dgm:alg type="sp"/>
+            <dgm:shape xmlns:r="http://schemas.openxmlformats.org/officeDocument/2006/relationships" r:blip="">
+              <dgm:adjLst/>
+            </dgm:shape>
+            <dgm:presOf/>
+            <dgm:constrLst/>
+            <dgm:ruleLst/>
+          </dgm:layoutNode>
+        </dgm:forEach>
+        <dgm:forEach name="Name11" axis="ch" ptType="node">
+          <dgm:layoutNode name="node" styleLbl="alignAccFollowNode1">
             <dgm:varLst>
-              <dgm:chMax val="0"/>
               <dgm:bulletEnabled val="1"/>
             </dgm:varLst>
-            <dgm:presOf axis="self"/>
-            <dgm:alg type="tx">
-              <dgm:param type="parTxLTRAlign" val="l"/>
-              <dgm:param type="parTxRTLAlign" val="l"/>
-            </dgm:alg>
-            <dgm:shape xmlns:r="http://schemas.openxmlformats.org/officeDocument/2006/relationships" type="rect" r:blip="" hideGeom="1">
+            <dgm:alg type="tx"/>
+            <dgm:choose name="Name12">
+              <dgm:if name="Name13" func="var" arg="dir" op="equ" val="norm">
+                <dgm:shape xmlns:r="http://schemas.openxmlformats.org/officeDocument/2006/relationships" type="chevron" r:blip="">
+                  <dgm:adjLst/>
+                </dgm:shape>
+                <dgm:presOf axis="desOrSelf" ptType="node"/>
+                <dgm:constrLst>
+                  <dgm:constr type="primFontSz" val="65"/>
+                  <dgm:constr type="rMarg"/>
+                  <dgm:constr type="lMarg" refType="primFontSz" fact="0.1"/>
+                  <dgm:constr type="tMarg" refType="primFontSz" fact="0.05"/>
+                  <dgm:constr type="bMarg" refType="primFontSz" fact="0.05"/>
+                </dgm:constrLst>
+              </dgm:if>
+              <dgm:else name="Name14">
+                <dgm:shape xmlns:r="http://schemas.openxmlformats.org/officeDocument/2006/relationships" rot="180" type="chevron" r:blip="">
+                  <dgm:adjLst/>
+                </dgm:shape>
+                <dgm:presOf axis="desOrSelf" ptType="node"/>
+                <dgm:constrLst>
+                  <dgm:constr type="primFontSz" val="65"/>
+                  <dgm:constr type="lMarg"/>
+                  <dgm:constr type="rMarg" refType="primFontSz" fact="0.1"/>
+                  <dgm:constr type="tMarg" refType="primFontSz" fact="0.05"/>
+                  <dgm:constr type="bMarg" refType="primFontSz" fact="0.05"/>
+                </dgm:constrLst>
+              </dgm:else>
+            </dgm:choose>
+            <dgm:ruleLst>
+              <dgm:rule type="primFontSz" val="5" fact="NaN" max="NaN"/>
+            </dgm:ruleLst>
+          </dgm:layoutNode>
+          <dgm:forEach name="sibTransForEach" axis="followSib" ptType="sibTrans" cnt="1">
+            <dgm:layoutNode name="sibTrans">
+              <dgm:alg type="sp"/>
+              <dgm:shape xmlns:r="http://schemas.openxmlformats.org/officeDocument/2006/relationships" r:blip="">
+                <dgm:adjLst/>
+              </dgm:shape>
+              <dgm:presOf/>
+              <dgm:constrLst/>
+              <dgm:ruleLst/>
+            </dgm:layoutNode>
+          </dgm:forEach>
+        </dgm:forEach>
+      </dgm:layoutNode>
+      <dgm:choose name="Name15">
+        <dgm:if name="Name16" axis="self" ptType="node" func="revPos" op="gte" val="2">
+          <dgm:layoutNode name="vSp">
+            <dgm:alg type="sp"/>
+            <dgm:shape xmlns:r="http://schemas.openxmlformats.org/officeDocument/2006/relationships" r:blip="">
               <dgm:adjLst/>
             </dgm:shape>
-            <dgm:constrLst>
-              <dgm:constr type="primFontSz" val="66"/>
-              <dgm:constr type="tMarg" val="13"/>
-              <dgm:constr type="lMarg" refType="w" fact="0.28"/>
-              <dgm:constr type="rMarg" refType="w" fact="0.28"/>
-              <dgm:constr type="bMarg" val="13"/>
-            </dgm:constrLst>
-            <dgm:ruleLst>
-              <dgm:rule type="primFontSz" val="14" fact="NaN" max="NaN"/>
-              <dgm:rule type="tMarg" val="13" fact="NaN" max="NaN"/>
-            </dgm:ruleLst>
+            <dgm:presOf/>
+            <dgm:constrLst/>
+            <dgm:ruleLst/>
           </dgm:layoutNode>
-        </dgm:forEach>
-        <dgm:layoutNode name="nodeRect" styleLbl="alignNode1" moveWith="bgRect">
-          <dgm:varLst>
-            <dgm:bulletEnabled val="1"/>
-          </dgm:varLst>
-          <dgm:alg type="tx">
-            <dgm:param type="parTxLTRAlign" val="l"/>
-            <dgm:param type="parTxRTLAlign" val="r"/>
-            <dgm:param type="txAnchorVert" val="t"/>
-            <dgm:param type="stBulletLvl" val="2"/>
-          </dgm:alg>
-          <dgm:shape xmlns:r="http://schemas.openxmlformats.org/officeDocument/2006/relationships" type="rect" r:blip="" hideGeom="1">
-            <dgm:adjLst/>
-          </dgm:shape>
-          <dgm:presOf axis="desOrSelf" ptType="node"/>
-          <dgm:constrLst>
-            <dgm:constr type="primFontSz" val="26"/>
-            <dgm:constr type="tMarg"/>
-            <dgm:constr type="lMarg" refType="w" fact="0.28"/>
-            <dgm:constr type="rMarg" refType="w" fact="0.28"/>
-            <dgm:constr type="bMarg" val="26"/>
-          </dgm:constrLst>
-          <dgm:ruleLst>
-            <dgm:rule type="primFontSz" val="11" fact="NaN" max="NaN"/>
-          </dgm:ruleLst>
-        </dgm:layoutNode>
-      </dgm:layoutNode>
-      <dgm:forEach name="Name14" axis="followSib" ptType="sibTrans" cnt="1">
-        <dgm:layoutNode name="sibTrans">
-          <dgm:alg type="sp"/>
-          <dgm:shape xmlns:r="http://schemas.openxmlformats.org/officeDocument/2006/relationships" r:blip="">
-            <dgm:adjLst/>
-          </dgm:shape>
-          <dgm:presOf/>
-          <dgm:constrLst/>
-          <dgm:ruleLst/>
-        </dgm:layoutNode>
-      </dgm:forEach>
+        </dgm:if>
+        <dgm:else name="Name17"/>
+      </dgm:choose>
     </dgm:forEach>
   </dgm:layoutNode>
-  <dgm:extLst>
-    <a:ext uri="{4F341089-5ED1-44EC-B178-C955D00A3D55}">
-      <dgm1611:autoBuNodeInfoLst xmlns:dgm1611="http://schemas.microsoft.com/office/drawing/2016/11/diagram">
-        <dgm1611:autoBuNodeInfo lvl="1" ptType="sibTrans">
-          <dgm1611:buPr prefix="" leadZeros="1">
-            <a:buAutoNum type="arabicParenBoth"/>
-          </dgm1611:buPr>
-        </dgm1611:autoBuNodeInfo>
-      </dgm1611:autoBuNodeInfoLst>
-    </a:ext>
-  </dgm:extLst>
 </dgm:layoutDef>
 </file>
 
@@ -3642,6 +5214,565 @@
 </dgm:layoutDef>
 </file>
 
+<file path=ppt/diagrams/layout3.xml><?xml version="1.0" encoding="utf-8"?>
+<dgm:layoutDef xmlns:dgm="http://schemas.openxmlformats.org/drawingml/2006/diagram" xmlns:a="http://schemas.openxmlformats.org/drawingml/2006/main" uniqueId="urn:microsoft.com/office/officeart/2008/layout/VerticalCircleList">
+  <dgm:title val=""/>
+  <dgm:desc val=""/>
+  <dgm:catLst>
+    <dgm:cat type="list" pri="23500"/>
+  </dgm:catLst>
+  <dgm:sampData>
+    <dgm:dataModel>
+      <dgm:ptLst>
+        <dgm:pt modelId="0" type="doc"/>
+        <dgm:pt modelId="1">
+          <dgm:prSet phldr="1"/>
+        </dgm:pt>
+        <dgm:pt modelId="11">
+          <dgm:prSet phldr="1"/>
+        </dgm:pt>
+        <dgm:pt modelId="12">
+          <dgm:prSet phldr="1"/>
+        </dgm:pt>
+        <dgm:pt modelId="2">
+          <dgm:prSet phldr="1"/>
+        </dgm:pt>
+        <dgm:pt modelId="21">
+          <dgm:prSet phldr="1"/>
+        </dgm:pt>
+        <dgm:pt modelId="22">
+          <dgm:prSet phldr="1"/>
+        </dgm:pt>
+      </dgm:ptLst>
+      <dgm:cxnLst>
+        <dgm:cxn modelId="4" srcId="0" destId="1" srcOrd="0" destOrd="0"/>
+        <dgm:cxn modelId="41" srcId="1" destId="11" srcOrd="0" destOrd="0"/>
+        <dgm:cxn modelId="42" srcId="1" destId="12" srcOrd="1" destOrd="0"/>
+        <dgm:cxn modelId="5" srcId="0" destId="2" srcOrd="0" destOrd="0"/>
+        <dgm:cxn modelId="51" srcId="2" destId="21" srcOrd="0" destOrd="0"/>
+        <dgm:cxn modelId="52" srcId="2" destId="22" srcOrd="1" destOrd="0"/>
+      </dgm:cxnLst>
+      <dgm:bg/>
+      <dgm:whole/>
+    </dgm:dataModel>
+  </dgm:sampData>
+  <dgm:styleData useDef="1">
+    <dgm:dataModel>
+      <dgm:ptLst/>
+      <dgm:bg/>
+      <dgm:whole/>
+    </dgm:dataModel>
+  </dgm:styleData>
+  <dgm:clrData useDef="1">
+    <dgm:dataModel>
+      <dgm:ptLst/>
+      <dgm:bg/>
+      <dgm:whole/>
+    </dgm:dataModel>
+  </dgm:clrData>
+  <dgm:layoutNode name="Name0">
+    <dgm:varLst>
+      <dgm:dir/>
+    </dgm:varLst>
+    <dgm:alg type="lin">
+      <dgm:param type="linDir" val="fromT"/>
+      <dgm:param type="fallback" val="2D"/>
+    </dgm:alg>
+    <dgm:shape xmlns:r="http://schemas.openxmlformats.org/officeDocument/2006/relationships" r:blip="">
+      <dgm:adjLst/>
+    </dgm:shape>
+    <dgm:presOf/>
+    <dgm:constrLst>
+      <dgm:constr type="w" for="ch" forName="withChildren" refType="w"/>
+      <dgm:constr type="h" for="ch" forName="withChildren" refType="w" fact="0.909"/>
+      <dgm:constr type="w" for="ch" forName="noChildren" refType="w"/>
+      <dgm:constr type="h" for="ch" forName="noChildren" refType="w" fact="0.164"/>
+      <dgm:constr type="w" for="ch" forName="overlap" val="1"/>
+      <dgm:constr type="h" for="ch" forName="overlap" refType="w" refFor="ch" refForName="withChildren" fact="-0.089"/>
+      <dgm:constr type="primFontSz" for="des" forName="txLvl1" op="equ" val="65"/>
+      <dgm:constr type="primFontSz" for="des" forName="txLvlOnly1" refType="primFontSz" refFor="des" refForName="txLvl1" op="equ"/>
+      <dgm:constr type="primFontSz" for="des" forName="txLvl2" refType="primFontSz" refFor="des" refForName="txLvl1" op="equ" fact="0.78"/>
+      <dgm:constr type="primFontSz" for="des" forName="txLvl3" refType="primFontSz" refFor="des" refForName="txLvl1" op="equ" fact="0.78"/>
+      <dgm:constr type="userF" for="des" forName="lin" refType="primFontSz" refFor="des" refForName="txLvl2" op="equ"/>
+    </dgm:constrLst>
+    <dgm:forEach name="Name1" axis="ch" ptType="node">
+      <dgm:choose name="Name2">
+        <dgm:if name="Name3" axis="ch" ptType="node" func="cnt" op="gte" val="1">
+          <dgm:layoutNode name="withChildren">
+            <dgm:alg type="composite"/>
+            <dgm:choose name="Name4">
+              <dgm:if name="Name5" func="var" arg="dir" op="equ" val="norm">
+                <dgm:constrLst>
+                  <dgm:constr type="l" for="ch" forName="bigCircle"/>
+                  <dgm:constr type="w" for="ch" forName="bigCircle" refType="h" refFor="ch" refForName="bigCircle"/>
+                  <dgm:constr type="t" for="ch" forName="bigCircle"/>
+                  <dgm:constr type="h" for="ch" forName="bigCircle" refType="h"/>
+                  <dgm:constr type="l" for="ch" forName="medCircle" refType="w" fact="0.043"/>
+                  <dgm:constr type="w" for="ch" forName="medCircle" refType="h" refFor="ch" refForName="medCircle"/>
+                  <dgm:constr type="t" for="ch" forName="medCircle" refType="h" fact="0.042"/>
+                  <dgm:constr type="h" for="ch" forName="medCircle" refType="h" fact="0.18"/>
+                  <dgm:constr type="l" for="ch" forName="txLvl1" refType="ctrX" refFor="ch" refForName="medCircle"/>
+                  <dgm:constr type="r" for="ch" forName="txLvl1" refType="w"/>
+                  <dgm:constr type="h" for="ch" forName="txLvl1" refType="h" refFor="ch" refForName="medCircle"/>
+                  <dgm:constr type="t" for="ch" forName="txLvl1" refType="t" refFor="ch" refForName="medCircle"/>
+                  <dgm:constr type="l" for="ch" forName="lin" refType="ctrX" refFor="ch" refForName="medCircle"/>
+                  <dgm:constr type="r" for="ch" forName="lin" refType="w"/>
+                  <dgm:constr type="t" for="ch" forName="lin" refType="h" fact="0.222"/>
+                  <dgm:constr type="h" for="ch" forName="lin" refType="h" fact="0.68"/>
+                </dgm:constrLst>
+              </dgm:if>
+              <dgm:else name="Name6">
+                <dgm:constrLst>
+                  <dgm:constr type="r" for="ch" forName="bigCircle" refType="w"/>
+                  <dgm:constr type="w" for="ch" forName="bigCircle" refType="h" refFor="ch" refForName="bigCircle"/>
+                  <dgm:constr type="t" for="ch" forName="bigCircle"/>
+                  <dgm:constr type="h" for="ch" forName="bigCircle" refType="h"/>
+                  <dgm:constr type="r" for="ch" forName="medCircle" refType="w" fact="0.957"/>
+                  <dgm:constr type="w" for="ch" forName="medCircle" refType="h" refFor="ch" refForName="medCircle"/>
+                  <dgm:constr type="t" for="ch" forName="medCircle" refType="h" fact="0.042"/>
+                  <dgm:constr type="h" for="ch" forName="medCircle" refType="h" fact="0.18"/>
+                  <dgm:constr type="l" for="ch" forName="txLvl1"/>
+                  <dgm:constr type="r" for="ch" forName="txLvl1" refType="ctrX" refFor="ch" refForName="medCircle"/>
+                  <dgm:constr type="h" for="ch" forName="txLvl1" refType="h" refFor="ch" refForName="medCircle"/>
+                  <dgm:constr type="t" for="ch" forName="txLvl1" refType="t" refFor="ch" refForName="medCircle"/>
+                  <dgm:constr type="l" for="ch" forName="lin"/>
+                  <dgm:constr type="r" for="ch" forName="lin" refType="ctrX" refFor="ch" refForName="medCircle"/>
+                  <dgm:constr type="t" for="ch" forName="lin" refType="h" fact="0.222"/>
+                  <dgm:constr type="h" for="ch" forName="lin" refType="h" fact="0.68"/>
+                </dgm:constrLst>
+              </dgm:else>
+            </dgm:choose>
+            <dgm:layoutNode name="bigCircle" styleLbl="vennNode1">
+              <dgm:alg type="sp"/>
+              <dgm:shape xmlns:r="http://schemas.openxmlformats.org/officeDocument/2006/relationships" type="ellipse" r:blip="">
+                <dgm:adjLst/>
+              </dgm:shape>
+              <dgm:presOf/>
+              <dgm:constrLst>
+                <dgm:constr type="w" refType="h"/>
+              </dgm:constrLst>
+            </dgm:layoutNode>
+            <dgm:layoutNode name="medCircle" styleLbl="vennNode1">
+              <dgm:alg type="sp"/>
+              <dgm:shape xmlns:r="http://schemas.openxmlformats.org/officeDocument/2006/relationships" type="ellipse" r:blip="">
+                <dgm:adjLst/>
+              </dgm:shape>
+              <dgm:presOf/>
+              <dgm:constrLst>
+                <dgm:constr type="w" refType="h"/>
+              </dgm:constrLst>
+            </dgm:layoutNode>
+            <dgm:layoutNode name="txLvl1" styleLbl="revTx">
+              <dgm:choose name="Name7">
+                <dgm:if name="Name8" func="var" arg="dir" op="equ" val="norm">
+                  <dgm:alg type="tx">
+                    <dgm:param type="parTxLTRAlign" val="l"/>
+                    <dgm:param type="parTxRTLAlign" val="l"/>
+                  </dgm:alg>
+                </dgm:if>
+                <dgm:else name="Name9">
+                  <dgm:alg type="tx">
+                    <dgm:param type="parTxLTRAlign" val="r"/>
+                    <dgm:param type="parTxRTLAlign" val="r"/>
+                  </dgm:alg>
+                </dgm:else>
+              </dgm:choose>
+              <dgm:shape xmlns:r="http://schemas.openxmlformats.org/officeDocument/2006/relationships" type="rect" r:blip="">
+                <dgm:adjLst/>
+              </dgm:shape>
+              <dgm:presOf axis="self" ptType="node"/>
+              <dgm:constrLst>
+                <dgm:constr type="lMarg"/>
+                <dgm:constr type="rMarg"/>
+                <dgm:constr type="tMarg" refType="primFontSz" fact="0.1"/>
+                <dgm:constr type="bMarg" refType="primFontSz" fact="0.1"/>
+              </dgm:constrLst>
+              <dgm:ruleLst>
+                <dgm:rule type="primFontSz" val="5" fact="NaN" max="NaN"/>
+              </dgm:ruleLst>
+            </dgm:layoutNode>
+            <dgm:layoutNode name="lin">
+              <dgm:choose name="Name10">
+                <dgm:if name="Name11" func="var" arg="dir" op="equ" val="norm">
+                  <dgm:alg type="lin">
+                    <dgm:param type="linDir" val="fromT"/>
+                    <dgm:param type="vertAlign" val="t"/>
+                    <dgm:param type="nodeHorzAlign" val="l"/>
+                  </dgm:alg>
+                </dgm:if>
+                <dgm:else name="Name12">
+                  <dgm:alg type="lin">
+                    <dgm:param type="linDir" val="fromT"/>
+                    <dgm:param type="vertAlign" val="t"/>
+                    <dgm:param type="nodeHorzAlign" val="r"/>
+                  </dgm:alg>
+                </dgm:else>
+              </dgm:choose>
+              <dgm:shape xmlns:r="http://schemas.openxmlformats.org/officeDocument/2006/relationships" r:blip="">
+                <dgm:adjLst/>
+              </dgm:shape>
+              <dgm:presOf/>
+              <dgm:constrLst>
+                <dgm:constr type="userF"/>
+                <dgm:constr type="primFontSz" for="ch" forName="txLvl2" refType="userF"/>
+                <dgm:constr type="w" for="ch" forName="txLvl2" refType="w"/>
+                <dgm:constr type="h" for="ch" forName="txLvl2" refType="primFontSz" refFor="ch" refForName="txLvl2" fact="0.39"/>
+                <dgm:constr type="w" for="ch" forName="txLvl3" refType="w"/>
+                <dgm:constr type="h" for="ch" forName="txLvl3" refType="primFontSz" refFor="ch" refForName="txLvl2" fact="0.39"/>
+                <dgm:constr type="h" for="ch" forName="smCircle" refType="primFontSz" refFor="ch" refForName="txLvl2" fact="0.14"/>
+                <dgm:constr type="h" for="ch" forName="indentDot1" refType="primFontSz" refFor="ch" refForName="txLvl2" fact="0.14"/>
+                <dgm:constr type="h" for="ch" forName="indentDot2" refType="primFontSz" refFor="ch" refForName="txLvl2" fact="0.14"/>
+                <dgm:constr type="h" for="ch" forName="indentDot3" refType="primFontSz" refFor="ch" refForName="txLvl2" fact="0.14"/>
+                <dgm:constr type="w" for="ch" forName="indentDot1" refType="w"/>
+                <dgm:constr type="w" for="ch" forName="indentDot2" refType="w"/>
+                <dgm:constr type="w" for="ch" forName="indentDot3" refType="w"/>
+                <dgm:constr type="userI" for="ch" forName="txLvl3" refType="primFontSz" refFor="ch" refForName="txLvl2" fact="0.14"/>
+                <dgm:constr type="userI" for="ch" forName="indentDot1" refType="primFontSz" refFor="ch" refForName="txLvl2" fact="0.14"/>
+                <dgm:constr type="userI" for="ch" forName="indentDot2" refType="primFontSz" refFor="ch" refForName="txLvl2" fact="0.14"/>
+                <dgm:constr type="userI" for="ch" forName="indentDot3" refType="primFontSz" refFor="ch" refForName="txLvl2" fact="0.14"/>
+              </dgm:constrLst>
+              <dgm:ruleLst>
+                <dgm:rule type="primFontSz" for="ch" forName="txLvl2" val="5" fact="NaN" max="NaN"/>
+              </dgm:ruleLst>
+              <dgm:forEach name="Name13" axis="ch" ptType="node">
+                <dgm:layoutNode name="txLvl2" styleLbl="revTx">
+                  <dgm:choose name="Name14">
+                    <dgm:if name="Name15" func="var" arg="dir" op="equ" val="norm">
+                      <dgm:alg type="tx">
+                        <dgm:param type="parTxLTRAlign" val="l"/>
+                        <dgm:param type="parTxRTLAlign" val="l"/>
+                      </dgm:alg>
+                    </dgm:if>
+                    <dgm:else name="Name16">
+                      <dgm:alg type="tx">
+                        <dgm:param type="parTxLTRAlign" val="r"/>
+                        <dgm:param type="parTxRTLAlign" val="r"/>
+                      </dgm:alg>
+                    </dgm:else>
+                  </dgm:choose>
+                  <dgm:shape xmlns:r="http://schemas.openxmlformats.org/officeDocument/2006/relationships" type="rect" r:blip="">
+                    <dgm:adjLst/>
+                  </dgm:shape>
+                  <dgm:presOf axis="self" ptType="node"/>
+                  <dgm:constrLst>
+                    <dgm:constr type="lMarg"/>
+                    <dgm:constr type="rMarg"/>
+                    <dgm:constr type="tMarg" refType="primFontSz" fact="0.1"/>
+                    <dgm:constr type="bMarg" refType="primFontSz" fact="0.1"/>
+                  </dgm:constrLst>
+                  <dgm:ruleLst>
+                    <dgm:rule type="h" val="INF" fact="NaN" max="NaN"/>
+                  </dgm:ruleLst>
+                </dgm:layoutNode>
+                <dgm:forEach name="Name17" axis="ch" ptType="node" cnt="1">
+                  <dgm:layoutNode name="indentDot1">
+                    <dgm:alg type="composite"/>
+                    <dgm:shape xmlns:r="http://schemas.openxmlformats.org/officeDocument/2006/relationships" r:blip="">
+                      <dgm:adjLst/>
+                    </dgm:shape>
+                    <dgm:presOf/>
+                    <dgm:choose name="Name18">
+                      <dgm:if name="Name19" func="var" arg="dir" op="equ" val="norm">
+                        <dgm:constrLst>
+                          <dgm:constr type="userI"/>
+                          <dgm:constr type="w" for="ch" forName="gap1" refType="userI" fact="3"/>
+                          <dgm:constr type="w" for="ch" forName="smCircle1" refType="h"/>
+                          <dgm:constr type="l" for="ch" forName="smCircle1" refType="r" refFor="ch" refForName="gap1"/>
+                        </dgm:constrLst>
+                      </dgm:if>
+                      <dgm:else name="Name20">
+                        <dgm:constrLst>
+                          <dgm:constr type="userI"/>
+                          <dgm:constr type="w" for="ch" forName="gap1" refType="userI" fact="3"/>
+                          <dgm:constr type="w" for="ch" forName="smCircle1" refType="h"/>
+                          <dgm:constr type="r" for="ch" forName="smCircle1" refType="l" refFor="ch" refForName="gap1"/>
+                        </dgm:constrLst>
+                      </dgm:else>
+                    </dgm:choose>
+                    <dgm:layoutNode name="gap1">
+                      <dgm:alg type="sp"/>
+                      <dgm:shape xmlns:r="http://schemas.openxmlformats.org/officeDocument/2006/relationships" type="rect" r:blip="" hideGeom="1">
+                        <dgm:adjLst/>
+                      </dgm:shape>
+                      <dgm:presOf/>
+                    </dgm:layoutNode>
+                    <dgm:layoutNode name="smCircle1" styleLbl="vennNode1">
+                      <dgm:alg type="sp"/>
+                      <dgm:shape xmlns:r="http://schemas.openxmlformats.org/officeDocument/2006/relationships" type="ellipse" r:blip="">
+                        <dgm:adjLst/>
+                      </dgm:shape>
+                      <dgm:presOf/>
+                      <dgm:constrLst>
+                        <dgm:constr type="w" refType="h"/>
+                      </dgm:constrLst>
+                    </dgm:layoutNode>
+                  </dgm:layoutNode>
+                </dgm:forEach>
+                <dgm:forEach name="Name21" axis="ch" ptType="node">
+                  <dgm:layoutNode name="txLvl3" styleLbl="revTx">
+                    <dgm:varLst>
+                      <dgm:bulletEnabled val="1"/>
+                    </dgm:varLst>
+                    <dgm:choose name="Name22">
+                      <dgm:if name="Name23" func="var" arg="dir" op="equ" val="norm">
+                        <dgm:alg type="tx">
+                          <dgm:param type="parTxLTRAlign" val="l"/>
+                          <dgm:param type="parTxRTLAlign" val="l"/>
+                          <dgm:param type="shpTxLTRAlignCh" val="l"/>
+                          <dgm:param type="shpTxRTLAlignCh" val="l"/>
+                        </dgm:alg>
+                      </dgm:if>
+                      <dgm:else name="Name24">
+                        <dgm:alg type="tx">
+                          <dgm:param type="parTxLTRAlign" val="r"/>
+                          <dgm:param type="parTxRTLAlign" val="r"/>
+                          <dgm:param type="shpTxLTRAlignCh" val="r"/>
+                          <dgm:param type="shpTxRTLAlignCh" val="r"/>
+                        </dgm:alg>
+                      </dgm:else>
+                    </dgm:choose>
+                    <dgm:shape xmlns:r="http://schemas.openxmlformats.org/officeDocument/2006/relationships" type="rect" r:blip="">
+                      <dgm:adjLst/>
+                    </dgm:shape>
+                    <dgm:presOf axis="desOrSelf" ptType="node"/>
+                    <dgm:choose name="Name25">
+                      <dgm:if name="Name26" func="var" arg="dir" op="equ" val="norm">
+                        <dgm:constrLst>
+                          <dgm:constr type="userI"/>
+                          <dgm:constr type="lMarg" refType="userI" fact="8.504"/>
+                          <dgm:constr type="rMarg"/>
+                          <dgm:constr type="tMarg" refType="primFontSz" fact="0.1"/>
+                          <dgm:constr type="bMarg" refType="primFontSz" fact="0.1"/>
+                        </dgm:constrLst>
+                      </dgm:if>
+                      <dgm:else name="Name27">
+                        <dgm:constrLst>
+                          <dgm:constr type="userI"/>
+                          <dgm:constr type="lMarg"/>
+                          <dgm:constr type="rMarg" refType="userI" fact="8.504"/>
+                          <dgm:constr type="tMarg" refType="primFontSz" fact="0.1"/>
+                          <dgm:constr type="bMarg" refType="primFontSz" fact="0.1"/>
+                        </dgm:constrLst>
+                      </dgm:else>
+                    </dgm:choose>
+                    <dgm:ruleLst>
+                      <dgm:rule type="h" val="INF" fact="NaN" max="NaN"/>
+                    </dgm:ruleLst>
+                  </dgm:layoutNode>
+                  <dgm:forEach name="Name28" axis="followSib" ptType="sibTrans" cnt="1">
+                    <dgm:layoutNode name="indentDot2">
+                      <dgm:alg type="composite"/>
+                      <dgm:shape xmlns:r="http://schemas.openxmlformats.org/officeDocument/2006/relationships" r:blip="">
+                        <dgm:adjLst/>
+                      </dgm:shape>
+                      <dgm:presOf/>
+                      <dgm:choose name="Name29">
+                        <dgm:if name="Name30" func="var" arg="dir" op="equ" val="norm">
+                          <dgm:constrLst>
+                            <dgm:constr type="userI"/>
+                            <dgm:constr type="w" for="ch" forName="gap2" refType="userI" fact="3"/>
+                            <dgm:constr type="w" for="ch" forName="smCircle2" refType="h"/>
+                            <dgm:constr type="l" for="ch" forName="smCircle2" refType="r" refFor="ch" refForName="gap2"/>
+                          </dgm:constrLst>
+                        </dgm:if>
+                        <dgm:else name="Name31">
+                          <dgm:constrLst>
+                            <dgm:constr type="userI"/>
+                            <dgm:constr type="w" for="ch" forName="gap2" refType="userI" fact="3"/>
+                            <dgm:constr type="w" for="ch" forName="smCircle2" refType="h"/>
+                            <dgm:constr type="r" for="ch" forName="smCircle2" refType="l" refFor="ch" refForName="gap2"/>
+                          </dgm:constrLst>
+                        </dgm:else>
+                      </dgm:choose>
+                      <dgm:layoutNode name="gap2">
+                        <dgm:alg type="sp"/>
+                        <dgm:shape xmlns:r="http://schemas.openxmlformats.org/officeDocument/2006/relationships" type="rect" r:blip="" hideGeom="1">
+                          <dgm:adjLst/>
+                        </dgm:shape>
+                        <dgm:presOf/>
+                      </dgm:layoutNode>
+                      <dgm:layoutNode name="smCircle2" styleLbl="vennNode1">
+                        <dgm:alg type="sp"/>
+                        <dgm:shape xmlns:r="http://schemas.openxmlformats.org/officeDocument/2006/relationships" type="ellipse" r:blip="">
+                          <dgm:adjLst/>
+                        </dgm:shape>
+                        <dgm:presOf/>
+                        <dgm:constrLst>
+                          <dgm:constr type="w" refType="h"/>
+                        </dgm:constrLst>
+                      </dgm:layoutNode>
+                    </dgm:layoutNode>
+                  </dgm:forEach>
+                </dgm:forEach>
+                <dgm:choose name="Name32">
+                  <dgm:if name="Name33" axis="ch" ptType="node" func="cnt" op="gte" val="1">
+                    <dgm:forEach name="Name34" axis="followSib" ptType="sibTrans" cnt="1">
+                      <dgm:layoutNode name="indentDot3">
+                        <dgm:alg type="composite"/>
+                        <dgm:shape xmlns:r="http://schemas.openxmlformats.org/officeDocument/2006/relationships" r:blip="">
+                          <dgm:adjLst/>
+                        </dgm:shape>
+                        <dgm:presOf/>
+                        <dgm:choose name="Name35">
+                          <dgm:if name="Name36" func="var" arg="dir" op="equ" val="norm">
+                            <dgm:constrLst>
+                              <dgm:constr type="userI"/>
+                              <dgm:constr type="w" for="ch" forName="gap3" refType="userI" fact="3"/>
+                              <dgm:constr type="w" for="ch" forName="smCircle3" refType="h"/>
+                              <dgm:constr type="l" for="ch" forName="smCircle3" refType="r" refFor="ch" refForName="gap3"/>
+                            </dgm:constrLst>
+                          </dgm:if>
+                          <dgm:else name="Name37">
+                            <dgm:constrLst>
+                              <dgm:constr type="userI"/>
+                              <dgm:constr type="w" for="ch" forName="gap3" refType="userI" fact="3"/>
+                              <dgm:constr type="w" for="ch" forName="smCircle3" refType="h"/>
+                              <dgm:constr type="r" for="ch" forName="smCircle3" refType="l" refFor="ch" refForName="gap3"/>
+                            </dgm:constrLst>
+                          </dgm:else>
+                        </dgm:choose>
+                        <dgm:layoutNode name="gap3">
+                          <dgm:alg type="sp"/>
+                          <dgm:shape xmlns:r="http://schemas.openxmlformats.org/officeDocument/2006/relationships" type="rect" r:blip="" hideGeom="1">
+                            <dgm:adjLst/>
+                          </dgm:shape>
+                          <dgm:presOf/>
+                        </dgm:layoutNode>
+                        <dgm:layoutNode name="smCircle3" styleLbl="vennNode1">
+                          <dgm:alg type="sp"/>
+                          <dgm:shape xmlns:r="http://schemas.openxmlformats.org/officeDocument/2006/relationships" type="ellipse" r:blip="">
+                            <dgm:adjLst/>
+                          </dgm:shape>
+                          <dgm:presOf/>
+                          <dgm:constrLst>
+                            <dgm:constr type="w" refType="h"/>
+                          </dgm:constrLst>
+                        </dgm:layoutNode>
+                      </dgm:layoutNode>
+                    </dgm:forEach>
+                  </dgm:if>
+                  <dgm:else name="Name38">
+                    <dgm:forEach name="Name39" axis="followSib" ptType="sibTrans" cnt="1">
+                      <dgm:layoutNode name="smCircle" styleLbl="vennNode1">
+                        <dgm:alg type="sp"/>
+                        <dgm:shape xmlns:r="http://schemas.openxmlformats.org/officeDocument/2006/relationships" type="ellipse" r:blip="">
+                          <dgm:adjLst/>
+                        </dgm:shape>
+                        <dgm:presOf/>
+                        <dgm:constrLst>
+                          <dgm:constr type="w" refType="h"/>
+                        </dgm:constrLst>
+                      </dgm:layoutNode>
+                    </dgm:forEach>
+                  </dgm:else>
+                </dgm:choose>
+              </dgm:forEach>
+            </dgm:layoutNode>
+          </dgm:layoutNode>
+          <dgm:choose name="Name40">
+            <dgm:if name="Name41" axis="followSib ch" ptType="node node" cnt="1 0" func="cnt" op="gte" val="1">
+              <dgm:layoutNode name="overlap">
+                <dgm:alg type="sp"/>
+                <dgm:shape xmlns:r="http://schemas.openxmlformats.org/officeDocument/2006/relationships" r:blip="">
+                  <dgm:adjLst/>
+                </dgm:shape>
+                <dgm:presOf/>
+              </dgm:layoutNode>
+            </dgm:if>
+            <dgm:else name="Name42"/>
+          </dgm:choose>
+        </dgm:if>
+        <dgm:else name="Name43">
+          <dgm:layoutNode name="noChildren">
+            <dgm:alg type="composite"/>
+            <dgm:choose name="Name44">
+              <dgm:if name="Name45" func="var" arg="dir" op="equ" val="norm">
+                <dgm:constrLst>
+                  <dgm:constr type="l" for="ch" forName="gap"/>
+                  <dgm:constr type="w" for="ch" forName="gap" refType="w" fact="0.043"/>
+                  <dgm:constr type="h" for="ch" forName="gap" refType="h"/>
+                  <dgm:constr type="t" for="ch" forName="gap"/>
+                  <dgm:constr type="l" for="ch" forName="medCircle2" refType="r" refFor="ch" refForName="gap"/>
+                  <dgm:constr type="w" for="ch" forName="medCircle2" refType="h" refFor="ch" refForName="medCircle2"/>
+                  <dgm:constr type="t" for="ch" forName="medCircle2"/>
+                  <dgm:constr type="h" for="ch" forName="medCircle2" refType="h"/>
+                  <dgm:constr type="l" for="ch" forName="txLvlOnly1" refType="ctrX" refFor="ch" refForName="medCircle2"/>
+                  <dgm:constr type="r" for="ch" forName="txLvlOnly1" refType="w"/>
+                  <dgm:constr type="h" for="ch" forName="txLvlOnly1" refType="h"/>
+                  <dgm:constr type="t" for="ch" forName="txLvlOnly1"/>
+                </dgm:constrLst>
+              </dgm:if>
+              <dgm:else name="Name46">
+                <dgm:constrLst>
+                  <dgm:constr type="r" for="ch" forName="gap" refType="w"/>
+                  <dgm:constr type="w" for="ch" forName="gap" refType="w" fact="0.043"/>
+                  <dgm:constr type="h" for="ch" forName="gap" refType="h"/>
+                  <dgm:constr type="t" for="ch" forName="gap"/>
+                  <dgm:constr type="r" for="ch" forName="medCircle2" refType="l" refFor="ch" refForName="gap"/>
+                  <dgm:constr type="w" for="ch" forName="medCircle2" refType="h" refFor="ch" refForName="medCircle2"/>
+                  <dgm:constr type="t" for="ch" forName="medCircle2"/>
+                  <dgm:constr type="h" for="ch" forName="medCircle2" refType="h"/>
+                  <dgm:constr type="l" for="ch" forName="txLvlOnly1"/>
+                  <dgm:constr type="r" for="ch" forName="txLvlOnly1" refType="ctrX" refFor="ch" refForName="medCircle2"/>
+                  <dgm:constr type="h" for="ch" forName="txLvlOnly1" refType="h"/>
+                  <dgm:constr type="t" for="ch" forName="txLvlOnly1"/>
+                </dgm:constrLst>
+              </dgm:else>
+            </dgm:choose>
+            <dgm:layoutNode name="gap">
+              <dgm:alg type="sp"/>
+              <dgm:shape xmlns:r="http://schemas.openxmlformats.org/officeDocument/2006/relationships" r:blip="">
+                <dgm:adjLst/>
+              </dgm:shape>
+              <dgm:presOf/>
+            </dgm:layoutNode>
+            <dgm:layoutNode name="medCircle2" styleLbl="vennNode1">
+              <dgm:alg type="sp"/>
+              <dgm:shape xmlns:r="http://schemas.openxmlformats.org/officeDocument/2006/relationships" type="ellipse" r:blip="">
+                <dgm:adjLst/>
+              </dgm:shape>
+              <dgm:presOf/>
+              <dgm:constrLst>
+                <dgm:constr type="w" refType="h"/>
+              </dgm:constrLst>
+            </dgm:layoutNode>
+            <dgm:layoutNode name="txLvlOnly1" styleLbl="revTx">
+              <dgm:choose name="Name47">
+                <dgm:if name="Name48" func="var" arg="dir" op="equ" val="norm">
+                  <dgm:alg type="tx">
+                    <dgm:param type="parTxLTRAlign" val="l"/>
+                    <dgm:param type="parTxRTLAlign" val="l"/>
+                  </dgm:alg>
+                </dgm:if>
+                <dgm:else name="Name49">
+                  <dgm:alg type="tx">
+                    <dgm:param type="parTxLTRAlign" val="r"/>
+                    <dgm:param type="parTxRTLAlign" val="r"/>
+                  </dgm:alg>
+                </dgm:else>
+              </dgm:choose>
+              <dgm:shape xmlns:r="http://schemas.openxmlformats.org/officeDocument/2006/relationships" type="rect" r:blip="">
+                <dgm:adjLst/>
+              </dgm:shape>
+              <dgm:presOf axis="self" ptType="node"/>
+              <dgm:constrLst>
+                <dgm:constr type="lMarg"/>
+                <dgm:constr type="rMarg"/>
+                <dgm:constr type="tMarg" refType="primFontSz" fact="0.1"/>
+                <dgm:constr type="bMarg" refType="primFontSz" fact="0.1"/>
+              </dgm:constrLst>
+              <dgm:ruleLst>
+                <dgm:rule type="primFontSz" val="5" fact="NaN" max="NaN"/>
+              </dgm:ruleLst>
+            </dgm:layoutNode>
+          </dgm:layoutNode>
+        </dgm:else>
+      </dgm:choose>
+    </dgm:forEach>
+  </dgm:layoutNode>
+</dgm:layoutDef>
+</file>
+
 <file path=ppt/diagrams/quickStyle1.xml><?xml version="1.0" encoding="utf-8"?>
 <dgm:styleDef xmlns:dgm="http://schemas.openxmlformats.org/drawingml/2006/diagram" xmlns:a="http://schemas.openxmlformats.org/drawingml/2006/main" uniqueId="urn:microsoft.com/office/officeart/2005/8/quickstyle/simple1">
   <dgm:title val=""/>
@@ -5708,6 +7839,1532 @@
     </dgm:style>
   </dgm:styleLbl>
 </dgm:styleDef>
+</file>
+
+<file path=ppt/diagrams/quickStyle3.xml><?xml version="1.0" encoding="utf-8"?>
+<dgm:styleDef xmlns:dgm="http://schemas.openxmlformats.org/drawingml/2006/diagram" xmlns:a="http://schemas.openxmlformats.org/drawingml/2006/main" uniqueId="urn:microsoft.com/office/officeart/2005/8/quickstyle/simple1">
+  <dgm:title val=""/>
+  <dgm:desc val=""/>
+  <dgm:catLst>
+    <dgm:cat type="simple" pri="10100"/>
+  </dgm:catLst>
+  <dgm:scene3d>
+    <a:camera prst="orthographicFront"/>
+    <a:lightRig rig="threePt" dir="t"/>
+  </dgm:scene3d>
+  <dgm:styleLbl name="node0">
+    <dgm:scene3d>
+      <a:camera prst="orthographicFront"/>
+      <a:lightRig rig="threePt" dir="t"/>
+    </dgm:scene3d>
+    <dgm:sp3d/>
+    <dgm:txPr/>
+    <dgm:style>
+      <a:lnRef idx="2">
+        <a:scrgbClr r="0" g="0" b="0"/>
+      </a:lnRef>
+      <a:fillRef idx="1">
+        <a:scrgbClr r="0" g="0" b="0"/>
+      </a:fillRef>
+      <a:effectRef idx="0">
+        <a:scrgbClr r="0" g="0" b="0"/>
+      </a:effectRef>
+      <a:fontRef idx="minor">
+        <a:schemeClr val="lt1"/>
+      </a:fontRef>
+    </dgm:style>
+  </dgm:styleLbl>
+  <dgm:styleLbl name="lnNode1">
+    <dgm:scene3d>
+      <a:camera prst="orthographicFront"/>
+      <a:lightRig rig="threePt" dir="t"/>
+    </dgm:scene3d>
+    <dgm:sp3d/>
+    <dgm:txPr/>
+    <dgm:style>
+      <a:lnRef idx="2">
+        <a:scrgbClr r="0" g="0" b="0"/>
+      </a:lnRef>
+      <a:fillRef idx="1">
+        <a:scrgbClr r="0" g="0" b="0"/>
+      </a:fillRef>
+      <a:effectRef idx="0">
+        <a:scrgbClr r="0" g="0" b="0"/>
+      </a:effectRef>
+      <a:fontRef idx="minor">
+        <a:schemeClr val="lt1"/>
+      </a:fontRef>
+    </dgm:style>
+  </dgm:styleLbl>
+  <dgm:styleLbl name="vennNode1">
+    <dgm:scene3d>
+      <a:camera prst="orthographicFront"/>
+      <a:lightRig rig="threePt" dir="t"/>
+    </dgm:scene3d>
+    <dgm:sp3d/>
+    <dgm:txPr/>
+    <dgm:style>
+      <a:lnRef idx="2">
+        <a:scrgbClr r="0" g="0" b="0"/>
+      </a:lnRef>
+      <a:fillRef idx="1">
+        <a:scrgbClr r="0" g="0" b="0"/>
+      </a:fillRef>
+      <a:effectRef idx="0">
+        <a:scrgbClr r="0" g="0" b="0"/>
+      </a:effectRef>
+      <a:fontRef idx="minor">
+        <a:schemeClr val="tx1"/>
+      </a:fontRef>
+    </dgm:style>
+  </dgm:styleLbl>
+  <dgm:styleLbl name="alignNode1">
+    <dgm:scene3d>
+      <a:camera prst="orthographicFront"/>
+      <a:lightRig rig="threePt" dir="t"/>
+    </dgm:scene3d>
+    <dgm:sp3d/>
+    <dgm:txPr/>
+    <dgm:style>
+      <a:lnRef idx="2">
+        <a:scrgbClr r="0" g="0" b="0"/>
+      </a:lnRef>
+      <a:fillRef idx="1">
+        <a:scrgbClr r="0" g="0" b="0"/>
+      </a:fillRef>
+      <a:effectRef idx="0">
+        <a:scrgbClr r="0" g="0" b="0"/>
+      </a:effectRef>
+      <a:fontRef idx="minor">
+        <a:schemeClr val="lt1"/>
+      </a:fontRef>
+    </dgm:style>
+  </dgm:styleLbl>
+  <dgm:styleLbl name="node1">
+    <dgm:scene3d>
+      <a:camera prst="orthographicFront"/>
+      <a:lightRig rig="threePt" dir="t"/>
+    </dgm:scene3d>
+    <dgm:sp3d/>
+    <dgm:txPr/>
+    <dgm:style>
+      <a:lnRef idx="2">
+        <a:scrgbClr r="0" g="0" b="0"/>
+      </a:lnRef>
+      <a:fillRef idx="1">
+        <a:scrgbClr r="0" g="0" b="0"/>
+      </a:fillRef>
+      <a:effectRef idx="0">
+        <a:scrgbClr r="0" g="0" b="0"/>
+      </a:effectRef>
+      <a:fontRef idx="minor">
+        <a:schemeClr val="lt1"/>
+      </a:fontRef>
+    </dgm:style>
+  </dgm:styleLbl>
+  <dgm:styleLbl name="node2">
+    <dgm:scene3d>
+      <a:camera prst="orthographicFront"/>
+      <a:lightRig rig="threePt" dir="t"/>
+    </dgm:scene3d>
+    <dgm:sp3d/>
+    <dgm:txPr/>
+    <dgm:style>
+      <a:lnRef idx="2">
+        <a:scrgbClr r="0" g="0" b="0"/>
+      </a:lnRef>
+      <a:fillRef idx="1">
+        <a:scrgbClr r="0" g="0" b="0"/>
+      </a:fillRef>
+      <a:effectRef idx="0">
+        <a:scrgbClr r="0" g="0" b="0"/>
+      </a:effectRef>
+      <a:fontRef idx="minor">
+        <a:schemeClr val="lt1"/>
+      </a:fontRef>
+    </dgm:style>
+  </dgm:styleLbl>
+  <dgm:styleLbl name="node3">
+    <dgm:scene3d>
+      <a:camera prst="orthographicFront"/>
+      <a:lightRig rig="threePt" dir="t"/>
+    </dgm:scene3d>
+    <dgm:sp3d/>
+    <dgm:txPr/>
+    <dgm:style>
+      <a:lnRef idx="2">
+        <a:scrgbClr r="0" g="0" b="0"/>
+      </a:lnRef>
+      <a:fillRef idx="1">
+        <a:scrgbClr r="0" g="0" b="0"/>
+      </a:fillRef>
+      <a:effectRef idx="0">
+        <a:scrgbClr r="0" g="0" b="0"/>
+      </a:effectRef>
+      <a:fontRef idx="minor">
+        <a:schemeClr val="lt1"/>
+      </a:fontRef>
+    </dgm:style>
+  </dgm:styleLbl>
+  <dgm:styleLbl name="node4">
+    <dgm:scene3d>
+      <a:camera prst="orthographicFront"/>
+      <a:lightRig rig="threePt" dir="t"/>
+    </dgm:scene3d>
+    <dgm:sp3d/>
+    <dgm:txPr/>
+    <dgm:style>
+      <a:lnRef idx="2">
+        <a:scrgbClr r="0" g="0" b="0"/>
+      </a:lnRef>
+      <a:fillRef idx="1">
+        <a:scrgbClr r="0" g="0" b="0"/>
+      </a:fillRef>
+      <a:effectRef idx="0">
+        <a:scrgbClr r="0" g="0" b="0"/>
+      </a:effectRef>
+      <a:fontRef idx="minor">
+        <a:schemeClr val="lt1"/>
+      </a:fontRef>
+    </dgm:style>
+  </dgm:styleLbl>
+  <dgm:styleLbl name="fgImgPlace1">
+    <dgm:scene3d>
+      <a:camera prst="orthographicFront"/>
+      <a:lightRig rig="threePt" dir="t"/>
+    </dgm:scene3d>
+    <dgm:sp3d/>
+    <dgm:txPr/>
+    <dgm:style>
+      <a:lnRef idx="2">
+        <a:scrgbClr r="0" g="0" b="0"/>
+      </a:lnRef>
+      <a:fillRef idx="1">
+        <a:scrgbClr r="0" g="0" b="0"/>
+      </a:fillRef>
+      <a:effectRef idx="0">
+        <a:scrgbClr r="0" g="0" b="0"/>
+      </a:effectRef>
+      <a:fontRef idx="minor"/>
+    </dgm:style>
+  </dgm:styleLbl>
+  <dgm:styleLbl name="alignImgPlace1">
+    <dgm:scene3d>
+      <a:camera prst="orthographicFront"/>
+      <a:lightRig rig="threePt" dir="t"/>
+    </dgm:scene3d>
+    <dgm:sp3d/>
+    <dgm:txPr/>
+    <dgm:style>
+      <a:lnRef idx="2">
+        <a:scrgbClr r="0" g="0" b="0"/>
+      </a:lnRef>
+      <a:fillRef idx="1">
+        <a:scrgbClr r="0" g="0" b="0"/>
+      </a:fillRef>
+      <a:effectRef idx="0">
+        <a:scrgbClr r="0" g="0" b="0"/>
+      </a:effectRef>
+      <a:fontRef idx="minor"/>
+    </dgm:style>
+  </dgm:styleLbl>
+  <dgm:styleLbl name="bgImgPlace1">
+    <dgm:scene3d>
+      <a:camera prst="orthographicFront"/>
+      <a:lightRig rig="threePt" dir="t"/>
+    </dgm:scene3d>
+    <dgm:sp3d/>
+    <dgm:txPr/>
+    <dgm:style>
+      <a:lnRef idx="2">
+        <a:scrgbClr r="0" g="0" b="0"/>
+      </a:lnRef>
+      <a:fillRef idx="1">
+        <a:scrgbClr r="0" g="0" b="0"/>
+      </a:fillRef>
+      <a:effectRef idx="0">
+        <a:scrgbClr r="0" g="0" b="0"/>
+      </a:effectRef>
+      <a:fontRef idx="minor"/>
+    </dgm:style>
+  </dgm:styleLbl>
+  <dgm:styleLbl name="sibTrans2D1">
+    <dgm:scene3d>
+      <a:camera prst="orthographicFront"/>
+      <a:lightRig rig="threePt" dir="t"/>
+    </dgm:scene3d>
+    <dgm:sp3d/>
+    <dgm:txPr/>
+    <dgm:style>
+      <a:lnRef idx="0">
+        <a:scrgbClr r="0" g="0" b="0"/>
+      </a:lnRef>
+      <a:fillRef idx="1">
+        <a:scrgbClr r="0" g="0" b="0"/>
+      </a:fillRef>
+      <a:effectRef idx="0">
+        <a:scrgbClr r="0" g="0" b="0"/>
+      </a:effectRef>
+      <a:fontRef idx="minor">
+        <a:schemeClr val="lt1"/>
+      </a:fontRef>
+    </dgm:style>
+  </dgm:styleLbl>
+  <dgm:styleLbl name="fgSibTrans2D1">
+    <dgm:scene3d>
+      <a:camera prst="orthographicFront"/>
+      <a:lightRig rig="threePt" dir="t"/>
+    </dgm:scene3d>
+    <dgm:sp3d/>
+    <dgm:txPr/>
+    <dgm:style>
+      <a:lnRef idx="0">
+        <a:scrgbClr r="0" g="0" b="0"/>
+      </a:lnRef>
+      <a:fillRef idx="1">
+        <a:scrgbClr r="0" g="0" b="0"/>
+      </a:fillRef>
+      <a:effectRef idx="0">
+        <a:scrgbClr r="0" g="0" b="0"/>
+      </a:effectRef>
+      <a:fontRef idx="minor">
+        <a:schemeClr val="lt1"/>
+      </a:fontRef>
+    </dgm:style>
+  </dgm:styleLbl>
+  <dgm:styleLbl name="bgSibTrans2D1">
+    <dgm:scene3d>
+      <a:camera prst="orthographicFront"/>
+      <a:lightRig rig="threePt" dir="t"/>
+    </dgm:scene3d>
+    <dgm:sp3d/>
+    <dgm:txPr/>
+    <dgm:style>
+      <a:lnRef idx="0">
+        <a:scrgbClr r="0" g="0" b="0"/>
+      </a:lnRef>
+      <a:fillRef idx="1">
+        <a:scrgbClr r="0" g="0" b="0"/>
+      </a:fillRef>
+      <a:effectRef idx="0">
+        <a:scrgbClr r="0" g="0" b="0"/>
+      </a:effectRef>
+      <a:fontRef idx="minor">
+        <a:schemeClr val="lt1"/>
+      </a:fontRef>
+    </dgm:style>
+  </dgm:styleLbl>
+  <dgm:styleLbl name="sibTrans1D1">
+    <dgm:scene3d>
+      <a:camera prst="orthographicFront"/>
+      <a:lightRig rig="threePt" dir="t"/>
+    </dgm:scene3d>
+    <dgm:sp3d/>
+    <dgm:txPr/>
+    <dgm:style>
+      <a:lnRef idx="1">
+        <a:scrgbClr r="0" g="0" b="0"/>
+      </a:lnRef>
+      <a:fillRef idx="0">
+        <a:scrgbClr r="0" g="0" b="0"/>
+      </a:fillRef>
+      <a:effectRef idx="0">
+        <a:scrgbClr r="0" g="0" b="0"/>
+      </a:effectRef>
+      <a:fontRef idx="minor"/>
+    </dgm:style>
+  </dgm:styleLbl>
+  <dgm:styleLbl name="callout">
+    <dgm:scene3d>
+      <a:camera prst="orthographicFront"/>
+      <a:lightRig rig="threePt" dir="t"/>
+    </dgm:scene3d>
+    <dgm:sp3d/>
+    <dgm:txPr/>
+    <dgm:style>
+      <a:lnRef idx="2">
+        <a:scrgbClr r="0" g="0" b="0"/>
+      </a:lnRef>
+      <a:fillRef idx="1">
+        <a:scrgbClr r="0" g="0" b="0"/>
+      </a:fillRef>
+      <a:effectRef idx="0">
+        <a:scrgbClr r="0" g="0" b="0"/>
+      </a:effectRef>
+      <a:fontRef idx="minor"/>
+    </dgm:style>
+  </dgm:styleLbl>
+  <dgm:styleLbl name="asst0">
+    <dgm:scene3d>
+      <a:camera prst="orthographicFront"/>
+      <a:lightRig rig="threePt" dir="t"/>
+    </dgm:scene3d>
+    <dgm:sp3d/>
+    <dgm:txPr/>
+    <dgm:style>
+      <a:lnRef idx="2">
+        <a:scrgbClr r="0" g="0" b="0"/>
+      </a:lnRef>
+      <a:fillRef idx="1">
+        <a:scrgbClr r="0" g="0" b="0"/>
+      </a:fillRef>
+      <a:effectRef idx="0">
+        <a:scrgbClr r="0" g="0" b="0"/>
+      </a:effectRef>
+      <a:fontRef idx="minor">
+        <a:schemeClr val="lt1"/>
+      </a:fontRef>
+    </dgm:style>
+  </dgm:styleLbl>
+  <dgm:styleLbl name="asst1">
+    <dgm:scene3d>
+      <a:camera prst="orthographicFront"/>
+      <a:lightRig rig="threePt" dir="t"/>
+    </dgm:scene3d>
+    <dgm:sp3d/>
+    <dgm:txPr/>
+    <dgm:style>
+      <a:lnRef idx="2">
+        <a:scrgbClr r="0" g="0" b="0"/>
+      </a:lnRef>
+      <a:fillRef idx="1">
+        <a:scrgbClr r="0" g="0" b="0"/>
+      </a:fillRef>
+      <a:effectRef idx="0">
+        <a:scrgbClr r="0" g="0" b="0"/>
+      </a:effectRef>
+      <a:fontRef idx="minor">
+        <a:schemeClr val="lt1"/>
+      </a:fontRef>
+    </dgm:style>
+  </dgm:styleLbl>
+  <dgm:styleLbl name="asst2">
+    <dgm:scene3d>
+      <a:camera prst="orthographicFront"/>
+      <a:lightRig rig="threePt" dir="t"/>
+    </dgm:scene3d>
+    <dgm:sp3d/>
+    <dgm:txPr/>
+    <dgm:style>
+      <a:lnRef idx="2">
+        <a:scrgbClr r="0" g="0" b="0"/>
+      </a:lnRef>
+      <a:fillRef idx="1">
+        <a:scrgbClr r="0" g="0" b="0"/>
+      </a:fillRef>
+      <a:effectRef idx="0">
+        <a:scrgbClr r="0" g="0" b="0"/>
+      </a:effectRef>
+      <a:fontRef idx="minor">
+        <a:schemeClr val="lt1"/>
+      </a:fontRef>
+    </dgm:style>
+  </dgm:styleLbl>
+  <dgm:styleLbl name="asst3">
+    <dgm:scene3d>
+      <a:camera prst="orthographicFront"/>
+      <a:lightRig rig="threePt" dir="t"/>
+    </dgm:scene3d>
+    <dgm:sp3d/>
+    <dgm:txPr/>
+    <dgm:style>
+      <a:lnRef idx="2">
+        <a:scrgbClr r="0" g="0" b="0"/>
+      </a:lnRef>
+      <a:fillRef idx="1">
+        <a:scrgbClr r="0" g="0" b="0"/>
+      </a:fillRef>
+      <a:effectRef idx="0">
+        <a:scrgbClr r="0" g="0" b="0"/>
+      </a:effectRef>
+      <a:fontRef idx="minor">
+        <a:schemeClr val="lt1"/>
+      </a:fontRef>
+    </dgm:style>
+  </dgm:styleLbl>
+  <dgm:styleLbl name="asst4">
+    <dgm:scene3d>
+      <a:camera prst="orthographicFront"/>
+      <a:lightRig rig="threePt" dir="t"/>
+    </dgm:scene3d>
+    <dgm:sp3d/>
+    <dgm:txPr/>
+    <dgm:style>
+      <a:lnRef idx="2">
+        <a:scrgbClr r="0" g="0" b="0"/>
+      </a:lnRef>
+      <a:fillRef idx="1">
+        <a:scrgbClr r="0" g="0" b="0"/>
+      </a:fillRef>
+      <a:effectRef idx="0">
+        <a:scrgbClr r="0" g="0" b="0"/>
+      </a:effectRef>
+      <a:fontRef idx="minor">
+        <a:schemeClr val="lt1"/>
+      </a:fontRef>
+    </dgm:style>
+  </dgm:styleLbl>
+  <dgm:styleLbl name="parChTrans2D1">
+    <dgm:scene3d>
+      <a:camera prst="orthographicFront"/>
+      <a:lightRig rig="threePt" dir="t"/>
+    </dgm:scene3d>
+    <dgm:sp3d/>
+    <dgm:txPr/>
+    <dgm:style>
+      <a:lnRef idx="2">
+        <a:scrgbClr r="0" g="0" b="0"/>
+      </a:lnRef>
+      <a:fillRef idx="1">
+        <a:scrgbClr r="0" g="0" b="0"/>
+      </a:fillRef>
+      <a:effectRef idx="0">
+        <a:scrgbClr r="0" g="0" b="0"/>
+      </a:effectRef>
+      <a:fontRef idx="minor">
+        <a:schemeClr val="lt1"/>
+      </a:fontRef>
+    </dgm:style>
+  </dgm:styleLbl>
+  <dgm:styleLbl name="parChTrans2D2">
+    <dgm:scene3d>
+      <a:camera prst="orthographicFront"/>
+      <a:lightRig rig="threePt" dir="t"/>
+    </dgm:scene3d>
+    <dgm:sp3d/>
+    <dgm:txPr/>
+    <dgm:style>
+      <a:lnRef idx="2">
+        <a:scrgbClr r="0" g="0" b="0"/>
+      </a:lnRef>
+      <a:fillRef idx="1">
+        <a:scrgbClr r="0" g="0" b="0"/>
+      </a:fillRef>
+      <a:effectRef idx="0">
+        <a:scrgbClr r="0" g="0" b="0"/>
+      </a:effectRef>
+      <a:fontRef idx="minor">
+        <a:schemeClr val="lt1"/>
+      </a:fontRef>
+    </dgm:style>
+  </dgm:styleLbl>
+  <dgm:styleLbl name="parChTrans2D3">
+    <dgm:scene3d>
+      <a:camera prst="orthographicFront"/>
+      <a:lightRig rig="threePt" dir="t"/>
+    </dgm:scene3d>
+    <dgm:sp3d/>
+    <dgm:txPr/>
+    <dgm:style>
+      <a:lnRef idx="2">
+        <a:scrgbClr r="0" g="0" b="0"/>
+      </a:lnRef>
+      <a:fillRef idx="1">
+        <a:scrgbClr r="0" g="0" b="0"/>
+      </a:fillRef>
+      <a:effectRef idx="0">
+        <a:scrgbClr r="0" g="0" b="0"/>
+      </a:effectRef>
+      <a:fontRef idx="minor">
+        <a:schemeClr val="lt1"/>
+      </a:fontRef>
+    </dgm:style>
+  </dgm:styleLbl>
+  <dgm:styleLbl name="parChTrans2D4">
+    <dgm:scene3d>
+      <a:camera prst="orthographicFront"/>
+      <a:lightRig rig="threePt" dir="t"/>
+    </dgm:scene3d>
+    <dgm:sp3d/>
+    <dgm:txPr/>
+    <dgm:style>
+      <a:lnRef idx="2">
+        <a:scrgbClr r="0" g="0" b="0"/>
+      </a:lnRef>
+      <a:fillRef idx="1">
+        <a:scrgbClr r="0" g="0" b="0"/>
+      </a:fillRef>
+      <a:effectRef idx="0">
+        <a:scrgbClr r="0" g="0" b="0"/>
+      </a:effectRef>
+      <a:fontRef idx="minor">
+        <a:schemeClr val="lt1"/>
+      </a:fontRef>
+    </dgm:style>
+  </dgm:styleLbl>
+  <dgm:styleLbl name="parChTrans1D1">
+    <dgm:scene3d>
+      <a:camera prst="orthographicFront"/>
+      <a:lightRig rig="threePt" dir="t"/>
+    </dgm:scene3d>
+    <dgm:sp3d/>
+    <dgm:txPr/>
+    <dgm:style>
+      <a:lnRef idx="2">
+        <a:scrgbClr r="0" g="0" b="0"/>
+      </a:lnRef>
+      <a:fillRef idx="0">
+        <a:scrgbClr r="0" g="0" b="0"/>
+      </a:fillRef>
+      <a:effectRef idx="0">
+        <a:scrgbClr r="0" g="0" b="0"/>
+      </a:effectRef>
+      <a:fontRef idx="minor"/>
+    </dgm:style>
+  </dgm:styleLbl>
+  <dgm:styleLbl name="parChTrans1D2">
+    <dgm:scene3d>
+      <a:camera prst="orthographicFront"/>
+      <a:lightRig rig="threePt" dir="t"/>
+    </dgm:scene3d>
+    <dgm:sp3d/>
+    <dgm:txPr/>
+    <dgm:style>
+      <a:lnRef idx="2">
+        <a:scrgbClr r="0" g="0" b="0"/>
+      </a:lnRef>
+      <a:fillRef idx="0">
+        <a:scrgbClr r="0" g="0" b="0"/>
+      </a:fillRef>
+      <a:effectRef idx="0">
+        <a:scrgbClr r="0" g="0" b="0"/>
+      </a:effectRef>
+      <a:fontRef idx="minor"/>
+    </dgm:style>
+  </dgm:styleLbl>
+  <dgm:styleLbl name="parChTrans1D3">
+    <dgm:scene3d>
+      <a:camera prst="orthographicFront"/>
+      <a:lightRig rig="threePt" dir="t"/>
+    </dgm:scene3d>
+    <dgm:sp3d/>
+    <dgm:txPr/>
+    <dgm:style>
+      <a:lnRef idx="2">
+        <a:scrgbClr r="0" g="0" b="0"/>
+      </a:lnRef>
+      <a:fillRef idx="0">
+        <a:scrgbClr r="0" g="0" b="0"/>
+      </a:fillRef>
+      <a:effectRef idx="0">
+        <a:scrgbClr r="0" g="0" b="0"/>
+      </a:effectRef>
+      <a:fontRef idx="minor"/>
+    </dgm:style>
+  </dgm:styleLbl>
+  <dgm:styleLbl name="parChTrans1D4">
+    <dgm:scene3d>
+      <a:camera prst="orthographicFront"/>
+      <a:lightRig rig="threePt" dir="t"/>
+    </dgm:scene3d>
+    <dgm:sp3d/>
+    <dgm:txPr/>
+    <dgm:style>
+      <a:lnRef idx="2">
+        <a:scrgbClr r="0" g="0" b="0"/>
+      </a:lnRef>
+      <a:fillRef idx="0">
+        <a:scrgbClr r="0" g="0" b="0"/>
+      </a:fillRef>
+      <a:effectRef idx="0">
+        <a:scrgbClr r="0" g="0" b="0"/>
+      </a:effectRef>
+      <a:fontRef idx="minor"/>
+    </dgm:style>
+  </dgm:styleLbl>
+  <dgm:styleLbl name="fgAcc1">
+    <dgm:scene3d>
+      <a:camera prst="orthographicFront"/>
+      <a:lightRig rig="threePt" dir="t"/>
+    </dgm:scene3d>
+    <dgm:sp3d/>
+    <dgm:txPr/>
+    <dgm:style>
+      <a:lnRef idx="2">
+        <a:scrgbClr r="0" g="0" b="0"/>
+      </a:lnRef>
+      <a:fillRef idx="1">
+        <a:scrgbClr r="0" g="0" b="0"/>
+      </a:fillRef>
+      <a:effectRef idx="0">
+        <a:scrgbClr r="0" g="0" b="0"/>
+      </a:effectRef>
+      <a:fontRef idx="minor"/>
+    </dgm:style>
+  </dgm:styleLbl>
+  <dgm:styleLbl name="conFgAcc1">
+    <dgm:scene3d>
+      <a:camera prst="orthographicFront"/>
+      <a:lightRig rig="threePt" dir="t"/>
+    </dgm:scene3d>
+    <dgm:sp3d/>
+    <dgm:txPr/>
+    <dgm:style>
+      <a:lnRef idx="2">
+        <a:scrgbClr r="0" g="0" b="0"/>
+      </a:lnRef>
+      <a:fillRef idx="1">
+        <a:scrgbClr r="0" g="0" b="0"/>
+      </a:fillRef>
+      <a:effectRef idx="0">
+        <a:scrgbClr r="0" g="0" b="0"/>
+      </a:effectRef>
+      <a:fontRef idx="minor"/>
+    </dgm:style>
+  </dgm:styleLbl>
+  <dgm:styleLbl name="alignAcc1">
+    <dgm:scene3d>
+      <a:camera prst="orthographicFront"/>
+      <a:lightRig rig="threePt" dir="t"/>
+    </dgm:scene3d>
+    <dgm:sp3d/>
+    <dgm:txPr/>
+    <dgm:style>
+      <a:lnRef idx="2">
+        <a:scrgbClr r="0" g="0" b="0"/>
+      </a:lnRef>
+      <a:fillRef idx="1">
+        <a:scrgbClr r="0" g="0" b="0"/>
+      </a:fillRef>
+      <a:effectRef idx="0">
+        <a:scrgbClr r="0" g="0" b="0"/>
+      </a:effectRef>
+      <a:fontRef idx="minor"/>
+    </dgm:style>
+  </dgm:styleLbl>
+  <dgm:styleLbl name="trAlignAcc1">
+    <dgm:scene3d>
+      <a:camera prst="orthographicFront"/>
+      <a:lightRig rig="threePt" dir="t"/>
+    </dgm:scene3d>
+    <dgm:sp3d/>
+    <dgm:txPr/>
+    <dgm:style>
+      <a:lnRef idx="1">
+        <a:scrgbClr r="0" g="0" b="0"/>
+      </a:lnRef>
+      <a:fillRef idx="1">
+        <a:scrgbClr r="0" g="0" b="0"/>
+      </a:fillRef>
+      <a:effectRef idx="0">
+        <a:scrgbClr r="0" g="0" b="0"/>
+      </a:effectRef>
+      <a:fontRef idx="minor"/>
+    </dgm:style>
+  </dgm:styleLbl>
+  <dgm:styleLbl name="bgAcc1">
+    <dgm:scene3d>
+      <a:camera prst="orthographicFront"/>
+      <a:lightRig rig="threePt" dir="t"/>
+    </dgm:scene3d>
+    <dgm:sp3d/>
+    <dgm:txPr/>
+    <dgm:style>
+      <a:lnRef idx="2">
+        <a:scrgbClr r="0" g="0" b="0"/>
+      </a:lnRef>
+      <a:fillRef idx="1">
+        <a:scrgbClr r="0" g="0" b="0"/>
+      </a:fillRef>
+      <a:effectRef idx="0">
+        <a:scrgbClr r="0" g="0" b="0"/>
+      </a:effectRef>
+      <a:fontRef idx="minor"/>
+    </dgm:style>
+  </dgm:styleLbl>
+  <dgm:styleLbl name="solidFgAcc1">
+    <dgm:scene3d>
+      <a:camera prst="orthographicFront"/>
+      <a:lightRig rig="threePt" dir="t"/>
+    </dgm:scene3d>
+    <dgm:sp3d/>
+    <dgm:txPr/>
+    <dgm:style>
+      <a:lnRef idx="2">
+        <a:scrgbClr r="0" g="0" b="0"/>
+      </a:lnRef>
+      <a:fillRef idx="1">
+        <a:scrgbClr r="0" g="0" b="0"/>
+      </a:fillRef>
+      <a:effectRef idx="0">
+        <a:scrgbClr r="0" g="0" b="0"/>
+      </a:effectRef>
+      <a:fontRef idx="minor"/>
+    </dgm:style>
+  </dgm:styleLbl>
+  <dgm:styleLbl name="solidAlignAcc1">
+    <dgm:scene3d>
+      <a:camera prst="orthographicFront"/>
+      <a:lightRig rig="threePt" dir="t"/>
+    </dgm:scene3d>
+    <dgm:sp3d/>
+    <dgm:txPr/>
+    <dgm:style>
+      <a:lnRef idx="2">
+        <a:scrgbClr r="0" g="0" b="0"/>
+      </a:lnRef>
+      <a:fillRef idx="1">
+        <a:scrgbClr r="0" g="0" b="0"/>
+      </a:fillRef>
+      <a:effectRef idx="0">
+        <a:scrgbClr r="0" g="0" b="0"/>
+      </a:effectRef>
+      <a:fontRef idx="minor"/>
+    </dgm:style>
+  </dgm:styleLbl>
+  <dgm:styleLbl name="solidBgAcc1">
+    <dgm:scene3d>
+      <a:camera prst="orthographicFront"/>
+      <a:lightRig rig="threePt" dir="t"/>
+    </dgm:scene3d>
+    <dgm:sp3d/>
+    <dgm:txPr/>
+    <dgm:style>
+      <a:lnRef idx="2">
+        <a:scrgbClr r="0" g="0" b="0"/>
+      </a:lnRef>
+      <a:fillRef idx="1">
+        <a:scrgbClr r="0" g="0" b="0"/>
+      </a:fillRef>
+      <a:effectRef idx="0">
+        <a:scrgbClr r="0" g="0" b="0"/>
+      </a:effectRef>
+      <a:fontRef idx="minor"/>
+    </dgm:style>
+  </dgm:styleLbl>
+  <dgm:styleLbl name="fgAccFollowNode1">
+    <dgm:scene3d>
+      <a:camera prst="orthographicFront"/>
+      <a:lightRig rig="threePt" dir="t"/>
+    </dgm:scene3d>
+    <dgm:sp3d/>
+    <dgm:txPr/>
+    <dgm:style>
+      <a:lnRef idx="2">
+        <a:scrgbClr r="0" g="0" b="0"/>
+      </a:lnRef>
+      <a:fillRef idx="1">
+        <a:scrgbClr r="0" g="0" b="0"/>
+      </a:fillRef>
+      <a:effectRef idx="0">
+        <a:scrgbClr r="0" g="0" b="0"/>
+      </a:effectRef>
+      <a:fontRef idx="minor"/>
+    </dgm:style>
+  </dgm:styleLbl>
+  <dgm:styleLbl name="alignAccFollowNode1">
+    <dgm:scene3d>
+      <a:camera prst="orthographicFront"/>
+      <a:lightRig rig="threePt" dir="t"/>
+    </dgm:scene3d>
+    <dgm:sp3d/>
+    <dgm:txPr/>
+    <dgm:style>
+      <a:lnRef idx="2">
+        <a:scrgbClr r="0" g="0" b="0"/>
+      </a:lnRef>
+      <a:fillRef idx="1">
+        <a:scrgbClr r="0" g="0" b="0"/>
+      </a:fillRef>
+      <a:effectRef idx="0">
+        <a:scrgbClr r="0" g="0" b="0"/>
+      </a:effectRef>
+      <a:fontRef idx="minor"/>
+    </dgm:style>
+  </dgm:styleLbl>
+  <dgm:styleLbl name="bgAccFollowNode1">
+    <dgm:scene3d>
+      <a:camera prst="orthographicFront"/>
+      <a:lightRig rig="threePt" dir="t"/>
+    </dgm:scene3d>
+    <dgm:sp3d/>
+    <dgm:txPr/>
+    <dgm:style>
+      <a:lnRef idx="2">
+        <a:scrgbClr r="0" g="0" b="0"/>
+      </a:lnRef>
+      <a:fillRef idx="1">
+        <a:scrgbClr r="0" g="0" b="0"/>
+      </a:fillRef>
+      <a:effectRef idx="0">
+        <a:scrgbClr r="0" g="0" b="0"/>
+      </a:effectRef>
+      <a:fontRef idx="minor"/>
+    </dgm:style>
+  </dgm:styleLbl>
+  <dgm:styleLbl name="fgAcc0">
+    <dgm:scene3d>
+      <a:camera prst="orthographicFront"/>
+      <a:lightRig rig="threePt" dir="t"/>
+    </dgm:scene3d>
+    <dgm:sp3d/>
+    <dgm:txPr/>
+    <dgm:style>
+      <a:lnRef idx="2">
+        <a:scrgbClr r="0" g="0" b="0"/>
+      </a:lnRef>
+      <a:fillRef idx="1">
+        <a:scrgbClr r="0" g="0" b="0"/>
+      </a:fillRef>
+      <a:effectRef idx="0">
+        <a:scrgbClr r="0" g="0" b="0"/>
+      </a:effectRef>
+      <a:fontRef idx="minor"/>
+    </dgm:style>
+  </dgm:styleLbl>
+  <dgm:styleLbl name="fgAcc2">
+    <dgm:scene3d>
+      <a:camera prst="orthographicFront"/>
+      <a:lightRig rig="threePt" dir="t"/>
+    </dgm:scene3d>
+    <dgm:sp3d/>
+    <dgm:txPr/>
+    <dgm:style>
+      <a:lnRef idx="2">
+        <a:scrgbClr r="0" g="0" b="0"/>
+      </a:lnRef>
+      <a:fillRef idx="1">
+        <a:scrgbClr r="0" g="0" b="0"/>
+      </a:fillRef>
+      <a:effectRef idx="0">
+        <a:scrgbClr r="0" g="0" b="0"/>
+      </a:effectRef>
+      <a:fontRef idx="minor"/>
+    </dgm:style>
+  </dgm:styleLbl>
+  <dgm:styleLbl name="fgAcc3">
+    <dgm:scene3d>
+      <a:camera prst="orthographicFront"/>
+      <a:lightRig rig="threePt" dir="t"/>
+    </dgm:scene3d>
+    <dgm:sp3d/>
+    <dgm:txPr/>
+    <dgm:style>
+      <a:lnRef idx="2">
+        <a:scrgbClr r="0" g="0" b="0"/>
+      </a:lnRef>
+      <a:fillRef idx="1">
+        <a:scrgbClr r="0" g="0" b="0"/>
+      </a:fillRef>
+      <a:effectRef idx="0">
+        <a:scrgbClr r="0" g="0" b="0"/>
+      </a:effectRef>
+      <a:fontRef idx="minor"/>
+    </dgm:style>
+  </dgm:styleLbl>
+  <dgm:styleLbl name="fgAcc4">
+    <dgm:scene3d>
+      <a:camera prst="orthographicFront"/>
+      <a:lightRig rig="threePt" dir="t"/>
+    </dgm:scene3d>
+    <dgm:sp3d/>
+    <dgm:txPr/>
+    <dgm:style>
+      <a:lnRef idx="2">
+        <a:scrgbClr r="0" g="0" b="0"/>
+      </a:lnRef>
+      <a:fillRef idx="1">
+        <a:scrgbClr r="0" g="0" b="0"/>
+      </a:fillRef>
+      <a:effectRef idx="0">
+        <a:scrgbClr r="0" g="0" b="0"/>
+      </a:effectRef>
+      <a:fontRef idx="minor"/>
+    </dgm:style>
+  </dgm:styleLbl>
+  <dgm:styleLbl name="bgShp">
+    <dgm:scene3d>
+      <a:camera prst="orthographicFront"/>
+      <a:lightRig rig="threePt" dir="t"/>
+    </dgm:scene3d>
+    <dgm:sp3d/>
+    <dgm:txPr/>
+    <dgm:style>
+      <a:lnRef idx="0">
+        <a:scrgbClr r="0" g="0" b="0"/>
+      </a:lnRef>
+      <a:fillRef idx="1">
+        <a:scrgbClr r="0" g="0" b="0"/>
+      </a:fillRef>
+      <a:effectRef idx="0">
+        <a:scrgbClr r="0" g="0" b="0"/>
+      </a:effectRef>
+      <a:fontRef idx="minor"/>
+    </dgm:style>
+  </dgm:styleLbl>
+  <dgm:styleLbl name="dkBgShp">
+    <dgm:scene3d>
+      <a:camera prst="orthographicFront"/>
+      <a:lightRig rig="threePt" dir="t"/>
+    </dgm:scene3d>
+    <dgm:sp3d/>
+    <dgm:txPr/>
+    <dgm:style>
+      <a:lnRef idx="0">
+        <a:scrgbClr r="0" g="0" b="0"/>
+      </a:lnRef>
+      <a:fillRef idx="1">
+        <a:scrgbClr r="0" g="0" b="0"/>
+      </a:fillRef>
+      <a:effectRef idx="0">
+        <a:scrgbClr r="0" g="0" b="0"/>
+      </a:effectRef>
+      <a:fontRef idx="minor"/>
+    </dgm:style>
+  </dgm:styleLbl>
+  <dgm:styleLbl name="trBgShp">
+    <dgm:scene3d>
+      <a:camera prst="orthographicFront"/>
+      <a:lightRig rig="threePt" dir="t"/>
+    </dgm:scene3d>
+    <dgm:sp3d/>
+    <dgm:txPr/>
+    <dgm:style>
+      <a:lnRef idx="0">
+        <a:scrgbClr r="0" g="0" b="0"/>
+      </a:lnRef>
+      <a:fillRef idx="1">
+        <a:scrgbClr r="0" g="0" b="0"/>
+      </a:fillRef>
+      <a:effectRef idx="0">
+        <a:scrgbClr r="0" g="0" b="0"/>
+      </a:effectRef>
+      <a:fontRef idx="minor"/>
+    </dgm:style>
+  </dgm:styleLbl>
+  <dgm:styleLbl name="fgShp">
+    <dgm:scene3d>
+      <a:camera prst="orthographicFront"/>
+      <a:lightRig rig="threePt" dir="t"/>
+    </dgm:scene3d>
+    <dgm:sp3d/>
+    <dgm:txPr/>
+    <dgm:style>
+      <a:lnRef idx="2">
+        <a:scrgbClr r="0" g="0" b="0"/>
+      </a:lnRef>
+      <a:fillRef idx="1">
+        <a:scrgbClr r="0" g="0" b="0"/>
+      </a:fillRef>
+      <a:effectRef idx="0">
+        <a:scrgbClr r="0" g="0" b="0"/>
+      </a:effectRef>
+      <a:fontRef idx="minor"/>
+    </dgm:style>
+  </dgm:styleLbl>
+  <dgm:styleLbl name="revTx">
+    <dgm:scene3d>
+      <a:camera prst="orthographicFront"/>
+      <a:lightRig rig="threePt" dir="t"/>
+    </dgm:scene3d>
+    <dgm:sp3d/>
+    <dgm:txPr/>
+    <dgm:style>
+      <a:lnRef idx="0">
+        <a:scrgbClr r="0" g="0" b="0"/>
+      </a:lnRef>
+      <a:fillRef idx="0">
+        <a:scrgbClr r="0" g="0" b="0"/>
+      </a:fillRef>
+      <a:effectRef idx="0">
+        <a:scrgbClr r="0" g="0" b="0"/>
+      </a:effectRef>
+      <a:fontRef idx="minor"/>
+    </dgm:style>
+  </dgm:styleLbl>
+</dgm:styleDef>
+</file>
+
+<file path=ppt/notesMasters/notesMaster1.xml><?xml version="1.0" encoding="utf-8"?>
+<p:notesMaster xmlns:a="http://schemas.openxmlformats.org/drawingml/2006/main" xmlns:r="http://schemas.openxmlformats.org/officeDocument/2006/relationships" xmlns:p="http://schemas.openxmlformats.org/presentationml/2006/main">
+  <p:cSld>
+    <p:bg>
+      <p:bgRef idx="1001">
+        <a:schemeClr val="bg1"/>
+      </p:bgRef>
+    </p:bg>
+    <p:spTree>
+      <p:nvGrpSpPr>
+        <p:cNvPr id="1" name=""/>
+        <p:cNvGrpSpPr/>
+        <p:nvPr/>
+      </p:nvGrpSpPr>
+      <p:grpSpPr>
+        <a:xfrm>
+          <a:off x="0" y="0"/>
+          <a:ext cx="0" cy="0"/>
+          <a:chOff x="0" y="0"/>
+          <a:chExt cx="0" cy="0"/>
+        </a:xfrm>
+      </p:grpSpPr>
+      <p:sp>
+        <p:nvSpPr>
+          <p:cNvPr id="2" name="ヘッダー プレースホルダー 1"/>
+          <p:cNvSpPr>
+            <a:spLocks noGrp="1"/>
+          </p:cNvSpPr>
+          <p:nvPr>
+            <p:ph type="hdr" sz="quarter"/>
+          </p:nvPr>
+        </p:nvSpPr>
+        <p:spPr>
+          <a:xfrm>
+            <a:off x="0" y="0"/>
+            <a:ext cx="2971800" cy="458788"/>
+          </a:xfrm>
+          <a:prstGeom prst="rect">
+            <a:avLst/>
+          </a:prstGeom>
+        </p:spPr>
+        <p:txBody>
+          <a:bodyPr vert="horz" lIns="91440" tIns="45720" rIns="91440" bIns="45720" rtlCol="0"/>
+          <a:lstStyle>
+            <a:lvl1pPr algn="l">
+              <a:defRPr sz="1200"/>
+            </a:lvl1pPr>
+          </a:lstStyle>
+          <a:p>
+            <a:endParaRPr kumimoji="1" lang="ja-JP" altLang="en-US"/>
+          </a:p>
+        </p:txBody>
+      </p:sp>
+      <p:sp>
+        <p:nvSpPr>
+          <p:cNvPr id="3" name="日付プレースホルダー 2"/>
+          <p:cNvSpPr>
+            <a:spLocks noGrp="1"/>
+          </p:cNvSpPr>
+          <p:nvPr>
+            <p:ph type="dt" idx="1"/>
+          </p:nvPr>
+        </p:nvSpPr>
+        <p:spPr>
+          <a:xfrm>
+            <a:off x="3884613" y="0"/>
+            <a:ext cx="2971800" cy="458788"/>
+          </a:xfrm>
+          <a:prstGeom prst="rect">
+            <a:avLst/>
+          </a:prstGeom>
+        </p:spPr>
+        <p:txBody>
+          <a:bodyPr vert="horz" lIns="91440" tIns="45720" rIns="91440" bIns="45720" rtlCol="0"/>
+          <a:lstStyle>
+            <a:lvl1pPr algn="r">
+              <a:defRPr sz="1200"/>
+            </a:lvl1pPr>
+          </a:lstStyle>
+          <a:p>
+            <a:fld id="{581FE9F6-1E18-4AB3-B7CA-A2B621D23B17}" type="datetimeFigureOut">
+              <a:rPr kumimoji="1" lang="ja-JP" altLang="en-US" smtClean="0"/>
+              <a:t>2023/6/2</a:t>
+            </a:fld>
+            <a:endParaRPr kumimoji="1" lang="ja-JP" altLang="en-US"/>
+          </a:p>
+        </p:txBody>
+      </p:sp>
+      <p:sp>
+        <p:nvSpPr>
+          <p:cNvPr id="4" name="スライド イメージ プレースホルダー 3"/>
+          <p:cNvSpPr>
+            <a:spLocks noGrp="1" noRot="1" noChangeAspect="1"/>
+          </p:cNvSpPr>
+          <p:nvPr>
+            <p:ph type="sldImg" idx="2"/>
+          </p:nvPr>
+        </p:nvSpPr>
+        <p:spPr>
+          <a:xfrm>
+            <a:off x="685800" y="1143000"/>
+            <a:ext cx="5486400" cy="3086100"/>
+          </a:xfrm>
+          <a:prstGeom prst="rect">
+            <a:avLst/>
+          </a:prstGeom>
+          <a:noFill/>
+          <a:ln w="12700">
+            <a:solidFill>
+              <a:prstClr val="black"/>
+            </a:solidFill>
+          </a:ln>
+        </p:spPr>
+        <p:txBody>
+          <a:bodyPr vert="horz" lIns="91440" tIns="45720" rIns="91440" bIns="45720" rtlCol="0" anchor="ctr"/>
+          <a:lstStyle/>
+          <a:p>
+            <a:endParaRPr lang="ja-JP" altLang="en-US"/>
+          </a:p>
+        </p:txBody>
+      </p:sp>
+      <p:sp>
+        <p:nvSpPr>
+          <p:cNvPr id="5" name="ノート プレースホルダー 4"/>
+          <p:cNvSpPr>
+            <a:spLocks noGrp="1"/>
+          </p:cNvSpPr>
+          <p:nvPr>
+            <p:ph type="body" sz="quarter" idx="3"/>
+          </p:nvPr>
+        </p:nvSpPr>
+        <p:spPr>
+          <a:xfrm>
+            <a:off x="685800" y="4400550"/>
+            <a:ext cx="5486400" cy="3600450"/>
+          </a:xfrm>
+          <a:prstGeom prst="rect">
+            <a:avLst/>
+          </a:prstGeom>
+        </p:spPr>
+        <p:txBody>
+          <a:bodyPr vert="horz" lIns="91440" tIns="45720" rIns="91440" bIns="45720" rtlCol="0"/>
+          <a:lstStyle/>
+          <a:p>
+            <a:pPr lvl="0"/>
+            <a:r>
+              <a:rPr kumimoji="1" lang="ja-JP" altLang="en-US"/>
+              <a:t>マスター テキストの書式設定</a:t>
+            </a:r>
+          </a:p>
+          <a:p>
+            <a:pPr lvl="1"/>
+            <a:r>
+              <a:rPr kumimoji="1" lang="ja-JP" altLang="en-US"/>
+              <a:t>第 </a:t>
+            </a:r>
+            <a:r>
+              <a:rPr kumimoji="1" lang="en-US" altLang="ja-JP"/>
+              <a:t>2 </a:t>
+            </a:r>
+            <a:r>
+              <a:rPr kumimoji="1" lang="ja-JP" altLang="en-US"/>
+              <a:t>レベル</a:t>
+            </a:r>
+          </a:p>
+          <a:p>
+            <a:pPr lvl="2"/>
+            <a:r>
+              <a:rPr kumimoji="1" lang="ja-JP" altLang="en-US"/>
+              <a:t>第 </a:t>
+            </a:r>
+            <a:r>
+              <a:rPr kumimoji="1" lang="en-US" altLang="ja-JP"/>
+              <a:t>3 </a:t>
+            </a:r>
+            <a:r>
+              <a:rPr kumimoji="1" lang="ja-JP" altLang="en-US"/>
+              <a:t>レベル</a:t>
+            </a:r>
+          </a:p>
+          <a:p>
+            <a:pPr lvl="3"/>
+            <a:r>
+              <a:rPr kumimoji="1" lang="ja-JP" altLang="en-US"/>
+              <a:t>第 </a:t>
+            </a:r>
+            <a:r>
+              <a:rPr kumimoji="1" lang="en-US" altLang="ja-JP"/>
+              <a:t>4 </a:t>
+            </a:r>
+            <a:r>
+              <a:rPr kumimoji="1" lang="ja-JP" altLang="en-US"/>
+              <a:t>レベル</a:t>
+            </a:r>
+          </a:p>
+          <a:p>
+            <a:pPr lvl="4"/>
+            <a:r>
+              <a:rPr kumimoji="1" lang="ja-JP" altLang="en-US"/>
+              <a:t>第 </a:t>
+            </a:r>
+            <a:r>
+              <a:rPr kumimoji="1" lang="en-US" altLang="ja-JP"/>
+              <a:t>5 </a:t>
+            </a:r>
+            <a:r>
+              <a:rPr kumimoji="1" lang="ja-JP" altLang="en-US"/>
+              <a:t>レベル</a:t>
+            </a:r>
+          </a:p>
+        </p:txBody>
+      </p:sp>
+      <p:sp>
+        <p:nvSpPr>
+          <p:cNvPr id="6" name="フッター プレースホルダー 5"/>
+          <p:cNvSpPr>
+            <a:spLocks noGrp="1"/>
+          </p:cNvSpPr>
+          <p:nvPr>
+            <p:ph type="ftr" sz="quarter" idx="4"/>
+          </p:nvPr>
+        </p:nvSpPr>
+        <p:spPr>
+          <a:xfrm>
+            <a:off x="0" y="8685213"/>
+            <a:ext cx="2971800" cy="458787"/>
+          </a:xfrm>
+          <a:prstGeom prst="rect">
+            <a:avLst/>
+          </a:prstGeom>
+        </p:spPr>
+        <p:txBody>
+          <a:bodyPr vert="horz" lIns="91440" tIns="45720" rIns="91440" bIns="45720" rtlCol="0" anchor="b"/>
+          <a:lstStyle>
+            <a:lvl1pPr algn="l">
+              <a:defRPr sz="1200"/>
+            </a:lvl1pPr>
+          </a:lstStyle>
+          <a:p>
+            <a:endParaRPr kumimoji="1" lang="ja-JP" altLang="en-US"/>
+          </a:p>
+        </p:txBody>
+      </p:sp>
+      <p:sp>
+        <p:nvSpPr>
+          <p:cNvPr id="7" name="スライド番号プレースホルダー 6"/>
+          <p:cNvSpPr>
+            <a:spLocks noGrp="1"/>
+          </p:cNvSpPr>
+          <p:nvPr>
+            <p:ph type="sldNum" sz="quarter" idx="5"/>
+          </p:nvPr>
+        </p:nvSpPr>
+        <p:spPr>
+          <a:xfrm>
+            <a:off x="3884613" y="8685213"/>
+            <a:ext cx="2971800" cy="458787"/>
+          </a:xfrm>
+          <a:prstGeom prst="rect">
+            <a:avLst/>
+          </a:prstGeom>
+        </p:spPr>
+        <p:txBody>
+          <a:bodyPr vert="horz" lIns="91440" tIns="45720" rIns="91440" bIns="45720" rtlCol="0" anchor="b"/>
+          <a:lstStyle>
+            <a:lvl1pPr algn="r">
+              <a:defRPr sz="1200"/>
+            </a:lvl1pPr>
+          </a:lstStyle>
+          <a:p>
+            <a:fld id="{23441885-31C8-4F1D-9E17-58FC0EA55592}" type="slidenum">
+              <a:rPr kumimoji="1" lang="ja-JP" altLang="en-US" smtClean="0"/>
+              <a:t>‹#›</a:t>
+            </a:fld>
+            <a:endParaRPr kumimoji="1" lang="ja-JP" altLang="en-US"/>
+          </a:p>
+        </p:txBody>
+      </p:sp>
+    </p:spTree>
+    <p:extLst>
+      <p:ext uri="{BB962C8B-B14F-4D97-AF65-F5344CB8AC3E}">
+        <p14:creationId xmlns:p14="http://schemas.microsoft.com/office/powerpoint/2010/main" val="3418729412"/>
+      </p:ext>
+    </p:extLst>
+  </p:cSld>
+  <p:clrMap bg1="lt1" tx1="dk1" bg2="lt2" tx2="dk2" accent1="accent1" accent2="accent2" accent3="accent3" accent4="accent4" accent5="accent5" accent6="accent6" hlink="hlink" folHlink="folHlink"/>
+  <p:notesStyle>
+    <a:lvl1pPr marL="0" algn="l" defTabSz="914400" rtl="0" eaLnBrk="1" latinLnBrk="0" hangingPunct="1">
+      <a:defRPr kumimoji="1" sz="1200" kern="1200">
+        <a:solidFill>
+          <a:schemeClr val="tx1"/>
+        </a:solidFill>
+        <a:latin typeface="+mn-lt"/>
+        <a:ea typeface="+mn-ea"/>
+        <a:cs typeface="+mn-cs"/>
+      </a:defRPr>
+    </a:lvl1pPr>
+    <a:lvl2pPr marL="457200" algn="l" defTabSz="914400" rtl="0" eaLnBrk="1" latinLnBrk="0" hangingPunct="1">
+      <a:defRPr kumimoji="1" sz="1200" kern="1200">
+        <a:solidFill>
+          <a:schemeClr val="tx1"/>
+        </a:solidFill>
+        <a:latin typeface="+mn-lt"/>
+        <a:ea typeface="+mn-ea"/>
+        <a:cs typeface="+mn-cs"/>
+      </a:defRPr>
+    </a:lvl2pPr>
+    <a:lvl3pPr marL="914400" algn="l" defTabSz="914400" rtl="0" eaLnBrk="1" latinLnBrk="0" hangingPunct="1">
+      <a:defRPr kumimoji="1" sz="1200" kern="1200">
+        <a:solidFill>
+          <a:schemeClr val="tx1"/>
+        </a:solidFill>
+        <a:latin typeface="+mn-lt"/>
+        <a:ea typeface="+mn-ea"/>
+        <a:cs typeface="+mn-cs"/>
+      </a:defRPr>
+    </a:lvl3pPr>
+    <a:lvl4pPr marL="1371600" algn="l" defTabSz="914400" rtl="0" eaLnBrk="1" latinLnBrk="0" hangingPunct="1">
+      <a:defRPr kumimoji="1" sz="1200" kern="1200">
+        <a:solidFill>
+          <a:schemeClr val="tx1"/>
+        </a:solidFill>
+        <a:latin typeface="+mn-lt"/>
+        <a:ea typeface="+mn-ea"/>
+        <a:cs typeface="+mn-cs"/>
+      </a:defRPr>
+    </a:lvl4pPr>
+    <a:lvl5pPr marL="1828800" algn="l" defTabSz="914400" rtl="0" eaLnBrk="1" latinLnBrk="0" hangingPunct="1">
+      <a:defRPr kumimoji="1" sz="1200" kern="1200">
+        <a:solidFill>
+          <a:schemeClr val="tx1"/>
+        </a:solidFill>
+        <a:latin typeface="+mn-lt"/>
+        <a:ea typeface="+mn-ea"/>
+        <a:cs typeface="+mn-cs"/>
+      </a:defRPr>
+    </a:lvl5pPr>
+    <a:lvl6pPr marL="2286000" algn="l" defTabSz="914400" rtl="0" eaLnBrk="1" latinLnBrk="0" hangingPunct="1">
+      <a:defRPr kumimoji="1" sz="1200" kern="1200">
+        <a:solidFill>
+          <a:schemeClr val="tx1"/>
+        </a:solidFill>
+        <a:latin typeface="+mn-lt"/>
+        <a:ea typeface="+mn-ea"/>
+        <a:cs typeface="+mn-cs"/>
+      </a:defRPr>
+    </a:lvl6pPr>
+    <a:lvl7pPr marL="2743200" algn="l" defTabSz="914400" rtl="0" eaLnBrk="1" latinLnBrk="0" hangingPunct="1">
+      <a:defRPr kumimoji="1" sz="1200" kern="1200">
+        <a:solidFill>
+          <a:schemeClr val="tx1"/>
+        </a:solidFill>
+        <a:latin typeface="+mn-lt"/>
+        <a:ea typeface="+mn-ea"/>
+        <a:cs typeface="+mn-cs"/>
+      </a:defRPr>
+    </a:lvl7pPr>
+    <a:lvl8pPr marL="3200400" algn="l" defTabSz="914400" rtl="0" eaLnBrk="1" latinLnBrk="0" hangingPunct="1">
+      <a:defRPr kumimoji="1" sz="1200" kern="1200">
+        <a:solidFill>
+          <a:schemeClr val="tx1"/>
+        </a:solidFill>
+        <a:latin typeface="+mn-lt"/>
+        <a:ea typeface="+mn-ea"/>
+        <a:cs typeface="+mn-cs"/>
+      </a:defRPr>
+    </a:lvl8pPr>
+    <a:lvl9pPr marL="3657600" algn="l" defTabSz="914400" rtl="0" eaLnBrk="1" latinLnBrk="0" hangingPunct="1">
+      <a:defRPr kumimoji="1" sz="1200" kern="1200">
+        <a:solidFill>
+          <a:schemeClr val="tx1"/>
+        </a:solidFill>
+        <a:latin typeface="+mn-lt"/>
+        <a:ea typeface="+mn-ea"/>
+        <a:cs typeface="+mn-cs"/>
+      </a:defRPr>
+    </a:lvl9pPr>
+  </p:notesStyle>
+</p:notesMaster>
+</file>
+
+<file path=ppt/notesSlides/notesSlide1.xml><?xml version="1.0" encoding="utf-8"?>
+<p:notes xmlns:a="http://schemas.openxmlformats.org/drawingml/2006/main" xmlns:r="http://schemas.openxmlformats.org/officeDocument/2006/relationships" xmlns:p="http://schemas.openxmlformats.org/presentationml/2006/main">
+  <p:cSld>
+    <p:spTree>
+      <p:nvGrpSpPr>
+        <p:cNvPr id="1" name=""/>
+        <p:cNvGrpSpPr/>
+        <p:nvPr/>
+      </p:nvGrpSpPr>
+      <p:grpSpPr>
+        <a:xfrm>
+          <a:off x="0" y="0"/>
+          <a:ext cx="0" cy="0"/>
+          <a:chOff x="0" y="0"/>
+          <a:chExt cx="0" cy="0"/>
+        </a:xfrm>
+      </p:grpSpPr>
+      <p:sp>
+        <p:nvSpPr>
+          <p:cNvPr id="2" name="スライド イメージ プレースホルダー 1"/>
+          <p:cNvSpPr>
+            <a:spLocks noGrp="1" noRot="1" noChangeAspect="1"/>
+          </p:cNvSpPr>
+          <p:nvPr>
+            <p:ph type="sldImg"/>
+          </p:nvPr>
+        </p:nvSpPr>
+        <p:spPr/>
+      </p:sp>
+      <p:sp>
+        <p:nvSpPr>
+          <p:cNvPr id="3" name="ノート プレースホルダー 2"/>
+          <p:cNvSpPr>
+            <a:spLocks noGrp="1"/>
+          </p:cNvSpPr>
+          <p:nvPr>
+            <p:ph type="body" idx="1"/>
+          </p:nvPr>
+        </p:nvSpPr>
+        <p:spPr/>
+        <p:txBody>
+          <a:bodyPr/>
+          <a:lstStyle/>
+          <a:p>
+            <a:r>
+              <a:rPr kumimoji="1" lang="ja-JP" altLang="en-US"/>
+              <a:t>システム時間を取れば、正しい時間を描画できると思います。たとえば処理時間を測って、</a:t>
+            </a:r>
+            <a:r>
+              <a:rPr kumimoji="1" lang="en-US" altLang="ja-JP"/>
+              <a:t>1/60</a:t>
+            </a:r>
+            <a:r>
+              <a:rPr kumimoji="1" lang="ja-JP" altLang="en-US"/>
+              <a:t>秒</a:t>
+            </a:r>
+            <a:r>
+              <a:rPr kumimoji="1" lang="en-US" altLang="ja-JP"/>
+              <a:t>-</a:t>
+            </a:r>
+            <a:r>
+              <a:rPr kumimoji="1" lang="ja-JP" altLang="en-US"/>
+              <a:t>処理時間だけ</a:t>
+            </a:r>
+            <a:r>
+              <a:rPr kumimoji="1" lang="en-US" altLang="ja-JP"/>
+              <a:t>sleep</a:t>
+            </a:r>
+            <a:r>
+              <a:rPr kumimoji="1" lang="ja-JP" altLang="en-US"/>
+              <a:t>する、など。</a:t>
+            </a:r>
+          </a:p>
+        </p:txBody>
+      </p:sp>
+      <p:sp>
+        <p:nvSpPr>
+          <p:cNvPr id="4" name="スライド番号プレースホルダー 3"/>
+          <p:cNvSpPr>
+            <a:spLocks noGrp="1"/>
+          </p:cNvSpPr>
+          <p:nvPr>
+            <p:ph type="sldNum" sz="quarter" idx="5"/>
+          </p:nvPr>
+        </p:nvSpPr>
+        <p:spPr/>
+        <p:txBody>
+          <a:bodyPr/>
+          <a:lstStyle/>
+          <a:p>
+            <a:fld id="{23441885-31C8-4F1D-9E17-58FC0EA55592}" type="slidenum">
+              <a:rPr kumimoji="1" lang="ja-JP" altLang="en-US" smtClean="0"/>
+              <a:t>14</a:t>
+            </a:fld>
+            <a:endParaRPr kumimoji="1" lang="ja-JP" altLang="en-US"/>
+          </a:p>
+        </p:txBody>
+      </p:sp>
+    </p:spTree>
+    <p:extLst>
+      <p:ext uri="{BB962C8B-B14F-4D97-AF65-F5344CB8AC3E}">
+        <p14:creationId xmlns:p14="http://schemas.microsoft.com/office/powerpoint/2010/main" val="1170432645"/>
+      </p:ext>
+    </p:extLst>
+  </p:cSld>
+  <p:clrMapOvr>
+    <a:masterClrMapping/>
+  </p:clrMapOvr>
+</p:notes>
 </file>
 
 <file path=ppt/slideLayouts/slideLayout1.xml><?xml version="1.0" encoding="utf-8"?>
@@ -5839,7 +9496,7 @@
               <a:rPr lang="ja-JP" altLang="en-US"/>
               <a:t>マスター タイトルの書式設定</a:t>
             </a:r>
-            <a:endParaRPr lang="en-US" dirty="0"/>
+            <a:endParaRPr lang="en-US"/>
           </a:p>
         </p:txBody>
       </p:sp>
@@ -5913,7 +9570,7 @@
               <a:rPr lang="ja-JP" altLang="en-US"/>
               <a:t>マスター サブタイトルの書式設定</a:t>
             </a:r>
-            <a:endParaRPr lang="en-US" dirty="0"/>
+            <a:endParaRPr lang="en-US"/>
           </a:p>
         </p:txBody>
       </p:sp>
@@ -5934,7 +9591,7 @@
           <a:p>
             <a:fld id="{179C1435-D56D-4B5F-896C-3781FCA9E277}" type="datetimeFigureOut">
               <a:rPr kumimoji="1" lang="ja-JP" altLang="en-US" smtClean="0"/>
-              <a:t>2023/5/31</a:t>
+              <a:t>2023/6/2</a:t>
             </a:fld>
             <a:endParaRPr kumimoji="1" lang="ja-JP" altLang="en-US"/>
           </a:p>
@@ -6031,7 +9688,7 @@
               <a:rPr lang="ja-JP" altLang="en-US"/>
               <a:t>マスター タイトルの書式設定</a:t>
             </a:r>
-            <a:endParaRPr lang="en-US" dirty="0"/>
+            <a:endParaRPr lang="en-US"/>
           </a:p>
         </p:txBody>
       </p:sp>
@@ -6115,7 +9772,7 @@
               <a:rPr lang="ja-JP" altLang="en-US"/>
               <a:t>レベル</a:t>
             </a:r>
-            <a:endParaRPr lang="en-US" dirty="0"/>
+            <a:endParaRPr lang="en-US"/>
           </a:p>
         </p:txBody>
       </p:sp>
@@ -6136,7 +9793,7 @@
           <a:p>
             <a:fld id="{179C1435-D56D-4B5F-896C-3781FCA9E277}" type="datetimeFigureOut">
               <a:rPr kumimoji="1" lang="ja-JP" altLang="en-US" smtClean="0"/>
-              <a:t>2023/5/31</a:t>
+              <a:t>2023/6/2</a:t>
             </a:fld>
             <a:endParaRPr kumimoji="1" lang="ja-JP" altLang="en-US"/>
           </a:p>
@@ -6238,7 +9895,7 @@
               <a:rPr lang="ja-JP" altLang="en-US"/>
               <a:t>マスター タイトルの書式設定</a:t>
             </a:r>
-            <a:endParaRPr lang="en-US" dirty="0"/>
+            <a:endParaRPr lang="en-US"/>
           </a:p>
         </p:txBody>
       </p:sp>
@@ -6327,7 +9984,7 @@
               <a:rPr lang="ja-JP" altLang="en-US"/>
               <a:t>レベル</a:t>
             </a:r>
-            <a:endParaRPr lang="en-US" dirty="0"/>
+            <a:endParaRPr lang="en-US"/>
           </a:p>
         </p:txBody>
       </p:sp>
@@ -6348,7 +10005,7 @@
           <a:p>
             <a:fld id="{179C1435-D56D-4B5F-896C-3781FCA9E277}" type="datetimeFigureOut">
               <a:rPr kumimoji="1" lang="ja-JP" altLang="en-US" smtClean="0"/>
-              <a:t>2023/5/31</a:t>
+              <a:t>2023/6/2</a:t>
             </a:fld>
             <a:endParaRPr kumimoji="1" lang="ja-JP" altLang="en-US"/>
           </a:p>
@@ -6445,7 +10102,7 @@
               <a:rPr lang="ja-JP" altLang="en-US"/>
               <a:t>マスター タイトルの書式設定</a:t>
             </a:r>
-            <a:endParaRPr lang="en-US" dirty="0"/>
+            <a:endParaRPr lang="en-US"/>
           </a:p>
         </p:txBody>
       </p:sp>
@@ -6529,7 +10186,7 @@
               <a:rPr lang="ja-JP" altLang="en-US"/>
               <a:t>レベル</a:t>
             </a:r>
-            <a:endParaRPr lang="en-US" dirty="0"/>
+            <a:endParaRPr lang="en-US"/>
           </a:p>
         </p:txBody>
       </p:sp>
@@ -6550,7 +10207,7 @@
           <a:p>
             <a:fld id="{179C1435-D56D-4B5F-896C-3781FCA9E277}" type="datetimeFigureOut">
               <a:rPr kumimoji="1" lang="ja-JP" altLang="en-US" smtClean="0"/>
-              <a:t>2023/5/31</a:t>
+              <a:t>2023/6/2</a:t>
             </a:fld>
             <a:endParaRPr kumimoji="1" lang="ja-JP" altLang="en-US"/>
           </a:p>
@@ -6665,7 +10322,7 @@
               <a:rPr lang="ja-JP" altLang="en-US"/>
               <a:t>マスター タイトルの書式設定</a:t>
             </a:r>
-            <a:endParaRPr lang="en-US" dirty="0"/>
+            <a:endParaRPr lang="en-US"/>
           </a:p>
         </p:txBody>
       </p:sp>
@@ -6808,7 +10465,7 @@
           <a:p>
             <a:fld id="{179C1435-D56D-4B5F-896C-3781FCA9E277}" type="datetimeFigureOut">
               <a:rPr kumimoji="1" lang="ja-JP" altLang="en-US" smtClean="0"/>
-              <a:t>2023/5/31</a:t>
+              <a:t>2023/6/2</a:t>
             </a:fld>
             <a:endParaRPr kumimoji="1" lang="ja-JP" altLang="en-US"/>
           </a:p>
@@ -6905,7 +10562,7 @@
               <a:rPr lang="ja-JP" altLang="en-US"/>
               <a:t>マスター タイトルの書式設定</a:t>
             </a:r>
-            <a:endParaRPr lang="en-US" dirty="0"/>
+            <a:endParaRPr lang="en-US"/>
           </a:p>
         </p:txBody>
       </p:sp>
@@ -7022,7 +10679,7 @@
               <a:rPr lang="ja-JP" altLang="en-US"/>
               <a:t>レベル</a:t>
             </a:r>
-            <a:endParaRPr lang="en-US" dirty="0"/>
+            <a:endParaRPr lang="en-US"/>
           </a:p>
         </p:txBody>
       </p:sp>
@@ -7139,7 +10796,7 @@
               <a:rPr lang="ja-JP" altLang="en-US"/>
               <a:t>レベル</a:t>
             </a:r>
-            <a:endParaRPr lang="en-US" dirty="0"/>
+            <a:endParaRPr lang="en-US"/>
           </a:p>
         </p:txBody>
       </p:sp>
@@ -7160,7 +10817,7 @@
           <a:p>
             <a:fld id="{179C1435-D56D-4B5F-896C-3781FCA9E277}" type="datetimeFigureOut">
               <a:rPr kumimoji="1" lang="ja-JP" altLang="en-US" smtClean="0"/>
-              <a:t>2023/5/31</a:t>
+              <a:t>2023/6/2</a:t>
             </a:fld>
             <a:endParaRPr kumimoji="1" lang="ja-JP" altLang="en-US"/>
           </a:p>
@@ -7257,7 +10914,7 @@
               <a:rPr lang="ja-JP" altLang="en-US"/>
               <a:t>マスター タイトルの書式設定</a:t>
             </a:r>
-            <a:endParaRPr lang="en-US" dirty="0"/>
+            <a:endParaRPr lang="en-US"/>
           </a:p>
         </p:txBody>
       </p:sp>
@@ -7451,7 +11108,7 @@
               <a:rPr lang="ja-JP" altLang="en-US"/>
               <a:t>レベル</a:t>
             </a:r>
-            <a:endParaRPr lang="en-US" dirty="0"/>
+            <a:endParaRPr lang="en-US"/>
           </a:p>
         </p:txBody>
       </p:sp>
@@ -7645,7 +11302,7 @@
               <a:rPr lang="ja-JP" altLang="en-US"/>
               <a:t>レベル</a:t>
             </a:r>
-            <a:endParaRPr lang="en-US" dirty="0"/>
+            <a:endParaRPr lang="en-US"/>
           </a:p>
         </p:txBody>
       </p:sp>
@@ -7666,7 +11323,7 @@
           <a:p>
             <a:fld id="{179C1435-D56D-4B5F-896C-3781FCA9E277}" type="datetimeFigureOut">
               <a:rPr kumimoji="1" lang="ja-JP" altLang="en-US" smtClean="0"/>
-              <a:t>2023/5/31</a:t>
+              <a:t>2023/6/2</a:t>
             </a:fld>
             <a:endParaRPr kumimoji="1" lang="ja-JP" altLang="en-US"/>
           </a:p>
@@ -7763,7 +11420,7 @@
               <a:rPr lang="ja-JP" altLang="en-US"/>
               <a:t>マスター タイトルの書式設定</a:t>
             </a:r>
-            <a:endParaRPr lang="en-US" dirty="0"/>
+            <a:endParaRPr lang="en-US"/>
           </a:p>
         </p:txBody>
       </p:sp>
@@ -7784,7 +11441,7 @@
           <a:p>
             <a:fld id="{179C1435-D56D-4B5F-896C-3781FCA9E277}" type="datetimeFigureOut">
               <a:rPr kumimoji="1" lang="ja-JP" altLang="en-US" smtClean="0"/>
-              <a:t>2023/5/31</a:t>
+              <a:t>2023/6/2</a:t>
             </a:fld>
             <a:endParaRPr kumimoji="1" lang="ja-JP" altLang="en-US"/>
           </a:p>
@@ -7879,7 +11536,7 @@
           <a:p>
             <a:fld id="{179C1435-D56D-4B5F-896C-3781FCA9E277}" type="datetimeFigureOut">
               <a:rPr kumimoji="1" lang="ja-JP" altLang="en-US" smtClean="0"/>
-              <a:t>2023/5/31</a:t>
+              <a:t>2023/6/2</a:t>
             </a:fld>
             <a:endParaRPr kumimoji="1" lang="ja-JP" altLang="en-US"/>
           </a:p>
@@ -7987,7 +11644,7 @@
               <a:rPr lang="ja-JP" altLang="en-US"/>
               <a:t>マスター タイトルの書式設定</a:t>
             </a:r>
-            <a:endParaRPr lang="en-US" dirty="0"/>
+            <a:endParaRPr lang="en-US"/>
           </a:p>
         </p:txBody>
       </p:sp>
@@ -8104,7 +11761,7 @@
               <a:rPr lang="ja-JP" altLang="en-US"/>
               <a:t>レベル</a:t>
             </a:r>
-            <a:endParaRPr lang="en-US" dirty="0"/>
+            <a:endParaRPr lang="en-US"/>
           </a:p>
         </p:txBody>
       </p:sp>
@@ -8199,7 +11856,7 @@
           <a:p>
             <a:fld id="{179C1435-D56D-4B5F-896C-3781FCA9E277}" type="datetimeFigureOut">
               <a:rPr kumimoji="1" lang="ja-JP" altLang="en-US" smtClean="0"/>
-              <a:t>2023/5/31</a:t>
+              <a:t>2023/6/2</a:t>
             </a:fld>
             <a:endParaRPr kumimoji="1" lang="ja-JP" altLang="en-US"/>
           </a:p>
@@ -8307,7 +11964,7 @@
               <a:rPr lang="ja-JP" altLang="en-US"/>
               <a:t>マスター タイトルの書式設定</a:t>
             </a:r>
-            <a:endParaRPr lang="en-US" dirty="0"/>
+            <a:endParaRPr lang="en-US"/>
           </a:p>
         </p:txBody>
       </p:sp>
@@ -8377,7 +12034,7 @@
               <a:rPr lang="ja-JP" altLang="en-US"/>
               <a:t>アイコンをクリックして図を追加</a:t>
             </a:r>
-            <a:endParaRPr lang="en-US" dirty="0"/>
+            <a:endParaRPr lang="en-US"/>
           </a:p>
         </p:txBody>
       </p:sp>
@@ -8472,7 +12129,7 @@
           <a:p>
             <a:fld id="{179C1435-D56D-4B5F-896C-3781FCA9E277}" type="datetimeFigureOut">
               <a:rPr kumimoji="1" lang="ja-JP" altLang="en-US" smtClean="0"/>
-              <a:t>2023/5/31</a:t>
+              <a:t>2023/6/2</a:t>
             </a:fld>
             <a:endParaRPr kumimoji="1" lang="ja-JP" altLang="en-US"/>
           </a:p>
@@ -8627,7 +12284,7 @@
               <a:rPr lang="ja-JP" altLang="en-US"/>
               <a:t>マスター タイトルの書式設定</a:t>
             </a:r>
-            <a:endParaRPr lang="en-US" dirty="0"/>
+            <a:endParaRPr lang="en-US"/>
           </a:p>
         </p:txBody>
       </p:sp>
@@ -8761,7 +12418,7 @@
               <a:rPr lang="ja-JP" altLang="en-US"/>
               <a:t>レベル</a:t>
             </a:r>
-            <a:endParaRPr lang="en-US" dirty="0"/>
+            <a:endParaRPr lang="en-US"/>
           </a:p>
         </p:txBody>
       </p:sp>
@@ -8801,7 +12458,7 @@
           <a:p>
             <a:fld id="{179C1435-D56D-4B5F-896C-3781FCA9E277}" type="datetimeFigureOut">
               <a:rPr kumimoji="1" lang="ja-JP" altLang="en-US" smtClean="0"/>
-              <a:t>2023/5/31</a:t>
+              <a:t>2023/6/2</a:t>
             </a:fld>
             <a:endParaRPr kumimoji="1" lang="ja-JP" altLang="en-US"/>
           </a:p>
@@ -9310,18 +12967,18 @@
           <a:lstStyle/>
           <a:p>
             <a:r>
-              <a:rPr kumimoji="1" lang="en-US" altLang="ja-JP" dirty="0"/>
+              <a:rPr kumimoji="1" lang="en-US" altLang="ja-JP"/>
               <a:t>OpenGL</a:t>
             </a:r>
             <a:r>
-              <a:rPr kumimoji="1" lang="ja-JP" altLang="en-US" dirty="0"/>
+              <a:rPr kumimoji="1" lang="ja-JP" altLang="en-US"/>
               <a:t>による</a:t>
             </a:r>
             <a:br>
-              <a:rPr kumimoji="1" lang="en-US" altLang="ja-JP" dirty="0"/>
+              <a:rPr kumimoji="1" lang="en-US" altLang="ja-JP"/>
             </a:br>
             <a:r>
-              <a:rPr kumimoji="1" lang="ja-JP" altLang="en-US" dirty="0"/>
+              <a:rPr kumimoji="1" lang="ja-JP" altLang="en-US"/>
               <a:t>ストップウオッチ作成</a:t>
             </a:r>
           </a:p>
@@ -9351,15 +13008,15 @@
           <a:lstStyle/>
           <a:p>
             <a:r>
-              <a:rPr kumimoji="1" lang="ja-JP" altLang="en-US" sz="2800" dirty="0"/>
+              <a:rPr kumimoji="1" lang="ja-JP" altLang="en-US" sz="2800"/>
               <a:t>情報システム学科</a:t>
             </a:r>
             <a:r>
-              <a:rPr lang="en-US" altLang="ja-JP" sz="2800" dirty="0"/>
+              <a:rPr lang="en-US" altLang="ja-JP" sz="2800"/>
               <a:t>3</a:t>
             </a:r>
             <a:r>
-              <a:rPr kumimoji="1" lang="ja-JP" altLang="en-US" sz="2800" dirty="0"/>
+              <a:rPr kumimoji="1" lang="ja-JP" altLang="en-US" sz="2800"/>
               <a:t>年　有馬祥太</a:t>
             </a:r>
           </a:p>
@@ -9395,34 +13052,271 @@
           <a:chExt cx="0" cy="0"/>
         </a:xfrm>
       </p:grpSpPr>
-      <p:graphicFrame>
-        <p:nvGraphicFramePr>
-          <p:cNvPr id="7" name="図表 6">
+      <p:sp>
+        <p:nvSpPr>
+          <p:cNvPr id="2" name="タイトル 1">
             <a:extLst>
               <a:ext uri="{FF2B5EF4-FFF2-40B4-BE49-F238E27FC236}">
-                <a16:creationId xmlns:a16="http://schemas.microsoft.com/office/drawing/2014/main" id="{4E224B72-27CD-3CFA-2925-1BC4809E4DF5}"/>
+                <a16:creationId xmlns:a16="http://schemas.microsoft.com/office/drawing/2014/main" id="{48FD3945-26E9-6F1B-5727-13D64BB4A9C7}"/>
               </a:ext>
             </a:extLst>
           </p:cNvPr>
-          <p:cNvGraphicFramePr/>
+          <p:cNvSpPr>
+            <a:spLocks noGrp="1"/>
+          </p:cNvSpPr>
           <p:nvPr>
-            <p:extLst>
-              <p:ext uri="{D42A27DB-BD31-4B8C-83A1-F6EECF244321}">
-                <p14:modId xmlns:p14="http://schemas.microsoft.com/office/powerpoint/2010/main" val="952602700"/>
-              </p:ext>
-            </p:extLst>
+            <p:ph type="title"/>
           </p:nvPr>
-        </p:nvGraphicFramePr>
-        <p:xfrm>
-          <a:off x="4778829" y="1318042"/>
-          <a:ext cx="5747656" cy="4212771"/>
-        </p:xfrm>
-        <a:graphic>
-          <a:graphicData uri="http://schemas.openxmlformats.org/drawingml/2006/diagram">
-            <dgm:relIds xmlns:dgm="http://schemas.openxmlformats.org/drawingml/2006/diagram" xmlns:r="http://schemas.openxmlformats.org/officeDocument/2006/relationships" r:dm="rId2" r:lo="rId3" r:qs="rId4" r:cs="rId5"/>
-          </a:graphicData>
-        </a:graphic>
-      </p:graphicFrame>
+        </p:nvSpPr>
+        <p:spPr>
+          <a:xfrm>
+            <a:off x="261258" y="1123837"/>
+            <a:ext cx="2830286" cy="4601183"/>
+          </a:xfrm>
+        </p:spPr>
+        <p:txBody>
+          <a:bodyPr/>
+          <a:lstStyle/>
+          <a:p>
+            <a:r>
+              <a:rPr lang="ja-JP" altLang="en-US"/>
+              <a:t>操作</a:t>
+            </a:r>
+            <a:endParaRPr kumimoji="1" lang="ja-JP" altLang="en-US"/>
+          </a:p>
+        </p:txBody>
+      </p:sp>
+      <p:sp>
+        <p:nvSpPr>
+          <p:cNvPr id="3" name="コンテンツ プレースホルダー 2">
+            <a:extLst>
+              <a:ext uri="{FF2B5EF4-FFF2-40B4-BE49-F238E27FC236}">
+                <a16:creationId xmlns:a16="http://schemas.microsoft.com/office/drawing/2014/main" id="{8CEDE329-9F28-2E53-CE29-DAC08C6F5B8B}"/>
+              </a:ext>
+            </a:extLst>
+          </p:cNvPr>
+          <p:cNvSpPr>
+            <a:spLocks noGrp="1"/>
+          </p:cNvSpPr>
+          <p:nvPr>
+            <p:ph idx="1"/>
+          </p:nvPr>
+        </p:nvSpPr>
+        <p:spPr/>
+        <p:txBody>
+          <a:bodyPr>
+            <a:normAutofit/>
+          </a:bodyPr>
+          <a:lstStyle/>
+          <a:p>
+            <a:r>
+              <a:rPr lang="ja-JP" altLang="en-US" sz="2400"/>
+              <a:t>スタート、ストップ</a:t>
+            </a:r>
+            <a:endParaRPr lang="en-US" altLang="ja-JP" sz="2400"/>
+          </a:p>
+          <a:p>
+            <a:pPr marL="502920" lvl="1" indent="0">
+              <a:buNone/>
+            </a:pPr>
+            <a:r>
+              <a:rPr lang="en-US" altLang="ja-JP" sz="2200"/>
+              <a:t>Space</a:t>
+            </a:r>
+            <a:r>
+              <a:rPr lang="ja-JP" altLang="en-US" sz="2200"/>
+              <a:t>キーで操作可能</a:t>
+            </a:r>
+            <a:endParaRPr lang="en-US" altLang="ja-JP" sz="2200"/>
+          </a:p>
+          <a:p>
+            <a:pPr marL="502920" lvl="1" indent="0">
+              <a:buNone/>
+            </a:pPr>
+            <a:r>
+              <a:rPr lang="en-US" altLang="ja-JP" sz="2200" err="1"/>
+              <a:t>System_key</a:t>
+            </a:r>
+            <a:r>
+              <a:rPr lang="en-US" altLang="ja-JP" sz="2200"/>
+              <a:t>…0:</a:t>
+            </a:r>
+            <a:r>
+              <a:rPr lang="ja-JP" altLang="en-US" sz="2200"/>
+              <a:t>ストップウオッチ停止</a:t>
+            </a:r>
+            <a:endParaRPr lang="en-US" altLang="ja-JP" sz="2200"/>
+          </a:p>
+          <a:p>
+            <a:pPr marL="502920" lvl="1" indent="0">
+              <a:buNone/>
+            </a:pPr>
+            <a:r>
+              <a:rPr lang="en-US" altLang="ja-JP" sz="2200"/>
+              <a:t>		 … 1:</a:t>
+            </a:r>
+            <a:r>
+              <a:rPr lang="ja-JP" altLang="en-US" sz="2200"/>
+              <a:t>ストップウオッチ動作</a:t>
+            </a:r>
+            <a:endParaRPr lang="en-US" altLang="ja-JP" sz="2200"/>
+          </a:p>
+          <a:p>
+            <a:endParaRPr lang="en-US" altLang="ja-JP" sz="2400"/>
+          </a:p>
+          <a:p>
+            <a:r>
+              <a:rPr lang="ja-JP" altLang="en-US" sz="2400"/>
+              <a:t>リセット</a:t>
+            </a:r>
+            <a:endParaRPr lang="en-US" altLang="ja-JP" sz="2400"/>
+          </a:p>
+          <a:p>
+            <a:pPr marL="502920" lvl="1" indent="0">
+              <a:buNone/>
+            </a:pPr>
+            <a:r>
+              <a:rPr lang="en-US" altLang="ja-JP" sz="2200"/>
+              <a:t>“r”</a:t>
+            </a:r>
+            <a:r>
+              <a:rPr lang="ja-JP" altLang="en-US" sz="2200"/>
+              <a:t>キーで操作可能</a:t>
+            </a:r>
+            <a:endParaRPr lang="en-US" altLang="ja-JP" sz="2200"/>
+          </a:p>
+          <a:p>
+            <a:pPr marL="502920" lvl="1" indent="0">
+              <a:buNone/>
+            </a:pPr>
+            <a:r>
+              <a:rPr lang="en-US" altLang="ja-JP" sz="2200" err="1"/>
+              <a:t>System_key</a:t>
+            </a:r>
+            <a:r>
+              <a:rPr lang="en-US" altLang="ja-JP" sz="2200"/>
+              <a:t>…0:</a:t>
+            </a:r>
+            <a:r>
+              <a:rPr lang="ja-JP" altLang="en-US" sz="2200"/>
+              <a:t>ストップウオッチ停止</a:t>
+            </a:r>
+            <a:endParaRPr lang="en-US" altLang="ja-JP" sz="2200"/>
+          </a:p>
+          <a:p>
+            <a:pPr marL="502920" lvl="1" indent="0">
+              <a:buNone/>
+            </a:pPr>
+            <a:r>
+              <a:rPr lang="en-US" altLang="ja-JP" sz="2200" err="1"/>
+              <a:t>Count_min,count_sec</a:t>
+            </a:r>
+            <a:r>
+              <a:rPr lang="en-US" altLang="ja-JP" sz="2200"/>
+              <a:t>=0:</a:t>
+            </a:r>
+            <a:r>
+              <a:rPr lang="ja-JP" altLang="en-US" sz="2200"/>
+              <a:t>計測時間リセット</a:t>
+            </a:r>
+            <a:endParaRPr lang="en-US" altLang="ja-JP" sz="2200"/>
+          </a:p>
+          <a:p>
+            <a:pPr marL="502920" lvl="1" indent="0">
+              <a:buNone/>
+            </a:pPr>
+            <a:endParaRPr lang="en-US" altLang="ja-JP" sz="2200"/>
+          </a:p>
+          <a:p>
+            <a:r>
+              <a:rPr lang="ja-JP" altLang="en-US" sz="2400"/>
+              <a:t>コマンドプロンプトに経過を出力</a:t>
+            </a:r>
+            <a:endParaRPr lang="en-US" altLang="ja-JP" sz="2400"/>
+          </a:p>
+          <a:p>
+            <a:pPr marL="502920" lvl="1" indent="0">
+              <a:buNone/>
+            </a:pPr>
+            <a:endParaRPr lang="en-US" altLang="ja-JP" sz="2200"/>
+          </a:p>
+          <a:p>
+            <a:pPr marL="502920" lvl="1" indent="0">
+              <a:buNone/>
+            </a:pPr>
+            <a:endParaRPr lang="en-US" altLang="ja-JP" sz="2200"/>
+          </a:p>
+        </p:txBody>
+      </p:sp>
+      <p:sp>
+        <p:nvSpPr>
+          <p:cNvPr id="4" name="テキスト ボックス 3">
+            <a:extLst>
+              <a:ext uri="{FF2B5EF4-FFF2-40B4-BE49-F238E27FC236}">
+                <a16:creationId xmlns:a16="http://schemas.microsoft.com/office/drawing/2014/main" id="{133D5EC3-041F-B140-12FF-C5BC01120BA0}"/>
+              </a:ext>
+            </a:extLst>
+          </p:cNvPr>
+          <p:cNvSpPr txBox="1"/>
+          <p:nvPr/>
+        </p:nvSpPr>
+        <p:spPr>
+          <a:xfrm>
+            <a:off x="7108371" y="5540354"/>
+            <a:ext cx="4339650" cy="369332"/>
+          </a:xfrm>
+          <a:prstGeom prst="rect">
+            <a:avLst/>
+          </a:prstGeom>
+          <a:noFill/>
+        </p:spPr>
+        <p:txBody>
+          <a:bodyPr wrap="none" rtlCol="0">
+            <a:spAutoFit/>
+          </a:bodyPr>
+          <a:lstStyle/>
+          <a:p>
+            <a:r>
+              <a:rPr kumimoji="1" lang="en-US" altLang="ja-JP"/>
+              <a:t>※</a:t>
+            </a:r>
+            <a:r>
+              <a:rPr kumimoji="1" lang="ja-JP" altLang="en-US"/>
+              <a:t>後ほど実際の画面を通じて説明します</a:t>
+            </a:r>
+          </a:p>
+        </p:txBody>
+      </p:sp>
+    </p:spTree>
+    <p:extLst>
+      <p:ext uri="{BB962C8B-B14F-4D97-AF65-F5344CB8AC3E}">
+        <p14:creationId xmlns:p14="http://schemas.microsoft.com/office/powerpoint/2010/main" val="3344436348"/>
+      </p:ext>
+    </p:extLst>
+  </p:cSld>
+  <p:clrMapOvr>
+    <a:masterClrMapping/>
+  </p:clrMapOvr>
+</p:sld>
+</file>
+
+<file path=ppt/slides/slide11.xml><?xml version="1.0" encoding="utf-8"?>
+<p:sld xmlns:a="http://schemas.openxmlformats.org/drawingml/2006/main" xmlns:r="http://schemas.openxmlformats.org/officeDocument/2006/relationships" xmlns:p="http://schemas.openxmlformats.org/presentationml/2006/main">
+  <p:cSld>
+    <p:spTree>
+      <p:nvGrpSpPr>
+        <p:cNvPr id="1" name=""/>
+        <p:cNvGrpSpPr/>
+        <p:nvPr/>
+      </p:nvGrpSpPr>
+      <p:grpSpPr>
+        <a:xfrm>
+          <a:off x="0" y="0"/>
+          <a:ext cx="0" cy="0"/>
+          <a:chOff x="0" y="0"/>
+          <a:chExt cx="0" cy="0"/>
+        </a:xfrm>
+      </p:grpSpPr>
       <p:sp>
         <p:nvSpPr>
           <p:cNvPr id="4" name="タイトル 1">
@@ -9450,12 +13344,405 @@
           <a:lstStyle/>
           <a:p>
             <a:r>
-              <a:rPr kumimoji="1" lang="ja-JP" altLang="en-US" dirty="0"/>
+              <a:rPr kumimoji="1" lang="ja-JP" altLang="en-US"/>
               <a:t>状態遷移図</a:t>
             </a:r>
           </a:p>
         </p:txBody>
       </p:sp>
+      <p:grpSp>
+        <p:nvGrpSpPr>
+          <p:cNvPr id="12" name="グループ化 11">
+            <a:extLst>
+              <a:ext uri="{FF2B5EF4-FFF2-40B4-BE49-F238E27FC236}">
+                <a16:creationId xmlns:a16="http://schemas.microsoft.com/office/drawing/2014/main" id="{D4EB0D09-02D9-2225-6B0D-4A68C2DB3ED1}"/>
+              </a:ext>
+            </a:extLst>
+          </p:cNvPr>
+          <p:cNvGrpSpPr/>
+          <p:nvPr/>
+        </p:nvGrpSpPr>
+        <p:grpSpPr>
+          <a:xfrm>
+            <a:off x="4321339" y="707572"/>
+            <a:ext cx="7217229" cy="5866053"/>
+            <a:chOff x="4321339" y="707572"/>
+            <a:chExt cx="7217229" cy="5866053"/>
+          </a:xfrm>
+        </p:grpSpPr>
+        <p:graphicFrame>
+          <p:nvGraphicFramePr>
+            <p:cNvPr id="7" name="図表 6">
+              <a:extLst>
+                <a:ext uri="{FF2B5EF4-FFF2-40B4-BE49-F238E27FC236}">
+                  <a16:creationId xmlns:a16="http://schemas.microsoft.com/office/drawing/2014/main" id="{4E224B72-27CD-3CFA-2925-1BC4809E4DF5}"/>
+                </a:ext>
+              </a:extLst>
+            </p:cNvPr>
+            <p:cNvGraphicFramePr/>
+            <p:nvPr>
+              <p:extLst>
+                <p:ext uri="{D42A27DB-BD31-4B8C-83A1-F6EECF244321}">
+                  <p14:modId xmlns:p14="http://schemas.microsoft.com/office/powerpoint/2010/main" val="1420612903"/>
+                </p:ext>
+              </p:extLst>
+            </p:nvPr>
+          </p:nvGraphicFramePr>
+          <p:xfrm>
+            <a:off x="4321339" y="707572"/>
+            <a:ext cx="7217229" cy="5464628"/>
+          </p:xfrm>
+          <a:graphic>
+            <a:graphicData uri="http://schemas.openxmlformats.org/drawingml/2006/diagram">
+              <dgm:relIds xmlns:dgm="http://schemas.openxmlformats.org/drawingml/2006/diagram" xmlns:r="http://schemas.openxmlformats.org/officeDocument/2006/relationships" r:dm="rId2" r:lo="rId3" r:qs="rId4" r:cs="rId5"/>
+            </a:graphicData>
+          </a:graphic>
+        </p:graphicFrame>
+        <p:sp>
+          <p:nvSpPr>
+            <p:cNvPr id="5" name="矢印: 環状 4">
+              <a:extLst>
+                <a:ext uri="{FF2B5EF4-FFF2-40B4-BE49-F238E27FC236}">
+                  <a16:creationId xmlns:a16="http://schemas.microsoft.com/office/drawing/2014/main" id="{BCAE3668-9828-43FA-AD9A-88D255A69839}"/>
+                </a:ext>
+              </a:extLst>
+            </p:cNvPr>
+            <p:cNvSpPr/>
+            <p:nvPr/>
+          </p:nvSpPr>
+          <p:spPr>
+            <a:xfrm>
+              <a:off x="6558521" y="2789612"/>
+              <a:ext cx="2433080" cy="2118073"/>
+            </a:xfrm>
+            <a:prstGeom prst="circularArrow">
+              <a:avLst/>
+            </a:prstGeom>
+            <a:solidFill>
+              <a:srgbClr val="FDE6CB"/>
+            </a:solidFill>
+            <a:ln>
+              <a:solidFill>
+                <a:schemeClr val="bg1"/>
+              </a:solidFill>
+            </a:ln>
+          </p:spPr>
+          <p:style>
+            <a:lnRef idx="2">
+              <a:schemeClr val="accent1">
+                <a:shade val="50000"/>
+              </a:schemeClr>
+            </a:lnRef>
+            <a:fillRef idx="1">
+              <a:schemeClr val="accent1"/>
+            </a:fillRef>
+            <a:effectRef idx="0">
+              <a:schemeClr val="accent1"/>
+            </a:effectRef>
+            <a:fontRef idx="minor">
+              <a:schemeClr val="lt1"/>
+            </a:fontRef>
+          </p:style>
+          <p:txBody>
+            <a:bodyPr rtlCol="0" anchor="ctr"/>
+            <a:lstStyle/>
+            <a:p>
+              <a:pPr algn="ctr"/>
+              <a:endParaRPr kumimoji="1" lang="ja-JP" altLang="en-US">
+                <a:solidFill>
+                  <a:schemeClr val="tx1"/>
+                </a:solidFill>
+              </a:endParaRPr>
+            </a:p>
+          </p:txBody>
+        </p:sp>
+        <p:sp>
+          <p:nvSpPr>
+            <p:cNvPr id="8" name="テキスト ボックス 7">
+              <a:extLst>
+                <a:ext uri="{FF2B5EF4-FFF2-40B4-BE49-F238E27FC236}">
+                  <a16:creationId xmlns:a16="http://schemas.microsoft.com/office/drawing/2014/main" id="{8D5CEAAB-EA26-491F-F2CF-62145D82C795}"/>
+                </a:ext>
+              </a:extLst>
+            </p:cNvPr>
+            <p:cNvSpPr txBox="1"/>
+            <p:nvPr/>
+          </p:nvSpPr>
+          <p:spPr>
+            <a:xfrm>
+              <a:off x="8775905" y="5333317"/>
+              <a:ext cx="2031838" cy="461665"/>
+            </a:xfrm>
+            <a:prstGeom prst="rect">
+              <a:avLst/>
+            </a:prstGeom>
+            <a:noFill/>
+          </p:spPr>
+          <p:txBody>
+            <a:bodyPr wrap="square" rtlCol="0">
+              <a:spAutoFit/>
+            </a:bodyPr>
+            <a:lstStyle/>
+            <a:p>
+              <a:r>
+                <a:rPr kumimoji="1" lang="en-US" altLang="ja-JP" sz="2400" err="1"/>
+                <a:t>System_key</a:t>
+              </a:r>
+              <a:r>
+                <a:rPr kumimoji="1" lang="en-US" altLang="ja-JP" sz="2400"/>
+                <a:t>=1</a:t>
+              </a:r>
+              <a:endParaRPr kumimoji="1" lang="ja-JP" altLang="en-US" sz="2400"/>
+            </a:p>
+          </p:txBody>
+        </p:sp>
+        <p:sp>
+          <p:nvSpPr>
+            <p:cNvPr id="9" name="テキスト ボックス 8">
+              <a:extLst>
+                <a:ext uri="{FF2B5EF4-FFF2-40B4-BE49-F238E27FC236}">
+                  <a16:creationId xmlns:a16="http://schemas.microsoft.com/office/drawing/2014/main" id="{3B65950F-DDDE-455A-73E0-87CA76411D80}"/>
+                </a:ext>
+              </a:extLst>
+            </p:cNvPr>
+            <p:cNvSpPr txBox="1"/>
+            <p:nvPr/>
+          </p:nvSpPr>
+          <p:spPr>
+            <a:xfrm>
+              <a:off x="5069661" y="5333317"/>
+              <a:ext cx="2052678" cy="461665"/>
+            </a:xfrm>
+            <a:prstGeom prst="rect">
+              <a:avLst/>
+            </a:prstGeom>
+            <a:noFill/>
+          </p:spPr>
+          <p:txBody>
+            <a:bodyPr wrap="none" rtlCol="0">
+              <a:spAutoFit/>
+            </a:bodyPr>
+            <a:lstStyle/>
+            <a:p>
+              <a:r>
+                <a:rPr kumimoji="1" lang="en-US" altLang="ja-JP" sz="2400" err="1"/>
+                <a:t>System_key</a:t>
+              </a:r>
+              <a:r>
+                <a:rPr kumimoji="1" lang="en-US" altLang="ja-JP" sz="2400"/>
+                <a:t>=0</a:t>
+              </a:r>
+              <a:endParaRPr kumimoji="1" lang="ja-JP" altLang="en-US" sz="2400"/>
+            </a:p>
+          </p:txBody>
+        </p:sp>
+        <p:sp>
+          <p:nvSpPr>
+            <p:cNvPr id="10" name="テキスト ボックス 9">
+              <a:extLst>
+                <a:ext uri="{FF2B5EF4-FFF2-40B4-BE49-F238E27FC236}">
+                  <a16:creationId xmlns:a16="http://schemas.microsoft.com/office/drawing/2014/main" id="{7AF14547-D451-E498-9C79-4133464E78CD}"/>
+                </a:ext>
+              </a:extLst>
+            </p:cNvPr>
+            <p:cNvSpPr txBox="1"/>
+            <p:nvPr/>
+          </p:nvSpPr>
+          <p:spPr>
+            <a:xfrm>
+              <a:off x="9600189" y="2962763"/>
+              <a:ext cx="1572866" cy="461665"/>
+            </a:xfrm>
+            <a:prstGeom prst="rect">
+              <a:avLst/>
+            </a:prstGeom>
+            <a:noFill/>
+          </p:spPr>
+          <p:txBody>
+            <a:bodyPr wrap="none" rtlCol="0">
+              <a:spAutoFit/>
+            </a:bodyPr>
+            <a:lstStyle/>
+            <a:p>
+              <a:r>
+                <a:rPr kumimoji="1" lang="en-US" altLang="ja-JP" sz="2400"/>
+                <a:t>Space</a:t>
+              </a:r>
+              <a:r>
+                <a:rPr kumimoji="1" lang="ja-JP" altLang="en-US" sz="2400"/>
+                <a:t>キー</a:t>
+              </a:r>
+            </a:p>
+          </p:txBody>
+        </p:sp>
+        <p:sp>
+          <p:nvSpPr>
+            <p:cNvPr id="11" name="テキスト ボックス 10">
+              <a:extLst>
+                <a:ext uri="{FF2B5EF4-FFF2-40B4-BE49-F238E27FC236}">
+                  <a16:creationId xmlns:a16="http://schemas.microsoft.com/office/drawing/2014/main" id="{C4A4E2D7-2CCA-D1B3-E1E1-6B0DC38D536A}"/>
+                </a:ext>
+              </a:extLst>
+            </p:cNvPr>
+            <p:cNvSpPr txBox="1"/>
+            <p:nvPr/>
+          </p:nvSpPr>
+          <p:spPr>
+            <a:xfrm>
+              <a:off x="6973601" y="1996895"/>
+              <a:ext cx="1912703" cy="830997"/>
+            </a:xfrm>
+            <a:prstGeom prst="rect">
+              <a:avLst/>
+            </a:prstGeom>
+            <a:noFill/>
+          </p:spPr>
+          <p:txBody>
+            <a:bodyPr wrap="none" rtlCol="0">
+              <a:spAutoFit/>
+            </a:bodyPr>
+            <a:lstStyle/>
+            <a:p>
+              <a:r>
+                <a:rPr kumimoji="1" lang="en-US" altLang="ja-JP" sz="2400" err="1"/>
+                <a:t>Count_min</a:t>
+              </a:r>
+              <a:r>
+                <a:rPr kumimoji="1" lang="en-US" altLang="ja-JP" sz="2400"/>
+                <a:t>=0</a:t>
+              </a:r>
+            </a:p>
+            <a:p>
+              <a:r>
+                <a:rPr kumimoji="1" lang="en-US" altLang="ja-JP" sz="2400" err="1"/>
+                <a:t>Count_sec</a:t>
+              </a:r>
+              <a:r>
+                <a:rPr kumimoji="1" lang="en-US" altLang="ja-JP" sz="2400"/>
+                <a:t>=0</a:t>
+              </a:r>
+              <a:endParaRPr kumimoji="1" lang="ja-JP" altLang="en-US" sz="2400"/>
+            </a:p>
+          </p:txBody>
+        </p:sp>
+        <p:sp>
+          <p:nvSpPr>
+            <p:cNvPr id="2" name="テキスト ボックス 1">
+              <a:extLst>
+                <a:ext uri="{FF2B5EF4-FFF2-40B4-BE49-F238E27FC236}">
+                  <a16:creationId xmlns:a16="http://schemas.microsoft.com/office/drawing/2014/main" id="{0DA187D8-D021-882E-A694-84E5BE4E73A9}"/>
+                </a:ext>
+              </a:extLst>
+            </p:cNvPr>
+            <p:cNvSpPr txBox="1"/>
+            <p:nvPr/>
+          </p:nvSpPr>
+          <p:spPr>
+            <a:xfrm>
+              <a:off x="7143519" y="6111960"/>
+              <a:ext cx="1572866" cy="461665"/>
+            </a:xfrm>
+            <a:prstGeom prst="rect">
+              <a:avLst/>
+            </a:prstGeom>
+            <a:noFill/>
+          </p:spPr>
+          <p:txBody>
+            <a:bodyPr wrap="none" rtlCol="0">
+              <a:spAutoFit/>
+            </a:bodyPr>
+            <a:lstStyle/>
+            <a:p>
+              <a:r>
+                <a:rPr kumimoji="1" lang="en-US" altLang="ja-JP" sz="2400"/>
+                <a:t>Space</a:t>
+              </a:r>
+              <a:r>
+                <a:rPr kumimoji="1" lang="ja-JP" altLang="en-US" sz="2400"/>
+                <a:t>キー</a:t>
+              </a:r>
+            </a:p>
+          </p:txBody>
+        </p:sp>
+        <p:sp>
+          <p:nvSpPr>
+            <p:cNvPr id="3" name="テキスト ボックス 2">
+              <a:extLst>
+                <a:ext uri="{FF2B5EF4-FFF2-40B4-BE49-F238E27FC236}">
+                  <a16:creationId xmlns:a16="http://schemas.microsoft.com/office/drawing/2014/main" id="{7770E8C5-6EEE-EE7F-DD82-0D2538634896}"/>
+                </a:ext>
+              </a:extLst>
+            </p:cNvPr>
+            <p:cNvSpPr txBox="1"/>
+            <p:nvPr/>
+          </p:nvSpPr>
+          <p:spPr>
+            <a:xfrm>
+              <a:off x="7122339" y="2978221"/>
+              <a:ext cx="1572866" cy="461665"/>
+            </a:xfrm>
+            <a:prstGeom prst="rect">
+              <a:avLst/>
+            </a:prstGeom>
+            <a:noFill/>
+          </p:spPr>
+          <p:txBody>
+            <a:bodyPr wrap="none" rtlCol="0">
+              <a:spAutoFit/>
+            </a:bodyPr>
+            <a:lstStyle/>
+            <a:p>
+              <a:r>
+                <a:rPr kumimoji="1" lang="en-US" altLang="ja-JP" sz="2400"/>
+                <a:t>Space</a:t>
+              </a:r>
+              <a:r>
+                <a:rPr kumimoji="1" lang="ja-JP" altLang="en-US" sz="2400"/>
+                <a:t>キー</a:t>
+              </a:r>
+            </a:p>
+          </p:txBody>
+        </p:sp>
+        <p:sp>
+          <p:nvSpPr>
+            <p:cNvPr id="6" name="テキスト ボックス 5">
+              <a:extLst>
+                <a:ext uri="{FF2B5EF4-FFF2-40B4-BE49-F238E27FC236}">
+                  <a16:creationId xmlns:a16="http://schemas.microsoft.com/office/drawing/2014/main" id="{EE197F5D-168F-0285-0810-5E68541A8FBE}"/>
+                </a:ext>
+              </a:extLst>
+            </p:cNvPr>
+            <p:cNvSpPr txBox="1"/>
+            <p:nvPr/>
+          </p:nvSpPr>
+          <p:spPr>
+            <a:xfrm>
+              <a:off x="5373801" y="2962762"/>
+              <a:ext cx="902811" cy="461665"/>
+            </a:xfrm>
+            <a:prstGeom prst="rect">
+              <a:avLst/>
+            </a:prstGeom>
+            <a:noFill/>
+          </p:spPr>
+          <p:txBody>
+            <a:bodyPr wrap="none" rtlCol="0">
+              <a:spAutoFit/>
+            </a:bodyPr>
+            <a:lstStyle/>
+            <a:p>
+              <a:r>
+                <a:rPr kumimoji="1" lang="en-US" altLang="ja-JP" sz="2400"/>
+                <a:t>r</a:t>
+              </a:r>
+              <a:r>
+                <a:rPr kumimoji="1" lang="ja-JP" altLang="en-US" sz="2400"/>
+                <a:t>キー</a:t>
+              </a:r>
+            </a:p>
+          </p:txBody>
+        </p:sp>
+      </p:grpSp>
     </p:spTree>
     <p:extLst>
       <p:ext uri="{BB962C8B-B14F-4D97-AF65-F5344CB8AC3E}">
@@ -9469,7 +13756,300 @@
 </p:sld>
 </file>
 
-<file path=ppt/slides/slide11.xml><?xml version="1.0" encoding="utf-8"?>
+<file path=ppt/slides/slide12.xml><?xml version="1.0" encoding="utf-8"?>
+<p:sld xmlns:a="http://schemas.openxmlformats.org/drawingml/2006/main" xmlns:r="http://schemas.openxmlformats.org/officeDocument/2006/relationships" xmlns:p="http://schemas.openxmlformats.org/presentationml/2006/main">
+  <p:cSld>
+    <p:bg>
+      <p:bgPr>
+        <a:solidFill>
+          <a:schemeClr val="bg1"/>
+        </a:solidFill>
+        <a:effectLst/>
+      </p:bgPr>
+    </p:bg>
+    <p:spTree>
+      <p:nvGrpSpPr>
+        <p:cNvPr id="1" name=""/>
+        <p:cNvGrpSpPr/>
+        <p:nvPr/>
+      </p:nvGrpSpPr>
+      <p:grpSpPr>
+        <a:xfrm>
+          <a:off x="0" y="0"/>
+          <a:ext cx="0" cy="0"/>
+          <a:chOff x="0" y="0"/>
+          <a:chExt cx="0" cy="0"/>
+        </a:xfrm>
+      </p:grpSpPr>
+      <p:sp>
+        <p:nvSpPr>
+          <p:cNvPr id="8" name="Rectangle 7">
+            <a:extLst>
+              <a:ext uri="{FF2B5EF4-FFF2-40B4-BE49-F238E27FC236}">
+                <a16:creationId xmlns:a16="http://schemas.microsoft.com/office/drawing/2014/main" id="{17115F77-2FAE-4CA7-9A7F-10D5F2C8F831}"/>
+              </a:ext>
+              <a:ext uri="{C183D7F6-B498-43B3-948B-1728B52AA6E4}">
+                <adec:decorative xmlns:adec="http://schemas.microsoft.com/office/drawing/2017/decorative" val="1"/>
+              </a:ext>
+            </a:extLst>
+          </p:cNvPr>
+          <p:cNvSpPr>
+            <a:spLocks noGrp="1" noRot="1" noChangeAspect="1" noMove="1" noResize="1" noEditPoints="1" noAdjustHandles="1" noChangeArrowheads="1" noChangeShapeType="1" noTextEdit="1"/>
+          </p:cNvSpPr>
+          <p:nvPr>
+            <p:extLst>
+              <p:ext uri="{386F3935-93C4-4BCD-93E2-E3B085C9AB24}">
+                <p16:designElem xmlns:p16="http://schemas.microsoft.com/office/powerpoint/2015/main" val="1"/>
+              </p:ext>
+            </p:extLst>
+          </p:nvPr>
+        </p:nvSpPr>
+        <p:spPr>
+          <a:xfrm>
+            <a:off x="0" y="761999"/>
+            <a:ext cx="9141619" cy="5334001"/>
+          </a:xfrm>
+          <a:prstGeom prst="rect">
+            <a:avLst/>
+          </a:prstGeom>
+          <a:solidFill>
+            <a:schemeClr val="accent1"/>
+          </a:solidFill>
+          <a:ln>
+            <a:noFill/>
+          </a:ln>
+        </p:spPr>
+        <p:style>
+          <a:lnRef idx="2">
+            <a:schemeClr val="accent1">
+              <a:shade val="50000"/>
+            </a:schemeClr>
+          </a:lnRef>
+          <a:fillRef idx="1">
+            <a:schemeClr val="accent1"/>
+          </a:fillRef>
+          <a:effectRef idx="0">
+            <a:schemeClr val="accent1"/>
+          </a:effectRef>
+          <a:fontRef idx="minor">
+            <a:schemeClr val="lt1"/>
+          </a:fontRef>
+        </p:style>
+      </p:sp>
+      <p:sp>
+        <p:nvSpPr>
+          <p:cNvPr id="10" name="Rectangle 9">
+            <a:extLst>
+              <a:ext uri="{FF2B5EF4-FFF2-40B4-BE49-F238E27FC236}">
+                <a16:creationId xmlns:a16="http://schemas.microsoft.com/office/drawing/2014/main" id="{5CD4C046-A04C-46CC-AFA3-6B0621F628C8}"/>
+              </a:ext>
+              <a:ext uri="{C183D7F6-B498-43B3-948B-1728B52AA6E4}">
+                <adec:decorative xmlns:adec="http://schemas.microsoft.com/office/drawing/2017/decorative" val="1"/>
+              </a:ext>
+            </a:extLst>
+          </p:cNvPr>
+          <p:cNvSpPr>
+            <a:spLocks noGrp="1" noRot="1" noChangeAspect="1" noMove="1" noResize="1" noEditPoints="1" noAdjustHandles="1" noChangeArrowheads="1" noChangeShapeType="1" noTextEdit="1"/>
+          </p:cNvSpPr>
+          <p:nvPr>
+            <p:extLst>
+              <p:ext uri="{386F3935-93C4-4BCD-93E2-E3B085C9AB24}">
+                <p16:designElem xmlns:p16="http://schemas.microsoft.com/office/powerpoint/2015/main" val="1"/>
+              </p:ext>
+            </p:extLst>
+          </p:nvPr>
+        </p:nvSpPr>
+        <p:spPr>
+          <a:xfrm>
+            <a:off x="9270263" y="761999"/>
+            <a:ext cx="2925318" cy="5334001"/>
+          </a:xfrm>
+          <a:prstGeom prst="rect">
+            <a:avLst/>
+          </a:prstGeom>
+          <a:solidFill>
+            <a:srgbClr val="C8C8C8">
+              <a:alpha val="49804"/>
+            </a:srgbClr>
+          </a:solidFill>
+          <a:ln>
+            <a:noFill/>
+          </a:ln>
+        </p:spPr>
+        <p:style>
+          <a:lnRef idx="2">
+            <a:schemeClr val="accent1">
+              <a:shade val="50000"/>
+            </a:schemeClr>
+          </a:lnRef>
+          <a:fillRef idx="1">
+            <a:schemeClr val="accent1"/>
+          </a:fillRef>
+          <a:effectRef idx="0">
+            <a:schemeClr val="accent1"/>
+          </a:effectRef>
+          <a:fontRef idx="minor">
+            <a:schemeClr val="lt1"/>
+          </a:fontRef>
+        </p:style>
+      </p:sp>
+      <p:sp useBgFill="1">
+        <p:nvSpPr>
+          <p:cNvPr id="12" name="Rectangle 11">
+            <a:extLst>
+              <a:ext uri="{FF2B5EF4-FFF2-40B4-BE49-F238E27FC236}">
+                <a16:creationId xmlns:a16="http://schemas.microsoft.com/office/drawing/2014/main" id="{BC512124-0D13-4ED9-80B7-52AE15B6B41F}"/>
+              </a:ext>
+              <a:ext uri="{C183D7F6-B498-43B3-948B-1728B52AA6E4}">
+                <adec:decorative xmlns:adec="http://schemas.microsoft.com/office/drawing/2017/decorative" val="1"/>
+              </a:ext>
+            </a:extLst>
+          </p:cNvPr>
+          <p:cNvSpPr>
+            <a:spLocks noGrp="1" noRot="1" noChangeAspect="1" noMove="1" noResize="1" noEditPoints="1" noAdjustHandles="1" noChangeArrowheads="1" noChangeShapeType="1" noTextEdit="1"/>
+          </p:cNvSpPr>
+          <p:nvPr>
+            <p:extLst>
+              <p:ext uri="{386F3935-93C4-4BCD-93E2-E3B085C9AB24}">
+                <p16:designElem xmlns:p16="http://schemas.microsoft.com/office/powerpoint/2015/main" val="1"/>
+              </p:ext>
+            </p:extLst>
+          </p:nvPr>
+        </p:nvSpPr>
+        <p:spPr>
+          <a:xfrm>
+            <a:off x="0" y="0"/>
+            <a:ext cx="12192000" cy="6858000"/>
+          </a:xfrm>
+          <a:prstGeom prst="rect">
+            <a:avLst/>
+          </a:prstGeom>
+          <a:ln>
+            <a:noFill/>
+          </a:ln>
+        </p:spPr>
+        <p:style>
+          <a:lnRef idx="2">
+            <a:schemeClr val="accent1">
+              <a:shade val="50000"/>
+            </a:schemeClr>
+          </a:lnRef>
+          <a:fillRef idx="1">
+            <a:schemeClr val="accent1"/>
+          </a:fillRef>
+          <a:effectRef idx="0">
+            <a:schemeClr val="accent1"/>
+          </a:effectRef>
+          <a:fontRef idx="minor">
+            <a:schemeClr val="lt1"/>
+          </a:fontRef>
+        </p:style>
+        <p:txBody>
+          <a:bodyPr rtlCol="0" anchor="ctr"/>
+          <a:lstStyle/>
+          <a:p>
+            <a:pPr algn="ctr"/>
+            <a:endParaRPr lang="en-US"/>
+          </a:p>
+        </p:txBody>
+      </p:sp>
+      <p:pic>
+        <p:nvPicPr>
+          <p:cNvPr id="4" name="Picture 3" descr="目が光っている&#10;&#10;低い精度で自動的に生成された説明">
+            <a:extLst>
+              <a:ext uri="{FF2B5EF4-FFF2-40B4-BE49-F238E27FC236}">
+                <a16:creationId xmlns:a16="http://schemas.microsoft.com/office/drawing/2014/main" id="{B3AF4CB2-A6A8-FC6F-C82D-D8F5A6166657}"/>
+              </a:ext>
+            </a:extLst>
+          </p:cNvPr>
+          <p:cNvPicPr>
+            <a:picLocks noChangeAspect="1"/>
+          </p:cNvPicPr>
+          <p:nvPr/>
+        </p:nvPicPr>
+        <p:blipFill rotWithShape="1">
+          <a:blip r:embed="rId2">
+            <a:alphaModFix amt="35000"/>
+          </a:blip>
+          <a:srcRect t="1815" b="14230"/>
+          <a:stretch/>
+        </p:blipFill>
+        <p:spPr>
+          <a:xfrm>
+            <a:off x="20" y="10"/>
+            <a:ext cx="12191980" cy="6857990"/>
+          </a:xfrm>
+          <a:prstGeom prst="rect">
+            <a:avLst/>
+          </a:prstGeom>
+        </p:spPr>
+      </p:pic>
+      <p:sp>
+        <p:nvSpPr>
+          <p:cNvPr id="2" name="タイトル 1">
+            <a:extLst>
+              <a:ext uri="{FF2B5EF4-FFF2-40B4-BE49-F238E27FC236}">
+                <a16:creationId xmlns:a16="http://schemas.microsoft.com/office/drawing/2014/main" id="{BF06F0F0-004C-5476-314C-4D14113D3F10}"/>
+              </a:ext>
+            </a:extLst>
+          </p:cNvPr>
+          <p:cNvSpPr>
+            <a:spLocks noGrp="1"/>
+          </p:cNvSpPr>
+          <p:nvPr>
+            <p:ph type="title"/>
+          </p:nvPr>
+        </p:nvSpPr>
+        <p:spPr>
+          <a:xfrm>
+            <a:off x="1069848" y="1298448"/>
+            <a:ext cx="7315200" cy="3255264"/>
+          </a:xfrm>
+        </p:spPr>
+        <p:txBody>
+          <a:bodyPr vert="horz" lIns="91440" tIns="45720" rIns="91440" bIns="45720" rtlCol="0" anchor="b">
+            <a:normAutofit/>
+          </a:bodyPr>
+          <a:lstStyle/>
+          <a:p>
+            <a:r>
+              <a:rPr lang="en-US" altLang="ja-JP" sz="5900" spc="-100">
+                <a:solidFill>
+                  <a:schemeClr val="tx1"/>
+                </a:solidFill>
+              </a:rPr>
+              <a:t>4,</a:t>
+            </a:r>
+            <a:r>
+              <a:rPr lang="ja-JP" altLang="en-US" sz="5900" spc="-100">
+                <a:solidFill>
+                  <a:schemeClr val="tx1"/>
+                </a:solidFill>
+              </a:rPr>
+              <a:t>作成物のポイント</a:t>
+            </a:r>
+            <a:endParaRPr kumimoji="1" lang="en-US" altLang="ja-JP" sz="5900" spc="-100">
+              <a:solidFill>
+                <a:schemeClr val="tx1"/>
+              </a:solidFill>
+            </a:endParaRPr>
+          </a:p>
+        </p:txBody>
+      </p:sp>
+    </p:spTree>
+    <p:extLst>
+      <p:ext uri="{BB962C8B-B14F-4D97-AF65-F5344CB8AC3E}">
+        <p14:creationId xmlns:p14="http://schemas.microsoft.com/office/powerpoint/2010/main" val="4283973667"/>
+      </p:ext>
+    </p:extLst>
+  </p:cSld>
+  <p:clrMapOvr>
+    <a:overrideClrMapping bg1="dk1" tx1="lt1" bg2="dk2" tx2="lt2" accent1="accent1" accent2="accent2" accent3="accent3" accent4="accent4" accent5="accent5" accent6="accent6" hlink="hlink" folHlink="folHlink"/>
+  </p:clrMapOvr>
+</p:sld>
+</file>
+
+<file path=ppt/slides/slide13.xml><?xml version="1.0" encoding="utf-8"?>
 <p:sld xmlns:a="http://schemas.openxmlformats.org/drawingml/2006/main" xmlns:r="http://schemas.openxmlformats.org/officeDocument/2006/relationships" xmlns:p="http://schemas.openxmlformats.org/presentationml/2006/main">
   <p:cSld>
     <p:spTree>
@@ -9513,14 +14093,14 @@
           <a:lstStyle/>
           <a:p>
             <a:r>
-              <a:rPr lang="en-US" altLang="ja-JP" dirty="0"/>
-              <a:t>4,</a:t>
-            </a:r>
-            <a:r>
-              <a:rPr lang="ja-JP" altLang="en-US" dirty="0"/>
-              <a:t>作成物のポイント</a:t>
-            </a:r>
-            <a:endParaRPr kumimoji="1" lang="ja-JP" altLang="en-US" dirty="0"/>
+              <a:rPr lang="ja-JP" altLang="en-US"/>
+              <a:t>ポイント</a:t>
+            </a:r>
+            <a:r>
+              <a:rPr lang="en-US" altLang="ja-JP"/>
+              <a:t>1</a:t>
+            </a:r>
+            <a:endParaRPr kumimoji="1" lang="ja-JP" altLang="en-US"/>
           </a:p>
         </p:txBody>
       </p:sp>
@@ -9542,13 +14122,122 @@
         </p:nvSpPr>
         <p:spPr/>
         <p:txBody>
-          <a:bodyPr/>
+          <a:bodyPr>
+            <a:normAutofit/>
+          </a:bodyPr>
           <a:lstStyle/>
           <a:p>
             <a:r>
-              <a:rPr kumimoji="1" lang="ja-JP" altLang="en-US" dirty="0"/>
+              <a:rPr kumimoji="1" lang="ja-JP" altLang="en-US" sz="2400"/>
               <a:t>ストップウオッチの</a:t>
             </a:r>
+            <a:r>
+              <a:rPr kumimoji="1" lang="en-US" altLang="ja-JP" sz="2400"/>
+              <a:t>1</a:t>
+            </a:r>
+            <a:r>
+              <a:rPr kumimoji="1" lang="ja-JP" altLang="en-US" sz="2400"/>
+              <a:t>秒の間隔の表現</a:t>
+            </a:r>
+            <a:endParaRPr lang="en-US" altLang="ja-JP" sz="2400"/>
+          </a:p>
+          <a:p>
+            <a:pPr marL="502920" lvl="1" indent="0">
+              <a:buNone/>
+            </a:pPr>
+            <a:endParaRPr kumimoji="1" lang="en-US" altLang="ja-JP" sz="2200"/>
+          </a:p>
+          <a:p>
+            <a:pPr marL="502920" lvl="1" indent="0">
+              <a:buNone/>
+            </a:pPr>
+            <a:r>
+              <a:rPr kumimoji="1" lang="ja-JP" altLang="en-US" sz="2200"/>
+              <a:t>２パターンを想定</a:t>
+            </a:r>
+            <a:endParaRPr kumimoji="1" lang="en-US" altLang="ja-JP" sz="2200"/>
+          </a:p>
+          <a:p>
+            <a:pPr marL="502920" lvl="1" indent="0">
+              <a:buNone/>
+            </a:pPr>
+            <a:r>
+              <a:rPr lang="en-US" altLang="ja-JP" sz="2200"/>
+              <a:t>	</a:t>
+            </a:r>
+            <a:r>
+              <a:rPr lang="ja-JP" altLang="en-US" sz="2200"/>
+              <a:t>現在時刻との差で表現　←採用</a:t>
+            </a:r>
+            <a:endParaRPr lang="en-US" altLang="ja-JP" sz="2200"/>
+          </a:p>
+          <a:p>
+            <a:pPr marL="502920" lvl="1" indent="0">
+              <a:buNone/>
+            </a:pPr>
+            <a:r>
+              <a:rPr kumimoji="1" lang="en-US" altLang="ja-JP" sz="2200"/>
+              <a:t>	sleep</a:t>
+            </a:r>
+            <a:r>
+              <a:rPr kumimoji="1" lang="ja-JP" altLang="en-US" sz="2200"/>
+              <a:t>機能を用いた表現</a:t>
+            </a:r>
+            <a:endParaRPr kumimoji="1" lang="en-US" altLang="ja-JP" sz="2200"/>
+          </a:p>
+          <a:p>
+            <a:pPr marL="0" indent="0">
+              <a:buNone/>
+            </a:pPr>
+            <a:r>
+              <a:rPr lang="en-US" altLang="ja-JP" sz="2400"/>
+              <a:t>	</a:t>
+            </a:r>
+          </a:p>
+        </p:txBody>
+      </p:sp>
+      <p:sp>
+        <p:nvSpPr>
+          <p:cNvPr id="4" name="左中かっこ 3">
+            <a:extLst>
+              <a:ext uri="{FF2B5EF4-FFF2-40B4-BE49-F238E27FC236}">
+                <a16:creationId xmlns:a16="http://schemas.microsoft.com/office/drawing/2014/main" id="{5141C720-0CFC-9CF2-CA60-2333CB8705B6}"/>
+              </a:ext>
+            </a:extLst>
+          </p:cNvPr>
+          <p:cNvSpPr/>
+          <p:nvPr/>
+        </p:nvSpPr>
+        <p:spPr>
+          <a:xfrm>
+            <a:off x="4528457" y="3298371"/>
+            <a:ext cx="272143" cy="816429"/>
+          </a:xfrm>
+          <a:prstGeom prst="leftBrace">
+            <a:avLst/>
+          </a:prstGeom>
+          <a:ln w="19050"/>
+        </p:spPr>
+        <p:style>
+          <a:lnRef idx="1">
+            <a:schemeClr val="accent1"/>
+          </a:lnRef>
+          <a:fillRef idx="0">
+            <a:schemeClr val="accent1"/>
+          </a:fillRef>
+          <a:effectRef idx="0">
+            <a:schemeClr val="accent1"/>
+          </a:effectRef>
+          <a:fontRef idx="minor">
+            <a:schemeClr val="tx1"/>
+          </a:fontRef>
+        </p:style>
+        <p:txBody>
+          <a:bodyPr rtlCol="0" anchor="ctr"/>
+          <a:lstStyle/>
+          <a:p>
+            <a:pPr algn="ctr"/>
+            <a:endParaRPr kumimoji="1" lang="ja-JP" altLang="en-US"/>
           </a:p>
         </p:txBody>
       </p:sp>
@@ -9565,7 +14254,632 @@
 </p:sld>
 </file>
 
-<file path=ppt/slides/slide12.xml><?xml version="1.0" encoding="utf-8"?>
+<file path=ppt/slides/slide14.xml><?xml version="1.0" encoding="utf-8"?>
+<p:sld xmlns:a="http://schemas.openxmlformats.org/drawingml/2006/main" xmlns:r="http://schemas.openxmlformats.org/officeDocument/2006/relationships" xmlns:p="http://schemas.openxmlformats.org/presentationml/2006/main">
+  <p:cSld>
+    <p:spTree>
+      <p:nvGrpSpPr>
+        <p:cNvPr id="1" name=""/>
+        <p:cNvGrpSpPr/>
+        <p:nvPr/>
+      </p:nvGrpSpPr>
+      <p:grpSpPr>
+        <a:xfrm>
+          <a:off x="0" y="0"/>
+          <a:ext cx="0" cy="0"/>
+          <a:chOff x="0" y="0"/>
+          <a:chExt cx="0" cy="0"/>
+        </a:xfrm>
+      </p:grpSpPr>
+      <p:sp>
+        <p:nvSpPr>
+          <p:cNvPr id="4" name="正方形/長方形 3">
+            <a:extLst>
+              <a:ext uri="{FF2B5EF4-FFF2-40B4-BE49-F238E27FC236}">
+                <a16:creationId xmlns:a16="http://schemas.microsoft.com/office/drawing/2014/main" id="{EFEFAB54-6BEB-453E-014D-7593062113AA}"/>
+              </a:ext>
+            </a:extLst>
+          </p:cNvPr>
+          <p:cNvSpPr/>
+          <p:nvPr/>
+        </p:nvSpPr>
+        <p:spPr>
+          <a:xfrm>
+            <a:off x="4134554" y="4550229"/>
+            <a:ext cx="5867400" cy="794657"/>
+          </a:xfrm>
+          <a:prstGeom prst="rect">
+            <a:avLst/>
+          </a:prstGeom>
+        </p:spPr>
+        <p:style>
+          <a:lnRef idx="2">
+            <a:schemeClr val="accent1">
+              <a:shade val="50000"/>
+            </a:schemeClr>
+          </a:lnRef>
+          <a:fillRef idx="1">
+            <a:schemeClr val="accent1"/>
+          </a:fillRef>
+          <a:effectRef idx="0">
+            <a:schemeClr val="accent1"/>
+          </a:effectRef>
+          <a:fontRef idx="minor">
+            <a:schemeClr val="lt1"/>
+          </a:fontRef>
+        </p:style>
+        <p:txBody>
+          <a:bodyPr rtlCol="0" anchor="ctr"/>
+          <a:lstStyle/>
+          <a:p>
+            <a:pPr algn="ctr"/>
+            <a:endParaRPr kumimoji="1" lang="ja-JP" altLang="en-US"/>
+          </a:p>
+        </p:txBody>
+      </p:sp>
+      <p:sp>
+        <p:nvSpPr>
+          <p:cNvPr id="5" name="正方形/長方形 4">
+            <a:extLst>
+              <a:ext uri="{FF2B5EF4-FFF2-40B4-BE49-F238E27FC236}">
+                <a16:creationId xmlns:a16="http://schemas.microsoft.com/office/drawing/2014/main" id="{B5415842-D8CE-7544-2567-D2E1E06F5AC4}"/>
+              </a:ext>
+            </a:extLst>
+          </p:cNvPr>
+          <p:cNvSpPr/>
+          <p:nvPr/>
+        </p:nvSpPr>
+        <p:spPr>
+          <a:xfrm>
+            <a:off x="4994525" y="4550229"/>
+            <a:ext cx="1730829" cy="794657"/>
+          </a:xfrm>
+          <a:prstGeom prst="rect">
+            <a:avLst/>
+          </a:prstGeom>
+        </p:spPr>
+        <p:style>
+          <a:lnRef idx="2">
+            <a:schemeClr val="accent2">
+              <a:shade val="50000"/>
+            </a:schemeClr>
+          </a:lnRef>
+          <a:fillRef idx="1">
+            <a:schemeClr val="accent2"/>
+          </a:fillRef>
+          <a:effectRef idx="0">
+            <a:schemeClr val="accent2"/>
+          </a:effectRef>
+          <a:fontRef idx="minor">
+            <a:schemeClr val="lt1"/>
+          </a:fontRef>
+        </p:style>
+        <p:txBody>
+          <a:bodyPr rtlCol="0" anchor="ctr"/>
+          <a:lstStyle/>
+          <a:p>
+            <a:pPr algn="ctr"/>
+            <a:endParaRPr kumimoji="1" lang="ja-JP" altLang="en-US"/>
+          </a:p>
+        </p:txBody>
+      </p:sp>
+      <p:sp>
+        <p:nvSpPr>
+          <p:cNvPr id="6" name="正方形/長方形 5">
+            <a:extLst>
+              <a:ext uri="{FF2B5EF4-FFF2-40B4-BE49-F238E27FC236}">
+                <a16:creationId xmlns:a16="http://schemas.microsoft.com/office/drawing/2014/main" id="{669E51B2-59DB-3AAF-C731-CF4FBE44A778}"/>
+              </a:ext>
+            </a:extLst>
+          </p:cNvPr>
+          <p:cNvSpPr/>
+          <p:nvPr/>
+        </p:nvSpPr>
+        <p:spPr>
+          <a:xfrm>
+            <a:off x="7182554" y="4550228"/>
+            <a:ext cx="1730829" cy="794657"/>
+          </a:xfrm>
+          <a:prstGeom prst="rect">
+            <a:avLst/>
+          </a:prstGeom>
+        </p:spPr>
+        <p:style>
+          <a:lnRef idx="2">
+            <a:schemeClr val="accent2">
+              <a:shade val="50000"/>
+            </a:schemeClr>
+          </a:lnRef>
+          <a:fillRef idx="1">
+            <a:schemeClr val="accent2"/>
+          </a:fillRef>
+          <a:effectRef idx="0">
+            <a:schemeClr val="accent2"/>
+          </a:effectRef>
+          <a:fontRef idx="minor">
+            <a:schemeClr val="lt1"/>
+          </a:fontRef>
+        </p:style>
+        <p:txBody>
+          <a:bodyPr rtlCol="0" anchor="ctr"/>
+          <a:lstStyle/>
+          <a:p>
+            <a:pPr algn="ctr"/>
+            <a:endParaRPr kumimoji="1" lang="ja-JP" altLang="en-US"/>
+          </a:p>
+        </p:txBody>
+      </p:sp>
+      <p:sp>
+        <p:nvSpPr>
+          <p:cNvPr id="7" name="テキスト ボックス 6">
+            <a:extLst>
+              <a:ext uri="{FF2B5EF4-FFF2-40B4-BE49-F238E27FC236}">
+                <a16:creationId xmlns:a16="http://schemas.microsoft.com/office/drawing/2014/main" id="{F1AC65CC-F846-FC3D-B87A-0F0F96C04402}"/>
+              </a:ext>
+            </a:extLst>
+          </p:cNvPr>
+          <p:cNvSpPr txBox="1"/>
+          <p:nvPr/>
+        </p:nvSpPr>
+        <p:spPr>
+          <a:xfrm>
+            <a:off x="5433379" y="4716723"/>
+            <a:ext cx="853119" cy="461665"/>
+          </a:xfrm>
+          <a:prstGeom prst="rect">
+            <a:avLst/>
+          </a:prstGeom>
+          <a:noFill/>
+        </p:spPr>
+        <p:txBody>
+          <a:bodyPr wrap="none" rtlCol="0">
+            <a:spAutoFit/>
+          </a:bodyPr>
+          <a:lstStyle/>
+          <a:p>
+            <a:r>
+              <a:rPr kumimoji="1" lang="en-US" altLang="ja-JP" sz="2400"/>
+              <a:t>sleep</a:t>
+            </a:r>
+            <a:endParaRPr kumimoji="1" lang="ja-JP" altLang="en-US" sz="2400"/>
+          </a:p>
+        </p:txBody>
+      </p:sp>
+      <p:sp>
+        <p:nvSpPr>
+          <p:cNvPr id="9" name="テキスト ボックス 8">
+            <a:extLst>
+              <a:ext uri="{FF2B5EF4-FFF2-40B4-BE49-F238E27FC236}">
+                <a16:creationId xmlns:a16="http://schemas.microsoft.com/office/drawing/2014/main" id="{B3CB6B36-8CF6-352D-8A2F-114DB11409F3}"/>
+              </a:ext>
+            </a:extLst>
+          </p:cNvPr>
+          <p:cNvSpPr txBox="1"/>
+          <p:nvPr/>
+        </p:nvSpPr>
+        <p:spPr>
+          <a:xfrm>
+            <a:off x="7585326" y="4716723"/>
+            <a:ext cx="853119" cy="461665"/>
+          </a:xfrm>
+          <a:prstGeom prst="rect">
+            <a:avLst/>
+          </a:prstGeom>
+          <a:noFill/>
+        </p:spPr>
+        <p:txBody>
+          <a:bodyPr wrap="none" rtlCol="0">
+            <a:spAutoFit/>
+          </a:bodyPr>
+          <a:lstStyle/>
+          <a:p>
+            <a:r>
+              <a:rPr kumimoji="1" lang="en-US" altLang="ja-JP" sz="2400"/>
+              <a:t>sleep</a:t>
+            </a:r>
+            <a:endParaRPr kumimoji="1" lang="ja-JP" altLang="en-US" sz="2400"/>
+          </a:p>
+        </p:txBody>
+      </p:sp>
+      <p:sp>
+        <p:nvSpPr>
+          <p:cNvPr id="10" name="テキスト ボックス 9">
+            <a:extLst>
+              <a:ext uri="{FF2B5EF4-FFF2-40B4-BE49-F238E27FC236}">
+                <a16:creationId xmlns:a16="http://schemas.microsoft.com/office/drawing/2014/main" id="{85C1BB48-FA44-92B6-12C0-1CCA8969F451}"/>
+              </a:ext>
+            </a:extLst>
+          </p:cNvPr>
+          <p:cNvSpPr txBox="1"/>
+          <p:nvPr/>
+        </p:nvSpPr>
+        <p:spPr>
+          <a:xfrm>
+            <a:off x="4134554" y="3912983"/>
+            <a:ext cx="6021200" cy="369332"/>
+          </a:xfrm>
+          <a:prstGeom prst="rect">
+            <a:avLst/>
+          </a:prstGeom>
+          <a:noFill/>
+        </p:spPr>
+        <p:txBody>
+          <a:bodyPr wrap="none" rtlCol="0">
+            <a:spAutoFit/>
+          </a:bodyPr>
+          <a:lstStyle/>
+          <a:p>
+            <a:r>
+              <a:rPr kumimoji="1" lang="ja-JP" altLang="en-US"/>
+              <a:t>処理時間にずれがあり</a:t>
+            </a:r>
+            <a:r>
+              <a:rPr kumimoji="1" lang="en-US" altLang="ja-JP"/>
+              <a:t>1</a:t>
+            </a:r>
+            <a:r>
+              <a:rPr kumimoji="1" lang="ja-JP" altLang="en-US"/>
+              <a:t>秒が正しく表現できないもでは</a:t>
+            </a:r>
+            <a:r>
+              <a:rPr kumimoji="1" lang="en-US" altLang="ja-JP"/>
+              <a:t>…</a:t>
+            </a:r>
+            <a:endParaRPr kumimoji="1" lang="ja-JP" altLang="en-US"/>
+          </a:p>
+        </p:txBody>
+      </p:sp>
+      <p:sp>
+        <p:nvSpPr>
+          <p:cNvPr id="11" name="タイトル 1">
+            <a:extLst>
+              <a:ext uri="{FF2B5EF4-FFF2-40B4-BE49-F238E27FC236}">
+                <a16:creationId xmlns:a16="http://schemas.microsoft.com/office/drawing/2014/main" id="{28267A14-E2D4-80A4-BF2F-BDE67E835268}"/>
+              </a:ext>
+            </a:extLst>
+          </p:cNvPr>
+          <p:cNvSpPr>
+            <a:spLocks noGrp="1"/>
+          </p:cNvSpPr>
+          <p:nvPr>
+            <p:ph type="title"/>
+          </p:nvPr>
+        </p:nvSpPr>
+        <p:spPr>
+          <a:xfrm>
+            <a:off x="252919" y="1123837"/>
+            <a:ext cx="2947482" cy="4601183"/>
+          </a:xfrm>
+        </p:spPr>
+        <p:txBody>
+          <a:bodyPr/>
+          <a:lstStyle/>
+          <a:p>
+            <a:r>
+              <a:rPr kumimoji="1" lang="en-US" altLang="ja-JP"/>
+              <a:t>1</a:t>
+            </a:r>
+            <a:r>
+              <a:rPr kumimoji="1" lang="ja-JP" altLang="en-US"/>
+              <a:t>秒の表現</a:t>
+            </a:r>
+          </a:p>
+        </p:txBody>
+      </p:sp>
+      <p:sp>
+        <p:nvSpPr>
+          <p:cNvPr id="12" name="コンテンツ プレースホルダー 2">
+            <a:extLst>
+              <a:ext uri="{FF2B5EF4-FFF2-40B4-BE49-F238E27FC236}">
+                <a16:creationId xmlns:a16="http://schemas.microsoft.com/office/drawing/2014/main" id="{2BB76342-B246-EB82-1298-0AD4B11885E3}"/>
+              </a:ext>
+            </a:extLst>
+          </p:cNvPr>
+          <p:cNvSpPr>
+            <a:spLocks noGrp="1"/>
+          </p:cNvSpPr>
+          <p:nvPr>
+            <p:ph idx="1"/>
+          </p:nvPr>
+        </p:nvSpPr>
+        <p:spPr>
+          <a:xfrm>
+            <a:off x="3869268" y="864108"/>
+            <a:ext cx="7315200" cy="2564892"/>
+          </a:xfrm>
+        </p:spPr>
+        <p:txBody>
+          <a:bodyPr/>
+          <a:lstStyle/>
+          <a:p>
+            <a:pPr marL="0" indent="0">
+              <a:buNone/>
+            </a:pPr>
+            <a:r>
+              <a:rPr lang="ja-JP" altLang="en-US"/>
+              <a:t>基準</a:t>
+            </a:r>
+            <a:r>
+              <a:rPr kumimoji="1" lang="ja-JP" altLang="en-US"/>
+              <a:t>時間</a:t>
+            </a:r>
+            <a:r>
+              <a:rPr kumimoji="1" lang="en-US" altLang="ja-JP"/>
+              <a:t>:00:00	00:00	00:00</a:t>
+            </a:r>
+          </a:p>
+          <a:p>
+            <a:pPr marL="0" indent="0">
+              <a:buNone/>
+            </a:pPr>
+            <a:r>
+              <a:rPr lang="ja-JP" altLang="en-US"/>
+              <a:t>現在時刻</a:t>
+            </a:r>
+            <a:r>
+              <a:rPr lang="en-US" altLang="ja-JP"/>
+              <a:t>:</a:t>
+            </a:r>
+            <a:r>
+              <a:rPr kumimoji="1" lang="en-US" altLang="ja-JP"/>
+              <a:t>00:00	00:50	01:00</a:t>
+            </a:r>
+          </a:p>
+        </p:txBody>
+      </p:sp>
+      <p:sp>
+        <p:nvSpPr>
+          <p:cNvPr id="13" name="右中かっこ 12">
+            <a:extLst>
+              <a:ext uri="{FF2B5EF4-FFF2-40B4-BE49-F238E27FC236}">
+                <a16:creationId xmlns:a16="http://schemas.microsoft.com/office/drawing/2014/main" id="{2CE15688-142C-63AF-2F80-838ABEAC7C27}"/>
+              </a:ext>
+            </a:extLst>
+          </p:cNvPr>
+          <p:cNvSpPr/>
+          <p:nvPr/>
+        </p:nvSpPr>
+        <p:spPr>
+          <a:xfrm>
+            <a:off x="7292825" y="1752600"/>
+            <a:ext cx="468086" cy="783771"/>
+          </a:xfrm>
+          <a:prstGeom prst="rightBrace">
+            <a:avLst/>
+          </a:prstGeom>
+          <a:ln w="28575"/>
+        </p:spPr>
+        <p:style>
+          <a:lnRef idx="1">
+            <a:schemeClr val="accent1"/>
+          </a:lnRef>
+          <a:fillRef idx="0">
+            <a:schemeClr val="accent1"/>
+          </a:fillRef>
+          <a:effectRef idx="0">
+            <a:schemeClr val="accent1"/>
+          </a:effectRef>
+          <a:fontRef idx="minor">
+            <a:schemeClr val="tx1"/>
+          </a:fontRef>
+        </p:style>
+        <p:txBody>
+          <a:bodyPr rtlCol="0" anchor="ctr"/>
+          <a:lstStyle/>
+          <a:p>
+            <a:pPr algn="ctr"/>
+            <a:endParaRPr kumimoji="1" lang="ja-JP" altLang="en-US"/>
+          </a:p>
+        </p:txBody>
+      </p:sp>
+      <p:sp>
+        <p:nvSpPr>
+          <p:cNvPr id="14" name="テキスト ボックス 13">
+            <a:extLst>
+              <a:ext uri="{FF2B5EF4-FFF2-40B4-BE49-F238E27FC236}">
+                <a16:creationId xmlns:a16="http://schemas.microsoft.com/office/drawing/2014/main" id="{E9B9F281-9BB2-B70C-73CA-408196AB9411}"/>
+              </a:ext>
+            </a:extLst>
+          </p:cNvPr>
+          <p:cNvSpPr txBox="1"/>
+          <p:nvPr/>
+        </p:nvSpPr>
+        <p:spPr>
+          <a:xfrm>
+            <a:off x="8011886" y="1959819"/>
+            <a:ext cx="1904689" cy="369332"/>
+          </a:xfrm>
+          <a:prstGeom prst="rect">
+            <a:avLst/>
+          </a:prstGeom>
+          <a:noFill/>
+        </p:spPr>
+        <p:txBody>
+          <a:bodyPr wrap="none" rtlCol="0">
+            <a:spAutoFit/>
+          </a:bodyPr>
+          <a:lstStyle/>
+          <a:p>
+            <a:r>
+              <a:rPr kumimoji="1" lang="en-US" altLang="ja-JP"/>
+              <a:t>1</a:t>
+            </a:r>
+            <a:r>
+              <a:rPr kumimoji="1" lang="ja-JP" altLang="en-US"/>
+              <a:t>秒の差が分かる</a:t>
+            </a:r>
+          </a:p>
+        </p:txBody>
+      </p:sp>
+      <p:sp>
+        <p:nvSpPr>
+          <p:cNvPr id="15" name="テキスト ボックス 14">
+            <a:extLst>
+              <a:ext uri="{FF2B5EF4-FFF2-40B4-BE49-F238E27FC236}">
+                <a16:creationId xmlns:a16="http://schemas.microsoft.com/office/drawing/2014/main" id="{F954CC08-A9FE-6089-38B5-96E6B751BED2}"/>
+              </a:ext>
+            </a:extLst>
+          </p:cNvPr>
+          <p:cNvSpPr txBox="1"/>
+          <p:nvPr/>
+        </p:nvSpPr>
+        <p:spPr>
+          <a:xfrm>
+            <a:off x="3869268" y="1051449"/>
+            <a:ext cx="3262432" cy="461665"/>
+          </a:xfrm>
+          <a:prstGeom prst="rect">
+            <a:avLst/>
+          </a:prstGeom>
+          <a:noFill/>
+        </p:spPr>
+        <p:txBody>
+          <a:bodyPr wrap="none" rtlCol="0">
+            <a:spAutoFit/>
+          </a:bodyPr>
+          <a:lstStyle/>
+          <a:p>
+            <a:r>
+              <a:rPr lang="ja-JP" altLang="en-US" sz="2400"/>
+              <a:t>現在時刻との差で表現</a:t>
+            </a:r>
+            <a:endParaRPr kumimoji="1" lang="ja-JP" altLang="en-US" sz="2400"/>
+          </a:p>
+        </p:txBody>
+      </p:sp>
+      <p:sp>
+        <p:nvSpPr>
+          <p:cNvPr id="16" name="テキスト ボックス 15">
+            <a:extLst>
+              <a:ext uri="{FF2B5EF4-FFF2-40B4-BE49-F238E27FC236}">
+                <a16:creationId xmlns:a16="http://schemas.microsoft.com/office/drawing/2014/main" id="{D25DD47F-8F14-0AD5-5953-B3254C528DF8}"/>
+              </a:ext>
+            </a:extLst>
+          </p:cNvPr>
+          <p:cNvSpPr txBox="1"/>
+          <p:nvPr/>
+        </p:nvSpPr>
+        <p:spPr>
+          <a:xfrm>
+            <a:off x="3869268" y="3332124"/>
+            <a:ext cx="3315331" cy="461665"/>
+          </a:xfrm>
+          <a:prstGeom prst="rect">
+            <a:avLst/>
+          </a:prstGeom>
+          <a:noFill/>
+        </p:spPr>
+        <p:txBody>
+          <a:bodyPr wrap="none" rtlCol="0">
+            <a:spAutoFit/>
+          </a:bodyPr>
+          <a:lstStyle/>
+          <a:p>
+            <a:r>
+              <a:rPr kumimoji="1" lang="en-US" altLang="ja-JP" sz="2400"/>
+              <a:t>sleep</a:t>
+            </a:r>
+            <a:r>
+              <a:rPr kumimoji="1" lang="ja-JP" altLang="en-US" sz="2400"/>
+              <a:t>機能を用いた表現</a:t>
+            </a:r>
+          </a:p>
+        </p:txBody>
+      </p:sp>
+      <p:sp>
+        <p:nvSpPr>
+          <p:cNvPr id="19" name="右中かっこ 18">
+            <a:extLst>
+              <a:ext uri="{FF2B5EF4-FFF2-40B4-BE49-F238E27FC236}">
+                <a16:creationId xmlns:a16="http://schemas.microsoft.com/office/drawing/2014/main" id="{3B5352FC-D391-257D-0536-374237D8332D}"/>
+              </a:ext>
+            </a:extLst>
+          </p:cNvPr>
+          <p:cNvSpPr/>
+          <p:nvPr/>
+        </p:nvSpPr>
+        <p:spPr>
+          <a:xfrm rot="5400000">
+            <a:off x="6708016" y="5467174"/>
+            <a:ext cx="468086" cy="433411"/>
+          </a:xfrm>
+          <a:prstGeom prst="rightBrace">
+            <a:avLst/>
+          </a:prstGeom>
+          <a:ln w="28575"/>
+        </p:spPr>
+        <p:style>
+          <a:lnRef idx="1">
+            <a:schemeClr val="accent1"/>
+          </a:lnRef>
+          <a:fillRef idx="0">
+            <a:schemeClr val="accent1"/>
+          </a:fillRef>
+          <a:effectRef idx="0">
+            <a:schemeClr val="accent1"/>
+          </a:effectRef>
+          <a:fontRef idx="minor">
+            <a:schemeClr val="tx1"/>
+          </a:fontRef>
+        </p:style>
+        <p:txBody>
+          <a:bodyPr rtlCol="0" anchor="ctr"/>
+          <a:lstStyle/>
+          <a:p>
+            <a:pPr algn="ctr"/>
+            <a:endParaRPr kumimoji="1" lang="ja-JP" altLang="en-US"/>
+          </a:p>
+        </p:txBody>
+      </p:sp>
+      <p:sp>
+        <p:nvSpPr>
+          <p:cNvPr id="21" name="テキスト ボックス 20">
+            <a:extLst>
+              <a:ext uri="{FF2B5EF4-FFF2-40B4-BE49-F238E27FC236}">
+                <a16:creationId xmlns:a16="http://schemas.microsoft.com/office/drawing/2014/main" id="{9A57ABE1-FE16-ABCA-FA95-717DA259E682}"/>
+              </a:ext>
+            </a:extLst>
+          </p:cNvPr>
+          <p:cNvSpPr txBox="1"/>
+          <p:nvPr/>
+        </p:nvSpPr>
+        <p:spPr>
+          <a:xfrm>
+            <a:off x="6234173" y="6030972"/>
+            <a:ext cx="1415772" cy="461665"/>
+          </a:xfrm>
+          <a:prstGeom prst="rect">
+            <a:avLst/>
+          </a:prstGeom>
+          <a:noFill/>
+        </p:spPr>
+        <p:txBody>
+          <a:bodyPr wrap="none" rtlCol="0">
+            <a:spAutoFit/>
+          </a:bodyPr>
+          <a:lstStyle/>
+          <a:p>
+            <a:r>
+              <a:rPr kumimoji="1" lang="ja-JP" altLang="en-US" sz="2400"/>
+              <a:t>処理時間</a:t>
+            </a:r>
+          </a:p>
+        </p:txBody>
+      </p:sp>
+    </p:spTree>
+    <p:extLst>
+      <p:ext uri="{BB962C8B-B14F-4D97-AF65-F5344CB8AC3E}">
+        <p14:creationId xmlns:p14="http://schemas.microsoft.com/office/powerpoint/2010/main" val="2501971551"/>
+      </p:ext>
+    </p:extLst>
+  </p:cSld>
+  <p:clrMapOvr>
+    <a:masterClrMapping/>
+  </p:clrMapOvr>
+</p:sld>
+</file>
+
+<file path=ppt/slides/slide15.xml><?xml version="1.0" encoding="utf-8"?>
 <p:sld xmlns:a="http://schemas.openxmlformats.org/drawingml/2006/main" xmlns:r="http://schemas.openxmlformats.org/officeDocument/2006/relationships" xmlns:p="http://schemas.openxmlformats.org/presentationml/2006/main">
   <p:cSld>
     <p:spTree>
@@ -9587,7 +14901,7 @@
           <p:cNvPr id="2" name="タイトル 1">
             <a:extLst>
               <a:ext uri="{FF2B5EF4-FFF2-40B4-BE49-F238E27FC236}">
-                <a16:creationId xmlns:a16="http://schemas.microsoft.com/office/drawing/2014/main" id="{8F20A78B-BFD7-26A0-0415-2B958493730A}"/>
+                <a16:creationId xmlns:a16="http://schemas.microsoft.com/office/drawing/2014/main" id="{BC898A0E-AA92-2E31-FE6F-EE99198D71E6}"/>
               </a:ext>
             </a:extLst>
           </p:cNvPr>
@@ -9604,14 +14918,14 @@
           <a:lstStyle/>
           <a:p>
             <a:r>
-              <a:rPr kumimoji="1" lang="en-US" altLang="ja-JP" dirty="0"/>
-              <a:t>5,</a:t>
-            </a:r>
-            <a:r>
-              <a:rPr kumimoji="1" lang="ja-JP" altLang="en-US" sz="3600" dirty="0"/>
-              <a:t>作成における所感</a:t>
-            </a:r>
-            <a:endParaRPr kumimoji="1" lang="ja-JP" altLang="en-US" dirty="0"/>
+              <a:rPr lang="ja-JP" altLang="en-US"/>
+              <a:t>ポイント</a:t>
+            </a:r>
+            <a:r>
+              <a:rPr lang="en-US" altLang="ja-JP"/>
+              <a:t>2</a:t>
+            </a:r>
+            <a:endParaRPr kumimoji="1" lang="ja-JP" altLang="en-US"/>
           </a:p>
         </p:txBody>
       </p:sp>
@@ -9620,7 +14934,7 @@
           <p:cNvPr id="3" name="コンテンツ プレースホルダー 2">
             <a:extLst>
               <a:ext uri="{FF2B5EF4-FFF2-40B4-BE49-F238E27FC236}">
-                <a16:creationId xmlns:a16="http://schemas.microsoft.com/office/drawing/2014/main" id="{1F1E2189-4EC4-C35B-A9EE-6C26037739F5}"/>
+                <a16:creationId xmlns:a16="http://schemas.microsoft.com/office/drawing/2014/main" id="{BFFB8F69-7F2F-9AA5-38E8-43B8BE176C8F}"/>
               </a:ext>
             </a:extLst>
           </p:cNvPr>
@@ -9636,14 +14950,632 @@
           <a:bodyPr/>
           <a:lstStyle/>
           <a:p>
-            <a:endParaRPr kumimoji="1" lang="ja-JP" altLang="en-US"/>
+            <a:r>
+              <a:rPr kumimoji="1" lang="ja-JP" altLang="en-US" sz="2400"/>
+              <a:t>アナログ時計の描画について</a:t>
+            </a:r>
+            <a:endParaRPr lang="en-US" altLang="ja-JP" sz="2400"/>
+          </a:p>
+          <a:p>
+            <a:pPr marL="502920" lvl="1" indent="0">
+              <a:buNone/>
+            </a:pPr>
+            <a:r>
+              <a:rPr lang="ja-JP" altLang="en-US" sz="2400"/>
+              <a:t>時計盤の目盛りを画像ではなく、描画で行う</a:t>
+            </a:r>
+            <a:endParaRPr lang="en-US" altLang="ja-JP" sz="2400"/>
+          </a:p>
+          <a:p>
+            <a:pPr marL="502920" lvl="1" indent="0">
+              <a:buNone/>
+            </a:pPr>
+            <a:endParaRPr kumimoji="1" lang="en-US" altLang="ja-JP" sz="2400"/>
+          </a:p>
+          <a:p>
+            <a:pPr marL="502920" lvl="1" indent="0">
+              <a:buNone/>
+            </a:pPr>
+            <a:r>
+              <a:rPr kumimoji="1" lang="ja-JP" altLang="en-US" sz="2400"/>
+              <a:t>⇒針の指す目盛りの歪みが生じにくく、視認性に影響</a:t>
+            </a:r>
+          </a:p>
+        </p:txBody>
+      </p:sp>
+      <p:sp>
+        <p:nvSpPr>
+          <p:cNvPr id="5" name="テキスト ボックス 4">
+            <a:extLst>
+              <a:ext uri="{FF2B5EF4-FFF2-40B4-BE49-F238E27FC236}">
+                <a16:creationId xmlns:a16="http://schemas.microsoft.com/office/drawing/2014/main" id="{4E3AB523-6555-9596-0C72-5EFEFB9723C8}"/>
+              </a:ext>
+            </a:extLst>
+          </p:cNvPr>
+          <p:cNvSpPr txBox="1"/>
+          <p:nvPr/>
+        </p:nvSpPr>
+        <p:spPr>
+          <a:xfrm>
+            <a:off x="7108371" y="5540354"/>
+            <a:ext cx="4339650" cy="369332"/>
+          </a:xfrm>
+          <a:prstGeom prst="rect">
+            <a:avLst/>
+          </a:prstGeom>
+          <a:noFill/>
+        </p:spPr>
+        <p:txBody>
+          <a:bodyPr wrap="none" rtlCol="0">
+            <a:spAutoFit/>
+          </a:bodyPr>
+          <a:lstStyle/>
+          <a:p>
+            <a:r>
+              <a:rPr kumimoji="1" lang="en-US" altLang="ja-JP"/>
+              <a:t>※</a:t>
+            </a:r>
+            <a:r>
+              <a:rPr kumimoji="1" lang="ja-JP" altLang="en-US"/>
+              <a:t>後ほど実際の画面を通じて説明します</a:t>
+            </a:r>
           </a:p>
         </p:txBody>
       </p:sp>
     </p:spTree>
     <p:extLst>
       <p:ext uri="{BB962C8B-B14F-4D97-AF65-F5344CB8AC3E}">
-        <p14:creationId xmlns:p14="http://schemas.microsoft.com/office/powerpoint/2010/main" val="636815745"/>
+        <p14:creationId xmlns:p14="http://schemas.microsoft.com/office/powerpoint/2010/main" val="1936147639"/>
+      </p:ext>
+    </p:extLst>
+  </p:cSld>
+  <p:clrMapOvr>
+    <a:masterClrMapping/>
+  </p:clrMapOvr>
+</p:sld>
+</file>
+
+<file path=ppt/slides/slide16.xml><?xml version="1.0" encoding="utf-8"?>
+<p:sld xmlns:a="http://schemas.openxmlformats.org/drawingml/2006/main" xmlns:r="http://schemas.openxmlformats.org/officeDocument/2006/relationships" xmlns:p="http://schemas.openxmlformats.org/presentationml/2006/main">
+  <p:cSld>
+    <p:bg>
+      <p:bgPr>
+        <a:solidFill>
+          <a:schemeClr val="bg1"/>
+        </a:solidFill>
+        <a:effectLst/>
+      </p:bgPr>
+    </p:bg>
+    <p:spTree>
+      <p:nvGrpSpPr>
+        <p:cNvPr id="1" name=""/>
+        <p:cNvGrpSpPr/>
+        <p:nvPr/>
+      </p:nvGrpSpPr>
+      <p:grpSpPr>
+        <a:xfrm>
+          <a:off x="0" y="0"/>
+          <a:ext cx="0" cy="0"/>
+          <a:chOff x="0" y="0"/>
+          <a:chExt cx="0" cy="0"/>
+        </a:xfrm>
+      </p:grpSpPr>
+      <p:sp>
+        <p:nvSpPr>
+          <p:cNvPr id="8" name="Rectangle 7">
+            <a:extLst>
+              <a:ext uri="{FF2B5EF4-FFF2-40B4-BE49-F238E27FC236}">
+                <a16:creationId xmlns:a16="http://schemas.microsoft.com/office/drawing/2014/main" id="{17115F77-2FAE-4CA7-9A7F-10D5F2C8F831}"/>
+              </a:ext>
+              <a:ext uri="{C183D7F6-B498-43B3-948B-1728B52AA6E4}">
+                <adec:decorative xmlns:adec="http://schemas.microsoft.com/office/drawing/2017/decorative" val="1"/>
+              </a:ext>
+            </a:extLst>
+          </p:cNvPr>
+          <p:cNvSpPr>
+            <a:spLocks noGrp="1" noRot="1" noChangeAspect="1" noMove="1" noResize="1" noEditPoints="1" noAdjustHandles="1" noChangeArrowheads="1" noChangeShapeType="1" noTextEdit="1"/>
+          </p:cNvSpPr>
+          <p:nvPr>
+            <p:extLst>
+              <p:ext uri="{386F3935-93C4-4BCD-93E2-E3B085C9AB24}">
+                <p16:designElem xmlns:p16="http://schemas.microsoft.com/office/powerpoint/2015/main" val="1"/>
+              </p:ext>
+            </p:extLst>
+          </p:nvPr>
+        </p:nvSpPr>
+        <p:spPr>
+          <a:xfrm>
+            <a:off x="0" y="761999"/>
+            <a:ext cx="9141619" cy="5334001"/>
+          </a:xfrm>
+          <a:prstGeom prst="rect">
+            <a:avLst/>
+          </a:prstGeom>
+          <a:solidFill>
+            <a:schemeClr val="accent1"/>
+          </a:solidFill>
+          <a:ln>
+            <a:noFill/>
+          </a:ln>
+        </p:spPr>
+        <p:style>
+          <a:lnRef idx="2">
+            <a:schemeClr val="accent1">
+              <a:shade val="50000"/>
+            </a:schemeClr>
+          </a:lnRef>
+          <a:fillRef idx="1">
+            <a:schemeClr val="accent1"/>
+          </a:fillRef>
+          <a:effectRef idx="0">
+            <a:schemeClr val="accent1"/>
+          </a:effectRef>
+          <a:fontRef idx="minor">
+            <a:schemeClr val="lt1"/>
+          </a:fontRef>
+        </p:style>
+      </p:sp>
+      <p:sp>
+        <p:nvSpPr>
+          <p:cNvPr id="10" name="Rectangle 9">
+            <a:extLst>
+              <a:ext uri="{FF2B5EF4-FFF2-40B4-BE49-F238E27FC236}">
+                <a16:creationId xmlns:a16="http://schemas.microsoft.com/office/drawing/2014/main" id="{5CD4C046-A04C-46CC-AFA3-6B0621F628C8}"/>
+              </a:ext>
+              <a:ext uri="{C183D7F6-B498-43B3-948B-1728B52AA6E4}">
+                <adec:decorative xmlns:adec="http://schemas.microsoft.com/office/drawing/2017/decorative" val="1"/>
+              </a:ext>
+            </a:extLst>
+          </p:cNvPr>
+          <p:cNvSpPr>
+            <a:spLocks noGrp="1" noRot="1" noChangeAspect="1" noMove="1" noResize="1" noEditPoints="1" noAdjustHandles="1" noChangeArrowheads="1" noChangeShapeType="1" noTextEdit="1"/>
+          </p:cNvSpPr>
+          <p:nvPr>
+            <p:extLst>
+              <p:ext uri="{386F3935-93C4-4BCD-93E2-E3B085C9AB24}">
+                <p16:designElem xmlns:p16="http://schemas.microsoft.com/office/powerpoint/2015/main" val="1"/>
+              </p:ext>
+            </p:extLst>
+          </p:nvPr>
+        </p:nvSpPr>
+        <p:spPr>
+          <a:xfrm>
+            <a:off x="9270263" y="761999"/>
+            <a:ext cx="2925318" cy="5334001"/>
+          </a:xfrm>
+          <a:prstGeom prst="rect">
+            <a:avLst/>
+          </a:prstGeom>
+          <a:solidFill>
+            <a:srgbClr val="C8C8C8">
+              <a:alpha val="49804"/>
+            </a:srgbClr>
+          </a:solidFill>
+          <a:ln>
+            <a:noFill/>
+          </a:ln>
+        </p:spPr>
+        <p:style>
+          <a:lnRef idx="2">
+            <a:schemeClr val="accent1">
+              <a:shade val="50000"/>
+            </a:schemeClr>
+          </a:lnRef>
+          <a:fillRef idx="1">
+            <a:schemeClr val="accent1"/>
+          </a:fillRef>
+          <a:effectRef idx="0">
+            <a:schemeClr val="accent1"/>
+          </a:effectRef>
+          <a:fontRef idx="minor">
+            <a:schemeClr val="lt1"/>
+          </a:fontRef>
+        </p:style>
+      </p:sp>
+      <p:sp useBgFill="1">
+        <p:nvSpPr>
+          <p:cNvPr id="12" name="Rectangle 11">
+            <a:extLst>
+              <a:ext uri="{FF2B5EF4-FFF2-40B4-BE49-F238E27FC236}">
+                <a16:creationId xmlns:a16="http://schemas.microsoft.com/office/drawing/2014/main" id="{FE8A7A51-D656-47F0-BF06-7DEC0FA09BD6}"/>
+              </a:ext>
+              <a:ext uri="{C183D7F6-B498-43B3-948B-1728B52AA6E4}">
+                <adec:decorative xmlns:adec="http://schemas.microsoft.com/office/drawing/2017/decorative" val="1"/>
+              </a:ext>
+            </a:extLst>
+          </p:cNvPr>
+          <p:cNvSpPr>
+            <a:spLocks noGrp="1" noRot="1" noChangeAspect="1" noMove="1" noResize="1" noEditPoints="1" noAdjustHandles="1" noChangeArrowheads="1" noChangeShapeType="1" noTextEdit="1"/>
+          </p:cNvSpPr>
+          <p:nvPr>
+            <p:extLst>
+              <p:ext uri="{386F3935-93C4-4BCD-93E2-E3B085C9AB24}">
+                <p16:designElem xmlns:p16="http://schemas.microsoft.com/office/powerpoint/2015/main" val="1"/>
+              </p:ext>
+            </p:extLst>
+          </p:nvPr>
+        </p:nvSpPr>
+        <p:spPr>
+          <a:xfrm>
+            <a:off x="0" y="0"/>
+            <a:ext cx="12191999" cy="6858000"/>
+          </a:xfrm>
+          <a:prstGeom prst="rect">
+            <a:avLst/>
+          </a:prstGeom>
+          <a:ln>
+            <a:noFill/>
+          </a:ln>
+        </p:spPr>
+        <p:style>
+          <a:lnRef idx="2">
+            <a:schemeClr val="accent1">
+              <a:shade val="50000"/>
+            </a:schemeClr>
+          </a:lnRef>
+          <a:fillRef idx="1">
+            <a:schemeClr val="accent1"/>
+          </a:fillRef>
+          <a:effectRef idx="0">
+            <a:schemeClr val="accent1"/>
+          </a:effectRef>
+          <a:fontRef idx="minor">
+            <a:schemeClr val="lt1"/>
+          </a:fontRef>
+        </p:style>
+        <p:txBody>
+          <a:bodyPr rtlCol="0" anchor="ctr"/>
+          <a:lstStyle/>
+          <a:p>
+            <a:pPr algn="ctr"/>
+            <a:endParaRPr lang="en-US"/>
+          </a:p>
+        </p:txBody>
+      </p:sp>
+      <p:pic>
+        <p:nvPicPr>
+          <p:cNvPr id="4" name="Picture 3" descr="宇宙にある星と宇宙塵を含む天の川銀河">
+            <a:extLst>
+              <a:ext uri="{FF2B5EF4-FFF2-40B4-BE49-F238E27FC236}">
+                <a16:creationId xmlns:a16="http://schemas.microsoft.com/office/drawing/2014/main" id="{234DCBFC-DE73-BE20-90A5-FFE47C6B123B}"/>
+              </a:ext>
+            </a:extLst>
+          </p:cNvPr>
+          <p:cNvPicPr>
+            <a:picLocks noChangeAspect="1"/>
+          </p:cNvPicPr>
+          <p:nvPr/>
+        </p:nvPicPr>
+        <p:blipFill rotWithShape="1">
+          <a:blip r:embed="rId2">
+            <a:duotone>
+              <a:prstClr val="black"/>
+              <a:schemeClr val="tx2">
+                <a:tint val="45000"/>
+                <a:satMod val="400000"/>
+              </a:schemeClr>
+            </a:duotone>
+          </a:blip>
+          <a:srcRect t="15159" r="-1" b="549"/>
+          <a:stretch/>
+        </p:blipFill>
+        <p:spPr>
+          <a:xfrm>
+            <a:off x="20" y="-1"/>
+            <a:ext cx="12188932" cy="6858000"/>
+          </a:xfrm>
+          <a:prstGeom prst="rect">
+            <a:avLst/>
+          </a:prstGeom>
+        </p:spPr>
+      </p:pic>
+      <p:sp>
+        <p:nvSpPr>
+          <p:cNvPr id="14" name="Rectangle 13">
+            <a:extLst>
+              <a:ext uri="{FF2B5EF4-FFF2-40B4-BE49-F238E27FC236}">
+                <a16:creationId xmlns:a16="http://schemas.microsoft.com/office/drawing/2014/main" id="{C0F7D017-358C-4536-980E-7C6B97AE6C1F}"/>
+              </a:ext>
+              <a:ext uri="{C183D7F6-B498-43B3-948B-1728B52AA6E4}">
+                <adec:decorative xmlns:adec="http://schemas.microsoft.com/office/drawing/2017/decorative" val="1"/>
+              </a:ext>
+            </a:extLst>
+          </p:cNvPr>
+          <p:cNvSpPr>
+            <a:spLocks noGrp="1" noRot="1" noChangeAspect="1" noMove="1" noResize="1" noEditPoints="1" noAdjustHandles="1" noChangeArrowheads="1" noChangeShapeType="1" noTextEdit="1"/>
+          </p:cNvSpPr>
+          <p:nvPr>
+            <p:extLst>
+              <p:ext uri="{386F3935-93C4-4BCD-93E2-E3B085C9AB24}">
+                <p16:designElem xmlns:p16="http://schemas.microsoft.com/office/powerpoint/2015/main" val="1"/>
+              </p:ext>
+            </p:extLst>
+          </p:nvPr>
+        </p:nvSpPr>
+        <p:spPr>
+          <a:xfrm>
+            <a:off x="1" y="761999"/>
+            <a:ext cx="4642228" cy="5334001"/>
+          </a:xfrm>
+          <a:prstGeom prst="rect">
+            <a:avLst/>
+          </a:prstGeom>
+          <a:solidFill>
+            <a:srgbClr val="2E4154">
+              <a:alpha val="93000"/>
+            </a:srgbClr>
+          </a:solidFill>
+          <a:ln>
+            <a:noFill/>
+          </a:ln>
+        </p:spPr>
+        <p:style>
+          <a:lnRef idx="2">
+            <a:schemeClr val="accent1">
+              <a:shade val="50000"/>
+            </a:schemeClr>
+          </a:lnRef>
+          <a:fillRef idx="1">
+            <a:schemeClr val="accent1"/>
+          </a:fillRef>
+          <a:effectRef idx="0">
+            <a:schemeClr val="accent1"/>
+          </a:effectRef>
+          <a:fontRef idx="minor">
+            <a:schemeClr val="lt1"/>
+          </a:fontRef>
+        </p:style>
+      </p:sp>
+      <p:sp>
+        <p:nvSpPr>
+          <p:cNvPr id="2" name="タイトル 1">
+            <a:extLst>
+              <a:ext uri="{FF2B5EF4-FFF2-40B4-BE49-F238E27FC236}">
+                <a16:creationId xmlns:a16="http://schemas.microsoft.com/office/drawing/2014/main" id="{27D9FF26-59B0-1BFC-D544-3F89692885F5}"/>
+              </a:ext>
+            </a:extLst>
+          </p:cNvPr>
+          <p:cNvSpPr>
+            <a:spLocks noGrp="1"/>
+          </p:cNvSpPr>
+          <p:nvPr>
+            <p:ph type="title"/>
+          </p:nvPr>
+        </p:nvSpPr>
+        <p:spPr>
+          <a:xfrm>
+            <a:off x="643467" y="1298448"/>
+            <a:ext cx="3685070" cy="3255264"/>
+          </a:xfrm>
+        </p:spPr>
+        <p:txBody>
+          <a:bodyPr vert="horz" lIns="91440" tIns="45720" rIns="91440" bIns="45720" rtlCol="0" anchor="b">
+            <a:normAutofit/>
+          </a:bodyPr>
+          <a:lstStyle/>
+          <a:p>
+            <a:r>
+              <a:rPr kumimoji="1" lang="en-US" altLang="ja-JP" sz="5900" spc="-100"/>
+              <a:t>5,</a:t>
+            </a:r>
+            <a:r>
+              <a:rPr lang="ja-JP" altLang="en-US" sz="5900" spc="-100"/>
+              <a:t>感想</a:t>
+            </a:r>
+            <a:endParaRPr kumimoji="1" lang="ja-JP" altLang="en-US" sz="5900" spc="-100"/>
+          </a:p>
+        </p:txBody>
+      </p:sp>
+      <p:sp>
+        <p:nvSpPr>
+          <p:cNvPr id="16" name="Rectangle 15">
+            <a:extLst>
+              <a:ext uri="{FF2B5EF4-FFF2-40B4-BE49-F238E27FC236}">
+                <a16:creationId xmlns:a16="http://schemas.microsoft.com/office/drawing/2014/main" id="{03D524A5-0026-48B3-A857-8AE02CEC0D25}"/>
+              </a:ext>
+              <a:ext uri="{C183D7F6-B498-43B3-948B-1728B52AA6E4}">
+                <adec:decorative xmlns:adec="http://schemas.microsoft.com/office/drawing/2017/decorative" val="1"/>
+              </a:ext>
+            </a:extLst>
+          </p:cNvPr>
+          <p:cNvSpPr>
+            <a:spLocks noGrp="1" noRot="1" noChangeAspect="1" noMove="1" noResize="1" noEditPoints="1" noAdjustHandles="1" noChangeArrowheads="1" noChangeShapeType="1" noTextEdit="1"/>
+          </p:cNvSpPr>
+          <p:nvPr>
+            <p:extLst>
+              <p:ext uri="{386F3935-93C4-4BCD-93E2-E3B085C9AB24}">
+                <p16:designElem xmlns:p16="http://schemas.microsoft.com/office/powerpoint/2015/main" val="1"/>
+              </p:ext>
+            </p:extLst>
+          </p:nvPr>
+        </p:nvSpPr>
+        <p:spPr>
+          <a:xfrm>
+            <a:off x="11815864" y="758952"/>
+            <a:ext cx="384048" cy="5330952"/>
+          </a:xfrm>
+          <a:prstGeom prst="rect">
+            <a:avLst/>
+          </a:prstGeom>
+          <a:solidFill>
+            <a:srgbClr val="C8C8C8">
+              <a:alpha val="90000"/>
+            </a:srgbClr>
+          </a:solidFill>
+          <a:ln>
+            <a:noFill/>
+          </a:ln>
+        </p:spPr>
+        <p:style>
+          <a:lnRef idx="2">
+            <a:schemeClr val="accent1">
+              <a:shade val="50000"/>
+            </a:schemeClr>
+          </a:lnRef>
+          <a:fillRef idx="1">
+            <a:schemeClr val="accent1"/>
+          </a:fillRef>
+          <a:effectRef idx="0">
+            <a:schemeClr val="accent1"/>
+          </a:effectRef>
+          <a:fontRef idx="minor">
+            <a:schemeClr val="lt1"/>
+          </a:fontRef>
+        </p:style>
+      </p:sp>
+    </p:spTree>
+    <p:extLst>
+      <p:ext uri="{BB962C8B-B14F-4D97-AF65-F5344CB8AC3E}">
+        <p14:creationId xmlns:p14="http://schemas.microsoft.com/office/powerpoint/2010/main" val="3172999849"/>
+      </p:ext>
+    </p:extLst>
+  </p:cSld>
+  <p:clrMapOvr>
+    <a:masterClrMapping/>
+  </p:clrMapOvr>
+</p:sld>
+</file>
+
+<file path=ppt/slides/slide17.xml><?xml version="1.0" encoding="utf-8"?>
+<p:sld xmlns:a="http://schemas.openxmlformats.org/drawingml/2006/main" xmlns:r="http://schemas.openxmlformats.org/officeDocument/2006/relationships" xmlns:p="http://schemas.openxmlformats.org/presentationml/2006/main">
+  <p:cSld>
+    <p:spTree>
+      <p:nvGrpSpPr>
+        <p:cNvPr id="1" name=""/>
+        <p:cNvGrpSpPr/>
+        <p:nvPr/>
+      </p:nvGrpSpPr>
+      <p:grpSpPr>
+        <a:xfrm>
+          <a:off x="0" y="0"/>
+          <a:ext cx="0" cy="0"/>
+          <a:chOff x="0" y="0"/>
+          <a:chExt cx="0" cy="0"/>
+        </a:xfrm>
+      </p:grpSpPr>
+      <p:graphicFrame>
+        <p:nvGraphicFramePr>
+          <p:cNvPr id="2" name="コンテンツ プレースホルダー 2">
+            <a:extLst>
+              <a:ext uri="{FF2B5EF4-FFF2-40B4-BE49-F238E27FC236}">
+                <a16:creationId xmlns:a16="http://schemas.microsoft.com/office/drawing/2014/main" id="{61EAECD7-BBE9-C6DD-48B3-AF10AC0AD07F}"/>
+              </a:ext>
+            </a:extLst>
+          </p:cNvPr>
+          <p:cNvGraphicFramePr>
+            <a:graphicFrameLocks/>
+          </p:cNvGraphicFramePr>
+          <p:nvPr>
+            <p:extLst>
+              <p:ext uri="{D42A27DB-BD31-4B8C-83A1-F6EECF244321}">
+                <p14:modId xmlns:p14="http://schemas.microsoft.com/office/powerpoint/2010/main" val="3824316422"/>
+              </p:ext>
+            </p:extLst>
+          </p:nvPr>
+        </p:nvGraphicFramePr>
+        <p:xfrm>
+          <a:off x="1009348" y="787908"/>
+          <a:ext cx="10173303" cy="5120640"/>
+        </p:xfrm>
+        <a:graphic>
+          <a:graphicData uri="http://schemas.openxmlformats.org/drawingml/2006/diagram">
+            <dgm:relIds xmlns:dgm="http://schemas.openxmlformats.org/drawingml/2006/diagram" xmlns:r="http://schemas.openxmlformats.org/officeDocument/2006/relationships" r:dm="rId2" r:lo="rId3" r:qs="rId4" r:cs="rId5"/>
+          </a:graphicData>
+        </a:graphic>
+      </p:graphicFrame>
+    </p:spTree>
+    <p:extLst>
+      <p:ext uri="{BB962C8B-B14F-4D97-AF65-F5344CB8AC3E}">
+        <p14:creationId xmlns:p14="http://schemas.microsoft.com/office/powerpoint/2010/main" val="3034363157"/>
+      </p:ext>
+    </p:extLst>
+  </p:cSld>
+  <p:clrMapOvr>
+    <a:masterClrMapping/>
+  </p:clrMapOvr>
+</p:sld>
+</file>
+
+<file path=ppt/slides/slide18.xml><?xml version="1.0" encoding="utf-8"?>
+<p:sld xmlns:a="http://schemas.openxmlformats.org/drawingml/2006/main" xmlns:r="http://schemas.openxmlformats.org/officeDocument/2006/relationships" xmlns:p="http://schemas.openxmlformats.org/presentationml/2006/main">
+  <p:cSld>
+    <p:spTree>
+      <p:nvGrpSpPr>
+        <p:cNvPr id="1" name=""/>
+        <p:cNvGrpSpPr/>
+        <p:nvPr/>
+      </p:nvGrpSpPr>
+      <p:grpSpPr>
+        <a:xfrm>
+          <a:off x="0" y="0"/>
+          <a:ext cx="0" cy="0"/>
+          <a:chOff x="0" y="0"/>
+          <a:chExt cx="0" cy="0"/>
+        </a:xfrm>
+      </p:grpSpPr>
+      <p:sp>
+        <p:nvSpPr>
+          <p:cNvPr id="2" name="タイトル 1">
+            <a:extLst>
+              <a:ext uri="{FF2B5EF4-FFF2-40B4-BE49-F238E27FC236}">
+                <a16:creationId xmlns:a16="http://schemas.microsoft.com/office/drawing/2014/main" id="{0E2A8BE9-A84C-0BF5-33CC-F8410857E99B}"/>
+              </a:ext>
+            </a:extLst>
+          </p:cNvPr>
+          <p:cNvSpPr>
+            <a:spLocks noGrp="1"/>
+          </p:cNvSpPr>
+          <p:nvPr>
+            <p:ph type="title"/>
+          </p:nvPr>
+        </p:nvSpPr>
+        <p:spPr/>
+        <p:txBody>
+          <a:bodyPr/>
+          <a:lstStyle/>
+          <a:p>
+            <a:r>
+              <a:rPr kumimoji="1" lang="ja-JP" altLang="en-US"/>
+              <a:t>ソースコード</a:t>
+            </a:r>
+          </a:p>
+        </p:txBody>
+      </p:sp>
+      <p:sp>
+        <p:nvSpPr>
+          <p:cNvPr id="3" name="コンテンツ プレースホルダー 2">
+            <a:extLst>
+              <a:ext uri="{FF2B5EF4-FFF2-40B4-BE49-F238E27FC236}">
+                <a16:creationId xmlns:a16="http://schemas.microsoft.com/office/drawing/2014/main" id="{64090476-C233-531C-AA86-6F16F46AD04D}"/>
+              </a:ext>
+            </a:extLst>
+          </p:cNvPr>
+          <p:cNvSpPr>
+            <a:spLocks noGrp="1"/>
+          </p:cNvSpPr>
+          <p:nvPr>
+            <p:ph idx="1"/>
+          </p:nvPr>
+        </p:nvSpPr>
+        <p:spPr/>
+        <p:txBody>
+          <a:bodyPr>
+            <a:normAutofit/>
+          </a:bodyPr>
+          <a:lstStyle/>
+          <a:p>
+            <a:r>
+              <a:rPr kumimoji="1" lang="en-US" altLang="ja-JP" sz="2400"/>
+              <a:t>https://github.com/ShotaArima/OpenGL-StopWatch</a:t>
+            </a:r>
+            <a:endParaRPr kumimoji="1" lang="ja-JP" altLang="en-US" sz="2400"/>
+          </a:p>
+        </p:txBody>
+      </p:sp>
+    </p:spTree>
+    <p:extLst>
+      <p:ext uri="{BB962C8B-B14F-4D97-AF65-F5344CB8AC3E}">
+        <p14:creationId xmlns:p14="http://schemas.microsoft.com/office/powerpoint/2010/main" val="849468075"/>
       </p:ext>
     </p:extLst>
   </p:cSld>
@@ -9865,7 +15797,7 @@
           <a:lstStyle/>
           <a:p>
             <a:r>
-              <a:rPr kumimoji="1" lang="ja-JP" altLang="en-US" sz="4400" dirty="0"/>
+              <a:rPr kumimoji="1" lang="ja-JP" altLang="en-US" sz="4400"/>
               <a:t>目次</a:t>
             </a:r>
           </a:p>
@@ -9904,10 +15836,10 @@
               <a:buAutoNum type="arabicPeriod"/>
             </a:pPr>
             <a:r>
-              <a:rPr kumimoji="1" lang="ja-JP" altLang="en-US" sz="2800" dirty="0"/>
+              <a:rPr kumimoji="1" lang="ja-JP" altLang="en-US" sz="2800"/>
               <a:t>概要</a:t>
             </a:r>
-            <a:endParaRPr kumimoji="1" lang="en-US" altLang="ja-JP" sz="2800" dirty="0"/>
+            <a:endParaRPr kumimoji="1" lang="en-US" altLang="ja-JP" sz="2800"/>
           </a:p>
           <a:p>
             <a:pPr marL="457200" indent="-457200">
@@ -9915,10 +15847,10 @@
               <a:buAutoNum type="arabicPeriod"/>
             </a:pPr>
             <a:r>
-              <a:rPr lang="ja-JP" altLang="en-US" sz="2800" dirty="0"/>
+              <a:rPr lang="ja-JP" altLang="en-US" sz="2800"/>
               <a:t>プログラム説明</a:t>
             </a:r>
-            <a:endParaRPr lang="en-US" altLang="ja-JP" sz="2800" dirty="0"/>
+            <a:endParaRPr lang="en-US" altLang="ja-JP" sz="2800"/>
           </a:p>
           <a:p>
             <a:pPr marL="457200" indent="-457200">
@@ -9926,10 +15858,10 @@
               <a:buAutoNum type="arabicPeriod"/>
             </a:pPr>
             <a:r>
-              <a:rPr lang="ja-JP" altLang="en-US" sz="2800" dirty="0"/>
+              <a:rPr lang="ja-JP" altLang="en-US" sz="2800"/>
               <a:t>機能について</a:t>
             </a:r>
-            <a:endParaRPr lang="en-US" altLang="ja-JP" sz="2800" dirty="0"/>
+            <a:endParaRPr lang="en-US" altLang="ja-JP" sz="2800"/>
           </a:p>
           <a:p>
             <a:pPr marL="457200" indent="-457200">
@@ -9937,10 +15869,10 @@
               <a:buAutoNum type="arabicPeriod"/>
             </a:pPr>
             <a:r>
-              <a:rPr kumimoji="1" lang="ja-JP" altLang="en-US" sz="2800" dirty="0"/>
+              <a:rPr kumimoji="1" lang="ja-JP" altLang="en-US" sz="2800"/>
               <a:t>作成物のポイント</a:t>
             </a:r>
-            <a:endParaRPr kumimoji="1" lang="en-US" altLang="ja-JP" sz="2800" dirty="0"/>
+            <a:endParaRPr kumimoji="1" lang="en-US" altLang="ja-JP" sz="2800"/>
           </a:p>
           <a:p>
             <a:pPr marL="457200" indent="-457200">
@@ -9948,9 +15880,10 @@
               <a:buAutoNum type="arabicPeriod"/>
             </a:pPr>
             <a:r>
-              <a:rPr kumimoji="1" lang="ja-JP" altLang="en-US" sz="2800" dirty="0"/>
-              <a:t>作成における所感</a:t>
-            </a:r>
+              <a:rPr lang="ja-JP" altLang="en-US" sz="2800"/>
+              <a:t>感想</a:t>
+            </a:r>
+            <a:endParaRPr kumimoji="1" lang="ja-JP" altLang="en-US" sz="2800"/>
           </a:p>
         </p:txBody>
       </p:sp>
@@ -10314,7 +16247,7 @@
           <a:lstStyle/>
           <a:p>
             <a:r>
-              <a:rPr lang="en-US" altLang="ja-JP" sz="5900" spc="-100" dirty="0">
+              <a:rPr lang="en-US" altLang="ja-JP" sz="5900" spc="-100">
                 <a:solidFill>
                   <a:schemeClr val="tx1"/>
                 </a:solidFill>
@@ -10322,14 +16255,14 @@
               <a:t>1,</a:t>
             </a:r>
             <a:r>
-              <a:rPr lang="ja-JP" altLang="en-US" sz="5900" spc="-100" dirty="0">
+              <a:rPr lang="ja-JP" altLang="en-US" sz="5900" spc="-100">
                 <a:solidFill>
                   <a:schemeClr val="tx1"/>
                 </a:solidFill>
               </a:rPr>
               <a:t>概要</a:t>
             </a:r>
-            <a:endParaRPr kumimoji="1" lang="en-US" altLang="ja-JP" sz="5900" spc="-100" dirty="0">
+            <a:endParaRPr kumimoji="1" lang="en-US" altLang="ja-JP" sz="5900" spc="-100">
               <a:solidFill>
                 <a:schemeClr val="tx1"/>
               </a:solidFill>
@@ -10571,7 +16504,7 @@
             <p:ph idx="1"/>
             <p:extLst>
               <p:ext uri="{D42A27DB-BD31-4B8C-83A1-F6EECF244321}">
-                <p14:modId xmlns:p14="http://schemas.microsoft.com/office/powerpoint/2010/main" val="4137896351"/>
+                <p14:modId xmlns:p14="http://schemas.microsoft.com/office/powerpoint/2010/main" val="603996590"/>
               </p:ext>
             </p:extLst>
           </p:nvPr>
@@ -10586,6 +16519,39 @@
           </a:graphicData>
         </a:graphic>
       </p:graphicFrame>
+      <p:sp>
+        <p:nvSpPr>
+          <p:cNvPr id="2" name="タイトル 1">
+            <a:extLst>
+              <a:ext uri="{FF2B5EF4-FFF2-40B4-BE49-F238E27FC236}">
+                <a16:creationId xmlns:a16="http://schemas.microsoft.com/office/drawing/2014/main" id="{79BA148F-158D-863C-F507-C52B2AA415DC}"/>
+              </a:ext>
+            </a:extLst>
+          </p:cNvPr>
+          <p:cNvSpPr>
+            <a:spLocks noGrp="1"/>
+          </p:cNvSpPr>
+          <p:nvPr>
+            <p:ph type="title"/>
+          </p:nvPr>
+        </p:nvSpPr>
+        <p:spPr>
+          <a:xfrm>
+            <a:off x="8943687" y="1121395"/>
+            <a:ext cx="2947482" cy="4601183"/>
+          </a:xfrm>
+        </p:spPr>
+        <p:txBody>
+          <a:bodyPr/>
+          <a:lstStyle/>
+          <a:p>
+            <a:r>
+              <a:rPr kumimoji="1" lang="ja-JP" altLang="en-US"/>
+              <a:t>システム</a:t>
+            </a:r>
+          </a:p>
+        </p:txBody>
+      </p:sp>
     </p:spTree>
     <p:extLst>
       <p:ext uri="{BB962C8B-B14F-4D97-AF65-F5344CB8AC3E}">
@@ -10638,7 +16604,7 @@
           <a:lstStyle/>
           <a:p>
             <a:r>
-              <a:rPr kumimoji="1" lang="ja-JP" altLang="en-US" dirty="0"/>
+              <a:rPr kumimoji="1" lang="ja-JP" altLang="en-US"/>
               <a:t>グラフィック</a:t>
             </a:r>
           </a:p>
@@ -10708,7 +16674,7 @@
           <a:lstStyle/>
           <a:p>
             <a:r>
-              <a:rPr kumimoji="1" lang="ja-JP" altLang="en-US" sz="2800" dirty="0"/>
+              <a:rPr kumimoji="1" lang="ja-JP" altLang="en-US" sz="2800"/>
               <a:t>カメラ</a:t>
             </a:r>
           </a:p>
@@ -10743,7 +16709,7 @@
           <a:lstStyle/>
           <a:p>
             <a:r>
-              <a:rPr kumimoji="1" lang="ja-JP" altLang="en-US" sz="2800" dirty="0"/>
+              <a:rPr kumimoji="1" lang="ja-JP" altLang="en-US" sz="2800"/>
               <a:t>前方クリップ面</a:t>
             </a:r>
           </a:p>
@@ -10778,7 +16744,7 @@
           <a:lstStyle/>
           <a:p>
             <a:r>
-              <a:rPr kumimoji="1" lang="ja-JP" altLang="en-US" sz="2800" dirty="0"/>
+              <a:rPr kumimoji="1" lang="ja-JP" altLang="en-US" sz="2800"/>
               <a:t>投影面</a:t>
             </a:r>
           </a:p>
@@ -10813,7 +16779,7 @@
           <a:lstStyle/>
           <a:p>
             <a:r>
-              <a:rPr kumimoji="1" lang="ja-JP" altLang="en-US" sz="2800" dirty="0"/>
+              <a:rPr kumimoji="1" lang="ja-JP" altLang="en-US" sz="2800"/>
               <a:t>オブジェクト</a:t>
             </a:r>
           </a:p>
@@ -10848,7 +16814,7 @@
           <a:lstStyle/>
           <a:p>
             <a:r>
-              <a:rPr kumimoji="1" lang="ja-JP" altLang="en-US" sz="2800" dirty="0"/>
+              <a:rPr kumimoji="1" lang="ja-JP" altLang="en-US" sz="2800"/>
               <a:t>後方クリップ面</a:t>
             </a:r>
           </a:p>
@@ -10932,14 +16898,14 @@
           <a:lstStyle/>
           <a:p>
             <a:r>
-              <a:rPr kumimoji="1" lang="ja-JP" altLang="en-US" sz="2800" dirty="0"/>
+              <a:rPr kumimoji="1" lang="ja-JP" altLang="en-US" sz="2800"/>
               <a:t>ライト</a:t>
             </a:r>
             <a:r>
-              <a:rPr kumimoji="1" lang="en-US" altLang="ja-JP" sz="2800" dirty="0"/>
+              <a:rPr kumimoji="1" lang="en-US" altLang="ja-JP" sz="2800"/>
               <a:t>(0,1,0)</a:t>
             </a:r>
-            <a:endParaRPr kumimoji="1" lang="ja-JP" altLang="en-US" sz="2800" dirty="0"/>
+            <a:endParaRPr kumimoji="1" lang="ja-JP" altLang="en-US" sz="2800"/>
           </a:p>
         </p:txBody>
       </p:sp>
@@ -10983,7 +16949,7 @@
       </p:grpSpPr>
       <p:sp>
         <p:nvSpPr>
-          <p:cNvPr id="9" name="Rectangle 8">
+          <p:cNvPr id="22" name="Rectangle 21">
             <a:extLst>
               <a:ext uri="{FF2B5EF4-FFF2-40B4-BE49-F238E27FC236}">
                 <a16:creationId xmlns:a16="http://schemas.microsoft.com/office/drawing/2014/main" id="{17115F77-2FAE-4CA7-9A7F-10D5F2C8F831}"/>
@@ -11038,7 +17004,7 @@
       </p:sp>
       <p:sp>
         <p:nvSpPr>
-          <p:cNvPr id="11" name="Rectangle 10">
+          <p:cNvPr id="24" name="Rectangle 23">
             <a:extLst>
               <a:ext uri="{FF2B5EF4-FFF2-40B4-BE49-F238E27FC236}">
                 <a16:creationId xmlns:a16="http://schemas.microsoft.com/office/drawing/2014/main" id="{5CD4C046-A04C-46CC-AFA3-6B0621F628C8}"/>
@@ -11095,10 +17061,10 @@
       </p:sp>
       <p:sp useBgFill="1">
         <p:nvSpPr>
-          <p:cNvPr id="13" name="Rectangle 12">
+          <p:cNvPr id="26" name="Rectangle 25">
             <a:extLst>
               <a:ext uri="{FF2B5EF4-FFF2-40B4-BE49-F238E27FC236}">
-                <a16:creationId xmlns:a16="http://schemas.microsoft.com/office/drawing/2014/main" id="{25D5C296-F4B1-4AE5-8EEB-9FEB7ED17780}"/>
+                <a16:creationId xmlns:a16="http://schemas.microsoft.com/office/drawing/2014/main" id="{BC512124-0D13-4ED9-80B7-52AE15B6B41F}"/>
               </a:ext>
               <a:ext uri="{C183D7F6-B498-43B3-948B-1728B52AA6E4}">
                 <adec:decorative xmlns:adec="http://schemas.microsoft.com/office/drawing/2017/decorative" val="1"/>
@@ -11119,7 +17085,7 @@
         <p:spPr>
           <a:xfrm>
             <a:off x="0" y="0"/>
-            <a:ext cx="12191999" cy="6858000"/>
+            <a:ext cx="12192000" cy="6858000"/>
           </a:xfrm>
           <a:prstGeom prst="rect">
             <a:avLst/>
@@ -11169,85 +17135,21 @@
         </p:nvPicPr>
         <p:blipFill rotWithShape="1">
           <a:blip r:embed="rId2">
-            <a:duotone>
-              <a:schemeClr val="accent1">
-                <a:shade val="45000"/>
-                <a:satMod val="135000"/>
-              </a:schemeClr>
-              <a:prstClr val="white"/>
-            </a:duotone>
+            <a:alphaModFix amt="35000"/>
           </a:blip>
-          <a:srcRect t="3105" r="-1" b="12603"/>
+          <a:srcRect t="7017" b="8713"/>
           <a:stretch/>
         </p:blipFill>
         <p:spPr>
           <a:xfrm>
-            <a:off x="-7913" y="0"/>
-            <a:ext cx="12188932" cy="6858000"/>
+            <a:off x="20" y="10"/>
+            <a:ext cx="12191980" cy="6857990"/>
           </a:xfrm>
           <a:prstGeom prst="rect">
             <a:avLst/>
           </a:prstGeom>
         </p:spPr>
       </p:pic>
-      <p:sp>
-        <p:nvSpPr>
-          <p:cNvPr id="15" name="Rectangle 14">
-            <a:extLst>
-              <a:ext uri="{FF2B5EF4-FFF2-40B4-BE49-F238E27FC236}">
-                <a16:creationId xmlns:a16="http://schemas.microsoft.com/office/drawing/2014/main" id="{9C1ACE66-194D-48C4-A14A-6933B35283F6}"/>
-              </a:ext>
-              <a:ext uri="{C183D7F6-B498-43B3-948B-1728B52AA6E4}">
-                <adec:decorative xmlns:adec="http://schemas.microsoft.com/office/drawing/2017/decorative" val="1"/>
-              </a:ext>
-            </a:extLst>
-          </p:cNvPr>
-          <p:cNvSpPr>
-            <a:spLocks noGrp="1" noRot="1" noChangeAspect="1" noMove="1" noResize="1" noEditPoints="1" noAdjustHandles="1" noChangeArrowheads="1" noChangeShapeType="1" noTextEdit="1"/>
-          </p:cNvSpPr>
-          <p:nvPr>
-            <p:extLst>
-              <p:ext uri="{386F3935-93C4-4BCD-93E2-E3B085C9AB24}">
-                <p16:designElem xmlns:p16="http://schemas.microsoft.com/office/powerpoint/2015/main" val="1"/>
-              </p:ext>
-            </p:extLst>
-          </p:nvPr>
-        </p:nvSpPr>
-        <p:spPr>
-          <a:xfrm>
-            <a:off x="1" y="761999"/>
-            <a:ext cx="4642228" cy="5334001"/>
-          </a:xfrm>
-          <a:prstGeom prst="rect">
-            <a:avLst/>
-          </a:prstGeom>
-          <a:solidFill>
-            <a:schemeClr val="accent1">
-              <a:lumMod val="50000"/>
-              <a:alpha val="93000"/>
-            </a:schemeClr>
-          </a:solidFill>
-          <a:ln>
-            <a:noFill/>
-          </a:ln>
-        </p:spPr>
-        <p:style>
-          <a:lnRef idx="2">
-            <a:schemeClr val="accent1">
-              <a:shade val="50000"/>
-            </a:schemeClr>
-          </a:lnRef>
-          <a:fillRef idx="1">
-            <a:schemeClr val="accent1"/>
-          </a:fillRef>
-          <a:effectRef idx="0">
-            <a:schemeClr val="accent1"/>
-          </a:effectRef>
-          <a:fontRef idx="minor">
-            <a:schemeClr val="lt1"/>
-          </a:fontRef>
-        </p:style>
-      </p:sp>
       <p:sp>
         <p:nvSpPr>
           <p:cNvPr id="2" name="タイトル 1">
@@ -11266,8 +17168,8 @@
         </p:nvSpPr>
         <p:spPr>
           <a:xfrm>
-            <a:off x="228600" y="1298448"/>
-            <a:ext cx="4278085" cy="3255264"/>
+            <a:off x="1069848" y="1298448"/>
+            <a:ext cx="7315200" cy="3255264"/>
           </a:xfrm>
         </p:spPr>
         <p:txBody>
@@ -11277,73 +17179,28 @@
           <a:lstStyle/>
           <a:p>
             <a:r>
-              <a:rPr kumimoji="1" lang="en-US" altLang="ja-JP" sz="5000" spc="-100" dirty="0"/>
+              <a:rPr kumimoji="1" lang="en-US" altLang="ja-JP" sz="5900" spc="-100">
+                <a:solidFill>
+                  <a:schemeClr val="tx1"/>
+                </a:solidFill>
+              </a:rPr>
               <a:t>2,</a:t>
             </a:r>
             <a:r>
-              <a:rPr lang="ja-JP" altLang="en-US" sz="5000" spc="-100" dirty="0"/>
+              <a:rPr lang="ja-JP" altLang="en-US" sz="5900" spc="-100">
+                <a:solidFill>
+                  <a:schemeClr val="tx1"/>
+                </a:solidFill>
+              </a:rPr>
               <a:t>プログラム説明</a:t>
             </a:r>
-            <a:endParaRPr kumimoji="1" lang="en-US" altLang="ja-JP" sz="5000" spc="-100" dirty="0"/>
+            <a:endParaRPr kumimoji="1" lang="en-US" altLang="ja-JP" sz="5900" spc="-100">
+              <a:solidFill>
+                <a:schemeClr val="tx1"/>
+              </a:solidFill>
+            </a:endParaRPr>
           </a:p>
         </p:txBody>
-      </p:sp>
-      <p:sp>
-        <p:nvSpPr>
-          <p:cNvPr id="17" name="Rectangle 16">
-            <a:extLst>
-              <a:ext uri="{FF2B5EF4-FFF2-40B4-BE49-F238E27FC236}">
-                <a16:creationId xmlns:a16="http://schemas.microsoft.com/office/drawing/2014/main" id="{025B886A-7ED1-4B77-819B-76ACBEFB07D0}"/>
-              </a:ext>
-              <a:ext uri="{C183D7F6-B498-43B3-948B-1728B52AA6E4}">
-                <adec:decorative xmlns:adec="http://schemas.microsoft.com/office/drawing/2017/decorative" val="1"/>
-              </a:ext>
-            </a:extLst>
-          </p:cNvPr>
-          <p:cNvSpPr>
-            <a:spLocks noGrp="1" noRot="1" noChangeAspect="1" noMove="1" noResize="1" noEditPoints="1" noAdjustHandles="1" noChangeArrowheads="1" noChangeShapeType="1" noTextEdit="1"/>
-          </p:cNvSpPr>
-          <p:nvPr>
-            <p:extLst>
-              <p:ext uri="{386F3935-93C4-4BCD-93E2-E3B085C9AB24}">
-                <p16:designElem xmlns:p16="http://schemas.microsoft.com/office/powerpoint/2015/main" val="1"/>
-              </p:ext>
-            </p:extLst>
-          </p:nvPr>
-        </p:nvSpPr>
-        <p:spPr>
-          <a:xfrm>
-            <a:off x="11815864" y="758952"/>
-            <a:ext cx="384048" cy="5330952"/>
-          </a:xfrm>
-          <a:prstGeom prst="rect">
-            <a:avLst/>
-          </a:prstGeom>
-          <a:solidFill>
-            <a:srgbClr val="C8C8C8">
-              <a:alpha val="49804"/>
-            </a:srgbClr>
-          </a:solidFill>
-          <a:ln>
-            <a:noFill/>
-          </a:ln>
-        </p:spPr>
-        <p:style>
-          <a:lnRef idx="2">
-            <a:schemeClr val="accent1">
-              <a:shade val="50000"/>
-            </a:schemeClr>
-          </a:lnRef>
-          <a:fillRef idx="1">
-            <a:schemeClr val="accent1"/>
-          </a:fillRef>
-          <a:effectRef idx="0">
-            <a:schemeClr val="accent1"/>
-          </a:effectRef>
-          <a:fontRef idx="minor">
-            <a:schemeClr val="lt1"/>
-          </a:fontRef>
-        </p:style>
       </p:sp>
     </p:spTree>
     <p:extLst>
@@ -11353,7 +17210,7 @@
     </p:extLst>
   </p:cSld>
   <p:clrMapOvr>
-    <a:masterClrMapping/>
+    <a:overrideClrMapping bg1="dk1" tx1="lt1" bg2="dk2" tx2="lt2" accent1="accent1" accent2="accent2" accent3="accent3" accent4="accent4" accent5="accent5" accent6="accent6" hlink="hlink" folHlink="folHlink"/>
   </p:clrMapOvr>
 </p:sld>
 </file>
@@ -11441,7 +17298,7 @@
           <a:bodyPr/>
           <a:lstStyle/>
           <a:p>
-            <a:endParaRPr lang="en-US" dirty="0"/>
+            <a:endParaRPr lang="en-US"/>
           </a:p>
         </p:txBody>
       </p:sp>
@@ -11481,7 +17338,7 @@
               <a:t>時計盤</a:t>
             </a:r>
             <a:r>
-              <a:rPr lang="ja-JP" altLang="en-US" dirty="0"/>
+              <a:rPr lang="ja-JP" altLang="en-US"/>
               <a:t>の</a:t>
             </a:r>
             <a:r>
@@ -11520,11 +17377,14 @@
           </a:bodyPr>
           <a:lstStyle/>
           <a:p>
-            <a:pPr marL="502920" lvl="1" indent="0">
+            <a:pPr marL="502920" lvl="1" indent="0" algn="just">
+              <a:lnSpc>
+                <a:spcPct val="100000"/>
+              </a:lnSpc>
               <a:buNone/>
             </a:pPr>
             <a:r>
-              <a:rPr kumimoji="1" lang="en-US" altLang="ja-JP" sz="2400" dirty="0">
+              <a:rPr kumimoji="1" lang="en-US" altLang="ja-JP" sz="2400">
                 <a:solidFill>
                   <a:srgbClr val="FFFFFF"/>
                 </a:solidFill>
@@ -11532,7 +17392,7 @@
               <a:t>GL_POLYGON</a:t>
             </a:r>
             <a:r>
-              <a:rPr kumimoji="1" lang="ja-JP" altLang="en-US" sz="2400" dirty="0">
+              <a:rPr kumimoji="1" lang="ja-JP" altLang="en-US" sz="2400">
                 <a:solidFill>
                   <a:srgbClr val="FFFFFF"/>
                 </a:solidFill>
@@ -11540,25 +17400,28 @@
               <a:t>によって、</a:t>
             </a:r>
             <a:r>
-              <a:rPr lang="ja-JP" altLang="en-US" sz="2400" dirty="0">
+              <a:rPr lang="ja-JP" altLang="en-US" sz="2400">
                 <a:solidFill>
                   <a:srgbClr val="FFFFFF"/>
                 </a:solidFill>
               </a:rPr>
               <a:t>多角形を生成</a:t>
             </a:r>
-            <a:endParaRPr lang="en-US" altLang="ja-JP" sz="2400" dirty="0">
+            <a:endParaRPr lang="en-US" altLang="ja-JP" sz="2400">
               <a:solidFill>
                 <a:srgbClr val="FFFFFF"/>
               </a:solidFill>
             </a:endParaRPr>
           </a:p>
           <a:p>
-            <a:pPr marL="502920" lvl="1" indent="0">
+            <a:pPr marL="502920" lvl="1" indent="0" algn="just">
+              <a:lnSpc>
+                <a:spcPct val="100000"/>
+              </a:lnSpc>
               <a:buNone/>
             </a:pPr>
             <a:r>
-              <a:rPr kumimoji="1" lang="en-US" altLang="ja-JP" sz="2400" dirty="0">
+              <a:rPr kumimoji="1" lang="en-US" altLang="ja-JP" sz="2400">
                 <a:solidFill>
                   <a:srgbClr val="FFFFFF"/>
                 </a:solidFill>
@@ -11566,25 +17429,28 @@
               <a:t>50</a:t>
             </a:r>
             <a:r>
-              <a:rPr lang="ja-JP" altLang="en-US" sz="2400" dirty="0">
+              <a:rPr lang="ja-JP" altLang="en-US" sz="2400">
                 <a:solidFill>
                   <a:srgbClr val="FFFFFF"/>
                 </a:solidFill>
               </a:rPr>
               <a:t>個の点を打ち、円に近似</a:t>
             </a:r>
-            <a:endParaRPr lang="en-US" altLang="ja-JP" sz="2400" dirty="0">
+            <a:endParaRPr lang="en-US" altLang="ja-JP" sz="2400">
               <a:solidFill>
                 <a:srgbClr val="FFFFFF"/>
               </a:solidFill>
             </a:endParaRPr>
           </a:p>
           <a:p>
-            <a:pPr marL="502920" lvl="1" indent="0">
+            <a:pPr marL="502920" lvl="1" indent="0" algn="just">
+              <a:lnSpc>
+                <a:spcPct val="100000"/>
+              </a:lnSpc>
               <a:buNone/>
             </a:pPr>
             <a:r>
-              <a:rPr lang="en-US" altLang="ja-JP" sz="2400" dirty="0">
+              <a:rPr lang="en-US" altLang="ja-JP" sz="2400">
                 <a:solidFill>
                   <a:srgbClr val="FFFFFF"/>
                 </a:solidFill>
@@ -11592,25 +17458,28 @@
               <a:t>XZ</a:t>
             </a:r>
             <a:r>
-              <a:rPr lang="ja-JP" altLang="en-US" sz="2400" dirty="0">
+              <a:rPr lang="ja-JP" altLang="en-US" sz="2400">
                 <a:solidFill>
                   <a:srgbClr val="FFFFFF"/>
                 </a:solidFill>
               </a:rPr>
               <a:t>座標平面に描画</a:t>
             </a:r>
-            <a:endParaRPr lang="en-US" altLang="ja-JP" sz="2400" dirty="0">
+            <a:endParaRPr lang="en-US" altLang="ja-JP" sz="2400">
               <a:solidFill>
                 <a:srgbClr val="FFFFFF"/>
               </a:solidFill>
             </a:endParaRPr>
           </a:p>
           <a:p>
-            <a:pPr marL="502920" lvl="1" indent="0">
+            <a:pPr marL="502920" lvl="1" indent="0" algn="just">
+              <a:lnSpc>
+                <a:spcPct val="100000"/>
+              </a:lnSpc>
               <a:buNone/>
             </a:pPr>
             <a:r>
-              <a:rPr lang="ja-JP" altLang="en-US" sz="2400" dirty="0">
+              <a:rPr lang="ja-JP" altLang="en-US" sz="2400">
                 <a:solidFill>
                   <a:srgbClr val="FFFFFF"/>
                 </a:solidFill>
@@ -11618,7 +17487,7 @@
               <a:t>半径は</a:t>
             </a:r>
             <a:r>
-              <a:rPr lang="en-US" altLang="ja-JP" sz="2400" dirty="0">
+              <a:rPr lang="en-US" altLang="ja-JP" sz="2400">
                 <a:solidFill>
                   <a:srgbClr val="FFFFFF"/>
                 </a:solidFill>
@@ -11630,7 +17499,7 @@
             <a:pPr marL="502920" lvl="1" indent="0">
               <a:buNone/>
             </a:pPr>
-            <a:endParaRPr kumimoji="1" lang="en-US" altLang="ja-JP" dirty="0">
+            <a:endParaRPr kumimoji="1" lang="en-US" altLang="ja-JP">
               <a:solidFill>
                 <a:srgbClr val="FFFFFF"/>
               </a:solidFill>
@@ -11640,7 +17509,7 @@
             <a:pPr marL="502920" lvl="1" indent="0">
               <a:buNone/>
             </a:pPr>
-            <a:endParaRPr kumimoji="1" lang="en-US" altLang="ja-JP" dirty="0">
+            <a:endParaRPr kumimoji="1" lang="en-US" altLang="ja-JP">
               <a:solidFill>
                 <a:srgbClr val="FFFFFF"/>
               </a:solidFill>
@@ -11650,7 +17519,7 @@
             <a:pPr marL="502920" lvl="1" indent="0">
               <a:buNone/>
             </a:pPr>
-            <a:endParaRPr kumimoji="1" lang="en-US" altLang="ja-JP" dirty="0">
+            <a:endParaRPr kumimoji="1" lang="en-US" altLang="ja-JP">
               <a:solidFill>
                 <a:srgbClr val="FFFFFF"/>
               </a:solidFill>
@@ -11818,6 +17687,27 @@
               <a:rPr kumimoji="1" lang="ja-JP" altLang="en-US"/>
               <a:t>針の描画</a:t>
             </a:r>
+            <a:r>
+              <a:rPr kumimoji="1" lang="en-US" altLang="ja-JP"/>
+              <a:t>(</a:t>
+            </a:r>
+            <a:r>
+              <a:rPr kumimoji="1" lang="ja-JP" altLang="en-US"/>
+              <a:t>秒針</a:t>
+            </a:r>
+            <a:r>
+              <a:rPr kumimoji="1" lang="en-US" altLang="ja-JP"/>
+              <a:t>)(</a:t>
+            </a:r>
+            <a:r>
+              <a:rPr kumimoji="1" lang="ja-JP" altLang="en-US"/>
+              <a:t>分針</a:t>
+            </a:r>
+            <a:r>
+              <a:rPr kumimoji="1" lang="en-US" altLang="ja-JP"/>
+              <a:t>)</a:t>
+            </a:r>
+            <a:endParaRPr kumimoji="1" lang="ja-JP" altLang="en-US"/>
           </a:p>
         </p:txBody>
       </p:sp>
@@ -11853,7 +17743,7 @@
               <a:buNone/>
             </a:pPr>
             <a:r>
-              <a:rPr kumimoji="1" lang="en-US" altLang="ja-JP" sz="2400" dirty="0">
+              <a:rPr kumimoji="1" lang="en-US" altLang="ja-JP" sz="2400">
                 <a:solidFill>
                   <a:srgbClr val="FFFFFF"/>
                 </a:solidFill>
@@ -11861,14 +17751,14 @@
               <a:t>GL_POLYGON</a:t>
             </a:r>
             <a:r>
-              <a:rPr lang="ja-JP" altLang="en-US" sz="2400" dirty="0">
+              <a:rPr lang="ja-JP" altLang="en-US" sz="2400">
                 <a:solidFill>
                   <a:srgbClr val="FFFFFF"/>
                 </a:solidFill>
               </a:rPr>
               <a:t>によって、三角形を生成</a:t>
             </a:r>
-            <a:endParaRPr lang="en-US" altLang="ja-JP" sz="2400" dirty="0">
+            <a:endParaRPr lang="en-US" altLang="ja-JP" sz="2400">
               <a:solidFill>
                 <a:srgbClr val="FFFFFF"/>
               </a:solidFill>
@@ -11879,7 +17769,7 @@
               <a:buNone/>
             </a:pPr>
             <a:r>
-              <a:rPr lang="en-US" altLang="ja-JP" sz="2400" dirty="0" err="1">
+              <a:rPr lang="en-US" altLang="ja-JP" sz="2400" err="1">
                 <a:solidFill>
                   <a:srgbClr val="FFFFFF"/>
                 </a:solidFill>
@@ -11887,7 +17777,7 @@
               <a:t>glRotatef</a:t>
             </a:r>
             <a:r>
-              <a:rPr lang="en-US" altLang="ja-JP" sz="2400" dirty="0">
+              <a:rPr lang="en-US" altLang="ja-JP" sz="2400">
                 <a:solidFill>
                   <a:srgbClr val="FFFFFF"/>
                 </a:solidFill>
@@ -11895,7 +17785,7 @@
               <a:t>(-theta,0.0,1.0,0.0)</a:t>
             </a:r>
             <a:r>
-              <a:rPr lang="ja-JP" altLang="en-US" sz="2400" dirty="0">
+              <a:rPr lang="ja-JP" altLang="en-US" sz="2400">
                 <a:solidFill>
                   <a:srgbClr val="FFFFFF"/>
                 </a:solidFill>
@@ -11903,7 +17793,7 @@
               <a:t>で</a:t>
             </a:r>
             <a:r>
-              <a:rPr lang="en-US" altLang="ja-JP" sz="2400" dirty="0">
+              <a:rPr lang="en-US" altLang="ja-JP" sz="2400">
                 <a:solidFill>
                   <a:srgbClr val="FFFFFF"/>
                 </a:solidFill>
@@ -11911,14 +17801,14 @@
               <a:t>theta</a:t>
             </a:r>
             <a:r>
-              <a:rPr lang="ja-JP" altLang="en-US" sz="2400" dirty="0">
+              <a:rPr lang="ja-JP" altLang="en-US" sz="2400">
                 <a:solidFill>
                   <a:srgbClr val="FFFFFF"/>
                 </a:solidFill>
               </a:rPr>
               <a:t>角で時計回りに回転</a:t>
             </a:r>
-            <a:endParaRPr lang="en-US" altLang="ja-JP" sz="2400" dirty="0">
+            <a:endParaRPr lang="en-US" altLang="ja-JP" sz="2400">
               <a:solidFill>
                 <a:srgbClr val="FFFFFF"/>
               </a:solidFill>
@@ -11928,7 +17818,7 @@
             <a:pPr marL="502920" lvl="1" indent="0">
               <a:buNone/>
             </a:pPr>
-            <a:endParaRPr lang="en-US" altLang="ja-JP" dirty="0">
+            <a:endParaRPr lang="en-US" altLang="ja-JP">
               <a:solidFill>
                 <a:srgbClr val="FFFFFF"/>
               </a:solidFill>
@@ -11938,7 +17828,7 @@
             <a:pPr marL="0" indent="0">
               <a:buNone/>
             </a:pPr>
-            <a:endParaRPr kumimoji="1" lang="ja-JP" altLang="en-US" dirty="0">
+            <a:endParaRPr kumimoji="1" lang="ja-JP" altLang="en-US">
               <a:solidFill>
                 <a:srgbClr val="FFFFFF"/>
               </a:solidFill>
@@ -11997,6 +17887,14 @@
 <file path=ppt/slides/slide9.xml><?xml version="1.0" encoding="utf-8"?>
 <p:sld xmlns:a="http://schemas.openxmlformats.org/drawingml/2006/main" xmlns:r="http://schemas.openxmlformats.org/officeDocument/2006/relationships" xmlns:p="http://schemas.openxmlformats.org/presentationml/2006/main">
   <p:cSld>
+    <p:bg>
+      <p:bgPr>
+        <a:solidFill>
+          <a:schemeClr val="bg1"/>
+        </a:solidFill>
+        <a:effectLst/>
+      </p:bgPr>
+    </p:bg>
     <p:spTree>
       <p:nvGrpSpPr>
         <p:cNvPr id="1" name=""/>
@@ -12013,10 +17911,213 @@
       </p:grpSpPr>
       <p:sp>
         <p:nvSpPr>
+          <p:cNvPr id="8" name="Rectangle 7">
+            <a:extLst>
+              <a:ext uri="{FF2B5EF4-FFF2-40B4-BE49-F238E27FC236}">
+                <a16:creationId xmlns:a16="http://schemas.microsoft.com/office/drawing/2014/main" id="{17115F77-2FAE-4CA7-9A7F-10D5F2C8F831}"/>
+              </a:ext>
+              <a:ext uri="{C183D7F6-B498-43B3-948B-1728B52AA6E4}">
+                <adec:decorative xmlns:adec="http://schemas.microsoft.com/office/drawing/2017/decorative" val="1"/>
+              </a:ext>
+            </a:extLst>
+          </p:cNvPr>
+          <p:cNvSpPr>
+            <a:spLocks noGrp="1" noRot="1" noChangeAspect="1" noMove="1" noResize="1" noEditPoints="1" noAdjustHandles="1" noChangeArrowheads="1" noChangeShapeType="1" noTextEdit="1"/>
+          </p:cNvSpPr>
+          <p:nvPr>
+            <p:extLst>
+              <p:ext uri="{386F3935-93C4-4BCD-93E2-E3B085C9AB24}">
+                <p16:designElem xmlns:p16="http://schemas.microsoft.com/office/powerpoint/2015/main" val="1"/>
+              </p:ext>
+            </p:extLst>
+          </p:nvPr>
+        </p:nvSpPr>
+        <p:spPr>
+          <a:xfrm>
+            <a:off x="0" y="761999"/>
+            <a:ext cx="9141619" cy="5334001"/>
+          </a:xfrm>
+          <a:prstGeom prst="rect">
+            <a:avLst/>
+          </a:prstGeom>
+          <a:solidFill>
+            <a:schemeClr val="accent1"/>
+          </a:solidFill>
+          <a:ln>
+            <a:noFill/>
+          </a:ln>
+        </p:spPr>
+        <p:style>
+          <a:lnRef idx="2">
+            <a:schemeClr val="accent1">
+              <a:shade val="50000"/>
+            </a:schemeClr>
+          </a:lnRef>
+          <a:fillRef idx="1">
+            <a:schemeClr val="accent1"/>
+          </a:fillRef>
+          <a:effectRef idx="0">
+            <a:schemeClr val="accent1"/>
+          </a:effectRef>
+          <a:fontRef idx="minor">
+            <a:schemeClr val="lt1"/>
+          </a:fontRef>
+        </p:style>
+      </p:sp>
+      <p:sp>
+        <p:nvSpPr>
+          <p:cNvPr id="10" name="Rectangle 9">
+            <a:extLst>
+              <a:ext uri="{FF2B5EF4-FFF2-40B4-BE49-F238E27FC236}">
+                <a16:creationId xmlns:a16="http://schemas.microsoft.com/office/drawing/2014/main" id="{5CD4C046-A04C-46CC-AFA3-6B0621F628C8}"/>
+              </a:ext>
+              <a:ext uri="{C183D7F6-B498-43B3-948B-1728B52AA6E4}">
+                <adec:decorative xmlns:adec="http://schemas.microsoft.com/office/drawing/2017/decorative" val="1"/>
+              </a:ext>
+            </a:extLst>
+          </p:cNvPr>
+          <p:cNvSpPr>
+            <a:spLocks noGrp="1" noRot="1" noChangeAspect="1" noMove="1" noResize="1" noEditPoints="1" noAdjustHandles="1" noChangeArrowheads="1" noChangeShapeType="1" noTextEdit="1"/>
+          </p:cNvSpPr>
+          <p:nvPr>
+            <p:extLst>
+              <p:ext uri="{386F3935-93C4-4BCD-93E2-E3B085C9AB24}">
+                <p16:designElem xmlns:p16="http://schemas.microsoft.com/office/powerpoint/2015/main" val="1"/>
+              </p:ext>
+            </p:extLst>
+          </p:nvPr>
+        </p:nvSpPr>
+        <p:spPr>
+          <a:xfrm>
+            <a:off x="9270263" y="761999"/>
+            <a:ext cx="2925318" cy="5334001"/>
+          </a:xfrm>
+          <a:prstGeom prst="rect">
+            <a:avLst/>
+          </a:prstGeom>
+          <a:solidFill>
+            <a:srgbClr val="C8C8C8">
+              <a:alpha val="49804"/>
+            </a:srgbClr>
+          </a:solidFill>
+          <a:ln>
+            <a:noFill/>
+          </a:ln>
+        </p:spPr>
+        <p:style>
+          <a:lnRef idx="2">
+            <a:schemeClr val="accent1">
+              <a:shade val="50000"/>
+            </a:schemeClr>
+          </a:lnRef>
+          <a:fillRef idx="1">
+            <a:schemeClr val="accent1"/>
+          </a:fillRef>
+          <a:effectRef idx="0">
+            <a:schemeClr val="accent1"/>
+          </a:effectRef>
+          <a:fontRef idx="minor">
+            <a:schemeClr val="lt1"/>
+          </a:fontRef>
+        </p:style>
+      </p:sp>
+      <p:sp useBgFill="1">
+        <p:nvSpPr>
+          <p:cNvPr id="12" name="Rectangle 11">
+            <a:extLst>
+              <a:ext uri="{FF2B5EF4-FFF2-40B4-BE49-F238E27FC236}">
+                <a16:creationId xmlns:a16="http://schemas.microsoft.com/office/drawing/2014/main" id="{BC512124-0D13-4ED9-80B7-52AE15B6B41F}"/>
+              </a:ext>
+              <a:ext uri="{C183D7F6-B498-43B3-948B-1728B52AA6E4}">
+                <adec:decorative xmlns:adec="http://schemas.microsoft.com/office/drawing/2017/decorative" val="1"/>
+              </a:ext>
+            </a:extLst>
+          </p:cNvPr>
+          <p:cNvSpPr>
+            <a:spLocks noGrp="1" noRot="1" noChangeAspect="1" noMove="1" noResize="1" noEditPoints="1" noAdjustHandles="1" noChangeArrowheads="1" noChangeShapeType="1" noTextEdit="1"/>
+          </p:cNvSpPr>
+          <p:nvPr>
+            <p:extLst>
+              <p:ext uri="{386F3935-93C4-4BCD-93E2-E3B085C9AB24}">
+                <p16:designElem xmlns:p16="http://schemas.microsoft.com/office/powerpoint/2015/main" val="1"/>
+              </p:ext>
+            </p:extLst>
+          </p:nvPr>
+        </p:nvSpPr>
+        <p:spPr>
+          <a:xfrm>
+            <a:off x="0" y="0"/>
+            <a:ext cx="12192000" cy="6858000"/>
+          </a:xfrm>
+          <a:prstGeom prst="rect">
+            <a:avLst/>
+          </a:prstGeom>
+          <a:ln>
+            <a:noFill/>
+          </a:ln>
+        </p:spPr>
+        <p:style>
+          <a:lnRef idx="2">
+            <a:schemeClr val="accent1">
+              <a:shade val="50000"/>
+            </a:schemeClr>
+          </a:lnRef>
+          <a:fillRef idx="1">
+            <a:schemeClr val="accent1"/>
+          </a:fillRef>
+          <a:effectRef idx="0">
+            <a:schemeClr val="accent1"/>
+          </a:effectRef>
+          <a:fontRef idx="minor">
+            <a:schemeClr val="lt1"/>
+          </a:fontRef>
+        </p:style>
+        <p:txBody>
+          <a:bodyPr rtlCol="0" anchor="ctr"/>
+          <a:lstStyle/>
+          <a:p>
+            <a:pPr algn="ctr"/>
+            <a:endParaRPr lang="en-US"/>
+          </a:p>
+        </p:txBody>
+      </p:sp>
+      <p:pic>
+        <p:nvPicPr>
+          <p:cNvPr id="4" name="Picture 3" descr="文字の書かれた紙&#10;&#10;低い精度で自動的に生成された説明">
+            <a:extLst>
+              <a:ext uri="{FF2B5EF4-FFF2-40B4-BE49-F238E27FC236}">
+                <a16:creationId xmlns:a16="http://schemas.microsoft.com/office/drawing/2014/main" id="{B905DCB0-930A-65B3-A35F-45DD81A72B0A}"/>
+              </a:ext>
+            </a:extLst>
+          </p:cNvPr>
+          <p:cNvPicPr>
+            <a:picLocks noChangeAspect="1"/>
+          </p:cNvPicPr>
+          <p:nvPr/>
+        </p:nvPicPr>
+        <p:blipFill rotWithShape="1">
+          <a:blip r:embed="rId2">
+            <a:alphaModFix amt="35000"/>
+          </a:blip>
+          <a:srcRect/>
+          <a:stretch/>
+        </p:blipFill>
+        <p:spPr>
+          <a:xfrm>
+            <a:off x="20" y="10"/>
+            <a:ext cx="12191980" cy="6857990"/>
+          </a:xfrm>
+          <a:prstGeom prst="rect">
+            <a:avLst/>
+          </a:prstGeom>
+        </p:spPr>
+      </p:pic>
+      <p:sp>
+        <p:nvSpPr>
           <p:cNvPr id="2" name="タイトル 1">
             <a:extLst>
               <a:ext uri="{FF2B5EF4-FFF2-40B4-BE49-F238E27FC236}">
-                <a16:creationId xmlns:a16="http://schemas.microsoft.com/office/drawing/2014/main" id="{48FD3945-26E9-6F1B-5727-13D64BB4A9C7}"/>
+                <a16:creationId xmlns:a16="http://schemas.microsoft.com/office/drawing/2014/main" id="{775550B0-2F84-326A-BE16-3607FEA4717B}"/>
               </a:ext>
             </a:extLst>
           </p:cNvPr>
@@ -12029,60 +18130,190 @@
         </p:nvSpPr>
         <p:spPr>
           <a:xfrm>
-            <a:off x="76200" y="1123837"/>
-            <a:ext cx="3243943" cy="4601183"/>
+            <a:off x="1069847" y="758952"/>
+            <a:ext cx="9055227" cy="3794760"/>
           </a:xfrm>
         </p:spPr>
         <p:txBody>
-          <a:bodyPr/>
+          <a:bodyPr vert="horz" lIns="91440" tIns="45720" rIns="91440" bIns="45720" rtlCol="0" anchor="b">
+            <a:normAutofit/>
+          </a:bodyPr>
           <a:lstStyle/>
           <a:p>
             <a:r>
-              <a:rPr kumimoji="1" lang="en-US" altLang="ja-JP" dirty="0"/>
+              <a:rPr kumimoji="1" lang="en-US" altLang="ja-JP" sz="5900" spc="0">
+                <a:ln w="0"/>
+                <a:solidFill>
+                  <a:schemeClr val="tx1"/>
+                </a:solidFill>
+                <a:effectLst>
+                  <a:outerShdw blurRad="38100" dist="19050" dir="2700000" algn="tl" rotWithShape="0">
+                    <a:schemeClr val="dk1">
+                      <a:alpha val="40000"/>
+                    </a:schemeClr>
+                  </a:outerShdw>
+                </a:effectLst>
+                <a:latin typeface="ＭＳ ゴシック 見出し"/>
+              </a:rPr>
               <a:t>3,</a:t>
             </a:r>
             <a:r>
-              <a:rPr lang="ja-JP" altLang="en-US" sz="3600" dirty="0"/>
+              <a:rPr lang="ja-JP" altLang="en-US" sz="5900" spc="0">
+                <a:ln w="0"/>
+                <a:solidFill>
+                  <a:schemeClr val="tx1"/>
+                </a:solidFill>
+                <a:effectLst>
+                  <a:outerShdw blurRad="38100" dist="19050" dir="2700000" algn="tl" rotWithShape="0">
+                    <a:schemeClr val="dk1">
+                      <a:alpha val="40000"/>
+                    </a:schemeClr>
+                  </a:outerShdw>
+                </a:effectLst>
+                <a:latin typeface="ＭＳ ゴシック 見出し"/>
+              </a:rPr>
               <a:t>機能について</a:t>
             </a:r>
-            <a:endParaRPr kumimoji="1" lang="ja-JP" altLang="en-US" dirty="0"/>
+            <a:endParaRPr kumimoji="1" lang="en-US" altLang="ja-JP" sz="5900" spc="0">
+              <a:ln w="0"/>
+              <a:solidFill>
+                <a:schemeClr val="tx1"/>
+              </a:solidFill>
+              <a:effectLst>
+                <a:outerShdw blurRad="38100" dist="19050" dir="2700000" algn="tl" rotWithShape="0">
+                  <a:schemeClr val="dk1">
+                    <a:alpha val="40000"/>
+                  </a:schemeClr>
+                </a:outerShdw>
+              </a:effectLst>
+              <a:latin typeface="ＭＳ ゴシック 見出し"/>
+            </a:endParaRPr>
           </a:p>
         </p:txBody>
       </p:sp>
       <p:sp>
         <p:nvSpPr>
-          <p:cNvPr id="3" name="コンテンツ プレースホルダー 2">
+          <p:cNvPr id="14" name="Rectangle 13">
             <a:extLst>
               <a:ext uri="{FF2B5EF4-FFF2-40B4-BE49-F238E27FC236}">
-                <a16:creationId xmlns:a16="http://schemas.microsoft.com/office/drawing/2014/main" id="{8CEDE329-9F28-2E53-CE29-DAC08C6F5B8B}"/>
+                <a16:creationId xmlns:a16="http://schemas.microsoft.com/office/drawing/2014/main" id="{D4ABACDC-BD54-40F3-9047-8298C77C2DD6}"/>
+              </a:ext>
+              <a:ext uri="{C183D7F6-B498-43B3-948B-1728B52AA6E4}">
+                <adec:decorative xmlns:adec="http://schemas.microsoft.com/office/drawing/2017/decorative" val="1"/>
               </a:ext>
             </a:extLst>
           </p:cNvPr>
           <p:cNvSpPr>
-            <a:spLocks noGrp="1"/>
+            <a:spLocks noGrp="1" noRot="1" noChangeAspect="1" noMove="1" noResize="1" noEditPoints="1" noAdjustHandles="1" noChangeArrowheads="1" noChangeShapeType="1" noTextEdit="1"/>
           </p:cNvSpPr>
           <p:nvPr>
-            <p:ph idx="1"/>
+            <p:extLst>
+              <p:ext uri="{386F3935-93C4-4BCD-93E2-E3B085C9AB24}">
+                <p16:designElem xmlns:p16="http://schemas.microsoft.com/office/powerpoint/2015/main" val="1"/>
+              </p:ext>
+            </p:extLst>
           </p:nvPr>
         </p:nvSpPr>
-        <p:spPr/>
-        <p:txBody>
-          <a:bodyPr/>
-          <a:lstStyle/>
-          <a:p>
-            <a:endParaRPr kumimoji="1" lang="ja-JP" altLang="en-US" dirty="0"/>
-          </a:p>
-        </p:txBody>
+        <p:spPr>
+          <a:xfrm>
+            <a:off x="0" y="758952"/>
+            <a:ext cx="384048" cy="5330952"/>
+          </a:xfrm>
+          <a:prstGeom prst="rect">
+            <a:avLst/>
+          </a:prstGeom>
+          <a:solidFill>
+            <a:schemeClr val="accent1">
+              <a:alpha val="90000"/>
+            </a:schemeClr>
+          </a:solidFill>
+          <a:ln>
+            <a:noFill/>
+          </a:ln>
+        </p:spPr>
+        <p:style>
+          <a:lnRef idx="2">
+            <a:schemeClr val="accent1">
+              <a:shade val="50000"/>
+            </a:schemeClr>
+          </a:lnRef>
+          <a:fillRef idx="1">
+            <a:schemeClr val="accent1"/>
+          </a:fillRef>
+          <a:effectRef idx="0">
+            <a:schemeClr val="accent1"/>
+          </a:effectRef>
+          <a:fontRef idx="minor">
+            <a:schemeClr val="lt1"/>
+          </a:fontRef>
+        </p:style>
+      </p:sp>
+      <p:sp>
+        <p:nvSpPr>
+          <p:cNvPr id="16" name="Rectangle 15">
+            <a:extLst>
+              <a:ext uri="{FF2B5EF4-FFF2-40B4-BE49-F238E27FC236}">
+                <a16:creationId xmlns:a16="http://schemas.microsoft.com/office/drawing/2014/main" id="{B76CB7CA-05C2-4EE8-A97F-B5F3A4F89DA4}"/>
+              </a:ext>
+              <a:ext uri="{C183D7F6-B498-43B3-948B-1728B52AA6E4}">
+                <adec:decorative xmlns:adec="http://schemas.microsoft.com/office/drawing/2017/decorative" val="1"/>
+              </a:ext>
+            </a:extLst>
+          </p:cNvPr>
+          <p:cNvSpPr>
+            <a:spLocks noGrp="1" noRot="1" noChangeAspect="1" noMove="1" noResize="1" noEditPoints="1" noAdjustHandles="1" noChangeArrowheads="1" noChangeShapeType="1" noTextEdit="1"/>
+          </p:cNvSpPr>
+          <p:nvPr>
+            <p:extLst>
+              <p:ext uri="{386F3935-93C4-4BCD-93E2-E3B085C9AB24}">
+                <p16:designElem xmlns:p16="http://schemas.microsoft.com/office/powerpoint/2015/main" val="1"/>
+              </p:ext>
+            </p:extLst>
+          </p:nvPr>
+        </p:nvSpPr>
+        <p:spPr>
+          <a:xfrm>
+            <a:off x="11821442" y="758952"/>
+            <a:ext cx="384048" cy="5330952"/>
+          </a:xfrm>
+          <a:prstGeom prst="rect">
+            <a:avLst/>
+          </a:prstGeom>
+          <a:solidFill>
+            <a:srgbClr val="C8C8C8">
+              <a:alpha val="49804"/>
+            </a:srgbClr>
+          </a:solidFill>
+          <a:ln>
+            <a:noFill/>
+          </a:ln>
+        </p:spPr>
+        <p:style>
+          <a:lnRef idx="2">
+            <a:schemeClr val="accent1">
+              <a:shade val="50000"/>
+            </a:schemeClr>
+          </a:lnRef>
+          <a:fillRef idx="1">
+            <a:schemeClr val="accent1"/>
+          </a:fillRef>
+          <a:effectRef idx="0">
+            <a:schemeClr val="accent1"/>
+          </a:effectRef>
+          <a:fontRef idx="minor">
+            <a:schemeClr val="lt1"/>
+          </a:fontRef>
+        </p:style>
       </p:sp>
     </p:spTree>
     <p:extLst>
       <p:ext uri="{BB962C8B-B14F-4D97-AF65-F5344CB8AC3E}">
-        <p14:creationId xmlns:p14="http://schemas.microsoft.com/office/powerpoint/2010/main" val="3344436348"/>
+        <p14:creationId xmlns:p14="http://schemas.microsoft.com/office/powerpoint/2010/main" val="1995494326"/>
       </p:ext>
     </p:extLst>
   </p:cSld>
   <p:clrMapOvr>
-    <a:masterClrMapping/>
+    <a:overrideClrMapping bg1="dk1" tx1="lt1" bg2="dk2" tx2="lt2" accent1="accent1" accent2="accent2" accent3="accent3" accent4="accent4" accent5="accent5" accent6="accent6" hlink="hlink" folHlink="folHlink"/>
   </p:clrMapOvr>
 </p:sld>
 </file>
@@ -12316,4 +18547,299 @@
     </a:ext>
   </a:extLst>
 </a:theme>
+</file>
+
+<file path=ppt/theme/theme2.xml><?xml version="1.0" encoding="utf-8"?>
+<a:theme xmlns:a="http://schemas.openxmlformats.org/drawingml/2006/main" name="Office テーマ">
+  <a:themeElements>
+    <a:clrScheme name="Office">
+      <a:dk1>
+        <a:sysClr val="windowText" lastClr="000000"/>
+      </a:dk1>
+      <a:lt1>
+        <a:sysClr val="window" lastClr="FFFFFF"/>
+      </a:lt1>
+      <a:dk2>
+        <a:srgbClr val="44546A"/>
+      </a:dk2>
+      <a:lt2>
+        <a:srgbClr val="E7E6E6"/>
+      </a:lt2>
+      <a:accent1>
+        <a:srgbClr val="4472C4"/>
+      </a:accent1>
+      <a:accent2>
+        <a:srgbClr val="ED7D31"/>
+      </a:accent2>
+      <a:accent3>
+        <a:srgbClr val="A5A5A5"/>
+      </a:accent3>
+      <a:accent4>
+        <a:srgbClr val="FFC000"/>
+      </a:accent4>
+      <a:accent5>
+        <a:srgbClr val="5B9BD5"/>
+      </a:accent5>
+      <a:accent6>
+        <a:srgbClr val="70AD47"/>
+      </a:accent6>
+      <a:hlink>
+        <a:srgbClr val="0563C1"/>
+      </a:hlink>
+      <a:folHlink>
+        <a:srgbClr val="954F72"/>
+      </a:folHlink>
+    </a:clrScheme>
+    <a:fontScheme name="Office">
+      <a:majorFont>
+        <a:latin typeface="游ゴシック Light" panose="020F0302020204030204"/>
+        <a:ea typeface=""/>
+        <a:cs typeface=""/>
+        <a:font script="Jpan" typeface="游ゴシック Light"/>
+        <a:font script="Hang" typeface="맑은 고딕"/>
+        <a:font script="Hans" typeface="等线 Light"/>
+        <a:font script="Hant" typeface="新細明體"/>
+        <a:font script="Arab" typeface="Times New Roman"/>
+        <a:font script="Hebr" typeface="Times New Roman"/>
+        <a:font script="Thai" typeface="Angsana New"/>
+        <a:font script="Ethi" typeface="Nyala"/>
+        <a:font script="Beng" typeface="Vrinda"/>
+        <a:font script="Gujr" typeface="Shruti"/>
+        <a:font script="Khmr" typeface="MoolBoran"/>
+        <a:font script="Knda" typeface="Tunga"/>
+        <a:font script="Guru" typeface="Raavi"/>
+        <a:font script="Cans" typeface="Euphemia"/>
+        <a:font script="Cher" typeface="Plantagenet Cherokee"/>
+        <a:font script="Yiii" typeface="Microsoft Yi Baiti"/>
+        <a:font script="Tibt" typeface="Microsoft Himalaya"/>
+        <a:font script="Thaa" typeface="MV Boli"/>
+        <a:font script="Deva" typeface="Mangal"/>
+        <a:font script="Telu" typeface="Gautami"/>
+        <a:font script="Taml" typeface="Latha"/>
+        <a:font script="Syrc" typeface="Estrangelo Edessa"/>
+        <a:font script="Orya" typeface="Kalinga"/>
+        <a:font script="Mlym" typeface="Kartika"/>
+        <a:font script="Laoo" typeface="DokChampa"/>
+        <a:font script="Sinh" typeface="Iskoola Pota"/>
+        <a:font script="Mong" typeface="Mongolian Baiti"/>
+        <a:font script="Viet" typeface="Times New Roman"/>
+        <a:font script="Uigh" typeface="Microsoft Uighur"/>
+        <a:font script="Geor" typeface="Sylfaen"/>
+        <a:font script="Armn" typeface="Arial"/>
+        <a:font script="Bugi" typeface="Leelawadee UI"/>
+        <a:font script="Bopo" typeface="Microsoft JhengHei"/>
+        <a:font script="Java" typeface="Javanese Text"/>
+        <a:font script="Lisu" typeface="Segoe UI"/>
+        <a:font script="Mymr" typeface="Myanmar Text"/>
+        <a:font script="Nkoo" typeface="Ebrima"/>
+        <a:font script="Olck" typeface="Nirmala UI"/>
+        <a:font script="Osma" typeface="Ebrima"/>
+        <a:font script="Phag" typeface="Phagspa"/>
+        <a:font script="Syrn" typeface="Estrangelo Edessa"/>
+        <a:font script="Syrj" typeface="Estrangelo Edessa"/>
+        <a:font script="Syre" typeface="Estrangelo Edessa"/>
+        <a:font script="Sora" typeface="Nirmala UI"/>
+        <a:font script="Tale" typeface="Microsoft Tai Le"/>
+        <a:font script="Talu" typeface="Microsoft New Tai Lue"/>
+        <a:font script="Tfng" typeface="Ebrima"/>
+      </a:majorFont>
+      <a:minorFont>
+        <a:latin typeface="游ゴシック" panose="020F0502020204030204"/>
+        <a:ea typeface=""/>
+        <a:cs typeface=""/>
+        <a:font script="Jpan" typeface="游ゴシック"/>
+        <a:font script="Hang" typeface="맑은 고딕"/>
+        <a:font script="Hans" typeface="等线"/>
+        <a:font script="Hant" typeface="新細明體"/>
+        <a:font script="Arab" typeface="Arial"/>
+        <a:font script="Hebr" typeface="Arial"/>
+        <a:font script="Thai" typeface="Cordia New"/>
+        <a:font script="Ethi" typeface="Nyala"/>
+        <a:font script="Beng" typeface="Vrinda"/>
+        <a:font script="Gujr" typeface="Shruti"/>
+        <a:font script="Khmr" typeface="DaunPenh"/>
+        <a:font script="Knda" typeface="Tunga"/>
+        <a:font script="Guru" typeface="Raavi"/>
+        <a:font script="Cans" typeface="Euphemia"/>
+        <a:font script="Cher" typeface="Plantagenet Cherokee"/>
+        <a:font script="Yiii" typeface="Microsoft Yi Baiti"/>
+        <a:font script="Tibt" typeface="Microsoft Himalaya"/>
+        <a:font script="Thaa" typeface="MV Boli"/>
+        <a:font script="Deva" typeface="Mangal"/>
+        <a:font script="Telu" typeface="Gautami"/>
+        <a:font script="Taml" typeface="Latha"/>
+        <a:font script="Syrc" typeface="Estrangelo Edessa"/>
+        <a:font script="Orya" typeface="Kalinga"/>
+        <a:font script="Mlym" typeface="Kartika"/>
+        <a:font script="Laoo" typeface="DokChampa"/>
+        <a:font script="Sinh" typeface="Iskoola Pota"/>
+        <a:font script="Mong" typeface="Mongolian Baiti"/>
+        <a:font script="Viet" typeface="Arial"/>
+        <a:font script="Uigh" typeface="Microsoft Uighur"/>
+        <a:font script="Geor" typeface="Sylfaen"/>
+        <a:font script="Armn" typeface="Arial"/>
+        <a:font script="Bugi" typeface="Leelawadee UI"/>
+        <a:font script="Bopo" typeface="Microsoft JhengHei"/>
+        <a:font script="Java" typeface="Javanese Text"/>
+        <a:font script="Lisu" typeface="Segoe UI"/>
+        <a:font script="Mymr" typeface="Myanmar Text"/>
+        <a:font script="Nkoo" typeface="Ebrima"/>
+        <a:font script="Olck" typeface="Nirmala UI"/>
+        <a:font script="Osma" typeface="Ebrima"/>
+        <a:font script="Phag" typeface="Phagspa"/>
+        <a:font script="Syrn" typeface="Estrangelo Edessa"/>
+        <a:font script="Syrj" typeface="Estrangelo Edessa"/>
+        <a:font script="Syre" typeface="Estrangelo Edessa"/>
+        <a:font script="Sora" typeface="Nirmala UI"/>
+        <a:font script="Tale" typeface="Microsoft Tai Le"/>
+        <a:font script="Talu" typeface="Microsoft New Tai Lue"/>
+        <a:font script="Tfng" typeface="Ebrima"/>
+      </a:minorFont>
+    </a:fontScheme>
+    <a:fmtScheme name="Office">
+      <a:fillStyleLst>
+        <a:solidFill>
+          <a:schemeClr val="phClr"/>
+        </a:solidFill>
+        <a:gradFill rotWithShape="1">
+          <a:gsLst>
+            <a:gs pos="0">
+              <a:schemeClr val="phClr">
+                <a:lumMod val="110000"/>
+                <a:satMod val="105000"/>
+                <a:tint val="67000"/>
+              </a:schemeClr>
+            </a:gs>
+            <a:gs pos="50000">
+              <a:schemeClr val="phClr">
+                <a:lumMod val="105000"/>
+                <a:satMod val="103000"/>
+                <a:tint val="73000"/>
+              </a:schemeClr>
+            </a:gs>
+            <a:gs pos="100000">
+              <a:schemeClr val="phClr">
+                <a:lumMod val="105000"/>
+                <a:satMod val="109000"/>
+                <a:tint val="81000"/>
+              </a:schemeClr>
+            </a:gs>
+          </a:gsLst>
+          <a:lin ang="5400000" scaled="0"/>
+        </a:gradFill>
+        <a:gradFill rotWithShape="1">
+          <a:gsLst>
+            <a:gs pos="0">
+              <a:schemeClr val="phClr">
+                <a:satMod val="103000"/>
+                <a:lumMod val="102000"/>
+                <a:tint val="94000"/>
+              </a:schemeClr>
+            </a:gs>
+            <a:gs pos="50000">
+              <a:schemeClr val="phClr">
+                <a:satMod val="110000"/>
+                <a:lumMod val="100000"/>
+                <a:shade val="100000"/>
+              </a:schemeClr>
+            </a:gs>
+            <a:gs pos="100000">
+              <a:schemeClr val="phClr">
+                <a:lumMod val="99000"/>
+                <a:satMod val="120000"/>
+                <a:shade val="78000"/>
+              </a:schemeClr>
+            </a:gs>
+          </a:gsLst>
+          <a:lin ang="5400000" scaled="0"/>
+        </a:gradFill>
+      </a:fillStyleLst>
+      <a:lnStyleLst>
+        <a:ln w="6350" cap="flat" cmpd="sng" algn="ctr">
+          <a:solidFill>
+            <a:schemeClr val="phClr"/>
+          </a:solidFill>
+          <a:prstDash val="solid"/>
+          <a:miter lim="800000"/>
+        </a:ln>
+        <a:ln w="12700" cap="flat" cmpd="sng" algn="ctr">
+          <a:solidFill>
+            <a:schemeClr val="phClr"/>
+          </a:solidFill>
+          <a:prstDash val="solid"/>
+          <a:miter lim="800000"/>
+        </a:ln>
+        <a:ln w="19050" cap="flat" cmpd="sng" algn="ctr">
+          <a:solidFill>
+            <a:schemeClr val="phClr"/>
+          </a:solidFill>
+          <a:prstDash val="solid"/>
+          <a:miter lim="800000"/>
+        </a:ln>
+      </a:lnStyleLst>
+      <a:effectStyleLst>
+        <a:effectStyle>
+          <a:effectLst/>
+        </a:effectStyle>
+        <a:effectStyle>
+          <a:effectLst/>
+        </a:effectStyle>
+        <a:effectStyle>
+          <a:effectLst>
+            <a:outerShdw blurRad="57150" dist="19050" dir="5400000" algn="ctr" rotWithShape="0">
+              <a:srgbClr val="000000">
+                <a:alpha val="63000"/>
+              </a:srgbClr>
+            </a:outerShdw>
+          </a:effectLst>
+        </a:effectStyle>
+      </a:effectStyleLst>
+      <a:bgFillStyleLst>
+        <a:solidFill>
+          <a:schemeClr val="phClr"/>
+        </a:solidFill>
+        <a:solidFill>
+          <a:schemeClr val="phClr">
+            <a:tint val="95000"/>
+            <a:satMod val="170000"/>
+          </a:schemeClr>
+        </a:solidFill>
+        <a:gradFill rotWithShape="1">
+          <a:gsLst>
+            <a:gs pos="0">
+              <a:schemeClr val="phClr">
+                <a:tint val="93000"/>
+                <a:satMod val="150000"/>
+                <a:shade val="98000"/>
+                <a:lumMod val="102000"/>
+              </a:schemeClr>
+            </a:gs>
+            <a:gs pos="50000">
+              <a:schemeClr val="phClr">
+                <a:tint val="98000"/>
+                <a:satMod val="130000"/>
+                <a:shade val="90000"/>
+                <a:lumMod val="103000"/>
+              </a:schemeClr>
+            </a:gs>
+            <a:gs pos="100000">
+              <a:schemeClr val="phClr">
+                <a:shade val="63000"/>
+                <a:satMod val="120000"/>
+              </a:schemeClr>
+            </a:gs>
+          </a:gsLst>
+          <a:lin ang="5400000" scaled="0"/>
+        </a:gradFill>
+      </a:bgFillStyleLst>
+    </a:fmtScheme>
+  </a:themeElements>
+  <a:objectDefaults/>
+  <a:extraClrSchemeLst/>
+  <a:extLst>
+    <a:ext uri="{05A4C25C-085E-4340-85A3-A5531E510DB2}">
+      <thm15:themeFamily xmlns:thm15="http://schemas.microsoft.com/office/thememl/2012/main" name="Office Theme" id="{62F939B6-93AF-4DB8-9C6B-D6C7DFDC589F}" vid="{4A3C46E8-61CC-4603-A589-7422A47A8E4A}"/>
+    </a:ext>
+  </a:extLst>
+</a:theme>
 </file>
--- a/発表資料.pptx
+++ b/発表資料.pptx
@@ -135,7 +135,7 @@
 <file path=ppt/revisionInfo.xml><?xml version="1.0" encoding="utf-8"?>
 <p1510:revInfo xmlns:a="http://schemas.openxmlformats.org/drawingml/2006/main" xmlns:r="http://schemas.openxmlformats.org/officeDocument/2006/relationships" xmlns:p1510="http://schemas.microsoft.com/office/powerpoint/2015/10/main">
   <p1510:revLst>
-    <p1510:client id="{F1A2D807-E411-4BAA-ADCB-281A16E9918E}" v="140" dt="2023-06-02T07:18:14.919"/>
+    <p1510:client id="{F1A2D807-E411-4BAA-ADCB-281A16E9918E}" v="141" dt="2023-06-05T04:20:37.231"/>
   </p1510:revLst>
 </p1510:revInfo>
 </file>
@@ -143,80 +143,9 @@
 <file path=ppt/changesInfos/changesInfo1.xml><?xml version="1.0" encoding="utf-8"?>
 <pc:chgInfo xmlns:a="http://schemas.openxmlformats.org/drawingml/2006/main" xmlns:r="http://schemas.openxmlformats.org/officeDocument/2006/relationships" xmlns:ac="http://schemas.microsoft.com/office/drawing/2013/main/command" xmlns:pc="http://schemas.microsoft.com/office/powerpoint/2013/main/command">
   <pc:docChgLst>
-    <pc:chgData name="g2172010" userId="677ea30d-a8de-4f49-ade8-c07a37f9575b" providerId="ADAL" clId="{C907617E-C4A9-4E2A-A5F9-4FFE4D50F61C}"/>
-    <pc:docChg chg="custSel addSld modSld">
-      <pc:chgData name="g2172010" userId="677ea30d-a8de-4f49-ade8-c07a37f9575b" providerId="ADAL" clId="{C907617E-C4A9-4E2A-A5F9-4FFE4D50F61C}" dt="2023-05-18T00:58:03.438" v="219" actId="20577"/>
-      <pc:docMkLst>
-        <pc:docMk/>
-      </pc:docMkLst>
-      <pc:sldChg chg="new">
-        <pc:chgData name="g2172010" userId="677ea30d-a8de-4f49-ade8-c07a37f9575b" providerId="ADAL" clId="{C907617E-C4A9-4E2A-A5F9-4FFE4D50F61C}" dt="2023-05-18T00:51:07.361" v="0" actId="680"/>
-        <pc:sldMkLst>
-          <pc:docMk/>
-          <pc:sldMk cId="417529461" sldId="256"/>
-        </pc:sldMkLst>
-      </pc:sldChg>
-      <pc:sldChg chg="addSp delSp modSp new mod">
-        <pc:chgData name="g2172010" userId="677ea30d-a8de-4f49-ade8-c07a37f9575b" providerId="ADAL" clId="{C907617E-C4A9-4E2A-A5F9-4FFE4D50F61C}" dt="2023-05-18T00:58:03.438" v="219" actId="20577"/>
-        <pc:sldMkLst>
-          <pc:docMk/>
-          <pc:sldMk cId="1173041562" sldId="257"/>
-        </pc:sldMkLst>
-        <pc:spChg chg="del">
-          <ac:chgData name="g2172010" userId="677ea30d-a8de-4f49-ade8-c07a37f9575b" providerId="ADAL" clId="{C907617E-C4A9-4E2A-A5F9-4FFE4D50F61C}" dt="2023-05-18T00:53:56.658" v="120" actId="478"/>
-          <ac:spMkLst>
-            <pc:docMk/>
-            <pc:sldMk cId="1173041562" sldId="257"/>
-            <ac:spMk id="2" creationId="{44FB9DBD-AEC9-9A23-7298-C0D37B73DA91}"/>
-          </ac:spMkLst>
-        </pc:spChg>
-        <pc:spChg chg="del">
-          <ac:chgData name="g2172010" userId="677ea30d-a8de-4f49-ade8-c07a37f9575b" providerId="ADAL" clId="{C907617E-C4A9-4E2A-A5F9-4FFE4D50F61C}" dt="2023-05-18T00:54:00.983" v="121" actId="478"/>
-          <ac:spMkLst>
-            <pc:docMk/>
-            <pc:sldMk cId="1173041562" sldId="257"/>
-            <ac:spMk id="3" creationId="{DB4940C3-0C9A-4967-2D5A-4FD6B3B30239}"/>
-          </ac:spMkLst>
-        </pc:spChg>
-        <pc:spChg chg="add del mod">
-          <ac:chgData name="g2172010" userId="677ea30d-a8de-4f49-ade8-c07a37f9575b" providerId="ADAL" clId="{C907617E-C4A9-4E2A-A5F9-4FFE4D50F61C}" dt="2023-05-18T00:53:44.980" v="116" actId="478"/>
-          <ac:spMkLst>
-            <pc:docMk/>
-            <pc:sldMk cId="1173041562" sldId="257"/>
-            <ac:spMk id="4" creationId="{43C22A7A-D2CE-CBB9-CF84-F8B2188200F2}"/>
-          </ac:spMkLst>
-        </pc:spChg>
-        <pc:spChg chg="add del mod">
-          <ac:chgData name="g2172010" userId="677ea30d-a8de-4f49-ade8-c07a37f9575b" providerId="ADAL" clId="{C907617E-C4A9-4E2A-A5F9-4FFE4D50F61C}" dt="2023-05-18T00:53:07.103" v="75" actId="12084"/>
-          <ac:spMkLst>
-            <pc:docMk/>
-            <pc:sldMk cId="1173041562" sldId="257"/>
-            <ac:spMk id="5" creationId="{A94FFB23-0D52-924D-11C7-4E19281531BA}"/>
-          </ac:spMkLst>
-        </pc:spChg>
-        <pc:spChg chg="add del mod">
-          <ac:chgData name="g2172010" userId="677ea30d-a8de-4f49-ade8-c07a37f9575b" providerId="ADAL" clId="{C907617E-C4A9-4E2A-A5F9-4FFE4D50F61C}" dt="2023-05-18T00:53:47.780" v="117" actId="478"/>
-          <ac:spMkLst>
-            <pc:docMk/>
-            <pc:sldMk cId="1173041562" sldId="257"/>
-            <ac:spMk id="6" creationId="{DEC3DC7C-9AF7-2F70-7286-144919CB58A4}"/>
-          </ac:spMkLst>
-        </pc:spChg>
-        <pc:graphicFrameChg chg="add mod">
-          <ac:chgData name="g2172010" userId="677ea30d-a8de-4f49-ade8-c07a37f9575b" providerId="ADAL" clId="{C907617E-C4A9-4E2A-A5F9-4FFE4D50F61C}" dt="2023-05-18T00:58:03.438" v="219" actId="20577"/>
-          <ac:graphicFrameMkLst>
-            <pc:docMk/>
-            <pc:sldMk cId="1173041562" sldId="257"/>
-            <ac:graphicFrameMk id="7" creationId="{4E224B72-27CD-3CFA-2925-1BC4809E4DF5}"/>
-          </ac:graphicFrameMkLst>
-        </pc:graphicFrameChg>
-      </pc:sldChg>
-    </pc:docChg>
-  </pc:docChgLst>
-  <pc:docChgLst>
     <pc:chgData name="g2172010" userId="677ea30d-a8de-4f49-ade8-c07a37f9575b" providerId="ADAL" clId="{F1A2D807-E411-4BAA-ADCB-281A16E9918E}"/>
     <pc:docChg chg="undo custSel addSld delSld modSld">
-      <pc:chgData name="g2172010" userId="677ea30d-a8de-4f49-ade8-c07a37f9575b" providerId="ADAL" clId="{F1A2D807-E411-4BAA-ADCB-281A16E9918E}" dt="2023-06-02T07:18:14.919" v="254" actId="164"/>
+      <pc:chgData name="g2172010" userId="677ea30d-a8de-4f49-ade8-c07a37f9575b" providerId="ADAL" clId="{F1A2D807-E411-4BAA-ADCB-281A16E9918E}" dt="2023-06-05T04:21:41.348" v="261" actId="1076"/>
       <pc:docMkLst>
         <pc:docMk/>
       </pc:docMkLst>
@@ -244,7 +173,7 @@
         </pc:spChg>
       </pc:sldChg>
       <pc:sldChg chg="addSp delSp modSp mod">
-        <pc:chgData name="g2172010" userId="677ea30d-a8de-4f49-ade8-c07a37f9575b" providerId="ADAL" clId="{F1A2D807-E411-4BAA-ADCB-281A16E9918E}" dt="2023-06-02T07:18:14.919" v="254" actId="164"/>
+        <pc:chgData name="g2172010" userId="677ea30d-a8de-4f49-ade8-c07a37f9575b" providerId="ADAL" clId="{F1A2D807-E411-4BAA-ADCB-281A16E9918E}" dt="2023-06-05T04:21:41.348" v="261" actId="1076"/>
         <pc:sldMkLst>
           <pc:docMk/>
           <pc:sldMk cId="1173041562" sldId="257"/>
@@ -306,7 +235,7 @@
           </ac:spMkLst>
         </pc:spChg>
         <pc:spChg chg="mod">
-          <ac:chgData name="g2172010" userId="677ea30d-a8de-4f49-ade8-c07a37f9575b" providerId="ADAL" clId="{F1A2D807-E411-4BAA-ADCB-281A16E9918E}" dt="2023-06-02T07:18:14.919" v="254" actId="164"/>
+          <ac:chgData name="g2172010" userId="677ea30d-a8de-4f49-ade8-c07a37f9575b" providerId="ADAL" clId="{F1A2D807-E411-4BAA-ADCB-281A16E9918E}" dt="2023-06-05T04:21:41.348" v="261" actId="1076"/>
           <ac:spMkLst>
             <pc:docMk/>
             <pc:sldMk cId="1173041562" sldId="257"/>
@@ -338,7 +267,7 @@
           </ac:spMkLst>
         </pc:spChg>
         <pc:grpChg chg="add mod">
-          <ac:chgData name="g2172010" userId="677ea30d-a8de-4f49-ade8-c07a37f9575b" providerId="ADAL" clId="{F1A2D807-E411-4BAA-ADCB-281A16E9918E}" dt="2023-06-02T07:18:14.919" v="254" actId="164"/>
+          <ac:chgData name="g2172010" userId="677ea30d-a8de-4f49-ade8-c07a37f9575b" providerId="ADAL" clId="{F1A2D807-E411-4BAA-ADCB-281A16E9918E}" dt="2023-06-05T04:19:57.688" v="255" actId="1076"/>
           <ac:grpSpMkLst>
             <pc:docMk/>
             <pc:sldMk cId="1173041562" sldId="257"/>
@@ -346,7 +275,7 @@
           </ac:grpSpMkLst>
         </pc:grpChg>
         <pc:graphicFrameChg chg="mod">
-          <ac:chgData name="g2172010" userId="677ea30d-a8de-4f49-ade8-c07a37f9575b" providerId="ADAL" clId="{F1A2D807-E411-4BAA-ADCB-281A16E9918E}" dt="2023-06-02T07:18:14.919" v="254" actId="164"/>
+          <ac:chgData name="g2172010" userId="677ea30d-a8de-4f49-ade8-c07a37f9575b" providerId="ADAL" clId="{F1A2D807-E411-4BAA-ADCB-281A16E9918E}" dt="2023-06-05T04:20:37.231" v="256" actId="5736"/>
           <ac:graphicFrameMkLst>
             <pc:docMk/>
             <pc:sldMk cId="1173041562" sldId="257"/>
@@ -779,6 +708,77 @@
             <ac:spMk id="3" creationId="{64090476-C233-531C-AA86-6F16F46AD04D}"/>
           </ac:spMkLst>
         </pc:spChg>
+      </pc:sldChg>
+    </pc:docChg>
+  </pc:docChgLst>
+  <pc:docChgLst>
+    <pc:chgData name="g2172010" userId="677ea30d-a8de-4f49-ade8-c07a37f9575b" providerId="ADAL" clId="{C907617E-C4A9-4E2A-A5F9-4FFE4D50F61C}"/>
+    <pc:docChg chg="custSel addSld modSld">
+      <pc:chgData name="g2172010" userId="677ea30d-a8de-4f49-ade8-c07a37f9575b" providerId="ADAL" clId="{C907617E-C4A9-4E2A-A5F9-4FFE4D50F61C}" dt="2023-05-18T00:58:03.438" v="219" actId="20577"/>
+      <pc:docMkLst>
+        <pc:docMk/>
+      </pc:docMkLst>
+      <pc:sldChg chg="new">
+        <pc:chgData name="g2172010" userId="677ea30d-a8de-4f49-ade8-c07a37f9575b" providerId="ADAL" clId="{C907617E-C4A9-4E2A-A5F9-4FFE4D50F61C}" dt="2023-05-18T00:51:07.361" v="0" actId="680"/>
+        <pc:sldMkLst>
+          <pc:docMk/>
+          <pc:sldMk cId="417529461" sldId="256"/>
+        </pc:sldMkLst>
+      </pc:sldChg>
+      <pc:sldChg chg="addSp delSp modSp new mod">
+        <pc:chgData name="g2172010" userId="677ea30d-a8de-4f49-ade8-c07a37f9575b" providerId="ADAL" clId="{C907617E-C4A9-4E2A-A5F9-4FFE4D50F61C}" dt="2023-05-18T00:58:03.438" v="219" actId="20577"/>
+        <pc:sldMkLst>
+          <pc:docMk/>
+          <pc:sldMk cId="1173041562" sldId="257"/>
+        </pc:sldMkLst>
+        <pc:spChg chg="del">
+          <ac:chgData name="g2172010" userId="677ea30d-a8de-4f49-ade8-c07a37f9575b" providerId="ADAL" clId="{C907617E-C4A9-4E2A-A5F9-4FFE4D50F61C}" dt="2023-05-18T00:53:56.658" v="120" actId="478"/>
+          <ac:spMkLst>
+            <pc:docMk/>
+            <pc:sldMk cId="1173041562" sldId="257"/>
+            <ac:spMk id="2" creationId="{44FB9DBD-AEC9-9A23-7298-C0D37B73DA91}"/>
+          </ac:spMkLst>
+        </pc:spChg>
+        <pc:spChg chg="del">
+          <ac:chgData name="g2172010" userId="677ea30d-a8de-4f49-ade8-c07a37f9575b" providerId="ADAL" clId="{C907617E-C4A9-4E2A-A5F9-4FFE4D50F61C}" dt="2023-05-18T00:54:00.983" v="121" actId="478"/>
+          <ac:spMkLst>
+            <pc:docMk/>
+            <pc:sldMk cId="1173041562" sldId="257"/>
+            <ac:spMk id="3" creationId="{DB4940C3-0C9A-4967-2D5A-4FD6B3B30239}"/>
+          </ac:spMkLst>
+        </pc:spChg>
+        <pc:spChg chg="add del mod">
+          <ac:chgData name="g2172010" userId="677ea30d-a8de-4f49-ade8-c07a37f9575b" providerId="ADAL" clId="{C907617E-C4A9-4E2A-A5F9-4FFE4D50F61C}" dt="2023-05-18T00:53:44.980" v="116" actId="478"/>
+          <ac:spMkLst>
+            <pc:docMk/>
+            <pc:sldMk cId="1173041562" sldId="257"/>
+            <ac:spMk id="4" creationId="{43C22A7A-D2CE-CBB9-CF84-F8B2188200F2}"/>
+          </ac:spMkLst>
+        </pc:spChg>
+        <pc:spChg chg="add del mod">
+          <ac:chgData name="g2172010" userId="677ea30d-a8de-4f49-ade8-c07a37f9575b" providerId="ADAL" clId="{C907617E-C4A9-4E2A-A5F9-4FFE4D50F61C}" dt="2023-05-18T00:53:07.103" v="75" actId="12084"/>
+          <ac:spMkLst>
+            <pc:docMk/>
+            <pc:sldMk cId="1173041562" sldId="257"/>
+            <ac:spMk id="5" creationId="{A94FFB23-0D52-924D-11C7-4E19281531BA}"/>
+          </ac:spMkLst>
+        </pc:spChg>
+        <pc:spChg chg="add del mod">
+          <ac:chgData name="g2172010" userId="677ea30d-a8de-4f49-ade8-c07a37f9575b" providerId="ADAL" clId="{C907617E-C4A9-4E2A-A5F9-4FFE4D50F61C}" dt="2023-05-18T00:53:47.780" v="117" actId="478"/>
+          <ac:spMkLst>
+            <pc:docMk/>
+            <pc:sldMk cId="1173041562" sldId="257"/>
+            <ac:spMk id="6" creationId="{DEC3DC7C-9AF7-2F70-7286-144919CB58A4}"/>
+          </ac:spMkLst>
+        </pc:spChg>
+        <pc:graphicFrameChg chg="add mod">
+          <ac:chgData name="g2172010" userId="677ea30d-a8de-4f49-ade8-c07a37f9575b" providerId="ADAL" clId="{C907617E-C4A9-4E2A-A5F9-4FFE4D50F61C}" dt="2023-05-18T00:58:03.438" v="219" actId="20577"/>
+          <ac:graphicFrameMkLst>
+            <pc:docMk/>
+            <pc:sldMk cId="1173041562" sldId="257"/>
+            <ac:graphicFrameMk id="7" creationId="{4E224B72-27CD-3CFA-2925-1BC4809E4DF5}"/>
+          </ac:graphicFrameMkLst>
+        </pc:graphicFrameChg>
       </pc:sldChg>
     </pc:docChg>
   </pc:docChgLst>
@@ -4072,9 +4072,13 @@
           </a:pPr>
           <a:r>
             <a:rPr kumimoji="1" lang="ja-JP" altLang="en-US" sz="5600" kern="1200"/>
-            <a:t>初期状態</a:t>
+            <a:t>初期</a:t>
           </a:r>
-          <a:endParaRPr lang="ja-JP" altLang="en-US" sz="5600" kern="1200"/>
+          <a:r>
+            <a:rPr kumimoji="1" lang="ja-JP" sz="5600" kern="1200"/>
+            <a:t>状態</a:t>
+          </a:r>
+          <a:endParaRPr lang="ja-JP" sz="5600" kern="1200"/>
         </a:p>
       </dsp:txBody>
       <dsp:txXfrm>
@@ -4152,6 +4156,7 @@
             <a:rPr lang="ja-JP" altLang="en-US" sz="5600" kern="1200"/>
             <a:t>動作状態</a:t>
           </a:r>
+          <a:endParaRPr lang="ja-JP" sz="5600" kern="1200"/>
         </a:p>
       </dsp:txBody>
       <dsp:txXfrm>
@@ -8957,7 +8962,7 @@
           <a:p>
             <a:fld id="{581FE9F6-1E18-4AB3-B7CA-A2B621D23B17}" type="datetimeFigureOut">
               <a:rPr kumimoji="1" lang="ja-JP" altLang="en-US" smtClean="0"/>
-              <a:t>2023/6/2</a:t>
+              <a:t>2023/6/5</a:t>
             </a:fld>
             <a:endParaRPr kumimoji="1" lang="ja-JP" altLang="en-US"/>
           </a:p>
@@ -9591,7 +9596,7 @@
           <a:p>
             <a:fld id="{179C1435-D56D-4B5F-896C-3781FCA9E277}" type="datetimeFigureOut">
               <a:rPr kumimoji="1" lang="ja-JP" altLang="en-US" smtClean="0"/>
-              <a:t>2023/6/2</a:t>
+              <a:t>2023/6/5</a:t>
             </a:fld>
             <a:endParaRPr kumimoji="1" lang="ja-JP" altLang="en-US"/>
           </a:p>
@@ -9793,7 +9798,7 @@
           <a:p>
             <a:fld id="{179C1435-D56D-4B5F-896C-3781FCA9E277}" type="datetimeFigureOut">
               <a:rPr kumimoji="1" lang="ja-JP" altLang="en-US" smtClean="0"/>
-              <a:t>2023/6/2</a:t>
+              <a:t>2023/6/5</a:t>
             </a:fld>
             <a:endParaRPr kumimoji="1" lang="ja-JP" altLang="en-US"/>
           </a:p>
@@ -10005,7 +10010,7 @@
           <a:p>
             <a:fld id="{179C1435-D56D-4B5F-896C-3781FCA9E277}" type="datetimeFigureOut">
               <a:rPr kumimoji="1" lang="ja-JP" altLang="en-US" smtClean="0"/>
-              <a:t>2023/6/2</a:t>
+              <a:t>2023/6/5</a:t>
             </a:fld>
             <a:endParaRPr kumimoji="1" lang="ja-JP" altLang="en-US"/>
           </a:p>
@@ -10207,7 +10212,7 @@
           <a:p>
             <a:fld id="{179C1435-D56D-4B5F-896C-3781FCA9E277}" type="datetimeFigureOut">
               <a:rPr kumimoji="1" lang="ja-JP" altLang="en-US" smtClean="0"/>
-              <a:t>2023/6/2</a:t>
+              <a:t>2023/6/5</a:t>
             </a:fld>
             <a:endParaRPr kumimoji="1" lang="ja-JP" altLang="en-US"/>
           </a:p>
@@ -10465,7 +10470,7 @@
           <a:p>
             <a:fld id="{179C1435-D56D-4B5F-896C-3781FCA9E277}" type="datetimeFigureOut">
               <a:rPr kumimoji="1" lang="ja-JP" altLang="en-US" smtClean="0"/>
-              <a:t>2023/6/2</a:t>
+              <a:t>2023/6/5</a:t>
             </a:fld>
             <a:endParaRPr kumimoji="1" lang="ja-JP" altLang="en-US"/>
           </a:p>
@@ -10817,7 +10822,7 @@
           <a:p>
             <a:fld id="{179C1435-D56D-4B5F-896C-3781FCA9E277}" type="datetimeFigureOut">
               <a:rPr kumimoji="1" lang="ja-JP" altLang="en-US" smtClean="0"/>
-              <a:t>2023/6/2</a:t>
+              <a:t>2023/6/5</a:t>
             </a:fld>
             <a:endParaRPr kumimoji="1" lang="ja-JP" altLang="en-US"/>
           </a:p>
@@ -11323,7 +11328,7 @@
           <a:p>
             <a:fld id="{179C1435-D56D-4B5F-896C-3781FCA9E277}" type="datetimeFigureOut">
               <a:rPr kumimoji="1" lang="ja-JP" altLang="en-US" smtClean="0"/>
-              <a:t>2023/6/2</a:t>
+              <a:t>2023/6/5</a:t>
             </a:fld>
             <a:endParaRPr kumimoji="1" lang="ja-JP" altLang="en-US"/>
           </a:p>
@@ -11441,7 +11446,7 @@
           <a:p>
             <a:fld id="{179C1435-D56D-4B5F-896C-3781FCA9E277}" type="datetimeFigureOut">
               <a:rPr kumimoji="1" lang="ja-JP" altLang="en-US" smtClean="0"/>
-              <a:t>2023/6/2</a:t>
+              <a:t>2023/6/5</a:t>
             </a:fld>
             <a:endParaRPr kumimoji="1" lang="ja-JP" altLang="en-US"/>
           </a:p>
@@ -11536,7 +11541,7 @@
           <a:p>
             <a:fld id="{179C1435-D56D-4B5F-896C-3781FCA9E277}" type="datetimeFigureOut">
               <a:rPr kumimoji="1" lang="ja-JP" altLang="en-US" smtClean="0"/>
-              <a:t>2023/6/2</a:t>
+              <a:t>2023/6/5</a:t>
             </a:fld>
             <a:endParaRPr kumimoji="1" lang="ja-JP" altLang="en-US"/>
           </a:p>
@@ -11856,7 +11861,7 @@
           <a:p>
             <a:fld id="{179C1435-D56D-4B5F-896C-3781FCA9E277}" type="datetimeFigureOut">
               <a:rPr kumimoji="1" lang="ja-JP" altLang="en-US" smtClean="0"/>
-              <a:t>2023/6/2</a:t>
+              <a:t>2023/6/5</a:t>
             </a:fld>
             <a:endParaRPr kumimoji="1" lang="ja-JP" altLang="en-US"/>
           </a:p>
@@ -12129,7 +12134,7 @@
           <a:p>
             <a:fld id="{179C1435-D56D-4B5F-896C-3781FCA9E277}" type="datetimeFigureOut">
               <a:rPr kumimoji="1" lang="ja-JP" altLang="en-US" smtClean="0"/>
-              <a:t>2023/6/2</a:t>
+              <a:t>2023/6/5</a:t>
             </a:fld>
             <a:endParaRPr kumimoji="1" lang="ja-JP" altLang="en-US"/>
           </a:p>
@@ -12458,7 +12463,7 @@
           <a:p>
             <a:fld id="{179C1435-D56D-4B5F-896C-3781FCA9E277}" type="datetimeFigureOut">
               <a:rPr kumimoji="1" lang="ja-JP" altLang="en-US" smtClean="0"/>
-              <a:t>2023/6/2</a:t>
+              <a:t>2023/6/5</a:t>
             </a:fld>
             <a:endParaRPr kumimoji="1" lang="ja-JP" altLang="en-US"/>
           </a:p>
@@ -13364,7 +13369,7 @@
         </p:nvGrpSpPr>
         <p:grpSpPr>
           <a:xfrm>
-            <a:off x="4321339" y="707572"/>
+            <a:off x="4288682" y="685801"/>
             <a:ext cx="7217229" cy="5866053"/>
             <a:chOff x="4321339" y="707572"/>
             <a:chExt cx="7217229" cy="5866053"/>
@@ -13383,7 +13388,7 @@
             <p:nvPr>
               <p:extLst>
                 <p:ext uri="{D42A27DB-BD31-4B8C-83A1-F6EECF244321}">
-                  <p14:modId xmlns:p14="http://schemas.microsoft.com/office/powerpoint/2010/main" val="1420612903"/>
+                  <p14:modId xmlns:p14="http://schemas.microsoft.com/office/powerpoint/2010/main" val="2975595615"/>
                 </p:ext>
               </p:extLst>
             </p:nvPr>
@@ -13470,8 +13475,8 @@
           </p:nvSpPr>
           <p:spPr>
             <a:xfrm>
-              <a:off x="8775905" y="5333317"/>
-              <a:ext cx="2031838" cy="461665"/>
+              <a:off x="8695205" y="5333317"/>
+              <a:ext cx="2218666" cy="461665"/>
             </a:xfrm>
             <a:prstGeom prst="rect">
               <a:avLst/>
@@ -13484,15 +13489,16 @@
             </a:bodyPr>
             <a:lstStyle/>
             <a:p>
+              <a:pPr algn="ctr"/>
               <a:r>
-                <a:rPr kumimoji="1" lang="en-US" altLang="ja-JP" sz="2400" err="1"/>
+                <a:rPr kumimoji="1" lang="en-US" altLang="ja-JP" sz="2400" dirty="0" err="1"/>
                 <a:t>System_key</a:t>
               </a:r>
               <a:r>
-                <a:rPr kumimoji="1" lang="en-US" altLang="ja-JP" sz="2400"/>
+                <a:rPr kumimoji="1" lang="en-US" altLang="ja-JP" sz="2400" dirty="0"/>
                 <a:t>=1</a:t>
               </a:r>
-              <a:endParaRPr kumimoji="1" lang="ja-JP" altLang="en-US" sz="2400"/>
+              <a:endParaRPr kumimoji="1" lang="ja-JP" altLang="en-US" sz="2400" dirty="0"/>
             </a:p>
           </p:txBody>
         </p:sp>

--- a/発表資料.pptx
+++ b/発表資料.pptx
@@ -5,7 +5,7 @@
     <p:sldMasterId id="2147483660" r:id="rId1"/>
   </p:sldMasterIdLst>
   <p:notesMasterIdLst>
-    <p:notesMasterId r:id="rId20"/>
+    <p:notesMasterId r:id="rId21"/>
   </p:notesMasterIdLst>
   <p:sldIdLst>
     <p:sldId id="256" r:id="rId2"/>
@@ -26,6 +26,7 @@
     <p:sldId id="272" r:id="rId17"/>
     <p:sldId id="274" r:id="rId18"/>
     <p:sldId id="276" r:id="rId19"/>
+    <p:sldId id="277" r:id="rId20"/>
   </p:sldIdLst>
   <p:sldSz cx="12192000" cy="6858000"/>
   <p:notesSz cx="6858000" cy="9144000"/>
@@ -135,7 +136,7 @@
 <file path=ppt/revisionInfo.xml><?xml version="1.0" encoding="utf-8"?>
 <p1510:revInfo xmlns:a="http://schemas.openxmlformats.org/drawingml/2006/main" xmlns:r="http://schemas.openxmlformats.org/officeDocument/2006/relationships" xmlns:p1510="http://schemas.microsoft.com/office/powerpoint/2015/10/main">
   <p1510:revLst>
-    <p1510:client id="{F1A2D807-E411-4BAA-ADCB-281A16E9918E}" v="141" dt="2023-06-05T04:20:37.231"/>
+    <p1510:client id="{F1A2D807-E411-4BAA-ADCB-281A16E9918E}" v="147" dt="2023-06-07T04:06:51.057"/>
   </p1510:revLst>
 </p1510:revInfo>
 </file>
@@ -143,9 +144,80 @@
 <file path=ppt/changesInfos/changesInfo1.xml><?xml version="1.0" encoding="utf-8"?>
 <pc:chgInfo xmlns:a="http://schemas.openxmlformats.org/drawingml/2006/main" xmlns:r="http://schemas.openxmlformats.org/officeDocument/2006/relationships" xmlns:ac="http://schemas.microsoft.com/office/drawing/2013/main/command" xmlns:pc="http://schemas.microsoft.com/office/powerpoint/2013/main/command">
   <pc:docChgLst>
+    <pc:chgData name="g2172010" userId="677ea30d-a8de-4f49-ade8-c07a37f9575b" providerId="ADAL" clId="{C907617E-C4A9-4E2A-A5F9-4FFE4D50F61C}"/>
+    <pc:docChg chg="custSel addSld modSld">
+      <pc:chgData name="g2172010" userId="677ea30d-a8de-4f49-ade8-c07a37f9575b" providerId="ADAL" clId="{C907617E-C4A9-4E2A-A5F9-4FFE4D50F61C}" dt="2023-05-18T00:58:03.438" v="219" actId="20577"/>
+      <pc:docMkLst>
+        <pc:docMk/>
+      </pc:docMkLst>
+      <pc:sldChg chg="new">
+        <pc:chgData name="g2172010" userId="677ea30d-a8de-4f49-ade8-c07a37f9575b" providerId="ADAL" clId="{C907617E-C4A9-4E2A-A5F9-4FFE4D50F61C}" dt="2023-05-18T00:51:07.361" v="0" actId="680"/>
+        <pc:sldMkLst>
+          <pc:docMk/>
+          <pc:sldMk cId="417529461" sldId="256"/>
+        </pc:sldMkLst>
+      </pc:sldChg>
+      <pc:sldChg chg="addSp delSp modSp new mod">
+        <pc:chgData name="g2172010" userId="677ea30d-a8de-4f49-ade8-c07a37f9575b" providerId="ADAL" clId="{C907617E-C4A9-4E2A-A5F9-4FFE4D50F61C}" dt="2023-05-18T00:58:03.438" v="219" actId="20577"/>
+        <pc:sldMkLst>
+          <pc:docMk/>
+          <pc:sldMk cId="1173041562" sldId="257"/>
+        </pc:sldMkLst>
+        <pc:spChg chg="del">
+          <ac:chgData name="g2172010" userId="677ea30d-a8de-4f49-ade8-c07a37f9575b" providerId="ADAL" clId="{C907617E-C4A9-4E2A-A5F9-4FFE4D50F61C}" dt="2023-05-18T00:53:56.658" v="120" actId="478"/>
+          <ac:spMkLst>
+            <pc:docMk/>
+            <pc:sldMk cId="1173041562" sldId="257"/>
+            <ac:spMk id="2" creationId="{44FB9DBD-AEC9-9A23-7298-C0D37B73DA91}"/>
+          </ac:spMkLst>
+        </pc:spChg>
+        <pc:spChg chg="del">
+          <ac:chgData name="g2172010" userId="677ea30d-a8de-4f49-ade8-c07a37f9575b" providerId="ADAL" clId="{C907617E-C4A9-4E2A-A5F9-4FFE4D50F61C}" dt="2023-05-18T00:54:00.983" v="121" actId="478"/>
+          <ac:spMkLst>
+            <pc:docMk/>
+            <pc:sldMk cId="1173041562" sldId="257"/>
+            <ac:spMk id="3" creationId="{DB4940C3-0C9A-4967-2D5A-4FD6B3B30239}"/>
+          </ac:spMkLst>
+        </pc:spChg>
+        <pc:spChg chg="add del mod">
+          <ac:chgData name="g2172010" userId="677ea30d-a8de-4f49-ade8-c07a37f9575b" providerId="ADAL" clId="{C907617E-C4A9-4E2A-A5F9-4FFE4D50F61C}" dt="2023-05-18T00:53:44.980" v="116" actId="478"/>
+          <ac:spMkLst>
+            <pc:docMk/>
+            <pc:sldMk cId="1173041562" sldId="257"/>
+            <ac:spMk id="4" creationId="{43C22A7A-D2CE-CBB9-CF84-F8B2188200F2}"/>
+          </ac:spMkLst>
+        </pc:spChg>
+        <pc:spChg chg="add del mod">
+          <ac:chgData name="g2172010" userId="677ea30d-a8de-4f49-ade8-c07a37f9575b" providerId="ADAL" clId="{C907617E-C4A9-4E2A-A5F9-4FFE4D50F61C}" dt="2023-05-18T00:53:07.103" v="75" actId="12084"/>
+          <ac:spMkLst>
+            <pc:docMk/>
+            <pc:sldMk cId="1173041562" sldId="257"/>
+            <ac:spMk id="5" creationId="{A94FFB23-0D52-924D-11C7-4E19281531BA}"/>
+          </ac:spMkLst>
+        </pc:spChg>
+        <pc:spChg chg="add del mod">
+          <ac:chgData name="g2172010" userId="677ea30d-a8de-4f49-ade8-c07a37f9575b" providerId="ADAL" clId="{C907617E-C4A9-4E2A-A5F9-4FFE4D50F61C}" dt="2023-05-18T00:53:47.780" v="117" actId="478"/>
+          <ac:spMkLst>
+            <pc:docMk/>
+            <pc:sldMk cId="1173041562" sldId="257"/>
+            <ac:spMk id="6" creationId="{DEC3DC7C-9AF7-2F70-7286-144919CB58A4}"/>
+          </ac:spMkLst>
+        </pc:spChg>
+        <pc:graphicFrameChg chg="add mod">
+          <ac:chgData name="g2172010" userId="677ea30d-a8de-4f49-ade8-c07a37f9575b" providerId="ADAL" clId="{C907617E-C4A9-4E2A-A5F9-4FFE4D50F61C}" dt="2023-05-18T00:58:03.438" v="219" actId="20577"/>
+          <ac:graphicFrameMkLst>
+            <pc:docMk/>
+            <pc:sldMk cId="1173041562" sldId="257"/>
+            <ac:graphicFrameMk id="7" creationId="{4E224B72-27CD-3CFA-2925-1BC4809E4DF5}"/>
+          </ac:graphicFrameMkLst>
+        </pc:graphicFrameChg>
+      </pc:sldChg>
+    </pc:docChg>
+  </pc:docChgLst>
+  <pc:docChgLst>
     <pc:chgData name="g2172010" userId="677ea30d-a8de-4f49-ade8-c07a37f9575b" providerId="ADAL" clId="{F1A2D807-E411-4BAA-ADCB-281A16E9918E}"/>
     <pc:docChg chg="undo custSel addSld delSld modSld">
-      <pc:chgData name="g2172010" userId="677ea30d-a8de-4f49-ade8-c07a37f9575b" providerId="ADAL" clId="{F1A2D807-E411-4BAA-ADCB-281A16E9918E}" dt="2023-06-05T04:21:41.348" v="261" actId="1076"/>
+      <pc:chgData name="g2172010" userId="677ea30d-a8de-4f49-ade8-c07a37f9575b" providerId="ADAL" clId="{F1A2D807-E411-4BAA-ADCB-281A16E9918E}" dt="2023-06-07T04:06:51.057" v="268" actId="478"/>
       <pc:docMkLst>
         <pc:docMk/>
       </pc:docMkLst>
@@ -319,6 +391,109 @@
             <ac:spMk id="2" creationId="{7D393D50-2609-2A6D-918A-735E8BB71EAA}"/>
           </ac:spMkLst>
         </pc:spChg>
+      </pc:sldChg>
+      <pc:sldChg chg="addSp delSp modSp new mod">
+        <pc:chgData name="g2172010" userId="677ea30d-a8de-4f49-ade8-c07a37f9575b" providerId="ADAL" clId="{F1A2D807-E411-4BAA-ADCB-281A16E9918E}" dt="2023-06-07T04:06:51.057" v="268" actId="478"/>
+        <pc:sldMkLst>
+          <pc:docMk/>
+          <pc:sldMk cId="2048276999" sldId="277"/>
+        </pc:sldMkLst>
+        <pc:spChg chg="del">
+          <ac:chgData name="g2172010" userId="677ea30d-a8de-4f49-ade8-c07a37f9575b" providerId="ADAL" clId="{F1A2D807-E411-4BAA-ADCB-281A16E9918E}" dt="2023-06-07T04:06:35.735" v="264" actId="478"/>
+          <ac:spMkLst>
+            <pc:docMk/>
+            <pc:sldMk cId="2048276999" sldId="277"/>
+            <ac:spMk id="2" creationId="{1C8AD225-A63A-CBF0-3E0F-AFD993F98A2D}"/>
+          </ac:spMkLst>
+        </pc:spChg>
+        <pc:spChg chg="del">
+          <ac:chgData name="g2172010" userId="677ea30d-a8de-4f49-ade8-c07a37f9575b" providerId="ADAL" clId="{F1A2D807-E411-4BAA-ADCB-281A16E9918E}" dt="2023-06-07T04:06:39.788" v="265" actId="478"/>
+          <ac:spMkLst>
+            <pc:docMk/>
+            <pc:sldMk cId="2048276999" sldId="277"/>
+            <ac:spMk id="3" creationId="{AAC956F2-9FA4-6E11-D1CF-A2E1FA45EAD8}"/>
+          </ac:spMkLst>
+        </pc:spChg>
+        <pc:spChg chg="mod">
+          <ac:chgData name="g2172010" userId="677ea30d-a8de-4f49-ade8-c07a37f9575b" providerId="ADAL" clId="{F1A2D807-E411-4BAA-ADCB-281A16E9918E}" dt="2023-06-07T04:06:32.814" v="263"/>
+          <ac:spMkLst>
+            <pc:docMk/>
+            <pc:sldMk cId="2048276999" sldId="277"/>
+            <ac:spMk id="6" creationId="{003A6BC1-9BBC-0CA2-A6E3-EBAC1DBA988B}"/>
+          </ac:spMkLst>
+        </pc:spChg>
+        <pc:spChg chg="del mod">
+          <ac:chgData name="g2172010" userId="677ea30d-a8de-4f49-ade8-c07a37f9575b" providerId="ADAL" clId="{F1A2D807-E411-4BAA-ADCB-281A16E9918E}" dt="2023-06-07T04:06:51.057" v="268" actId="478"/>
+          <ac:spMkLst>
+            <pc:docMk/>
+            <pc:sldMk cId="2048276999" sldId="277"/>
+            <ac:spMk id="7" creationId="{5BEA0441-4D69-0261-9A34-9DE20408C78C}"/>
+          </ac:spMkLst>
+        </pc:spChg>
+        <pc:spChg chg="del mod">
+          <ac:chgData name="g2172010" userId="677ea30d-a8de-4f49-ade8-c07a37f9575b" providerId="ADAL" clId="{F1A2D807-E411-4BAA-ADCB-281A16E9918E}" dt="2023-06-07T04:06:46.579" v="267" actId="478"/>
+          <ac:spMkLst>
+            <pc:docMk/>
+            <pc:sldMk cId="2048276999" sldId="277"/>
+            <ac:spMk id="8" creationId="{0066D29D-4946-CD5E-3F17-2194D10E661A}"/>
+          </ac:spMkLst>
+        </pc:spChg>
+        <pc:spChg chg="mod">
+          <ac:chgData name="g2172010" userId="677ea30d-a8de-4f49-ade8-c07a37f9575b" providerId="ADAL" clId="{F1A2D807-E411-4BAA-ADCB-281A16E9918E}" dt="2023-06-07T04:06:32.814" v="263"/>
+          <ac:spMkLst>
+            <pc:docMk/>
+            <pc:sldMk cId="2048276999" sldId="277"/>
+            <ac:spMk id="9" creationId="{7A52A8B7-788A-5960-D28C-BBE403464536}"/>
+          </ac:spMkLst>
+        </pc:spChg>
+        <pc:spChg chg="del mod">
+          <ac:chgData name="g2172010" userId="677ea30d-a8de-4f49-ade8-c07a37f9575b" providerId="ADAL" clId="{F1A2D807-E411-4BAA-ADCB-281A16E9918E}" dt="2023-06-07T04:06:42.539" v="266" actId="478"/>
+          <ac:spMkLst>
+            <pc:docMk/>
+            <pc:sldMk cId="2048276999" sldId="277"/>
+            <ac:spMk id="10" creationId="{EDF66142-65C0-DADD-9F72-6B6D591A23BB}"/>
+          </ac:spMkLst>
+        </pc:spChg>
+        <pc:spChg chg="mod">
+          <ac:chgData name="g2172010" userId="677ea30d-a8de-4f49-ade8-c07a37f9575b" providerId="ADAL" clId="{F1A2D807-E411-4BAA-ADCB-281A16E9918E}" dt="2023-06-07T04:06:32.814" v="263"/>
+          <ac:spMkLst>
+            <pc:docMk/>
+            <pc:sldMk cId="2048276999" sldId="277"/>
+            <ac:spMk id="11" creationId="{30D2DA61-46A8-4551-3C97-CE232CEFDE38}"/>
+          </ac:spMkLst>
+        </pc:spChg>
+        <pc:spChg chg="mod">
+          <ac:chgData name="g2172010" userId="677ea30d-a8de-4f49-ade8-c07a37f9575b" providerId="ADAL" clId="{F1A2D807-E411-4BAA-ADCB-281A16E9918E}" dt="2023-06-07T04:06:32.814" v="263"/>
+          <ac:spMkLst>
+            <pc:docMk/>
+            <pc:sldMk cId="2048276999" sldId="277"/>
+            <ac:spMk id="12" creationId="{EE4F4D9A-59DE-F57F-E999-C83AF5F02BFB}"/>
+          </ac:spMkLst>
+        </pc:spChg>
+        <pc:spChg chg="mod">
+          <ac:chgData name="g2172010" userId="677ea30d-a8de-4f49-ade8-c07a37f9575b" providerId="ADAL" clId="{F1A2D807-E411-4BAA-ADCB-281A16E9918E}" dt="2023-06-07T04:06:32.814" v="263"/>
+          <ac:spMkLst>
+            <pc:docMk/>
+            <pc:sldMk cId="2048276999" sldId="277"/>
+            <ac:spMk id="13" creationId="{A488A81F-0638-3551-1DE2-8359D6842285}"/>
+          </ac:spMkLst>
+        </pc:spChg>
+        <pc:grpChg chg="add mod">
+          <ac:chgData name="g2172010" userId="677ea30d-a8de-4f49-ade8-c07a37f9575b" providerId="ADAL" clId="{F1A2D807-E411-4BAA-ADCB-281A16E9918E}" dt="2023-06-07T04:06:32.814" v="263"/>
+          <ac:grpSpMkLst>
+            <pc:docMk/>
+            <pc:sldMk cId="2048276999" sldId="277"/>
+            <ac:grpSpMk id="4" creationId="{E28E42D5-DA63-5BAC-AD82-00F8881965D0}"/>
+          </ac:grpSpMkLst>
+        </pc:grpChg>
+        <pc:graphicFrameChg chg="mod">
+          <ac:chgData name="g2172010" userId="677ea30d-a8de-4f49-ade8-c07a37f9575b" providerId="ADAL" clId="{F1A2D807-E411-4BAA-ADCB-281A16E9918E}" dt="2023-06-07T04:06:32.814" v="263"/>
+          <ac:graphicFrameMkLst>
+            <pc:docMk/>
+            <pc:sldMk cId="2048276999" sldId="277"/>
+            <ac:graphicFrameMk id="5" creationId="{860F2B95-EC39-3D8C-94A5-60E8538FF38F}"/>
+          </ac:graphicFrameMkLst>
+        </pc:graphicFrameChg>
       </pc:sldChg>
     </pc:docChg>
   </pc:docChgLst>
@@ -711,77 +886,6 @@
       </pc:sldChg>
     </pc:docChg>
   </pc:docChgLst>
-  <pc:docChgLst>
-    <pc:chgData name="g2172010" userId="677ea30d-a8de-4f49-ade8-c07a37f9575b" providerId="ADAL" clId="{C907617E-C4A9-4E2A-A5F9-4FFE4D50F61C}"/>
-    <pc:docChg chg="custSel addSld modSld">
-      <pc:chgData name="g2172010" userId="677ea30d-a8de-4f49-ade8-c07a37f9575b" providerId="ADAL" clId="{C907617E-C4A9-4E2A-A5F9-4FFE4D50F61C}" dt="2023-05-18T00:58:03.438" v="219" actId="20577"/>
-      <pc:docMkLst>
-        <pc:docMk/>
-      </pc:docMkLst>
-      <pc:sldChg chg="new">
-        <pc:chgData name="g2172010" userId="677ea30d-a8de-4f49-ade8-c07a37f9575b" providerId="ADAL" clId="{C907617E-C4A9-4E2A-A5F9-4FFE4D50F61C}" dt="2023-05-18T00:51:07.361" v="0" actId="680"/>
-        <pc:sldMkLst>
-          <pc:docMk/>
-          <pc:sldMk cId="417529461" sldId="256"/>
-        </pc:sldMkLst>
-      </pc:sldChg>
-      <pc:sldChg chg="addSp delSp modSp new mod">
-        <pc:chgData name="g2172010" userId="677ea30d-a8de-4f49-ade8-c07a37f9575b" providerId="ADAL" clId="{C907617E-C4A9-4E2A-A5F9-4FFE4D50F61C}" dt="2023-05-18T00:58:03.438" v="219" actId="20577"/>
-        <pc:sldMkLst>
-          <pc:docMk/>
-          <pc:sldMk cId="1173041562" sldId="257"/>
-        </pc:sldMkLst>
-        <pc:spChg chg="del">
-          <ac:chgData name="g2172010" userId="677ea30d-a8de-4f49-ade8-c07a37f9575b" providerId="ADAL" clId="{C907617E-C4A9-4E2A-A5F9-4FFE4D50F61C}" dt="2023-05-18T00:53:56.658" v="120" actId="478"/>
-          <ac:spMkLst>
-            <pc:docMk/>
-            <pc:sldMk cId="1173041562" sldId="257"/>
-            <ac:spMk id="2" creationId="{44FB9DBD-AEC9-9A23-7298-C0D37B73DA91}"/>
-          </ac:spMkLst>
-        </pc:spChg>
-        <pc:spChg chg="del">
-          <ac:chgData name="g2172010" userId="677ea30d-a8de-4f49-ade8-c07a37f9575b" providerId="ADAL" clId="{C907617E-C4A9-4E2A-A5F9-4FFE4D50F61C}" dt="2023-05-18T00:54:00.983" v="121" actId="478"/>
-          <ac:spMkLst>
-            <pc:docMk/>
-            <pc:sldMk cId="1173041562" sldId="257"/>
-            <ac:spMk id="3" creationId="{DB4940C3-0C9A-4967-2D5A-4FD6B3B30239}"/>
-          </ac:spMkLst>
-        </pc:spChg>
-        <pc:spChg chg="add del mod">
-          <ac:chgData name="g2172010" userId="677ea30d-a8de-4f49-ade8-c07a37f9575b" providerId="ADAL" clId="{C907617E-C4A9-4E2A-A5F9-4FFE4D50F61C}" dt="2023-05-18T00:53:44.980" v="116" actId="478"/>
-          <ac:spMkLst>
-            <pc:docMk/>
-            <pc:sldMk cId="1173041562" sldId="257"/>
-            <ac:spMk id="4" creationId="{43C22A7A-D2CE-CBB9-CF84-F8B2188200F2}"/>
-          </ac:spMkLst>
-        </pc:spChg>
-        <pc:spChg chg="add del mod">
-          <ac:chgData name="g2172010" userId="677ea30d-a8de-4f49-ade8-c07a37f9575b" providerId="ADAL" clId="{C907617E-C4A9-4E2A-A5F9-4FFE4D50F61C}" dt="2023-05-18T00:53:07.103" v="75" actId="12084"/>
-          <ac:spMkLst>
-            <pc:docMk/>
-            <pc:sldMk cId="1173041562" sldId="257"/>
-            <ac:spMk id="5" creationId="{A94FFB23-0D52-924D-11C7-4E19281531BA}"/>
-          </ac:spMkLst>
-        </pc:spChg>
-        <pc:spChg chg="add del mod">
-          <ac:chgData name="g2172010" userId="677ea30d-a8de-4f49-ade8-c07a37f9575b" providerId="ADAL" clId="{C907617E-C4A9-4E2A-A5F9-4FFE4D50F61C}" dt="2023-05-18T00:53:47.780" v="117" actId="478"/>
-          <ac:spMkLst>
-            <pc:docMk/>
-            <pc:sldMk cId="1173041562" sldId="257"/>
-            <ac:spMk id="6" creationId="{DEC3DC7C-9AF7-2F70-7286-144919CB58A4}"/>
-          </ac:spMkLst>
-        </pc:spChg>
-        <pc:graphicFrameChg chg="add mod">
-          <ac:chgData name="g2172010" userId="677ea30d-a8de-4f49-ade8-c07a37f9575b" providerId="ADAL" clId="{C907617E-C4A9-4E2A-A5F9-4FFE4D50F61C}" dt="2023-05-18T00:58:03.438" v="219" actId="20577"/>
-          <ac:graphicFrameMkLst>
-            <pc:docMk/>
-            <pc:sldMk cId="1173041562" sldId="257"/>
-            <ac:graphicFrameMk id="7" creationId="{4E224B72-27CD-3CFA-2925-1BC4809E4DF5}"/>
-          </ac:graphicFrameMkLst>
-        </pc:graphicFrameChg>
-      </pc:sldChg>
-    </pc:docChg>
-  </pc:docChgLst>
 </pc:chgInfo>
 </file>
 
@@ -3182,6 +3286,925 @@
   <dgm:styleLbl name="trBgShp">
     <dgm:fillClrLst meth="repeat">
       <a:schemeClr val="accent2">
+        <a:tint val="50000"/>
+        <a:alpha val="40000"/>
+      </a:schemeClr>
+    </dgm:fillClrLst>
+    <dgm:linClrLst meth="repeat">
+      <a:schemeClr val="accent2"/>
+    </dgm:linClrLst>
+    <dgm:effectClrLst/>
+    <dgm:txLinClrLst/>
+    <dgm:txFillClrLst meth="repeat">
+      <a:schemeClr val="lt1"/>
+    </dgm:txFillClrLst>
+    <dgm:txEffectClrLst/>
+  </dgm:styleLbl>
+  <dgm:styleLbl name="fgShp">
+    <dgm:fillClrLst meth="repeat">
+      <a:schemeClr val="accent2">
+        <a:tint val="40000"/>
+      </a:schemeClr>
+    </dgm:fillClrLst>
+    <dgm:linClrLst meth="repeat">
+      <a:schemeClr val="lt1"/>
+    </dgm:linClrLst>
+    <dgm:effectClrLst/>
+    <dgm:txLinClrLst/>
+    <dgm:txFillClrLst meth="repeat">
+      <a:schemeClr val="dk1"/>
+    </dgm:txFillClrLst>
+    <dgm:txEffectClrLst/>
+  </dgm:styleLbl>
+  <dgm:styleLbl name="revTx">
+    <dgm:fillClrLst meth="repeat">
+      <a:schemeClr val="lt1">
+        <a:alpha val="0"/>
+      </a:schemeClr>
+    </dgm:fillClrLst>
+    <dgm:linClrLst meth="repeat">
+      <a:schemeClr val="dk1">
+        <a:alpha val="0"/>
+      </a:schemeClr>
+    </dgm:linClrLst>
+    <dgm:effectClrLst/>
+    <dgm:txLinClrLst/>
+    <dgm:txFillClrLst meth="repeat">
+      <a:schemeClr val="tx1"/>
+    </dgm:txFillClrLst>
+    <dgm:txEffectClrLst/>
+  </dgm:styleLbl>
+</dgm:colorsDef>
+</file>
+
+<file path=ppt/diagrams/colors4.xml><?xml version="1.0" encoding="utf-8"?>
+<dgm:colorsDef xmlns:dgm="http://schemas.openxmlformats.org/drawingml/2006/diagram" xmlns:a="http://schemas.openxmlformats.org/drawingml/2006/main" uniqueId="urn:microsoft.com/office/officeart/2005/8/colors/colorful1">
+  <dgm:title val=""/>
+  <dgm:desc val=""/>
+  <dgm:catLst>
+    <dgm:cat type="colorful" pri="10100"/>
+  </dgm:catLst>
+  <dgm:styleLbl name="node0">
+    <dgm:fillClrLst meth="repeat">
+      <a:schemeClr val="accent1"/>
+    </dgm:fillClrLst>
+    <dgm:linClrLst meth="repeat">
+      <a:schemeClr val="lt1"/>
+    </dgm:linClrLst>
+    <dgm:effectClrLst/>
+    <dgm:txLinClrLst/>
+    <dgm:txFillClrLst/>
+    <dgm:txEffectClrLst/>
+  </dgm:styleLbl>
+  <dgm:styleLbl name="node1">
+    <dgm:fillClrLst meth="repeat">
+      <a:schemeClr val="accent2"/>
+      <a:schemeClr val="accent3"/>
+      <a:schemeClr val="accent4"/>
+      <a:schemeClr val="accent5"/>
+      <a:schemeClr val="accent6"/>
+    </dgm:fillClrLst>
+    <dgm:linClrLst meth="repeat">
+      <a:schemeClr val="lt1"/>
+    </dgm:linClrLst>
+    <dgm:effectClrLst/>
+    <dgm:txLinClrLst/>
+    <dgm:txFillClrLst/>
+    <dgm:txEffectClrLst/>
+  </dgm:styleLbl>
+  <dgm:styleLbl name="alignNode1">
+    <dgm:fillClrLst meth="repeat">
+      <a:schemeClr val="accent2"/>
+      <a:schemeClr val="accent3"/>
+      <a:schemeClr val="accent4"/>
+      <a:schemeClr val="accent5"/>
+      <a:schemeClr val="accent6"/>
+    </dgm:fillClrLst>
+    <dgm:linClrLst meth="repeat">
+      <a:schemeClr val="accent2"/>
+      <a:schemeClr val="accent3"/>
+      <a:schemeClr val="accent4"/>
+      <a:schemeClr val="accent5"/>
+      <a:schemeClr val="accent6"/>
+    </dgm:linClrLst>
+    <dgm:effectClrLst/>
+    <dgm:txLinClrLst/>
+    <dgm:txFillClrLst/>
+    <dgm:txEffectClrLst/>
+  </dgm:styleLbl>
+  <dgm:styleLbl name="lnNode1">
+    <dgm:fillClrLst meth="repeat">
+      <a:schemeClr val="accent2"/>
+      <a:schemeClr val="accent3"/>
+      <a:schemeClr val="accent4"/>
+      <a:schemeClr val="accent5"/>
+      <a:schemeClr val="accent6"/>
+    </dgm:fillClrLst>
+    <dgm:linClrLst meth="repeat">
+      <a:schemeClr val="lt1"/>
+    </dgm:linClrLst>
+    <dgm:effectClrLst/>
+    <dgm:txLinClrLst/>
+    <dgm:txFillClrLst/>
+    <dgm:txEffectClrLst/>
+  </dgm:styleLbl>
+  <dgm:styleLbl name="vennNode1">
+    <dgm:fillClrLst meth="repeat">
+      <a:schemeClr val="accent2">
+        <a:alpha val="50000"/>
+      </a:schemeClr>
+      <a:schemeClr val="accent3">
+        <a:alpha val="50000"/>
+      </a:schemeClr>
+      <a:schemeClr val="accent4">
+        <a:alpha val="50000"/>
+      </a:schemeClr>
+      <a:schemeClr val="accent5">
+        <a:alpha val="50000"/>
+      </a:schemeClr>
+      <a:schemeClr val="accent6">
+        <a:alpha val="50000"/>
+      </a:schemeClr>
+    </dgm:fillClrLst>
+    <dgm:linClrLst meth="repeat">
+      <a:schemeClr val="lt1"/>
+    </dgm:linClrLst>
+    <dgm:effectClrLst/>
+    <dgm:txLinClrLst/>
+    <dgm:txFillClrLst/>
+    <dgm:txEffectClrLst/>
+  </dgm:styleLbl>
+  <dgm:styleLbl name="node2">
+    <dgm:fillClrLst>
+      <a:schemeClr val="accent2"/>
+    </dgm:fillClrLst>
+    <dgm:linClrLst meth="repeat">
+      <a:schemeClr val="lt1"/>
+    </dgm:linClrLst>
+    <dgm:effectClrLst/>
+    <dgm:txLinClrLst/>
+    <dgm:txFillClrLst/>
+    <dgm:txEffectClrLst/>
+  </dgm:styleLbl>
+  <dgm:styleLbl name="node3">
+    <dgm:fillClrLst>
+      <a:schemeClr val="accent3"/>
+    </dgm:fillClrLst>
+    <dgm:linClrLst meth="repeat">
+      <a:schemeClr val="lt1"/>
+    </dgm:linClrLst>
+    <dgm:effectClrLst/>
+    <dgm:txLinClrLst/>
+    <dgm:txFillClrLst/>
+    <dgm:txEffectClrLst/>
+  </dgm:styleLbl>
+  <dgm:styleLbl name="node4">
+    <dgm:fillClrLst>
+      <a:schemeClr val="accent4"/>
+    </dgm:fillClrLst>
+    <dgm:linClrLst meth="repeat">
+      <a:schemeClr val="lt1"/>
+    </dgm:linClrLst>
+    <dgm:effectClrLst/>
+    <dgm:txLinClrLst/>
+    <dgm:txFillClrLst/>
+    <dgm:txEffectClrLst/>
+  </dgm:styleLbl>
+  <dgm:styleLbl name="fgImgPlace1">
+    <dgm:fillClrLst meth="repeat">
+      <a:schemeClr val="accent2">
+        <a:tint val="50000"/>
+      </a:schemeClr>
+      <a:schemeClr val="accent3">
+        <a:tint val="50000"/>
+      </a:schemeClr>
+      <a:schemeClr val="accent4">
+        <a:tint val="50000"/>
+      </a:schemeClr>
+      <a:schemeClr val="accent5">
+        <a:tint val="50000"/>
+      </a:schemeClr>
+      <a:schemeClr val="accent6">
+        <a:tint val="50000"/>
+      </a:schemeClr>
+    </dgm:fillClrLst>
+    <dgm:linClrLst meth="repeat">
+      <a:schemeClr val="lt1"/>
+    </dgm:linClrLst>
+    <dgm:effectClrLst/>
+    <dgm:txLinClrLst/>
+    <dgm:txFillClrLst meth="repeat">
+      <a:schemeClr val="lt1"/>
+    </dgm:txFillClrLst>
+    <dgm:txEffectClrLst/>
+  </dgm:styleLbl>
+  <dgm:styleLbl name="alignImgPlace1">
+    <dgm:fillClrLst>
+      <a:schemeClr val="accent1">
+        <a:tint val="50000"/>
+      </a:schemeClr>
+      <a:schemeClr val="accent2">
+        <a:tint val="20000"/>
+      </a:schemeClr>
+    </dgm:fillClrLst>
+    <dgm:linClrLst meth="repeat">
+      <a:schemeClr val="lt1"/>
+    </dgm:linClrLst>
+    <dgm:effectClrLst/>
+    <dgm:txLinClrLst/>
+    <dgm:txFillClrLst meth="repeat">
+      <a:schemeClr val="lt1"/>
+    </dgm:txFillClrLst>
+    <dgm:txEffectClrLst/>
+  </dgm:styleLbl>
+  <dgm:styleLbl name="bgImgPlace1">
+    <dgm:fillClrLst>
+      <a:schemeClr val="accent1">
+        <a:tint val="50000"/>
+      </a:schemeClr>
+      <a:schemeClr val="accent2">
+        <a:tint val="20000"/>
+      </a:schemeClr>
+    </dgm:fillClrLst>
+    <dgm:linClrLst meth="repeat">
+      <a:schemeClr val="lt1"/>
+    </dgm:linClrLst>
+    <dgm:effectClrLst/>
+    <dgm:txLinClrLst/>
+    <dgm:txFillClrLst meth="repeat">
+      <a:schemeClr val="lt1"/>
+    </dgm:txFillClrLst>
+    <dgm:txEffectClrLst/>
+  </dgm:styleLbl>
+  <dgm:styleLbl name="sibTrans2D1">
+    <dgm:fillClrLst meth="repeat">
+      <a:schemeClr val="accent2"/>
+      <a:schemeClr val="accent3"/>
+      <a:schemeClr val="accent4"/>
+      <a:schemeClr val="accent5"/>
+      <a:schemeClr val="accent6"/>
+    </dgm:fillClrLst>
+    <dgm:linClrLst meth="cycle">
+      <a:schemeClr val="lt1"/>
+    </dgm:linClrLst>
+    <dgm:effectClrLst/>
+    <dgm:txLinClrLst/>
+    <dgm:txFillClrLst/>
+    <dgm:txEffectClrLst/>
+  </dgm:styleLbl>
+  <dgm:styleLbl name="fgSibTrans2D1">
+    <dgm:fillClrLst meth="repeat">
+      <a:schemeClr val="accent2"/>
+      <a:schemeClr val="accent3"/>
+      <a:schemeClr val="accent4"/>
+      <a:schemeClr val="accent5"/>
+      <a:schemeClr val="accent6"/>
+    </dgm:fillClrLst>
+    <dgm:linClrLst meth="cycle">
+      <a:schemeClr val="lt1"/>
+    </dgm:linClrLst>
+    <dgm:effectClrLst/>
+    <dgm:txLinClrLst/>
+    <dgm:txFillClrLst meth="repeat">
+      <a:schemeClr val="lt1"/>
+    </dgm:txFillClrLst>
+    <dgm:txEffectClrLst/>
+  </dgm:styleLbl>
+  <dgm:styleLbl name="bgSibTrans2D1">
+    <dgm:fillClrLst meth="repeat">
+      <a:schemeClr val="accent2"/>
+      <a:schemeClr val="accent3"/>
+      <a:schemeClr val="accent4"/>
+      <a:schemeClr val="accent5"/>
+      <a:schemeClr val="accent6"/>
+    </dgm:fillClrLst>
+    <dgm:linClrLst meth="cycle">
+      <a:schemeClr val="lt1"/>
+    </dgm:linClrLst>
+    <dgm:effectClrLst/>
+    <dgm:txLinClrLst/>
+    <dgm:txFillClrLst meth="repeat">
+      <a:schemeClr val="lt1"/>
+    </dgm:txFillClrLst>
+    <dgm:txEffectClrLst/>
+  </dgm:styleLbl>
+  <dgm:styleLbl name="sibTrans1D1">
+    <dgm:fillClrLst meth="repeat">
+      <a:schemeClr val="accent2"/>
+      <a:schemeClr val="accent3"/>
+      <a:schemeClr val="accent4"/>
+      <a:schemeClr val="accent5"/>
+      <a:schemeClr val="accent6"/>
+    </dgm:fillClrLst>
+    <dgm:linClrLst meth="repeat">
+      <a:schemeClr val="accent2"/>
+      <a:schemeClr val="accent3"/>
+      <a:schemeClr val="accent4"/>
+      <a:schemeClr val="accent5"/>
+      <a:schemeClr val="accent6"/>
+    </dgm:linClrLst>
+    <dgm:effectClrLst/>
+    <dgm:txLinClrLst/>
+    <dgm:txFillClrLst meth="repeat">
+      <a:schemeClr val="tx1"/>
+    </dgm:txFillClrLst>
+    <dgm:txEffectClrLst/>
+  </dgm:styleLbl>
+  <dgm:styleLbl name="callout">
+    <dgm:fillClrLst meth="repeat">
+      <a:schemeClr val="accent2"/>
+    </dgm:fillClrLst>
+    <dgm:linClrLst meth="repeat">
+      <a:schemeClr val="accent2">
+        <a:tint val="50000"/>
+      </a:schemeClr>
+    </dgm:linClrLst>
+    <dgm:effectClrLst/>
+    <dgm:txLinClrLst/>
+    <dgm:txFillClrLst meth="repeat">
+      <a:schemeClr val="tx1"/>
+    </dgm:txFillClrLst>
+    <dgm:txEffectClrLst/>
+  </dgm:styleLbl>
+  <dgm:styleLbl name="asst0">
+    <dgm:fillClrLst meth="repeat">
+      <a:schemeClr val="accent1"/>
+    </dgm:fillClrLst>
+    <dgm:linClrLst meth="repeat">
+      <a:schemeClr val="lt1"/>
+    </dgm:linClrLst>
+    <dgm:effectClrLst/>
+    <dgm:txLinClrLst/>
+    <dgm:txFillClrLst/>
+    <dgm:txEffectClrLst/>
+  </dgm:styleLbl>
+  <dgm:styleLbl name="asst1">
+    <dgm:fillClrLst meth="repeat">
+      <a:schemeClr val="accent2"/>
+    </dgm:fillClrLst>
+    <dgm:linClrLst meth="repeat">
+      <a:schemeClr val="lt1"/>
+    </dgm:linClrLst>
+    <dgm:effectClrLst/>
+    <dgm:txLinClrLst/>
+    <dgm:txFillClrLst/>
+    <dgm:txEffectClrLst/>
+  </dgm:styleLbl>
+  <dgm:styleLbl name="asst2">
+    <dgm:fillClrLst>
+      <a:schemeClr val="accent3"/>
+    </dgm:fillClrLst>
+    <dgm:linClrLst meth="repeat">
+      <a:schemeClr val="lt1"/>
+    </dgm:linClrLst>
+    <dgm:effectClrLst/>
+    <dgm:txLinClrLst/>
+    <dgm:txFillClrLst/>
+    <dgm:txEffectClrLst/>
+  </dgm:styleLbl>
+  <dgm:styleLbl name="asst3">
+    <dgm:fillClrLst>
+      <a:schemeClr val="accent4"/>
+    </dgm:fillClrLst>
+    <dgm:linClrLst meth="repeat">
+      <a:schemeClr val="lt1"/>
+    </dgm:linClrLst>
+    <dgm:effectClrLst/>
+    <dgm:txLinClrLst/>
+    <dgm:txFillClrLst/>
+    <dgm:txEffectClrLst/>
+  </dgm:styleLbl>
+  <dgm:styleLbl name="asst4">
+    <dgm:fillClrLst>
+      <a:schemeClr val="accent5"/>
+    </dgm:fillClrLst>
+    <dgm:linClrLst meth="repeat">
+      <a:schemeClr val="lt1"/>
+    </dgm:linClrLst>
+    <dgm:effectClrLst/>
+    <dgm:txLinClrLst/>
+    <dgm:txFillClrLst/>
+    <dgm:txEffectClrLst/>
+  </dgm:styleLbl>
+  <dgm:styleLbl name="parChTrans2D1">
+    <dgm:fillClrLst meth="repeat">
+      <a:schemeClr val="accent2"/>
+    </dgm:fillClrLst>
+    <dgm:linClrLst meth="repeat">
+      <a:schemeClr val="lt1"/>
+    </dgm:linClrLst>
+    <dgm:effectClrLst/>
+    <dgm:txLinClrLst/>
+    <dgm:txFillClrLst meth="repeat">
+      <a:schemeClr val="lt1"/>
+    </dgm:txFillClrLst>
+    <dgm:txEffectClrLst/>
+  </dgm:styleLbl>
+  <dgm:styleLbl name="parChTrans2D2">
+    <dgm:fillClrLst meth="repeat">
+      <a:schemeClr val="accent3"/>
+    </dgm:fillClrLst>
+    <dgm:linClrLst meth="repeat">
+      <a:schemeClr val="lt1"/>
+    </dgm:linClrLst>
+    <dgm:effectClrLst/>
+    <dgm:txLinClrLst/>
+    <dgm:txFillClrLst/>
+    <dgm:txEffectClrLst/>
+  </dgm:styleLbl>
+  <dgm:styleLbl name="parChTrans2D3">
+    <dgm:fillClrLst meth="repeat">
+      <a:schemeClr val="accent4"/>
+    </dgm:fillClrLst>
+    <dgm:linClrLst meth="repeat">
+      <a:schemeClr val="lt1"/>
+    </dgm:linClrLst>
+    <dgm:effectClrLst/>
+    <dgm:txLinClrLst/>
+    <dgm:txFillClrLst/>
+    <dgm:txEffectClrLst/>
+  </dgm:styleLbl>
+  <dgm:styleLbl name="parChTrans2D4">
+    <dgm:fillClrLst meth="repeat">
+      <a:schemeClr val="accent5"/>
+    </dgm:fillClrLst>
+    <dgm:linClrLst meth="repeat">
+      <a:schemeClr val="lt1"/>
+    </dgm:linClrLst>
+    <dgm:effectClrLst/>
+    <dgm:txLinClrLst/>
+    <dgm:txFillClrLst meth="repeat">
+      <a:schemeClr val="lt1"/>
+    </dgm:txFillClrLst>
+    <dgm:txEffectClrLst/>
+  </dgm:styleLbl>
+  <dgm:styleLbl name="parChTrans1D1">
+    <dgm:fillClrLst meth="repeat">
+      <a:schemeClr val="accent2"/>
+    </dgm:fillClrLst>
+    <dgm:linClrLst meth="repeat">
+      <a:schemeClr val="accent1"/>
+    </dgm:linClrLst>
+    <dgm:effectClrLst/>
+    <dgm:txLinClrLst/>
+    <dgm:txFillClrLst meth="repeat">
+      <a:schemeClr val="tx1"/>
+    </dgm:txFillClrLst>
+    <dgm:txEffectClrLst/>
+  </dgm:styleLbl>
+  <dgm:styleLbl name="parChTrans1D2">
+    <dgm:fillClrLst meth="repeat">
+      <a:schemeClr val="accent3">
+        <a:tint val="90000"/>
+      </a:schemeClr>
+    </dgm:fillClrLst>
+    <dgm:linClrLst meth="repeat">
+      <a:schemeClr val="accent2"/>
+    </dgm:linClrLst>
+    <dgm:effectClrLst/>
+    <dgm:txLinClrLst/>
+    <dgm:txFillClrLst meth="repeat">
+      <a:schemeClr val="tx1"/>
+    </dgm:txFillClrLst>
+    <dgm:txEffectClrLst/>
+  </dgm:styleLbl>
+  <dgm:styleLbl name="parChTrans1D3">
+    <dgm:fillClrLst meth="repeat">
+      <a:schemeClr val="accent4">
+        <a:tint val="70000"/>
+      </a:schemeClr>
+    </dgm:fillClrLst>
+    <dgm:linClrLst meth="repeat">
+      <a:schemeClr val="accent3"/>
+    </dgm:linClrLst>
+    <dgm:effectClrLst/>
+    <dgm:txLinClrLst/>
+    <dgm:txFillClrLst meth="repeat">
+      <a:schemeClr val="tx1"/>
+    </dgm:txFillClrLst>
+    <dgm:txEffectClrLst/>
+  </dgm:styleLbl>
+  <dgm:styleLbl name="parChTrans1D4">
+    <dgm:fillClrLst meth="repeat">
+      <a:schemeClr val="accent5">
+        <a:tint val="50000"/>
+      </a:schemeClr>
+    </dgm:fillClrLst>
+    <dgm:linClrLst meth="repeat">
+      <a:schemeClr val="accent4"/>
+    </dgm:linClrLst>
+    <dgm:effectClrLst/>
+    <dgm:txLinClrLst/>
+    <dgm:txFillClrLst meth="repeat">
+      <a:schemeClr val="tx1"/>
+    </dgm:txFillClrLst>
+    <dgm:txEffectClrLst/>
+  </dgm:styleLbl>
+  <dgm:styleLbl name="fgAcc1">
+    <dgm:fillClrLst meth="repeat">
+      <a:schemeClr val="lt1">
+        <a:alpha val="90000"/>
+      </a:schemeClr>
+    </dgm:fillClrLst>
+    <dgm:linClrLst meth="repeat">
+      <a:schemeClr val="accent2"/>
+      <a:schemeClr val="accent3"/>
+      <a:schemeClr val="accent4"/>
+      <a:schemeClr val="accent5"/>
+      <a:schemeClr val="accent6"/>
+    </dgm:linClrLst>
+    <dgm:effectClrLst/>
+    <dgm:txLinClrLst/>
+    <dgm:txFillClrLst meth="repeat">
+      <a:schemeClr val="dk1"/>
+    </dgm:txFillClrLst>
+    <dgm:txEffectClrLst/>
+  </dgm:styleLbl>
+  <dgm:styleLbl name="conFgAcc1">
+    <dgm:fillClrLst meth="repeat">
+      <a:schemeClr val="lt1">
+        <a:alpha val="90000"/>
+      </a:schemeClr>
+    </dgm:fillClrLst>
+    <dgm:linClrLst meth="repeat">
+      <a:schemeClr val="accent2"/>
+      <a:schemeClr val="accent3"/>
+      <a:schemeClr val="accent4"/>
+      <a:schemeClr val="accent5"/>
+      <a:schemeClr val="accent6"/>
+    </dgm:linClrLst>
+    <dgm:effectClrLst/>
+    <dgm:txLinClrLst/>
+    <dgm:txFillClrLst meth="repeat">
+      <a:schemeClr val="dk1"/>
+    </dgm:txFillClrLst>
+    <dgm:txEffectClrLst/>
+  </dgm:styleLbl>
+  <dgm:styleLbl name="alignAcc1">
+    <dgm:fillClrLst meth="repeat">
+      <a:schemeClr val="lt1">
+        <a:alpha val="90000"/>
+      </a:schemeClr>
+    </dgm:fillClrLst>
+    <dgm:linClrLst meth="repeat">
+      <a:schemeClr val="accent2"/>
+      <a:schemeClr val="accent3"/>
+      <a:schemeClr val="accent4"/>
+      <a:schemeClr val="accent5"/>
+      <a:schemeClr val="accent6"/>
+    </dgm:linClrLst>
+    <dgm:effectClrLst/>
+    <dgm:txLinClrLst/>
+    <dgm:txFillClrLst meth="repeat">
+      <a:schemeClr val="dk1"/>
+    </dgm:txFillClrLst>
+    <dgm:txEffectClrLst/>
+  </dgm:styleLbl>
+  <dgm:styleLbl name="trAlignAcc1">
+    <dgm:fillClrLst meth="repeat">
+      <a:schemeClr val="lt1">
+        <a:alpha val="40000"/>
+      </a:schemeClr>
+    </dgm:fillClrLst>
+    <dgm:linClrLst meth="repeat">
+      <a:schemeClr val="accent1"/>
+    </dgm:linClrLst>
+    <dgm:effectClrLst/>
+    <dgm:txLinClrLst/>
+    <dgm:txFillClrLst meth="repeat">
+      <a:schemeClr val="dk1"/>
+    </dgm:txFillClrLst>
+    <dgm:txEffectClrLst/>
+  </dgm:styleLbl>
+  <dgm:styleLbl name="bgAcc1">
+    <dgm:fillClrLst meth="repeat">
+      <a:schemeClr val="lt1">
+        <a:alpha val="90000"/>
+      </a:schemeClr>
+    </dgm:fillClrLst>
+    <dgm:linClrLst meth="repeat">
+      <a:schemeClr val="accent2"/>
+      <a:schemeClr val="accent3"/>
+      <a:schemeClr val="accent4"/>
+      <a:schemeClr val="accent5"/>
+      <a:schemeClr val="accent6"/>
+    </dgm:linClrLst>
+    <dgm:effectClrLst/>
+    <dgm:txLinClrLst/>
+    <dgm:txFillClrLst meth="repeat">
+      <a:schemeClr val="dk1"/>
+    </dgm:txFillClrLst>
+    <dgm:txEffectClrLst/>
+  </dgm:styleLbl>
+  <dgm:styleLbl name="solidFgAcc1">
+    <dgm:fillClrLst meth="repeat">
+      <a:schemeClr val="lt1"/>
+    </dgm:fillClrLst>
+    <dgm:linClrLst meth="repeat">
+      <a:schemeClr val="accent2"/>
+      <a:schemeClr val="accent3"/>
+      <a:schemeClr val="accent4"/>
+      <a:schemeClr val="accent5"/>
+      <a:schemeClr val="accent6"/>
+    </dgm:linClrLst>
+    <dgm:effectClrLst/>
+    <dgm:txLinClrLst/>
+    <dgm:txFillClrLst meth="repeat">
+      <a:schemeClr val="dk1"/>
+    </dgm:txFillClrLst>
+    <dgm:txEffectClrLst/>
+  </dgm:styleLbl>
+  <dgm:styleLbl name="solidAlignAcc1">
+    <dgm:fillClrLst meth="repeat">
+      <a:schemeClr val="lt1"/>
+    </dgm:fillClrLst>
+    <dgm:linClrLst meth="repeat">
+      <a:schemeClr val="accent2"/>
+      <a:schemeClr val="accent3"/>
+      <a:schemeClr val="accent4"/>
+      <a:schemeClr val="accent5"/>
+      <a:schemeClr val="accent6"/>
+    </dgm:linClrLst>
+    <dgm:effectClrLst/>
+    <dgm:txLinClrLst/>
+    <dgm:txFillClrLst meth="repeat">
+      <a:schemeClr val="dk1"/>
+    </dgm:txFillClrLst>
+    <dgm:txEffectClrLst/>
+  </dgm:styleLbl>
+  <dgm:styleLbl name="solidBgAcc1">
+    <dgm:fillClrLst meth="repeat">
+      <a:schemeClr val="lt1"/>
+    </dgm:fillClrLst>
+    <dgm:linClrLst meth="repeat">
+      <a:schemeClr val="accent2"/>
+      <a:schemeClr val="accent3"/>
+      <a:schemeClr val="accent4"/>
+      <a:schemeClr val="accent5"/>
+      <a:schemeClr val="accent6"/>
+    </dgm:linClrLst>
+    <dgm:effectClrLst/>
+    <dgm:txLinClrLst/>
+    <dgm:txFillClrLst meth="repeat">
+      <a:schemeClr val="dk1"/>
+    </dgm:txFillClrLst>
+    <dgm:txEffectClrLst/>
+  </dgm:styleLbl>
+  <dgm:styleLbl name="fgAccFollowNode1">
+    <dgm:fillClrLst meth="repeat">
+      <a:schemeClr val="accent2">
+        <a:tint val="40000"/>
+        <a:alpha val="90000"/>
+      </a:schemeClr>
+      <a:schemeClr val="accent3">
+        <a:tint val="40000"/>
+        <a:alpha val="90000"/>
+      </a:schemeClr>
+      <a:schemeClr val="accent4">
+        <a:tint val="40000"/>
+        <a:alpha val="90000"/>
+      </a:schemeClr>
+      <a:schemeClr val="accent5">
+        <a:tint val="40000"/>
+        <a:alpha val="90000"/>
+      </a:schemeClr>
+      <a:schemeClr val="accent6">
+        <a:tint val="40000"/>
+        <a:alpha val="90000"/>
+      </a:schemeClr>
+    </dgm:fillClrLst>
+    <dgm:linClrLst meth="repeat">
+      <a:schemeClr val="accent2">
+        <a:tint val="40000"/>
+        <a:alpha val="90000"/>
+      </a:schemeClr>
+      <a:schemeClr val="accent3">
+        <a:tint val="40000"/>
+        <a:alpha val="90000"/>
+      </a:schemeClr>
+      <a:schemeClr val="accent4">
+        <a:tint val="40000"/>
+        <a:alpha val="90000"/>
+      </a:schemeClr>
+      <a:schemeClr val="accent5">
+        <a:tint val="40000"/>
+        <a:alpha val="90000"/>
+      </a:schemeClr>
+      <a:schemeClr val="accent6">
+        <a:tint val="40000"/>
+        <a:alpha val="90000"/>
+      </a:schemeClr>
+    </dgm:linClrLst>
+    <dgm:effectClrLst/>
+    <dgm:txLinClrLst/>
+    <dgm:txFillClrLst meth="repeat">
+      <a:schemeClr val="dk1"/>
+    </dgm:txFillClrLst>
+    <dgm:txEffectClrLst/>
+  </dgm:styleLbl>
+  <dgm:styleLbl name="alignAccFollowNode1">
+    <dgm:fillClrLst meth="repeat">
+      <a:schemeClr val="accent2">
+        <a:tint val="40000"/>
+        <a:alpha val="90000"/>
+      </a:schemeClr>
+      <a:schemeClr val="accent3">
+        <a:tint val="40000"/>
+        <a:alpha val="90000"/>
+      </a:schemeClr>
+      <a:schemeClr val="accent4">
+        <a:tint val="40000"/>
+        <a:alpha val="90000"/>
+      </a:schemeClr>
+      <a:schemeClr val="accent5">
+        <a:tint val="40000"/>
+        <a:alpha val="90000"/>
+      </a:schemeClr>
+      <a:schemeClr val="accent6">
+        <a:tint val="40000"/>
+        <a:alpha val="90000"/>
+      </a:schemeClr>
+    </dgm:fillClrLst>
+    <dgm:linClrLst meth="repeat">
+      <a:schemeClr val="accent2">
+        <a:tint val="40000"/>
+        <a:alpha val="90000"/>
+      </a:schemeClr>
+      <a:schemeClr val="accent3">
+        <a:tint val="40000"/>
+        <a:alpha val="90000"/>
+      </a:schemeClr>
+      <a:schemeClr val="accent4">
+        <a:tint val="40000"/>
+        <a:alpha val="90000"/>
+      </a:schemeClr>
+      <a:schemeClr val="accent5">
+        <a:tint val="40000"/>
+        <a:alpha val="90000"/>
+      </a:schemeClr>
+      <a:schemeClr val="accent6">
+        <a:tint val="40000"/>
+        <a:alpha val="90000"/>
+      </a:schemeClr>
+    </dgm:linClrLst>
+    <dgm:effectClrLst/>
+    <dgm:txLinClrLst/>
+    <dgm:txFillClrLst meth="repeat">
+      <a:schemeClr val="dk1"/>
+    </dgm:txFillClrLst>
+    <dgm:txEffectClrLst/>
+  </dgm:styleLbl>
+  <dgm:styleLbl name="bgAccFollowNode1">
+    <dgm:fillClrLst meth="repeat">
+      <a:schemeClr val="accent2">
+        <a:tint val="40000"/>
+        <a:alpha val="90000"/>
+      </a:schemeClr>
+      <a:schemeClr val="accent3">
+        <a:tint val="40000"/>
+        <a:alpha val="90000"/>
+      </a:schemeClr>
+      <a:schemeClr val="accent4">
+        <a:tint val="40000"/>
+        <a:alpha val="90000"/>
+      </a:schemeClr>
+      <a:schemeClr val="accent5">
+        <a:tint val="40000"/>
+        <a:alpha val="90000"/>
+      </a:schemeClr>
+      <a:schemeClr val="accent6">
+        <a:tint val="40000"/>
+        <a:alpha val="90000"/>
+      </a:schemeClr>
+    </dgm:fillClrLst>
+    <dgm:linClrLst meth="repeat">
+      <a:schemeClr val="accent2">
+        <a:tint val="40000"/>
+        <a:alpha val="90000"/>
+      </a:schemeClr>
+      <a:schemeClr val="accent3">
+        <a:tint val="40000"/>
+        <a:alpha val="90000"/>
+      </a:schemeClr>
+      <a:schemeClr val="accent4">
+        <a:tint val="40000"/>
+        <a:alpha val="90000"/>
+      </a:schemeClr>
+      <a:schemeClr val="accent5">
+        <a:tint val="40000"/>
+        <a:alpha val="90000"/>
+      </a:schemeClr>
+      <a:schemeClr val="accent6">
+        <a:tint val="40000"/>
+        <a:alpha val="90000"/>
+      </a:schemeClr>
+    </dgm:linClrLst>
+    <dgm:effectClrLst/>
+    <dgm:txLinClrLst/>
+    <dgm:txFillClrLst meth="repeat">
+      <a:schemeClr val="dk1"/>
+    </dgm:txFillClrLst>
+    <dgm:txEffectClrLst/>
+  </dgm:styleLbl>
+  <dgm:styleLbl name="fgAcc0">
+    <dgm:fillClrLst meth="repeat">
+      <a:schemeClr val="lt1">
+        <a:alpha val="90000"/>
+      </a:schemeClr>
+    </dgm:fillClrLst>
+    <dgm:linClrLst>
+      <a:schemeClr val="accent1"/>
+    </dgm:linClrLst>
+    <dgm:effectClrLst/>
+    <dgm:txLinClrLst/>
+    <dgm:txFillClrLst meth="repeat">
+      <a:schemeClr val="dk1"/>
+    </dgm:txFillClrLst>
+    <dgm:txEffectClrLst/>
+  </dgm:styleLbl>
+  <dgm:styleLbl name="fgAcc2">
+    <dgm:fillClrLst meth="repeat">
+      <a:schemeClr val="lt1">
+        <a:alpha val="90000"/>
+      </a:schemeClr>
+    </dgm:fillClrLst>
+    <dgm:linClrLst>
+      <a:schemeClr val="accent2"/>
+    </dgm:linClrLst>
+    <dgm:effectClrLst/>
+    <dgm:txLinClrLst/>
+    <dgm:txFillClrLst meth="repeat">
+      <a:schemeClr val="dk1"/>
+    </dgm:txFillClrLst>
+    <dgm:txEffectClrLst/>
+  </dgm:styleLbl>
+  <dgm:styleLbl name="fgAcc3">
+    <dgm:fillClrLst meth="repeat">
+      <a:schemeClr val="lt1">
+        <a:alpha val="90000"/>
+      </a:schemeClr>
+    </dgm:fillClrLst>
+    <dgm:linClrLst>
+      <a:schemeClr val="accent3"/>
+    </dgm:linClrLst>
+    <dgm:effectClrLst/>
+    <dgm:txLinClrLst/>
+    <dgm:txFillClrLst meth="repeat">
+      <a:schemeClr val="dk1"/>
+    </dgm:txFillClrLst>
+    <dgm:txEffectClrLst/>
+  </dgm:styleLbl>
+  <dgm:styleLbl name="fgAcc4">
+    <dgm:fillClrLst meth="repeat">
+      <a:schemeClr val="lt1">
+        <a:alpha val="90000"/>
+      </a:schemeClr>
+    </dgm:fillClrLst>
+    <dgm:linClrLst>
+      <a:schemeClr val="accent4"/>
+    </dgm:linClrLst>
+    <dgm:effectClrLst/>
+    <dgm:txLinClrLst/>
+    <dgm:txFillClrLst meth="repeat">
+      <a:schemeClr val="dk1"/>
+    </dgm:txFillClrLst>
+    <dgm:txEffectClrLst/>
+  </dgm:styleLbl>
+  <dgm:styleLbl name="bgShp">
+    <dgm:fillClrLst meth="repeat">
+      <a:schemeClr val="accent2">
+        <a:tint val="40000"/>
+      </a:schemeClr>
+    </dgm:fillClrLst>
+    <dgm:linClrLst meth="repeat">
+      <a:schemeClr val="dk1"/>
+    </dgm:linClrLst>
+    <dgm:effectClrLst/>
+    <dgm:txLinClrLst/>
+    <dgm:txFillClrLst meth="repeat">
+      <a:schemeClr val="dk1"/>
+    </dgm:txFillClrLst>
+    <dgm:txEffectClrLst/>
+  </dgm:styleLbl>
+  <dgm:styleLbl name="dkBgShp">
+    <dgm:fillClrLst meth="repeat">
+      <a:schemeClr val="accent2">
+        <a:shade val="90000"/>
+      </a:schemeClr>
+    </dgm:fillClrLst>
+    <dgm:linClrLst meth="repeat">
+      <a:schemeClr val="dk1"/>
+    </dgm:linClrLst>
+    <dgm:effectClrLst/>
+    <dgm:txLinClrLst/>
+    <dgm:txFillClrLst meth="repeat">
+      <a:schemeClr val="lt1"/>
+    </dgm:txFillClrLst>
+    <dgm:txEffectClrLst/>
+  </dgm:styleLbl>
+  <dgm:styleLbl name="trBgShp">
+    <dgm:fillClrLst meth="repeat">
+      <a:schemeClr val="accent1">
         <a:tint val="50000"/>
         <a:alpha val="40000"/>
       </a:schemeClr>
@@ -3774,6 +4797,201 @@
 </dgm:dataModel>
 </file>
 
+<file path=ppt/diagrams/data4.xml><?xml version="1.0" encoding="utf-8"?>
+<dgm:dataModel xmlns:dgm="http://schemas.openxmlformats.org/drawingml/2006/diagram" xmlns:a="http://schemas.openxmlformats.org/drawingml/2006/main">
+  <dgm:ptLst>
+    <dgm:pt modelId="{095DFE37-9B8C-4338-8653-B2C4060F23DC}" type="doc">
+      <dgm:prSet loTypeId="urn:microsoft.com/office/officeart/2005/8/layout/cycle3" loCatId="cycle" qsTypeId="urn:microsoft.com/office/officeart/2005/8/quickstyle/simple1" qsCatId="simple" csTypeId="urn:microsoft.com/office/officeart/2005/8/colors/colorful1" csCatId="colorful" phldr="1"/>
+      <dgm:spPr/>
+      <dgm:t>
+        <a:bodyPr/>
+        <a:lstStyle/>
+        <a:p>
+          <a:endParaRPr kumimoji="1" lang="ja-JP" altLang="en-US"/>
+        </a:p>
+      </dgm:t>
+    </dgm:pt>
+    <dgm:pt modelId="{0A90C871-5A16-4CBA-B177-1CFF9C3D3BC6}">
+      <dgm:prSet/>
+      <dgm:spPr/>
+      <dgm:t>
+        <a:bodyPr/>
+        <a:lstStyle/>
+        <a:p>
+          <a:r>
+            <a:rPr kumimoji="1" lang="ja-JP" altLang="en-US"/>
+            <a:t>初期</a:t>
+          </a:r>
+          <a:r>
+            <a:rPr kumimoji="1" lang="ja-JP"/>
+            <a:t>状態</a:t>
+          </a:r>
+          <a:endParaRPr lang="ja-JP"/>
+        </a:p>
+      </dgm:t>
+    </dgm:pt>
+    <dgm:pt modelId="{8B7CB1B5-F166-48A2-B8B2-89739FBCD768}" type="parTrans" cxnId="{72E52BE8-2354-4113-B87A-1CDE34F4BFEA}">
+      <dgm:prSet/>
+      <dgm:spPr/>
+      <dgm:t>
+        <a:bodyPr/>
+        <a:lstStyle/>
+        <a:p>
+          <a:endParaRPr kumimoji="1" lang="ja-JP" altLang="en-US"/>
+        </a:p>
+      </dgm:t>
+    </dgm:pt>
+    <dgm:pt modelId="{AB29F45A-F1EF-4DE4-8CE3-2D5A189163EA}" type="sibTrans" cxnId="{72E52BE8-2354-4113-B87A-1CDE34F4BFEA}">
+      <dgm:prSet/>
+      <dgm:spPr/>
+      <dgm:t>
+        <a:bodyPr/>
+        <a:lstStyle/>
+        <a:p>
+          <a:endParaRPr kumimoji="1" lang="ja-JP" altLang="en-US"/>
+        </a:p>
+      </dgm:t>
+    </dgm:pt>
+    <dgm:pt modelId="{A2470369-E041-48AC-8522-FF37D8F0BA9E}">
+      <dgm:prSet custT="1"/>
+      <dgm:spPr/>
+      <dgm:t>
+        <a:bodyPr/>
+        <a:lstStyle/>
+        <a:p>
+          <a:r>
+            <a:rPr lang="ja-JP" altLang="en-US" sz="3900"/>
+            <a:t>一時停止状態</a:t>
+          </a:r>
+        </a:p>
+      </dgm:t>
+    </dgm:pt>
+    <dgm:pt modelId="{C15E3D0C-9458-4E1C-83B6-1E7D4E634647}" type="parTrans" cxnId="{82B6451B-D667-4A98-B704-6F44A0D1D0B3}">
+      <dgm:prSet/>
+      <dgm:spPr/>
+      <dgm:t>
+        <a:bodyPr/>
+        <a:lstStyle/>
+        <a:p>
+          <a:endParaRPr kumimoji="1" lang="ja-JP" altLang="en-US"/>
+        </a:p>
+      </dgm:t>
+    </dgm:pt>
+    <dgm:pt modelId="{FF16ABB6-A982-4F36-A643-C663FB3A7F22}" type="sibTrans" cxnId="{82B6451B-D667-4A98-B704-6F44A0D1D0B3}">
+      <dgm:prSet/>
+      <dgm:spPr/>
+      <dgm:t>
+        <a:bodyPr/>
+        <a:lstStyle/>
+        <a:p>
+          <a:endParaRPr kumimoji="1" lang="ja-JP" altLang="en-US"/>
+        </a:p>
+      </dgm:t>
+    </dgm:pt>
+    <dgm:pt modelId="{511EB113-39C4-4A42-91DB-CBED0C9E635F}">
+      <dgm:prSet/>
+      <dgm:spPr/>
+      <dgm:t>
+        <a:bodyPr/>
+        <a:lstStyle/>
+        <a:p>
+          <a:r>
+            <a:rPr lang="ja-JP" altLang="en-US"/>
+            <a:t>動作状態</a:t>
+          </a:r>
+          <a:endParaRPr lang="ja-JP"/>
+        </a:p>
+      </dgm:t>
+    </dgm:pt>
+    <dgm:pt modelId="{D9D611AE-78C9-4290-9738-419B21F4C439}" type="parTrans" cxnId="{B8B7B879-BAC1-4EE0-9436-CF444B5AB7ED}">
+      <dgm:prSet/>
+      <dgm:spPr/>
+      <dgm:t>
+        <a:bodyPr/>
+        <a:lstStyle/>
+        <a:p>
+          <a:endParaRPr kumimoji="1" lang="ja-JP" altLang="en-US"/>
+        </a:p>
+      </dgm:t>
+    </dgm:pt>
+    <dgm:pt modelId="{B10EBEB6-62EC-440E-9738-FABFA6523185}" type="sibTrans" cxnId="{B8B7B879-BAC1-4EE0-9436-CF444B5AB7ED}">
+      <dgm:prSet/>
+      <dgm:spPr/>
+      <dgm:t>
+        <a:bodyPr/>
+        <a:lstStyle/>
+        <a:p>
+          <a:endParaRPr kumimoji="1" lang="ja-JP" altLang="en-US"/>
+        </a:p>
+      </dgm:t>
+    </dgm:pt>
+    <dgm:pt modelId="{267BB72F-3D46-4AD7-B4AA-0290FFD7C7B3}" type="pres">
+      <dgm:prSet presAssocID="{095DFE37-9B8C-4338-8653-B2C4060F23DC}" presName="Name0" presStyleCnt="0">
+        <dgm:presLayoutVars>
+          <dgm:dir/>
+          <dgm:resizeHandles val="exact"/>
+        </dgm:presLayoutVars>
+      </dgm:prSet>
+      <dgm:spPr/>
+    </dgm:pt>
+    <dgm:pt modelId="{1C4CB0B8-649C-48A7-963F-D2FB0BD05514}" type="pres">
+      <dgm:prSet presAssocID="{095DFE37-9B8C-4338-8653-B2C4060F23DC}" presName="cycle" presStyleCnt="0"/>
+      <dgm:spPr/>
+    </dgm:pt>
+    <dgm:pt modelId="{6CFE60F7-E3D7-443B-9E8D-2F206127E366}" type="pres">
+      <dgm:prSet presAssocID="{0A90C871-5A16-4CBA-B177-1CFF9C3D3BC6}" presName="nodeFirstNode" presStyleLbl="node1" presStyleIdx="0" presStyleCnt="3">
+        <dgm:presLayoutVars>
+          <dgm:bulletEnabled val="1"/>
+        </dgm:presLayoutVars>
+      </dgm:prSet>
+      <dgm:spPr/>
+    </dgm:pt>
+    <dgm:pt modelId="{A876ED7B-9E87-4E64-BACF-4968CDFC7FE7}" type="pres">
+      <dgm:prSet presAssocID="{AB29F45A-F1EF-4DE4-8CE3-2D5A189163EA}" presName="sibTransFirstNode" presStyleLbl="bgShp" presStyleIdx="0" presStyleCnt="1"/>
+      <dgm:spPr/>
+    </dgm:pt>
+    <dgm:pt modelId="{0915187F-AD84-4F39-94A6-B62511B6A58A}" type="pres">
+      <dgm:prSet presAssocID="{511EB113-39C4-4A42-91DB-CBED0C9E635F}" presName="nodeFollowingNodes" presStyleLbl="node1" presStyleIdx="1" presStyleCnt="3">
+        <dgm:presLayoutVars>
+          <dgm:bulletEnabled val="1"/>
+        </dgm:presLayoutVars>
+      </dgm:prSet>
+      <dgm:spPr/>
+    </dgm:pt>
+    <dgm:pt modelId="{F2BED46C-49A2-4BAD-831B-FD79F0A059BC}" type="pres">
+      <dgm:prSet presAssocID="{A2470369-E041-48AC-8522-FF37D8F0BA9E}" presName="nodeFollowingNodes" presStyleLbl="node1" presStyleIdx="2" presStyleCnt="3">
+        <dgm:presLayoutVars>
+          <dgm:bulletEnabled val="1"/>
+        </dgm:presLayoutVars>
+      </dgm:prSet>
+      <dgm:spPr/>
+    </dgm:pt>
+  </dgm:ptLst>
+  <dgm:cxnLst>
+    <dgm:cxn modelId="{F2DF4A0D-15B2-45DE-AC68-D315DFB81CA8}" type="presOf" srcId="{095DFE37-9B8C-4338-8653-B2C4060F23DC}" destId="{267BB72F-3D46-4AD7-B4AA-0290FFD7C7B3}" srcOrd="0" destOrd="0" presId="urn:microsoft.com/office/officeart/2005/8/layout/cycle3"/>
+    <dgm:cxn modelId="{82B6451B-D667-4A98-B704-6F44A0D1D0B3}" srcId="{095DFE37-9B8C-4338-8653-B2C4060F23DC}" destId="{A2470369-E041-48AC-8522-FF37D8F0BA9E}" srcOrd="2" destOrd="0" parTransId="{C15E3D0C-9458-4E1C-83B6-1E7D4E634647}" sibTransId="{FF16ABB6-A982-4F36-A643-C663FB3A7F22}"/>
+    <dgm:cxn modelId="{B8B7B879-BAC1-4EE0-9436-CF444B5AB7ED}" srcId="{095DFE37-9B8C-4338-8653-B2C4060F23DC}" destId="{511EB113-39C4-4A42-91DB-CBED0C9E635F}" srcOrd="1" destOrd="0" parTransId="{D9D611AE-78C9-4290-9738-419B21F4C439}" sibTransId="{B10EBEB6-62EC-440E-9738-FABFA6523185}"/>
+    <dgm:cxn modelId="{E4227E96-7B87-4DE3-BE03-9DF7BAF84BA9}" type="presOf" srcId="{A2470369-E041-48AC-8522-FF37D8F0BA9E}" destId="{F2BED46C-49A2-4BAD-831B-FD79F0A059BC}" srcOrd="0" destOrd="0" presId="urn:microsoft.com/office/officeart/2005/8/layout/cycle3"/>
+    <dgm:cxn modelId="{DFF01CA3-6906-43D6-83FA-37610862AB1E}" type="presOf" srcId="{0A90C871-5A16-4CBA-B177-1CFF9C3D3BC6}" destId="{6CFE60F7-E3D7-443B-9E8D-2F206127E366}" srcOrd="0" destOrd="0" presId="urn:microsoft.com/office/officeart/2005/8/layout/cycle3"/>
+    <dgm:cxn modelId="{91733FBF-3A64-4268-A462-4813F704F176}" type="presOf" srcId="{511EB113-39C4-4A42-91DB-CBED0C9E635F}" destId="{0915187F-AD84-4F39-94A6-B62511B6A58A}" srcOrd="0" destOrd="0" presId="urn:microsoft.com/office/officeart/2005/8/layout/cycle3"/>
+    <dgm:cxn modelId="{72E52BE8-2354-4113-B87A-1CDE34F4BFEA}" srcId="{095DFE37-9B8C-4338-8653-B2C4060F23DC}" destId="{0A90C871-5A16-4CBA-B177-1CFF9C3D3BC6}" srcOrd="0" destOrd="0" parTransId="{8B7CB1B5-F166-48A2-B8B2-89739FBCD768}" sibTransId="{AB29F45A-F1EF-4DE4-8CE3-2D5A189163EA}"/>
+    <dgm:cxn modelId="{9FC7A6EE-B292-4588-B6B6-B6081513E6B0}" type="presOf" srcId="{AB29F45A-F1EF-4DE4-8CE3-2D5A189163EA}" destId="{A876ED7B-9E87-4E64-BACF-4968CDFC7FE7}" srcOrd="0" destOrd="0" presId="urn:microsoft.com/office/officeart/2005/8/layout/cycle3"/>
+    <dgm:cxn modelId="{5B701C32-2E6B-47D8-A92E-54E8A5E70B7E}" type="presParOf" srcId="{267BB72F-3D46-4AD7-B4AA-0290FFD7C7B3}" destId="{1C4CB0B8-649C-48A7-963F-D2FB0BD05514}" srcOrd="0" destOrd="0" presId="urn:microsoft.com/office/officeart/2005/8/layout/cycle3"/>
+    <dgm:cxn modelId="{CBCDC4EA-06AF-4BF3-A42A-919429C412E2}" type="presParOf" srcId="{1C4CB0B8-649C-48A7-963F-D2FB0BD05514}" destId="{6CFE60F7-E3D7-443B-9E8D-2F206127E366}" srcOrd="0" destOrd="0" presId="urn:microsoft.com/office/officeart/2005/8/layout/cycle3"/>
+    <dgm:cxn modelId="{704FFBD9-F9C2-44FD-9A5A-13AF2636F814}" type="presParOf" srcId="{1C4CB0B8-649C-48A7-963F-D2FB0BD05514}" destId="{A876ED7B-9E87-4E64-BACF-4968CDFC7FE7}" srcOrd="1" destOrd="0" presId="urn:microsoft.com/office/officeart/2005/8/layout/cycle3"/>
+    <dgm:cxn modelId="{94315C79-6A0C-4F7F-9600-7F74F53A3A7C}" type="presParOf" srcId="{1C4CB0B8-649C-48A7-963F-D2FB0BD05514}" destId="{0915187F-AD84-4F39-94A6-B62511B6A58A}" srcOrd="2" destOrd="0" presId="urn:microsoft.com/office/officeart/2005/8/layout/cycle3"/>
+    <dgm:cxn modelId="{36073DED-F7AC-4105-BADF-22A40B2FEA37}" type="presParOf" srcId="{1C4CB0B8-649C-48A7-963F-D2FB0BD05514}" destId="{F2BED46C-49A2-4BAD-831B-FD79F0A059BC}" srcOrd="3" destOrd="0" presId="urn:microsoft.com/office/officeart/2005/8/layout/cycle3"/>
+  </dgm:cxnLst>
+  <dgm:bg/>
+  <dgm:whole/>
+  <dgm:extLst>
+    <a:ext uri="http://schemas.microsoft.com/office/drawing/2008/diagram">
+      <dsp:dataModelExt xmlns:dsp="http://schemas.microsoft.com/office/drawing/2008/diagram" relId="rId6" minVer="http://schemas.openxmlformats.org/drawingml/2006/diagram"/>
+    </a:ext>
+  </dgm:extLst>
+</dgm:dataModel>
+</file>
+
 <file path=ppt/diagrams/drawing1.xml><?xml version="1.0" encoding="utf-8"?>
 <dsp:drawing xmlns:dgm="http://schemas.openxmlformats.org/drawingml/2006/diagram" xmlns:dsp="http://schemas.microsoft.com/office/drawing/2008/diagram" xmlns:a="http://schemas.openxmlformats.org/drawingml/2006/main">
   <dsp:spTree>
@@ -4072,13 +5290,9 @@
           </a:pPr>
           <a:r>
             <a:rPr kumimoji="1" lang="ja-JP" altLang="en-US" sz="5600" kern="1200"/>
-            <a:t>初期</a:t>
+            <a:t>初期状態</a:t>
           </a:r>
-          <a:r>
-            <a:rPr kumimoji="1" lang="ja-JP" sz="5600" kern="1200"/>
-            <a:t>状態</a:t>
-          </a:r>
-          <a:endParaRPr lang="ja-JP" sz="5600" kern="1200"/>
+          <a:endParaRPr lang="ja-JP" altLang="en-US" sz="5600" kern="1200"/>
         </a:p>
       </dsp:txBody>
       <dsp:txXfrm>
@@ -4156,7 +5370,6 @@
             <a:rPr lang="ja-JP" altLang="en-US" sz="5600" kern="1200"/>
             <a:t>動作状態</a:t>
           </a:r>
-          <a:endParaRPr lang="ja-JP" sz="5600" kern="1200"/>
         </a:p>
       </dsp:txBody>
       <dsp:txXfrm>
@@ -4529,6 +5742,296 @@
       <dsp:txXfrm>
         <a:off x="1271662" y="2560320"/>
         <a:ext cx="8901640" cy="1668421"/>
+      </dsp:txXfrm>
+    </dsp:sp>
+  </dsp:spTree>
+</dsp:drawing>
+</file>
+
+<file path=ppt/diagrams/drawing4.xml><?xml version="1.0" encoding="utf-8"?>
+<dsp:drawing xmlns:dgm="http://schemas.openxmlformats.org/drawingml/2006/diagram" xmlns:dsp="http://schemas.microsoft.com/office/drawing/2008/diagram" xmlns:a="http://schemas.openxmlformats.org/drawingml/2006/main">
+  <dsp:spTree>
+    <dsp:nvGrpSpPr>
+      <dsp:cNvPr id="0" name=""/>
+      <dsp:cNvGrpSpPr/>
+    </dsp:nvGrpSpPr>
+    <dsp:grpSpPr/>
+    <dsp:sp modelId="{A876ED7B-9E87-4E64-BACF-4968CDFC7FE7}">
+      <dsp:nvSpPr>
+        <dsp:cNvPr id="0" name=""/>
+        <dsp:cNvSpPr/>
+      </dsp:nvSpPr>
+      <dsp:spPr>
+        <a:xfrm>
+          <a:off x="1142540" y="-38012"/>
+          <a:ext cx="4932148" cy="4932148"/>
+        </a:xfrm>
+        <a:prstGeom prst="circularArrow">
+          <a:avLst>
+            <a:gd name="adj1" fmla="val 5689"/>
+            <a:gd name="adj2" fmla="val 340510"/>
+            <a:gd name="adj3" fmla="val 12410413"/>
+            <a:gd name="adj4" fmla="val 18277879"/>
+            <a:gd name="adj5" fmla="val 5908"/>
+          </a:avLst>
+        </a:prstGeom>
+        <a:solidFill>
+          <a:schemeClr val="accent2">
+            <a:tint val="40000"/>
+            <a:hueOff val="0"/>
+            <a:satOff val="0"/>
+            <a:lumOff val="0"/>
+            <a:alphaOff val="0"/>
+          </a:schemeClr>
+        </a:solidFill>
+        <a:ln>
+          <a:noFill/>
+        </a:ln>
+        <a:effectLst/>
+      </dsp:spPr>
+      <dsp:style>
+        <a:lnRef idx="0">
+          <a:scrgbClr r="0" g="0" b="0"/>
+        </a:lnRef>
+        <a:fillRef idx="1">
+          <a:scrgbClr r="0" g="0" b="0"/>
+        </a:fillRef>
+        <a:effectRef idx="0">
+          <a:scrgbClr r="0" g="0" b="0"/>
+        </a:effectRef>
+        <a:fontRef idx="minor"/>
+      </dsp:style>
+    </dsp:sp>
+    <dsp:sp modelId="{6CFE60F7-E3D7-443B-9E8D-2F206127E366}">
+      <dsp:nvSpPr>
+        <dsp:cNvPr id="0" name=""/>
+        <dsp:cNvSpPr/>
+      </dsp:nvSpPr>
+      <dsp:spPr>
+        <a:xfrm>
+          <a:off x="1869501" y="243890"/>
+          <a:ext cx="3478225" cy="1739112"/>
+        </a:xfrm>
+        <a:prstGeom prst="roundRect">
+          <a:avLst/>
+        </a:prstGeom>
+        <a:solidFill>
+          <a:schemeClr val="accent2">
+            <a:hueOff val="0"/>
+            <a:satOff val="0"/>
+            <a:lumOff val="0"/>
+            <a:alphaOff val="0"/>
+          </a:schemeClr>
+        </a:solidFill>
+        <a:ln w="10795" cap="flat" cmpd="sng" algn="ctr">
+          <a:solidFill>
+            <a:schemeClr val="lt1">
+              <a:hueOff val="0"/>
+              <a:satOff val="0"/>
+              <a:lumOff val="0"/>
+              <a:alphaOff val="0"/>
+            </a:schemeClr>
+          </a:solidFill>
+          <a:prstDash val="solid"/>
+        </a:ln>
+        <a:effectLst/>
+      </dsp:spPr>
+      <dsp:style>
+        <a:lnRef idx="2">
+          <a:scrgbClr r="0" g="0" b="0"/>
+        </a:lnRef>
+        <a:fillRef idx="1">
+          <a:scrgbClr r="0" g="0" b="0"/>
+        </a:fillRef>
+        <a:effectRef idx="0">
+          <a:scrgbClr r="0" g="0" b="0"/>
+        </a:effectRef>
+        <a:fontRef idx="minor">
+          <a:schemeClr val="lt1"/>
+        </a:fontRef>
+      </dsp:style>
+      <dsp:txBody>
+        <a:bodyPr spcFirstLastPara="0" vert="horz" wrap="square" lIns="213360" tIns="213360" rIns="213360" bIns="213360" numCol="1" spcCol="1270" anchor="ctr" anchorCtr="0">
+          <a:noAutofit/>
+        </a:bodyPr>
+        <a:lstStyle/>
+        <a:p>
+          <a:pPr marL="0" lvl="0" indent="0" algn="ctr" defTabSz="2489200">
+            <a:lnSpc>
+              <a:spcPct val="90000"/>
+            </a:lnSpc>
+            <a:spcBef>
+              <a:spcPct val="0"/>
+            </a:spcBef>
+            <a:spcAft>
+              <a:spcPct val="35000"/>
+            </a:spcAft>
+            <a:buNone/>
+          </a:pPr>
+          <a:r>
+            <a:rPr kumimoji="1" lang="ja-JP" altLang="en-US" sz="5600" kern="1200"/>
+            <a:t>初期状態</a:t>
+          </a:r>
+          <a:endParaRPr lang="ja-JP" altLang="en-US" sz="5600" kern="1200"/>
+        </a:p>
+      </dsp:txBody>
+      <dsp:txXfrm>
+        <a:off x="1954397" y="328786"/>
+        <a:ext cx="3308433" cy="1569320"/>
+      </dsp:txXfrm>
+    </dsp:sp>
+    <dsp:sp modelId="{0915187F-AD84-4F39-94A6-B62511B6A58A}">
+      <dsp:nvSpPr>
+        <dsp:cNvPr id="0" name=""/>
+        <dsp:cNvSpPr/>
+      </dsp:nvSpPr>
+      <dsp:spPr>
+        <a:xfrm>
+          <a:off x="3738808" y="3481624"/>
+          <a:ext cx="3478225" cy="1739112"/>
+        </a:xfrm>
+        <a:prstGeom prst="roundRect">
+          <a:avLst/>
+        </a:prstGeom>
+        <a:solidFill>
+          <a:schemeClr val="accent3">
+            <a:hueOff val="0"/>
+            <a:satOff val="0"/>
+            <a:lumOff val="0"/>
+            <a:alphaOff val="0"/>
+          </a:schemeClr>
+        </a:solidFill>
+        <a:ln w="10795" cap="flat" cmpd="sng" algn="ctr">
+          <a:solidFill>
+            <a:schemeClr val="lt1">
+              <a:hueOff val="0"/>
+              <a:satOff val="0"/>
+              <a:lumOff val="0"/>
+              <a:alphaOff val="0"/>
+            </a:schemeClr>
+          </a:solidFill>
+          <a:prstDash val="solid"/>
+        </a:ln>
+        <a:effectLst/>
+      </dsp:spPr>
+      <dsp:style>
+        <a:lnRef idx="2">
+          <a:scrgbClr r="0" g="0" b="0"/>
+        </a:lnRef>
+        <a:fillRef idx="1">
+          <a:scrgbClr r="0" g="0" b="0"/>
+        </a:fillRef>
+        <a:effectRef idx="0">
+          <a:scrgbClr r="0" g="0" b="0"/>
+        </a:effectRef>
+        <a:fontRef idx="minor">
+          <a:schemeClr val="lt1"/>
+        </a:fontRef>
+      </dsp:style>
+      <dsp:txBody>
+        <a:bodyPr spcFirstLastPara="0" vert="horz" wrap="square" lIns="213360" tIns="213360" rIns="213360" bIns="213360" numCol="1" spcCol="1270" anchor="ctr" anchorCtr="0">
+          <a:noAutofit/>
+        </a:bodyPr>
+        <a:lstStyle/>
+        <a:p>
+          <a:pPr marL="0" lvl="0" indent="0" algn="ctr" defTabSz="2489200">
+            <a:lnSpc>
+              <a:spcPct val="90000"/>
+            </a:lnSpc>
+            <a:spcBef>
+              <a:spcPct val="0"/>
+            </a:spcBef>
+            <a:spcAft>
+              <a:spcPct val="35000"/>
+            </a:spcAft>
+            <a:buNone/>
+          </a:pPr>
+          <a:r>
+            <a:rPr lang="ja-JP" altLang="en-US" sz="5600" kern="1200"/>
+            <a:t>動作状態</a:t>
+          </a:r>
+        </a:p>
+      </dsp:txBody>
+      <dsp:txXfrm>
+        <a:off x="3823704" y="3566520"/>
+        <a:ext cx="3308433" cy="1569320"/>
+      </dsp:txXfrm>
+    </dsp:sp>
+    <dsp:sp modelId="{F2BED46C-49A2-4BAD-831B-FD79F0A059BC}">
+      <dsp:nvSpPr>
+        <dsp:cNvPr id="0" name=""/>
+        <dsp:cNvSpPr/>
+      </dsp:nvSpPr>
+      <dsp:spPr>
+        <a:xfrm>
+          <a:off x="195" y="3481624"/>
+          <a:ext cx="3478225" cy="1739112"/>
+        </a:xfrm>
+        <a:prstGeom prst="roundRect">
+          <a:avLst/>
+        </a:prstGeom>
+        <a:solidFill>
+          <a:schemeClr val="accent4">
+            <a:hueOff val="0"/>
+            <a:satOff val="0"/>
+            <a:lumOff val="0"/>
+            <a:alphaOff val="0"/>
+          </a:schemeClr>
+        </a:solidFill>
+        <a:ln w="10795" cap="flat" cmpd="sng" algn="ctr">
+          <a:solidFill>
+            <a:schemeClr val="lt1">
+              <a:hueOff val="0"/>
+              <a:satOff val="0"/>
+              <a:lumOff val="0"/>
+              <a:alphaOff val="0"/>
+            </a:schemeClr>
+          </a:solidFill>
+          <a:prstDash val="solid"/>
+        </a:ln>
+        <a:effectLst/>
+      </dsp:spPr>
+      <dsp:style>
+        <a:lnRef idx="2">
+          <a:scrgbClr r="0" g="0" b="0"/>
+        </a:lnRef>
+        <a:fillRef idx="1">
+          <a:scrgbClr r="0" g="0" b="0"/>
+        </a:fillRef>
+        <a:effectRef idx="0">
+          <a:scrgbClr r="0" g="0" b="0"/>
+        </a:effectRef>
+        <a:fontRef idx="minor">
+          <a:schemeClr val="lt1"/>
+        </a:fontRef>
+      </dsp:style>
+      <dsp:txBody>
+        <a:bodyPr spcFirstLastPara="0" vert="horz" wrap="square" lIns="148590" tIns="148590" rIns="148590" bIns="148590" numCol="1" spcCol="1270" anchor="ctr" anchorCtr="0">
+          <a:noAutofit/>
+        </a:bodyPr>
+        <a:lstStyle/>
+        <a:p>
+          <a:pPr marL="0" lvl="0" indent="0" algn="ctr" defTabSz="1733550">
+            <a:lnSpc>
+              <a:spcPct val="90000"/>
+            </a:lnSpc>
+            <a:spcBef>
+              <a:spcPct val="0"/>
+            </a:spcBef>
+            <a:spcAft>
+              <a:spcPct val="35000"/>
+            </a:spcAft>
+            <a:buNone/>
+          </a:pPr>
+          <a:r>
+            <a:rPr lang="ja-JP" altLang="en-US" sz="3900" kern="1200"/>
+            <a:t>一時停止状態</a:t>
+          </a:r>
+        </a:p>
+      </dsp:txBody>
+      <dsp:txXfrm>
+        <a:off x="85091" y="3566520"/>
+        <a:ext cx="3308433" cy="1569320"/>
       </dsp:txXfrm>
     </dsp:sp>
   </dsp:spTree>
@@ -5778,6 +7281,409 @@
 </dgm:layoutDef>
 </file>
 
+<file path=ppt/diagrams/layout4.xml><?xml version="1.0" encoding="utf-8"?>
+<dgm:layoutDef xmlns:dgm="http://schemas.openxmlformats.org/drawingml/2006/diagram" xmlns:a="http://schemas.openxmlformats.org/drawingml/2006/main" uniqueId="urn:microsoft.com/office/officeart/2005/8/layout/cycle3">
+  <dgm:title val=""/>
+  <dgm:desc val=""/>
+  <dgm:catLst>
+    <dgm:cat type="cycle" pri="5000"/>
+  </dgm:catLst>
+  <dgm:sampData>
+    <dgm:dataModel>
+      <dgm:ptLst>
+        <dgm:pt modelId="0" type="doc"/>
+        <dgm:pt modelId="1">
+          <dgm:prSet phldr="1"/>
+        </dgm:pt>
+        <dgm:pt modelId="2">
+          <dgm:prSet phldr="1"/>
+        </dgm:pt>
+        <dgm:pt modelId="3">
+          <dgm:prSet phldr="1"/>
+        </dgm:pt>
+        <dgm:pt modelId="4">
+          <dgm:prSet phldr="1"/>
+        </dgm:pt>
+        <dgm:pt modelId="5">
+          <dgm:prSet phldr="1"/>
+        </dgm:pt>
+      </dgm:ptLst>
+      <dgm:cxnLst>
+        <dgm:cxn modelId="6" srcId="0" destId="1" srcOrd="0" destOrd="0"/>
+        <dgm:cxn modelId="7" srcId="0" destId="2" srcOrd="1" destOrd="0"/>
+        <dgm:cxn modelId="8" srcId="0" destId="3" srcOrd="2" destOrd="0"/>
+        <dgm:cxn modelId="9" srcId="0" destId="4" srcOrd="3" destOrd="0"/>
+        <dgm:cxn modelId="10" srcId="0" destId="5" srcOrd="4" destOrd="0"/>
+      </dgm:cxnLst>
+      <dgm:bg/>
+      <dgm:whole/>
+    </dgm:dataModel>
+  </dgm:sampData>
+  <dgm:styleData>
+    <dgm:dataModel>
+      <dgm:ptLst>
+        <dgm:pt modelId="0" type="doc"/>
+        <dgm:pt modelId="1"/>
+        <dgm:pt modelId="2"/>
+        <dgm:pt modelId="3"/>
+      </dgm:ptLst>
+      <dgm:cxnLst>
+        <dgm:cxn modelId="4" srcId="0" destId="1" srcOrd="0" destOrd="0"/>
+        <dgm:cxn modelId="5" srcId="0" destId="2" srcOrd="1" destOrd="0"/>
+        <dgm:cxn modelId="6" srcId="0" destId="3" srcOrd="2" destOrd="0"/>
+      </dgm:cxnLst>
+      <dgm:bg/>
+      <dgm:whole/>
+    </dgm:dataModel>
+  </dgm:styleData>
+  <dgm:clrData>
+    <dgm:dataModel>
+      <dgm:ptLst>
+        <dgm:pt modelId="0" type="doc"/>
+        <dgm:pt modelId="1"/>
+        <dgm:pt modelId="2"/>
+        <dgm:pt modelId="3"/>
+        <dgm:pt modelId="4"/>
+        <dgm:pt modelId="5"/>
+        <dgm:pt modelId="6"/>
+      </dgm:ptLst>
+      <dgm:cxnLst>
+        <dgm:cxn modelId="7" srcId="0" destId="1" srcOrd="0" destOrd="0"/>
+        <dgm:cxn modelId="8" srcId="0" destId="2" srcOrd="1" destOrd="0"/>
+        <dgm:cxn modelId="9" srcId="0" destId="3" srcOrd="2" destOrd="0"/>
+        <dgm:cxn modelId="10" srcId="0" destId="4" srcOrd="3" destOrd="0"/>
+        <dgm:cxn modelId="11" srcId="0" destId="5" srcOrd="4" destOrd="0"/>
+        <dgm:cxn modelId="12" srcId="0" destId="6" srcOrd="5" destOrd="0"/>
+      </dgm:cxnLst>
+      <dgm:bg/>
+      <dgm:whole/>
+    </dgm:dataModel>
+  </dgm:clrData>
+  <dgm:layoutNode name="Name0">
+    <dgm:varLst>
+      <dgm:dir/>
+      <dgm:resizeHandles val="exact"/>
+    </dgm:varLst>
+    <dgm:choose name="Name1">
+      <dgm:if name="Name2" axis="ch" ptType="node" func="cnt" op="equ" val="2">
+        <dgm:alg type="composite">
+          <dgm:param type="ar" val="0.9"/>
+        </dgm:alg>
+        <dgm:shape xmlns:r="http://schemas.openxmlformats.org/officeDocument/2006/relationships" r:blip="">
+          <dgm:adjLst/>
+        </dgm:shape>
+        <dgm:presOf/>
+        <dgm:constrLst>
+          <dgm:constr type="primFontSz" for="ch" ptType="node" op="equ" val="65"/>
+          <dgm:constr type="ctrX" for="ch" forName="node1" refType="w" fact="0.5"/>
+          <dgm:constr type="t" for="ch" forName="node1"/>
+          <dgm:constr type="w" for="ch" forName="node1" refType="w" fact="0.8"/>
+          <dgm:constr type="h" for="ch" forName="node1" refType="w" refFor="ch" refForName="node1" fact="0.5"/>
+          <dgm:constr type="ctrX" for="ch" forName="sibTrans" refType="w" fact="0.5"/>
+          <dgm:constr type="t" for="ch" forName="sibTrans"/>
+          <dgm:constr type="w" for="ch" forName="sibTrans" refType="w" fact="0.8"/>
+          <dgm:constr type="h" for="ch" forName="sibTrans" refType="w" refFor="ch" refForName="node1" fact="0.5"/>
+          <dgm:constr type="userA" for="ch" forName="sibTrans" refType="w" fact="1.07"/>
+          <dgm:constr type="ctrX" for="ch" forName="node2" refType="w" fact="0.5"/>
+          <dgm:constr type="b" for="ch" forName="node2" refType="h"/>
+          <dgm:constr type="w" for="ch" forName="node2" refType="w" fact="0.8"/>
+          <dgm:constr type="h" for="ch" forName="node2" refType="w" refFor="ch" refForName="node1" fact="0.5"/>
+          <dgm:constr type="l" for="ch" forName="sp1"/>
+          <dgm:constr type="t" for="ch" forName="sp1" refType="h" fact="0.5"/>
+          <dgm:constr type="w" for="ch" forName="sp1" val="1"/>
+          <dgm:constr type="h" for="ch" forName="sp1" val="1"/>
+          <dgm:constr type="r" for="ch" forName="sp2" refType="w"/>
+          <dgm:constr type="t" for="ch" forName="sp2" refType="h" fact="0.5"/>
+          <dgm:constr type="w" for="ch" forName="sp2" val="1"/>
+          <dgm:constr type="h" for="ch" forName="sp2" val="1"/>
+        </dgm:constrLst>
+        <dgm:ruleLst/>
+      </dgm:if>
+      <dgm:else name="Name3">
+        <dgm:alg type="composite"/>
+        <dgm:shape xmlns:r="http://schemas.openxmlformats.org/officeDocument/2006/relationships" r:blip="">
+          <dgm:adjLst/>
+        </dgm:shape>
+        <dgm:presOf/>
+        <dgm:constrLst>
+          <dgm:constr type="primFontSz" for="ch" ptType="node" op="equ" val="65"/>
+        </dgm:constrLst>
+        <dgm:ruleLst/>
+      </dgm:else>
+    </dgm:choose>
+    <dgm:choose name="Name4">
+      <dgm:if name="Name5" axis="ch" ptType="node" func="cnt" op="equ" val="2">
+        <dgm:layoutNode name="node1">
+          <dgm:varLst>
+            <dgm:bulletEnabled val="1"/>
+          </dgm:varLst>
+          <dgm:alg type="tx"/>
+          <dgm:shape xmlns:r="http://schemas.openxmlformats.org/officeDocument/2006/relationships" type="roundRect" r:blip="">
+            <dgm:adjLst/>
+          </dgm:shape>
+          <dgm:presOf axis="ch desOrSelf" ptType="node node" st="1 1" cnt="1 0"/>
+          <dgm:constrLst>
+            <dgm:constr type="tMarg" refType="primFontSz" fact="0.3"/>
+            <dgm:constr type="bMarg" refType="primFontSz" fact="0.3"/>
+            <dgm:constr type="lMarg" refType="primFontSz" fact="0.3"/>
+            <dgm:constr type="rMarg" refType="primFontSz" fact="0.3"/>
+          </dgm:constrLst>
+          <dgm:ruleLst>
+            <dgm:rule type="primFontSz" val="5" fact="NaN" max="NaN"/>
+          </dgm:ruleLst>
+        </dgm:layoutNode>
+        <dgm:layoutNode name="sibTrans" styleLbl="bgShp">
+          <dgm:choose name="Name6">
+            <dgm:if name="Name7" func="var" arg="dir" op="equ" val="norm">
+              <dgm:alg type="conn">
+                <dgm:param type="connRout" val="longCurve"/>
+                <dgm:param type="begPts" val="midR"/>
+                <dgm:param type="endPts" val="midL"/>
+                <dgm:param type="dstNode" val="node1"/>
+              </dgm:alg>
+              <dgm:shape xmlns:r="http://schemas.openxmlformats.org/officeDocument/2006/relationships" type="conn" r:blip="" zOrderOff="-2">
+                <dgm:adjLst/>
+              </dgm:shape>
+              <dgm:presOf axis="ch" ptType="sibTrans"/>
+              <dgm:constrLst>
+                <dgm:constr type="userA"/>
+                <dgm:constr type="diam" refType="userA" fact="-1"/>
+                <dgm:constr type="wArH" refType="userA" fact="0.05"/>
+                <dgm:constr type="hArH" refType="userA" fact="0.1"/>
+                <dgm:constr type="stemThick" refType="userA" fact="0.06"/>
+                <dgm:constr type="begPad" refType="connDist" fact="-0.2"/>
+                <dgm:constr type="endPad" refType="connDist" fact="0.05"/>
+              </dgm:constrLst>
+            </dgm:if>
+            <dgm:else name="Name8">
+              <dgm:alg type="conn">
+                <dgm:param type="connRout" val="longCurve"/>
+                <dgm:param type="begPts" val="midL"/>
+                <dgm:param type="endPts" val="midR"/>
+                <dgm:param type="dstNode" val="node1"/>
+              </dgm:alg>
+              <dgm:shape xmlns:r="http://schemas.openxmlformats.org/officeDocument/2006/relationships" type="conn" r:blip="" zOrderOff="-2">
+                <dgm:adjLst/>
+              </dgm:shape>
+              <dgm:presOf axis="ch" ptType="sibTrans"/>
+              <dgm:constrLst>
+                <dgm:constr type="userA"/>
+                <dgm:constr type="diam" refType="userA"/>
+                <dgm:constr type="wArH" refType="userA" fact="0.05"/>
+                <dgm:constr type="hArH" refType="userA" fact="0.1"/>
+                <dgm:constr type="stemThick" refType="userA" fact="0.06"/>
+                <dgm:constr type="begPad" refType="connDist" fact="-0.2"/>
+                <dgm:constr type="endPad" refType="connDist" fact="0.05"/>
+              </dgm:constrLst>
+            </dgm:else>
+          </dgm:choose>
+          <dgm:ruleLst/>
+        </dgm:layoutNode>
+        <dgm:layoutNode name="node2">
+          <dgm:varLst>
+            <dgm:bulletEnabled val="1"/>
+          </dgm:varLst>
+          <dgm:alg type="tx"/>
+          <dgm:shape xmlns:r="http://schemas.openxmlformats.org/officeDocument/2006/relationships" type="roundRect" r:blip="">
+            <dgm:adjLst/>
+          </dgm:shape>
+          <dgm:presOf axis="ch desOrSelf" ptType="node node" st="2 1" cnt="1 0"/>
+          <dgm:constrLst>
+            <dgm:constr type="tMarg" refType="primFontSz" fact="0.3"/>
+            <dgm:constr type="bMarg" refType="primFontSz" fact="0.3"/>
+            <dgm:constr type="lMarg" refType="primFontSz" fact="0.3"/>
+            <dgm:constr type="rMarg" refType="primFontSz" fact="0.3"/>
+          </dgm:constrLst>
+          <dgm:ruleLst>
+            <dgm:rule type="primFontSz" val="5" fact="NaN" max="NaN"/>
+          </dgm:ruleLst>
+        </dgm:layoutNode>
+        <dgm:layoutNode name="sp1">
+          <dgm:alg type="sp"/>
+          <dgm:shape xmlns:r="http://schemas.openxmlformats.org/officeDocument/2006/relationships" r:blip="">
+            <dgm:adjLst/>
+          </dgm:shape>
+          <dgm:presOf/>
+          <dgm:constrLst/>
+          <dgm:ruleLst/>
+        </dgm:layoutNode>
+        <dgm:layoutNode name="sp2">
+          <dgm:alg type="sp"/>
+          <dgm:shape xmlns:r="http://schemas.openxmlformats.org/officeDocument/2006/relationships" r:blip="">
+            <dgm:adjLst/>
+          </dgm:shape>
+          <dgm:presOf/>
+          <dgm:constrLst/>
+          <dgm:ruleLst/>
+        </dgm:layoutNode>
+      </dgm:if>
+      <dgm:else name="Name9">
+        <dgm:layoutNode name="cycle">
+          <dgm:choose name="Name10">
+            <dgm:if name="Name11" func="var" arg="dir" op="equ" val="norm">
+              <dgm:alg type="cycle">
+                <dgm:param type="stAng" val="0"/>
+                <dgm:param type="spanAng" val="360"/>
+              </dgm:alg>
+              <dgm:shape xmlns:r="http://schemas.openxmlformats.org/officeDocument/2006/relationships" r:blip="">
+                <dgm:adjLst/>
+              </dgm:shape>
+              <dgm:presOf/>
+              <dgm:constrLst>
+                <dgm:constr type="diam" refType="w"/>
+                <dgm:constr type="w" for="ch" ptType="node" refType="w"/>
+                <dgm:constr type="sibSp" val="15"/>
+                <dgm:constr type="userA" for="ch" ptType="sibTrans" refType="diam" op="equ" fact="-1"/>
+                <dgm:constr type="wArH" for="ch" ptType="sibTrans" refType="diam" op="equ" fact="0.05"/>
+                <dgm:constr type="hArH" for="ch" ptType="sibTrans" refType="diam" op="equ" fact="0.1"/>
+                <dgm:constr type="stemThick" for="ch" ptType="sibTrans" refType="diam" op="equ" fact="0.065"/>
+                <dgm:constr type="primFontSz" for="ch" ptType="node" op="equ"/>
+              </dgm:constrLst>
+            </dgm:if>
+            <dgm:else name="Name12">
+              <dgm:alg type="cycle">
+                <dgm:param type="stAng" val="0"/>
+                <dgm:param type="spanAng" val="-360"/>
+              </dgm:alg>
+              <dgm:shape xmlns:r="http://schemas.openxmlformats.org/officeDocument/2006/relationships" r:blip="">
+                <dgm:adjLst/>
+              </dgm:shape>
+              <dgm:presOf/>
+              <dgm:constrLst>
+                <dgm:constr type="diam" refType="w"/>
+                <dgm:constr type="w" for="ch" ptType="node" refType="w"/>
+                <dgm:constr type="sibSp" val="15"/>
+                <dgm:constr type="userA" for="ch" ptType="sibTrans" refType="diam" op="equ"/>
+                <dgm:constr type="wArH" for="ch" ptType="sibTrans" refType="diam" op="equ" fact="0.05"/>
+                <dgm:constr type="hArH" for="ch" ptType="sibTrans" refType="diam" op="equ" fact="0.1"/>
+                <dgm:constr type="stemThick" for="ch" ptType="sibTrans" refType="diam" op="equ" fact="0.065"/>
+                <dgm:constr type="primFontSz" for="ch" ptType="node" op="equ"/>
+              </dgm:constrLst>
+            </dgm:else>
+          </dgm:choose>
+          <dgm:ruleLst/>
+          <dgm:forEach name="nodesFirstNodeForEach" axis="ch" ptType="node" cnt="1">
+            <dgm:layoutNode name="nodeFirstNode">
+              <dgm:varLst>
+                <dgm:bulletEnabled val="1"/>
+              </dgm:varLst>
+              <dgm:alg type="tx"/>
+              <dgm:shape xmlns:r="http://schemas.openxmlformats.org/officeDocument/2006/relationships" type="roundRect" r:blip="">
+                <dgm:adjLst/>
+              </dgm:shape>
+              <dgm:presOf axis="desOrSelf" ptType="node"/>
+              <dgm:constrLst>
+                <dgm:constr type="h" refType="w" fact="0.5"/>
+                <dgm:constr type="primFontSz" val="65"/>
+                <dgm:constr type="tMarg" refType="primFontSz" fact="0.3"/>
+                <dgm:constr type="bMarg" refType="primFontSz" fact="0.3"/>
+                <dgm:constr type="lMarg" refType="primFontSz" fact="0.3"/>
+                <dgm:constr type="rMarg" refType="primFontSz" fact="0.3"/>
+              </dgm:constrLst>
+              <dgm:ruleLst>
+                <dgm:rule type="primFontSz" val="5" fact="NaN" max="NaN"/>
+              </dgm:ruleLst>
+            </dgm:layoutNode>
+            <dgm:forEach name="sibTransForEach" axis="followSib" ptType="sibTrans" cnt="1">
+              <dgm:layoutNode name="sibTransFirstNode" styleLbl="bgShp">
+                <dgm:choose name="Name13">
+                  <dgm:if name="Name14" func="var" arg="dir" op="equ" val="norm">
+                    <dgm:alg type="conn">
+                      <dgm:param type="connRout" val="longCurve"/>
+                      <dgm:param type="begPts" val="midR"/>
+                      <dgm:param type="endPts" val="midL"/>
+                      <dgm:param type="dstNode" val="nodeFirstNode"/>
+                    </dgm:alg>
+                  </dgm:if>
+                  <dgm:else name="Name15">
+                    <dgm:alg type="conn">
+                      <dgm:param type="connRout" val="longCurve"/>
+                      <dgm:param type="begPts" val="midL"/>
+                      <dgm:param type="endPts" val="midR"/>
+                      <dgm:param type="dstNode" val="nodeFirstNode"/>
+                    </dgm:alg>
+                  </dgm:else>
+                </dgm:choose>
+                <dgm:shape xmlns:r="http://schemas.openxmlformats.org/officeDocument/2006/relationships" type="conn" r:blip="" zOrderOff="-2">
+                  <dgm:adjLst/>
+                </dgm:shape>
+                <dgm:presOf axis="self"/>
+                <dgm:choose name="Name16">
+                  <dgm:if name="Name17" axis="par ch" ptType="doc node" func="cnt" op="equ" val="3">
+                    <dgm:constrLst>
+                      <dgm:constr type="userA"/>
+                      <dgm:constr type="diam" refType="userA" fact="1.01"/>
+                      <dgm:constr type="begPad" refType="connDist" fact="-0.2"/>
+                      <dgm:constr type="endPad" refType="connDist" fact="0.05"/>
+                    </dgm:constrLst>
+                  </dgm:if>
+                  <dgm:if name="Name18" axis="par ch" ptType="doc node" func="cnt" op="equ" val="4">
+                    <dgm:constrLst>
+                      <dgm:constr type="userA"/>
+                      <dgm:constr type="diam" refType="userA" fact="1.26"/>
+                      <dgm:constr type="begPad" refType="connDist" fact="-0.2"/>
+                      <dgm:constr type="endPad" refType="connDist" fact="0.05"/>
+                    </dgm:constrLst>
+                  </dgm:if>
+                  <dgm:if name="Name19" axis="par ch" ptType="doc node" func="cnt" op="equ" val="5">
+                    <dgm:constrLst>
+                      <dgm:constr type="userA"/>
+                      <dgm:constr type="diam" refType="userA" fact="1.04"/>
+                      <dgm:constr type="begPad" refType="connDist" fact="-0.2"/>
+                      <dgm:constr type="endPad" refType="connDist" fact="0.05"/>
+                    </dgm:constrLst>
+                  </dgm:if>
+                  <dgm:if name="Name20" axis="par ch" ptType="doc node" func="cnt" op="equ" val="6">
+                    <dgm:constrLst>
+                      <dgm:constr type="userA"/>
+                      <dgm:constr type="diam" refType="userA" fact="1.1"/>
+                      <dgm:constr type="begPad" refType="connDist" fact="-0.2"/>
+                      <dgm:constr type="endPad" refType="connDist" fact="0.05"/>
+                    </dgm:constrLst>
+                  </dgm:if>
+                  <dgm:else name="Name21">
+                    <dgm:constrLst>
+                      <dgm:constr type="userA"/>
+                      <dgm:constr type="diam" refType="userA" fact="1.04"/>
+                      <dgm:constr type="begPad" refType="connDist" fact="-0.2"/>
+                      <dgm:constr type="endPad" refType="connDist" fact="0.05"/>
+                    </dgm:constrLst>
+                  </dgm:else>
+                </dgm:choose>
+                <dgm:ruleLst/>
+              </dgm:layoutNode>
+            </dgm:forEach>
+          </dgm:forEach>
+          <dgm:forEach name="followingNodesForEach" axis="ch" ptType="node" st="2">
+            <dgm:layoutNode name="nodeFollowingNodes">
+              <dgm:varLst>
+                <dgm:bulletEnabled val="1"/>
+              </dgm:varLst>
+              <dgm:alg type="tx"/>
+              <dgm:shape xmlns:r="http://schemas.openxmlformats.org/officeDocument/2006/relationships" type="roundRect" r:blip="">
+                <dgm:adjLst/>
+              </dgm:shape>
+              <dgm:presOf axis="desOrSelf" ptType="node"/>
+              <dgm:constrLst>
+                <dgm:constr type="h" refType="w" fact="0.5"/>
+                <dgm:constr type="primFontSz" val="65"/>
+                <dgm:constr type="tMarg" refType="primFontSz" fact="0.3"/>
+                <dgm:constr type="bMarg" refType="primFontSz" fact="0.3"/>
+                <dgm:constr type="lMarg" refType="primFontSz" fact="0.3"/>
+                <dgm:constr type="rMarg" refType="primFontSz" fact="0.3"/>
+              </dgm:constrLst>
+              <dgm:ruleLst>
+                <dgm:rule type="primFontSz" val="5" fact="NaN" max="NaN"/>
+              </dgm:ruleLst>
+            </dgm:layoutNode>
+          </dgm:forEach>
+        </dgm:layoutNode>
+      </dgm:else>
+    </dgm:choose>
+  </dgm:layoutNode>
+</dgm:layoutDef>
+</file>
+
 <file path=ppt/diagrams/quickStyle1.xml><?xml version="1.0" encoding="utf-8"?>
 <dgm:styleDef xmlns:dgm="http://schemas.openxmlformats.org/drawingml/2006/diagram" xmlns:a="http://schemas.openxmlformats.org/drawingml/2006/main" uniqueId="urn:microsoft.com/office/officeart/2005/8/quickstyle/simple1">
   <dgm:title val=""/>
@@ -7847,6 +9753,1040 @@
 </file>
 
 <file path=ppt/diagrams/quickStyle3.xml><?xml version="1.0" encoding="utf-8"?>
+<dgm:styleDef xmlns:dgm="http://schemas.openxmlformats.org/drawingml/2006/diagram" xmlns:a="http://schemas.openxmlformats.org/drawingml/2006/main" uniqueId="urn:microsoft.com/office/officeart/2005/8/quickstyle/simple1">
+  <dgm:title val=""/>
+  <dgm:desc val=""/>
+  <dgm:catLst>
+    <dgm:cat type="simple" pri="10100"/>
+  </dgm:catLst>
+  <dgm:scene3d>
+    <a:camera prst="orthographicFront"/>
+    <a:lightRig rig="threePt" dir="t"/>
+  </dgm:scene3d>
+  <dgm:styleLbl name="node0">
+    <dgm:scene3d>
+      <a:camera prst="orthographicFront"/>
+      <a:lightRig rig="threePt" dir="t"/>
+    </dgm:scene3d>
+    <dgm:sp3d/>
+    <dgm:txPr/>
+    <dgm:style>
+      <a:lnRef idx="2">
+        <a:scrgbClr r="0" g="0" b="0"/>
+      </a:lnRef>
+      <a:fillRef idx="1">
+        <a:scrgbClr r="0" g="0" b="0"/>
+      </a:fillRef>
+      <a:effectRef idx="0">
+        <a:scrgbClr r="0" g="0" b="0"/>
+      </a:effectRef>
+      <a:fontRef idx="minor">
+        <a:schemeClr val="lt1"/>
+      </a:fontRef>
+    </dgm:style>
+  </dgm:styleLbl>
+  <dgm:styleLbl name="lnNode1">
+    <dgm:scene3d>
+      <a:camera prst="orthographicFront"/>
+      <a:lightRig rig="threePt" dir="t"/>
+    </dgm:scene3d>
+    <dgm:sp3d/>
+    <dgm:txPr/>
+    <dgm:style>
+      <a:lnRef idx="2">
+        <a:scrgbClr r="0" g="0" b="0"/>
+      </a:lnRef>
+      <a:fillRef idx="1">
+        <a:scrgbClr r="0" g="0" b="0"/>
+      </a:fillRef>
+      <a:effectRef idx="0">
+        <a:scrgbClr r="0" g="0" b="0"/>
+      </a:effectRef>
+      <a:fontRef idx="minor">
+        <a:schemeClr val="lt1"/>
+      </a:fontRef>
+    </dgm:style>
+  </dgm:styleLbl>
+  <dgm:styleLbl name="vennNode1">
+    <dgm:scene3d>
+      <a:camera prst="orthographicFront"/>
+      <a:lightRig rig="threePt" dir="t"/>
+    </dgm:scene3d>
+    <dgm:sp3d/>
+    <dgm:txPr/>
+    <dgm:style>
+      <a:lnRef idx="2">
+        <a:scrgbClr r="0" g="0" b="0"/>
+      </a:lnRef>
+      <a:fillRef idx="1">
+        <a:scrgbClr r="0" g="0" b="0"/>
+      </a:fillRef>
+      <a:effectRef idx="0">
+        <a:scrgbClr r="0" g="0" b="0"/>
+      </a:effectRef>
+      <a:fontRef idx="minor">
+        <a:schemeClr val="tx1"/>
+      </a:fontRef>
+    </dgm:style>
+  </dgm:styleLbl>
+  <dgm:styleLbl name="alignNode1">
+    <dgm:scene3d>
+      <a:camera prst="orthographicFront"/>
+      <a:lightRig rig="threePt" dir="t"/>
+    </dgm:scene3d>
+    <dgm:sp3d/>
+    <dgm:txPr/>
+    <dgm:style>
+      <a:lnRef idx="2">
+        <a:scrgbClr r="0" g="0" b="0"/>
+      </a:lnRef>
+      <a:fillRef idx="1">
+        <a:scrgbClr r="0" g="0" b="0"/>
+      </a:fillRef>
+      <a:effectRef idx="0">
+        <a:scrgbClr r="0" g="0" b="0"/>
+      </a:effectRef>
+      <a:fontRef idx="minor">
+        <a:schemeClr val="lt1"/>
+      </a:fontRef>
+    </dgm:style>
+  </dgm:styleLbl>
+  <dgm:styleLbl name="node1">
+    <dgm:scene3d>
+      <a:camera prst="orthographicFront"/>
+      <a:lightRig rig="threePt" dir="t"/>
+    </dgm:scene3d>
+    <dgm:sp3d/>
+    <dgm:txPr/>
+    <dgm:style>
+      <a:lnRef idx="2">
+        <a:scrgbClr r="0" g="0" b="0"/>
+      </a:lnRef>
+      <a:fillRef idx="1">
+        <a:scrgbClr r="0" g="0" b="0"/>
+      </a:fillRef>
+      <a:effectRef idx="0">
+        <a:scrgbClr r="0" g="0" b="0"/>
+      </a:effectRef>
+      <a:fontRef idx="minor">
+        <a:schemeClr val="lt1"/>
+      </a:fontRef>
+    </dgm:style>
+  </dgm:styleLbl>
+  <dgm:styleLbl name="node2">
+    <dgm:scene3d>
+      <a:camera prst="orthographicFront"/>
+      <a:lightRig rig="threePt" dir="t"/>
+    </dgm:scene3d>
+    <dgm:sp3d/>
+    <dgm:txPr/>
+    <dgm:style>
+      <a:lnRef idx="2">
+        <a:scrgbClr r="0" g="0" b="0"/>
+      </a:lnRef>
+      <a:fillRef idx="1">
+        <a:scrgbClr r="0" g="0" b="0"/>
+      </a:fillRef>
+      <a:effectRef idx="0">
+        <a:scrgbClr r="0" g="0" b="0"/>
+      </a:effectRef>
+      <a:fontRef idx="minor">
+        <a:schemeClr val="lt1"/>
+      </a:fontRef>
+    </dgm:style>
+  </dgm:styleLbl>
+  <dgm:styleLbl name="node3">
+    <dgm:scene3d>
+      <a:camera prst="orthographicFront"/>
+      <a:lightRig rig="threePt" dir="t"/>
+    </dgm:scene3d>
+    <dgm:sp3d/>
+    <dgm:txPr/>
+    <dgm:style>
+      <a:lnRef idx="2">
+        <a:scrgbClr r="0" g="0" b="0"/>
+      </a:lnRef>
+      <a:fillRef idx="1">
+        <a:scrgbClr r="0" g="0" b="0"/>
+      </a:fillRef>
+      <a:effectRef idx="0">
+        <a:scrgbClr r="0" g="0" b="0"/>
+      </a:effectRef>
+      <a:fontRef idx="minor">
+        <a:schemeClr val="lt1"/>
+      </a:fontRef>
+    </dgm:style>
+  </dgm:styleLbl>
+  <dgm:styleLbl name="node4">
+    <dgm:scene3d>
+      <a:camera prst="orthographicFront"/>
+      <a:lightRig rig="threePt" dir="t"/>
+    </dgm:scene3d>
+    <dgm:sp3d/>
+    <dgm:txPr/>
+    <dgm:style>
+      <a:lnRef idx="2">
+        <a:scrgbClr r="0" g="0" b="0"/>
+      </a:lnRef>
+      <a:fillRef idx="1">
+        <a:scrgbClr r="0" g="0" b="0"/>
+      </a:fillRef>
+      <a:effectRef idx="0">
+        <a:scrgbClr r="0" g="0" b="0"/>
+      </a:effectRef>
+      <a:fontRef idx="minor">
+        <a:schemeClr val="lt1"/>
+      </a:fontRef>
+    </dgm:style>
+  </dgm:styleLbl>
+  <dgm:styleLbl name="fgImgPlace1">
+    <dgm:scene3d>
+      <a:camera prst="orthographicFront"/>
+      <a:lightRig rig="threePt" dir="t"/>
+    </dgm:scene3d>
+    <dgm:sp3d/>
+    <dgm:txPr/>
+    <dgm:style>
+      <a:lnRef idx="2">
+        <a:scrgbClr r="0" g="0" b="0"/>
+      </a:lnRef>
+      <a:fillRef idx="1">
+        <a:scrgbClr r="0" g="0" b="0"/>
+      </a:fillRef>
+      <a:effectRef idx="0">
+        <a:scrgbClr r="0" g="0" b="0"/>
+      </a:effectRef>
+      <a:fontRef idx="minor"/>
+    </dgm:style>
+  </dgm:styleLbl>
+  <dgm:styleLbl name="alignImgPlace1">
+    <dgm:scene3d>
+      <a:camera prst="orthographicFront"/>
+      <a:lightRig rig="threePt" dir="t"/>
+    </dgm:scene3d>
+    <dgm:sp3d/>
+    <dgm:txPr/>
+    <dgm:style>
+      <a:lnRef idx="2">
+        <a:scrgbClr r="0" g="0" b="0"/>
+      </a:lnRef>
+      <a:fillRef idx="1">
+        <a:scrgbClr r="0" g="0" b="0"/>
+      </a:fillRef>
+      <a:effectRef idx="0">
+        <a:scrgbClr r="0" g="0" b="0"/>
+      </a:effectRef>
+      <a:fontRef idx="minor"/>
+    </dgm:style>
+  </dgm:styleLbl>
+  <dgm:styleLbl name="bgImgPlace1">
+    <dgm:scene3d>
+      <a:camera prst="orthographicFront"/>
+      <a:lightRig rig="threePt" dir="t"/>
+    </dgm:scene3d>
+    <dgm:sp3d/>
+    <dgm:txPr/>
+    <dgm:style>
+      <a:lnRef idx="2">
+        <a:scrgbClr r="0" g="0" b="0"/>
+      </a:lnRef>
+      <a:fillRef idx="1">
+        <a:scrgbClr r="0" g="0" b="0"/>
+      </a:fillRef>
+      <a:effectRef idx="0">
+        <a:scrgbClr r="0" g="0" b="0"/>
+      </a:effectRef>
+      <a:fontRef idx="minor"/>
+    </dgm:style>
+  </dgm:styleLbl>
+  <dgm:styleLbl name="sibTrans2D1">
+    <dgm:scene3d>
+      <a:camera prst="orthographicFront"/>
+      <a:lightRig rig="threePt" dir="t"/>
+    </dgm:scene3d>
+    <dgm:sp3d/>
+    <dgm:txPr/>
+    <dgm:style>
+      <a:lnRef idx="0">
+        <a:scrgbClr r="0" g="0" b="0"/>
+      </a:lnRef>
+      <a:fillRef idx="1">
+        <a:scrgbClr r="0" g="0" b="0"/>
+      </a:fillRef>
+      <a:effectRef idx="0">
+        <a:scrgbClr r="0" g="0" b="0"/>
+      </a:effectRef>
+      <a:fontRef idx="minor">
+        <a:schemeClr val="lt1"/>
+      </a:fontRef>
+    </dgm:style>
+  </dgm:styleLbl>
+  <dgm:styleLbl name="fgSibTrans2D1">
+    <dgm:scene3d>
+      <a:camera prst="orthographicFront"/>
+      <a:lightRig rig="threePt" dir="t"/>
+    </dgm:scene3d>
+    <dgm:sp3d/>
+    <dgm:txPr/>
+    <dgm:style>
+      <a:lnRef idx="0">
+        <a:scrgbClr r="0" g="0" b="0"/>
+      </a:lnRef>
+      <a:fillRef idx="1">
+        <a:scrgbClr r="0" g="0" b="0"/>
+      </a:fillRef>
+      <a:effectRef idx="0">
+        <a:scrgbClr r="0" g="0" b="0"/>
+      </a:effectRef>
+      <a:fontRef idx="minor">
+        <a:schemeClr val="lt1"/>
+      </a:fontRef>
+    </dgm:style>
+  </dgm:styleLbl>
+  <dgm:styleLbl name="bgSibTrans2D1">
+    <dgm:scene3d>
+      <a:camera prst="orthographicFront"/>
+      <a:lightRig rig="threePt" dir="t"/>
+    </dgm:scene3d>
+    <dgm:sp3d/>
+    <dgm:txPr/>
+    <dgm:style>
+      <a:lnRef idx="0">
+        <a:scrgbClr r="0" g="0" b="0"/>
+      </a:lnRef>
+      <a:fillRef idx="1">
+        <a:scrgbClr r="0" g="0" b="0"/>
+      </a:fillRef>
+      <a:effectRef idx="0">
+        <a:scrgbClr r="0" g="0" b="0"/>
+      </a:effectRef>
+      <a:fontRef idx="minor">
+        <a:schemeClr val="lt1"/>
+      </a:fontRef>
+    </dgm:style>
+  </dgm:styleLbl>
+  <dgm:styleLbl name="sibTrans1D1">
+    <dgm:scene3d>
+      <a:camera prst="orthographicFront"/>
+      <a:lightRig rig="threePt" dir="t"/>
+    </dgm:scene3d>
+    <dgm:sp3d/>
+    <dgm:txPr/>
+    <dgm:style>
+      <a:lnRef idx="1">
+        <a:scrgbClr r="0" g="0" b="0"/>
+      </a:lnRef>
+      <a:fillRef idx="0">
+        <a:scrgbClr r="0" g="0" b="0"/>
+      </a:fillRef>
+      <a:effectRef idx="0">
+        <a:scrgbClr r="0" g="0" b="0"/>
+      </a:effectRef>
+      <a:fontRef idx="minor"/>
+    </dgm:style>
+  </dgm:styleLbl>
+  <dgm:styleLbl name="callout">
+    <dgm:scene3d>
+      <a:camera prst="orthographicFront"/>
+      <a:lightRig rig="threePt" dir="t"/>
+    </dgm:scene3d>
+    <dgm:sp3d/>
+    <dgm:txPr/>
+    <dgm:style>
+      <a:lnRef idx="2">
+        <a:scrgbClr r="0" g="0" b="0"/>
+      </a:lnRef>
+      <a:fillRef idx="1">
+        <a:scrgbClr r="0" g="0" b="0"/>
+      </a:fillRef>
+      <a:effectRef idx="0">
+        <a:scrgbClr r="0" g="0" b="0"/>
+      </a:effectRef>
+      <a:fontRef idx="minor"/>
+    </dgm:style>
+  </dgm:styleLbl>
+  <dgm:styleLbl name="asst0">
+    <dgm:scene3d>
+      <a:camera prst="orthographicFront"/>
+      <a:lightRig rig="threePt" dir="t"/>
+    </dgm:scene3d>
+    <dgm:sp3d/>
+    <dgm:txPr/>
+    <dgm:style>
+      <a:lnRef idx="2">
+        <a:scrgbClr r="0" g="0" b="0"/>
+      </a:lnRef>
+      <a:fillRef idx="1">
+        <a:scrgbClr r="0" g="0" b="0"/>
+      </a:fillRef>
+      <a:effectRef idx="0">
+        <a:scrgbClr r="0" g="0" b="0"/>
+      </a:effectRef>
+      <a:fontRef idx="minor">
+        <a:schemeClr val="lt1"/>
+      </a:fontRef>
+    </dgm:style>
+  </dgm:styleLbl>
+  <dgm:styleLbl name="asst1">
+    <dgm:scene3d>
+      <a:camera prst="orthographicFront"/>
+      <a:lightRig rig="threePt" dir="t"/>
+    </dgm:scene3d>
+    <dgm:sp3d/>
+    <dgm:txPr/>
+    <dgm:style>
+      <a:lnRef idx="2">
+        <a:scrgbClr r="0" g="0" b="0"/>
+      </a:lnRef>
+      <a:fillRef idx="1">
+        <a:scrgbClr r="0" g="0" b="0"/>
+      </a:fillRef>
+      <a:effectRef idx="0">
+        <a:scrgbClr r="0" g="0" b="0"/>
+      </a:effectRef>
+      <a:fontRef idx="minor">
+        <a:schemeClr val="lt1"/>
+      </a:fontRef>
+    </dgm:style>
+  </dgm:styleLbl>
+  <dgm:styleLbl name="asst2">
+    <dgm:scene3d>
+      <a:camera prst="orthographicFront"/>
+      <a:lightRig rig="threePt" dir="t"/>
+    </dgm:scene3d>
+    <dgm:sp3d/>
+    <dgm:txPr/>
+    <dgm:style>
+      <a:lnRef idx="2">
+        <a:scrgbClr r="0" g="0" b="0"/>
+      </a:lnRef>
+      <a:fillRef idx="1">
+        <a:scrgbClr r="0" g="0" b="0"/>
+      </a:fillRef>
+      <a:effectRef idx="0">
+        <a:scrgbClr r="0" g="0" b="0"/>
+      </a:effectRef>
+      <a:fontRef idx="minor">
+        <a:schemeClr val="lt1"/>
+      </a:fontRef>
+    </dgm:style>
+  </dgm:styleLbl>
+  <dgm:styleLbl name="asst3">
+    <dgm:scene3d>
+      <a:camera prst="orthographicFront"/>
+      <a:lightRig rig="threePt" dir="t"/>
+    </dgm:scene3d>
+    <dgm:sp3d/>
+    <dgm:txPr/>
+    <dgm:style>
+      <a:lnRef idx="2">
+        <a:scrgbClr r="0" g="0" b="0"/>
+      </a:lnRef>
+      <a:fillRef idx="1">
+        <a:scrgbClr r="0" g="0" b="0"/>
+      </a:fillRef>
+      <a:effectRef idx="0">
+        <a:scrgbClr r="0" g="0" b="0"/>
+      </a:effectRef>
+      <a:fontRef idx="minor">
+        <a:schemeClr val="lt1"/>
+      </a:fontRef>
+    </dgm:style>
+  </dgm:styleLbl>
+  <dgm:styleLbl name="asst4">
+    <dgm:scene3d>
+      <a:camera prst="orthographicFront"/>
+      <a:lightRig rig="threePt" dir="t"/>
+    </dgm:scene3d>
+    <dgm:sp3d/>
+    <dgm:txPr/>
+    <dgm:style>
+      <a:lnRef idx="2">
+        <a:scrgbClr r="0" g="0" b="0"/>
+      </a:lnRef>
+      <a:fillRef idx="1">
+        <a:scrgbClr r="0" g="0" b="0"/>
+      </a:fillRef>
+      <a:effectRef idx="0">
+        <a:scrgbClr r="0" g="0" b="0"/>
+      </a:effectRef>
+      <a:fontRef idx="minor">
+        <a:schemeClr val="lt1"/>
+      </a:fontRef>
+    </dgm:style>
+  </dgm:styleLbl>
+  <dgm:styleLbl name="parChTrans2D1">
+    <dgm:scene3d>
+      <a:camera prst="orthographicFront"/>
+      <a:lightRig rig="threePt" dir="t"/>
+    </dgm:scene3d>
+    <dgm:sp3d/>
+    <dgm:txPr/>
+    <dgm:style>
+      <a:lnRef idx="2">
+        <a:scrgbClr r="0" g="0" b="0"/>
+      </a:lnRef>
+      <a:fillRef idx="1">
+        <a:scrgbClr r="0" g="0" b="0"/>
+      </a:fillRef>
+      <a:effectRef idx="0">
+        <a:scrgbClr r="0" g="0" b="0"/>
+      </a:effectRef>
+      <a:fontRef idx="minor">
+        <a:schemeClr val="lt1"/>
+      </a:fontRef>
+    </dgm:style>
+  </dgm:styleLbl>
+  <dgm:styleLbl name="parChTrans2D2">
+    <dgm:scene3d>
+      <a:camera prst="orthographicFront"/>
+      <a:lightRig rig="threePt" dir="t"/>
+    </dgm:scene3d>
+    <dgm:sp3d/>
+    <dgm:txPr/>
+    <dgm:style>
+      <a:lnRef idx="2">
+        <a:scrgbClr r="0" g="0" b="0"/>
+      </a:lnRef>
+      <a:fillRef idx="1">
+        <a:scrgbClr r="0" g="0" b="0"/>
+      </a:fillRef>
+      <a:effectRef idx="0">
+        <a:scrgbClr r="0" g="0" b="0"/>
+      </a:effectRef>
+      <a:fontRef idx="minor">
+        <a:schemeClr val="lt1"/>
+      </a:fontRef>
+    </dgm:style>
+  </dgm:styleLbl>
+  <dgm:styleLbl name="parChTrans2D3">
+    <dgm:scene3d>
+      <a:camera prst="orthographicFront"/>
+      <a:lightRig rig="threePt" dir="t"/>
+    </dgm:scene3d>
+    <dgm:sp3d/>
+    <dgm:txPr/>
+    <dgm:style>
+      <a:lnRef idx="2">
+        <a:scrgbClr r="0" g="0" b="0"/>
+      </a:lnRef>
+      <a:fillRef idx="1">
+        <a:scrgbClr r="0" g="0" b="0"/>
+      </a:fillRef>
+      <a:effectRef idx="0">
+        <a:scrgbClr r="0" g="0" b="0"/>
+      </a:effectRef>
+      <a:fontRef idx="minor">
+        <a:schemeClr val="lt1"/>
+      </a:fontRef>
+    </dgm:style>
+  </dgm:styleLbl>
+  <dgm:styleLbl name="parChTrans2D4">
+    <dgm:scene3d>
+      <a:camera prst="orthographicFront"/>
+      <a:lightRig rig="threePt" dir="t"/>
+    </dgm:scene3d>
+    <dgm:sp3d/>
+    <dgm:txPr/>
+    <dgm:style>
+      <a:lnRef idx="2">
+        <a:scrgbClr r="0" g="0" b="0"/>
+      </a:lnRef>
+      <a:fillRef idx="1">
+        <a:scrgbClr r="0" g="0" b="0"/>
+      </a:fillRef>
+      <a:effectRef idx="0">
+        <a:scrgbClr r="0" g="0" b="0"/>
+      </a:effectRef>
+      <a:fontRef idx="minor">
+        <a:schemeClr val="lt1"/>
+      </a:fontRef>
+    </dgm:style>
+  </dgm:styleLbl>
+  <dgm:styleLbl name="parChTrans1D1">
+    <dgm:scene3d>
+      <a:camera prst="orthographicFront"/>
+      <a:lightRig rig="threePt" dir="t"/>
+    </dgm:scene3d>
+    <dgm:sp3d/>
+    <dgm:txPr/>
+    <dgm:style>
+      <a:lnRef idx="2">
+        <a:scrgbClr r="0" g="0" b="0"/>
+      </a:lnRef>
+      <a:fillRef idx="0">
+        <a:scrgbClr r="0" g="0" b="0"/>
+      </a:fillRef>
+      <a:effectRef idx="0">
+        <a:scrgbClr r="0" g="0" b="0"/>
+      </a:effectRef>
+      <a:fontRef idx="minor"/>
+    </dgm:style>
+  </dgm:styleLbl>
+  <dgm:styleLbl name="parChTrans1D2">
+    <dgm:scene3d>
+      <a:camera prst="orthographicFront"/>
+      <a:lightRig rig="threePt" dir="t"/>
+    </dgm:scene3d>
+    <dgm:sp3d/>
+    <dgm:txPr/>
+    <dgm:style>
+      <a:lnRef idx="2">
+        <a:scrgbClr r="0" g="0" b="0"/>
+      </a:lnRef>
+      <a:fillRef idx="0">
+        <a:scrgbClr r="0" g="0" b="0"/>
+      </a:fillRef>
+      <a:effectRef idx="0">
+        <a:scrgbClr r="0" g="0" b="0"/>
+      </a:effectRef>
+      <a:fontRef idx="minor"/>
+    </dgm:style>
+  </dgm:styleLbl>
+  <dgm:styleLbl name="parChTrans1D3">
+    <dgm:scene3d>
+      <a:camera prst="orthographicFront"/>
+      <a:lightRig rig="threePt" dir="t"/>
+    </dgm:scene3d>
+    <dgm:sp3d/>
+    <dgm:txPr/>
+    <dgm:style>
+      <a:lnRef idx="2">
+        <a:scrgbClr r="0" g="0" b="0"/>
+      </a:lnRef>
+      <a:fillRef idx="0">
+        <a:scrgbClr r="0" g="0" b="0"/>
+      </a:fillRef>
+      <a:effectRef idx="0">
+        <a:scrgbClr r="0" g="0" b="0"/>
+      </a:effectRef>
+      <a:fontRef idx="minor"/>
+    </dgm:style>
+  </dgm:styleLbl>
+  <dgm:styleLbl name="parChTrans1D4">
+    <dgm:scene3d>
+      <a:camera prst="orthographicFront"/>
+      <a:lightRig rig="threePt" dir="t"/>
+    </dgm:scene3d>
+    <dgm:sp3d/>
+    <dgm:txPr/>
+    <dgm:style>
+      <a:lnRef idx="2">
+        <a:scrgbClr r="0" g="0" b="0"/>
+      </a:lnRef>
+      <a:fillRef idx="0">
+        <a:scrgbClr r="0" g="0" b="0"/>
+      </a:fillRef>
+      <a:effectRef idx="0">
+        <a:scrgbClr r="0" g="0" b="0"/>
+      </a:effectRef>
+      <a:fontRef idx="minor"/>
+    </dgm:style>
+  </dgm:styleLbl>
+  <dgm:styleLbl name="fgAcc1">
+    <dgm:scene3d>
+      <a:camera prst="orthographicFront"/>
+      <a:lightRig rig="threePt" dir="t"/>
+    </dgm:scene3d>
+    <dgm:sp3d/>
+    <dgm:txPr/>
+    <dgm:style>
+      <a:lnRef idx="2">
+        <a:scrgbClr r="0" g="0" b="0"/>
+      </a:lnRef>
+      <a:fillRef idx="1">
+        <a:scrgbClr r="0" g="0" b="0"/>
+      </a:fillRef>
+      <a:effectRef idx="0">
+        <a:scrgbClr r="0" g="0" b="0"/>
+      </a:effectRef>
+      <a:fontRef idx="minor"/>
+    </dgm:style>
+  </dgm:styleLbl>
+  <dgm:styleLbl name="conFgAcc1">
+    <dgm:scene3d>
+      <a:camera prst="orthographicFront"/>
+      <a:lightRig rig="threePt" dir="t"/>
+    </dgm:scene3d>
+    <dgm:sp3d/>
+    <dgm:txPr/>
+    <dgm:style>
+      <a:lnRef idx="2">
+        <a:scrgbClr r="0" g="0" b="0"/>
+      </a:lnRef>
+      <a:fillRef idx="1">
+        <a:scrgbClr r="0" g="0" b="0"/>
+      </a:fillRef>
+      <a:effectRef idx="0">
+        <a:scrgbClr r="0" g="0" b="0"/>
+      </a:effectRef>
+      <a:fontRef idx="minor"/>
+    </dgm:style>
+  </dgm:styleLbl>
+  <dgm:styleLbl name="alignAcc1">
+    <dgm:scene3d>
+      <a:camera prst="orthographicFront"/>
+      <a:lightRig rig="threePt" dir="t"/>
+    </dgm:scene3d>
+    <dgm:sp3d/>
+    <dgm:txPr/>
+    <dgm:style>
+      <a:lnRef idx="2">
+        <a:scrgbClr r="0" g="0" b="0"/>
+      </a:lnRef>
+      <a:fillRef idx="1">
+        <a:scrgbClr r="0" g="0" b="0"/>
+      </a:fillRef>
+      <a:effectRef idx="0">
+        <a:scrgbClr r="0" g="0" b="0"/>
+      </a:effectRef>
+      <a:fontRef idx="minor"/>
+    </dgm:style>
+  </dgm:styleLbl>
+  <dgm:styleLbl name="trAlignAcc1">
+    <dgm:scene3d>
+      <a:camera prst="orthographicFront"/>
+      <a:lightRig rig="threePt" dir="t"/>
+    </dgm:scene3d>
+    <dgm:sp3d/>
+    <dgm:txPr/>
+    <dgm:style>
+      <a:lnRef idx="1">
+        <a:scrgbClr r="0" g="0" b="0"/>
+      </a:lnRef>
+      <a:fillRef idx="1">
+        <a:scrgbClr r="0" g="0" b="0"/>
+      </a:fillRef>
+      <a:effectRef idx="0">
+        <a:scrgbClr r="0" g="0" b="0"/>
+      </a:effectRef>
+      <a:fontRef idx="minor"/>
+    </dgm:style>
+  </dgm:styleLbl>
+  <dgm:styleLbl name="bgAcc1">
+    <dgm:scene3d>
+      <a:camera prst="orthographicFront"/>
+      <a:lightRig rig="threePt" dir="t"/>
+    </dgm:scene3d>
+    <dgm:sp3d/>
+    <dgm:txPr/>
+    <dgm:style>
+      <a:lnRef idx="2">
+        <a:scrgbClr r="0" g="0" b="0"/>
+      </a:lnRef>
+      <a:fillRef idx="1">
+        <a:scrgbClr r="0" g="0" b="0"/>
+      </a:fillRef>
+      <a:effectRef idx="0">
+        <a:scrgbClr r="0" g="0" b="0"/>
+      </a:effectRef>
+      <a:fontRef idx="minor"/>
+    </dgm:style>
+  </dgm:styleLbl>
+  <dgm:styleLbl name="solidFgAcc1">
+    <dgm:scene3d>
+      <a:camera prst="orthographicFront"/>
+      <a:lightRig rig="threePt" dir="t"/>
+    </dgm:scene3d>
+    <dgm:sp3d/>
+    <dgm:txPr/>
+    <dgm:style>
+      <a:lnRef idx="2">
+        <a:scrgbClr r="0" g="0" b="0"/>
+      </a:lnRef>
+      <a:fillRef idx="1">
+        <a:scrgbClr r="0" g="0" b="0"/>
+      </a:fillRef>
+      <a:effectRef idx="0">
+        <a:scrgbClr r="0" g="0" b="0"/>
+      </a:effectRef>
+      <a:fontRef idx="minor"/>
+    </dgm:style>
+  </dgm:styleLbl>
+  <dgm:styleLbl name="solidAlignAcc1">
+    <dgm:scene3d>
+      <a:camera prst="orthographicFront"/>
+      <a:lightRig rig="threePt" dir="t"/>
+    </dgm:scene3d>
+    <dgm:sp3d/>
+    <dgm:txPr/>
+    <dgm:style>
+      <a:lnRef idx="2">
+        <a:scrgbClr r="0" g="0" b="0"/>
+      </a:lnRef>
+      <a:fillRef idx="1">
+        <a:scrgbClr r="0" g="0" b="0"/>
+      </a:fillRef>
+      <a:effectRef idx="0">
+        <a:scrgbClr r="0" g="0" b="0"/>
+      </a:effectRef>
+      <a:fontRef idx="minor"/>
+    </dgm:style>
+  </dgm:styleLbl>
+  <dgm:styleLbl name="solidBgAcc1">
+    <dgm:scene3d>
+      <a:camera prst="orthographicFront"/>
+      <a:lightRig rig="threePt" dir="t"/>
+    </dgm:scene3d>
+    <dgm:sp3d/>
+    <dgm:txPr/>
+    <dgm:style>
+      <a:lnRef idx="2">
+        <a:scrgbClr r="0" g="0" b="0"/>
+      </a:lnRef>
+      <a:fillRef idx="1">
+        <a:scrgbClr r="0" g="0" b="0"/>
+      </a:fillRef>
+      <a:effectRef idx="0">
+        <a:scrgbClr r="0" g="0" b="0"/>
+      </a:effectRef>
+      <a:fontRef idx="minor"/>
+    </dgm:style>
+  </dgm:styleLbl>
+  <dgm:styleLbl name="fgAccFollowNode1">
+    <dgm:scene3d>
+      <a:camera prst="orthographicFront"/>
+      <a:lightRig rig="threePt" dir="t"/>
+    </dgm:scene3d>
+    <dgm:sp3d/>
+    <dgm:txPr/>
+    <dgm:style>
+      <a:lnRef idx="2">
+        <a:scrgbClr r="0" g="0" b="0"/>
+      </a:lnRef>
+      <a:fillRef idx="1">
+        <a:scrgbClr r="0" g="0" b="0"/>
+      </a:fillRef>
+      <a:effectRef idx="0">
+        <a:scrgbClr r="0" g="0" b="0"/>
+      </a:effectRef>
+      <a:fontRef idx="minor"/>
+    </dgm:style>
+  </dgm:styleLbl>
+  <dgm:styleLbl name="alignAccFollowNode1">
+    <dgm:scene3d>
+      <a:camera prst="orthographicFront"/>
+      <a:lightRig rig="threePt" dir="t"/>
+    </dgm:scene3d>
+    <dgm:sp3d/>
+    <dgm:txPr/>
+    <dgm:style>
+      <a:lnRef idx="2">
+        <a:scrgbClr r="0" g="0" b="0"/>
+      </a:lnRef>
+      <a:fillRef idx="1">
+        <a:scrgbClr r="0" g="0" b="0"/>
+      </a:fillRef>
+      <a:effectRef idx="0">
+        <a:scrgbClr r="0" g="0" b="0"/>
+      </a:effectRef>
+      <a:fontRef idx="minor"/>
+    </dgm:style>
+  </dgm:styleLbl>
+  <dgm:styleLbl name="bgAccFollowNode1">
+    <dgm:scene3d>
+      <a:camera prst="orthographicFront"/>
+      <a:lightRig rig="threePt" dir="t"/>
+    </dgm:scene3d>
+    <dgm:sp3d/>
+    <dgm:txPr/>
+    <dgm:style>
+      <a:lnRef idx="2">
+        <a:scrgbClr r="0" g="0" b="0"/>
+      </a:lnRef>
+      <a:fillRef idx="1">
+        <a:scrgbClr r="0" g="0" b="0"/>
+      </a:fillRef>
+      <a:effectRef idx="0">
+        <a:scrgbClr r="0" g="0" b="0"/>
+      </a:effectRef>
+      <a:fontRef idx="minor"/>
+    </dgm:style>
+  </dgm:styleLbl>
+  <dgm:styleLbl name="fgAcc0">
+    <dgm:scene3d>
+      <a:camera prst="orthographicFront"/>
+      <a:lightRig rig="threePt" dir="t"/>
+    </dgm:scene3d>
+    <dgm:sp3d/>
+    <dgm:txPr/>
+    <dgm:style>
+      <a:lnRef idx="2">
+        <a:scrgbClr r="0" g="0" b="0"/>
+      </a:lnRef>
+      <a:fillRef idx="1">
+        <a:scrgbClr r="0" g="0" b="0"/>
+      </a:fillRef>
+      <a:effectRef idx="0">
+        <a:scrgbClr r="0" g="0" b="0"/>
+      </a:effectRef>
+      <a:fontRef idx="minor"/>
+    </dgm:style>
+  </dgm:styleLbl>
+  <dgm:styleLbl name="fgAcc2">
+    <dgm:scene3d>
+      <a:camera prst="orthographicFront"/>
+      <a:lightRig rig="threePt" dir="t"/>
+    </dgm:scene3d>
+    <dgm:sp3d/>
+    <dgm:txPr/>
+    <dgm:style>
+      <a:lnRef idx="2">
+        <a:scrgbClr r="0" g="0" b="0"/>
+      </a:lnRef>
+      <a:fillRef idx="1">
+        <a:scrgbClr r="0" g="0" b="0"/>
+      </a:fillRef>
+      <a:effectRef idx="0">
+        <a:scrgbClr r="0" g="0" b="0"/>
+      </a:effectRef>
+      <a:fontRef idx="minor"/>
+    </dgm:style>
+  </dgm:styleLbl>
+  <dgm:styleLbl name="fgAcc3">
+    <dgm:scene3d>
+      <a:camera prst="orthographicFront"/>
+      <a:lightRig rig="threePt" dir="t"/>
+    </dgm:scene3d>
+    <dgm:sp3d/>
+    <dgm:txPr/>
+    <dgm:style>
+      <a:lnRef idx="2">
+        <a:scrgbClr r="0" g="0" b="0"/>
+      </a:lnRef>
+      <a:fillRef idx="1">
+        <a:scrgbClr r="0" g="0" b="0"/>
+      </a:fillRef>
+      <a:effectRef idx="0">
+        <a:scrgbClr r="0" g="0" b="0"/>
+      </a:effectRef>
+      <a:fontRef idx="minor"/>
+    </dgm:style>
+  </dgm:styleLbl>
+  <dgm:styleLbl name="fgAcc4">
+    <dgm:scene3d>
+      <a:camera prst="orthographicFront"/>
+      <a:lightRig rig="threePt" dir="t"/>
+    </dgm:scene3d>
+    <dgm:sp3d/>
+    <dgm:txPr/>
+    <dgm:style>
+      <a:lnRef idx="2">
+        <a:scrgbClr r="0" g="0" b="0"/>
+      </a:lnRef>
+      <a:fillRef idx="1">
+        <a:scrgbClr r="0" g="0" b="0"/>
+      </a:fillRef>
+      <a:effectRef idx="0">
+        <a:scrgbClr r="0" g="0" b="0"/>
+      </a:effectRef>
+      <a:fontRef idx="minor"/>
+    </dgm:style>
+  </dgm:styleLbl>
+  <dgm:styleLbl name="bgShp">
+    <dgm:scene3d>
+      <a:camera prst="orthographicFront"/>
+      <a:lightRig rig="threePt" dir="t"/>
+    </dgm:scene3d>
+    <dgm:sp3d/>
+    <dgm:txPr/>
+    <dgm:style>
+      <a:lnRef idx="0">
+        <a:scrgbClr r="0" g="0" b="0"/>
+      </a:lnRef>
+      <a:fillRef idx="1">
+        <a:scrgbClr r="0" g="0" b="0"/>
+      </a:fillRef>
+      <a:effectRef idx="0">
+        <a:scrgbClr r="0" g="0" b="0"/>
+      </a:effectRef>
+      <a:fontRef idx="minor"/>
+    </dgm:style>
+  </dgm:styleLbl>
+  <dgm:styleLbl name="dkBgShp">
+    <dgm:scene3d>
+      <a:camera prst="orthographicFront"/>
+      <a:lightRig rig="threePt" dir="t"/>
+    </dgm:scene3d>
+    <dgm:sp3d/>
+    <dgm:txPr/>
+    <dgm:style>
+      <a:lnRef idx="0">
+        <a:scrgbClr r="0" g="0" b="0"/>
+      </a:lnRef>
+      <a:fillRef idx="1">
+        <a:scrgbClr r="0" g="0" b="0"/>
+      </a:fillRef>
+      <a:effectRef idx="0">
+        <a:scrgbClr r="0" g="0" b="0"/>
+      </a:effectRef>
+      <a:fontRef idx="minor"/>
+    </dgm:style>
+  </dgm:styleLbl>
+  <dgm:styleLbl name="trBgShp">
+    <dgm:scene3d>
+      <a:camera prst="orthographicFront"/>
+      <a:lightRig rig="threePt" dir="t"/>
+    </dgm:scene3d>
+    <dgm:sp3d/>
+    <dgm:txPr/>
+    <dgm:style>
+      <a:lnRef idx="0">
+        <a:scrgbClr r="0" g="0" b="0"/>
+      </a:lnRef>
+      <a:fillRef idx="1">
+        <a:scrgbClr r="0" g="0" b="0"/>
+      </a:fillRef>
+      <a:effectRef idx="0">
+        <a:scrgbClr r="0" g="0" b="0"/>
+      </a:effectRef>
+      <a:fontRef idx="minor"/>
+    </dgm:style>
+  </dgm:styleLbl>
+  <dgm:styleLbl name="fgShp">
+    <dgm:scene3d>
+      <a:camera prst="orthographicFront"/>
+      <a:lightRig rig="threePt" dir="t"/>
+    </dgm:scene3d>
+    <dgm:sp3d/>
+    <dgm:txPr/>
+    <dgm:style>
+      <a:lnRef idx="2">
+        <a:scrgbClr r="0" g="0" b="0"/>
+      </a:lnRef>
+      <a:fillRef idx="1">
+        <a:scrgbClr r="0" g="0" b="0"/>
+      </a:fillRef>
+      <a:effectRef idx="0">
+        <a:scrgbClr r="0" g="0" b="0"/>
+      </a:effectRef>
+      <a:fontRef idx="minor"/>
+    </dgm:style>
+  </dgm:styleLbl>
+  <dgm:styleLbl name="revTx">
+    <dgm:scene3d>
+      <a:camera prst="orthographicFront"/>
+      <a:lightRig rig="threePt" dir="t"/>
+    </dgm:scene3d>
+    <dgm:sp3d/>
+    <dgm:txPr/>
+    <dgm:style>
+      <a:lnRef idx="0">
+        <a:scrgbClr r="0" g="0" b="0"/>
+      </a:lnRef>
+      <a:fillRef idx="0">
+        <a:scrgbClr r="0" g="0" b="0"/>
+      </a:fillRef>
+      <a:effectRef idx="0">
+        <a:scrgbClr r="0" g="0" b="0"/>
+      </a:effectRef>
+      <a:fontRef idx="minor"/>
+    </dgm:style>
+  </dgm:styleLbl>
+</dgm:styleDef>
+</file>
+
+<file path=ppt/diagrams/quickStyle4.xml><?xml version="1.0" encoding="utf-8"?>
 <dgm:styleDef xmlns:dgm="http://schemas.openxmlformats.org/drawingml/2006/diagram" xmlns:a="http://schemas.openxmlformats.org/drawingml/2006/main" uniqueId="urn:microsoft.com/office/officeart/2005/8/quickstyle/simple1">
   <dgm:title val=""/>
   <dgm:desc val=""/>
@@ -8962,7 +11902,7 @@
           <a:p>
             <a:fld id="{581FE9F6-1E18-4AB3-B7CA-A2B621D23B17}" type="datetimeFigureOut">
               <a:rPr kumimoji="1" lang="ja-JP" altLang="en-US" smtClean="0"/>
-              <a:t>2023/6/5</a:t>
+              <a:t>2023/6/6</a:t>
             </a:fld>
             <a:endParaRPr kumimoji="1" lang="ja-JP" altLang="en-US"/>
           </a:p>
@@ -9596,7 +12536,7 @@
           <a:p>
             <a:fld id="{179C1435-D56D-4B5F-896C-3781FCA9E277}" type="datetimeFigureOut">
               <a:rPr kumimoji="1" lang="ja-JP" altLang="en-US" smtClean="0"/>
-              <a:t>2023/6/5</a:t>
+              <a:t>2023/6/6</a:t>
             </a:fld>
             <a:endParaRPr kumimoji="1" lang="ja-JP" altLang="en-US"/>
           </a:p>
@@ -9798,7 +12738,7 @@
           <a:p>
             <a:fld id="{179C1435-D56D-4B5F-896C-3781FCA9E277}" type="datetimeFigureOut">
               <a:rPr kumimoji="1" lang="ja-JP" altLang="en-US" smtClean="0"/>
-              <a:t>2023/6/5</a:t>
+              <a:t>2023/6/6</a:t>
             </a:fld>
             <a:endParaRPr kumimoji="1" lang="ja-JP" altLang="en-US"/>
           </a:p>
@@ -10010,7 +12950,7 @@
           <a:p>
             <a:fld id="{179C1435-D56D-4B5F-896C-3781FCA9E277}" type="datetimeFigureOut">
               <a:rPr kumimoji="1" lang="ja-JP" altLang="en-US" smtClean="0"/>
-              <a:t>2023/6/5</a:t>
+              <a:t>2023/6/6</a:t>
             </a:fld>
             <a:endParaRPr kumimoji="1" lang="ja-JP" altLang="en-US"/>
           </a:p>
@@ -10212,7 +13152,7 @@
           <a:p>
             <a:fld id="{179C1435-D56D-4B5F-896C-3781FCA9E277}" type="datetimeFigureOut">
               <a:rPr kumimoji="1" lang="ja-JP" altLang="en-US" smtClean="0"/>
-              <a:t>2023/6/5</a:t>
+              <a:t>2023/6/6</a:t>
             </a:fld>
             <a:endParaRPr kumimoji="1" lang="ja-JP" altLang="en-US"/>
           </a:p>
@@ -10470,7 +13410,7 @@
           <a:p>
             <a:fld id="{179C1435-D56D-4B5F-896C-3781FCA9E277}" type="datetimeFigureOut">
               <a:rPr kumimoji="1" lang="ja-JP" altLang="en-US" smtClean="0"/>
-              <a:t>2023/6/5</a:t>
+              <a:t>2023/6/6</a:t>
             </a:fld>
             <a:endParaRPr kumimoji="1" lang="ja-JP" altLang="en-US"/>
           </a:p>
@@ -10822,7 +13762,7 @@
           <a:p>
             <a:fld id="{179C1435-D56D-4B5F-896C-3781FCA9E277}" type="datetimeFigureOut">
               <a:rPr kumimoji="1" lang="ja-JP" altLang="en-US" smtClean="0"/>
-              <a:t>2023/6/5</a:t>
+              <a:t>2023/6/6</a:t>
             </a:fld>
             <a:endParaRPr kumimoji="1" lang="ja-JP" altLang="en-US"/>
           </a:p>
@@ -11328,7 +14268,7 @@
           <a:p>
             <a:fld id="{179C1435-D56D-4B5F-896C-3781FCA9E277}" type="datetimeFigureOut">
               <a:rPr kumimoji="1" lang="ja-JP" altLang="en-US" smtClean="0"/>
-              <a:t>2023/6/5</a:t>
+              <a:t>2023/6/6</a:t>
             </a:fld>
             <a:endParaRPr kumimoji="1" lang="ja-JP" altLang="en-US"/>
           </a:p>
@@ -11446,7 +14386,7 @@
           <a:p>
             <a:fld id="{179C1435-D56D-4B5F-896C-3781FCA9E277}" type="datetimeFigureOut">
               <a:rPr kumimoji="1" lang="ja-JP" altLang="en-US" smtClean="0"/>
-              <a:t>2023/6/5</a:t>
+              <a:t>2023/6/6</a:t>
             </a:fld>
             <a:endParaRPr kumimoji="1" lang="ja-JP" altLang="en-US"/>
           </a:p>
@@ -11541,7 +14481,7 @@
           <a:p>
             <a:fld id="{179C1435-D56D-4B5F-896C-3781FCA9E277}" type="datetimeFigureOut">
               <a:rPr kumimoji="1" lang="ja-JP" altLang="en-US" smtClean="0"/>
-              <a:t>2023/6/5</a:t>
+              <a:t>2023/6/6</a:t>
             </a:fld>
             <a:endParaRPr kumimoji="1" lang="ja-JP" altLang="en-US"/>
           </a:p>
@@ -11861,7 +14801,7 @@
           <a:p>
             <a:fld id="{179C1435-D56D-4B5F-896C-3781FCA9E277}" type="datetimeFigureOut">
               <a:rPr kumimoji="1" lang="ja-JP" altLang="en-US" smtClean="0"/>
-              <a:t>2023/6/5</a:t>
+              <a:t>2023/6/6</a:t>
             </a:fld>
             <a:endParaRPr kumimoji="1" lang="ja-JP" altLang="en-US"/>
           </a:p>
@@ -12134,7 +15074,7 @@
           <a:p>
             <a:fld id="{179C1435-D56D-4B5F-896C-3781FCA9E277}" type="datetimeFigureOut">
               <a:rPr kumimoji="1" lang="ja-JP" altLang="en-US" smtClean="0"/>
-              <a:t>2023/6/5</a:t>
+              <a:t>2023/6/6</a:t>
             </a:fld>
             <a:endParaRPr kumimoji="1" lang="ja-JP" altLang="en-US"/>
           </a:p>
@@ -12463,7 +15403,7 @@
           <a:p>
             <a:fld id="{179C1435-D56D-4B5F-896C-3781FCA9E277}" type="datetimeFigureOut">
               <a:rPr kumimoji="1" lang="ja-JP" altLang="en-US" smtClean="0"/>
-              <a:t>2023/6/5</a:t>
+              <a:t>2023/6/6</a:t>
             </a:fld>
             <a:endParaRPr kumimoji="1" lang="ja-JP" altLang="en-US"/>
           </a:p>
@@ -13491,14 +16431,14 @@
             <a:p>
               <a:pPr algn="ctr"/>
               <a:r>
-                <a:rPr kumimoji="1" lang="en-US" altLang="ja-JP" sz="2400" dirty="0" err="1"/>
+                <a:rPr kumimoji="1" lang="en-US" altLang="ja-JP" sz="2400" err="1"/>
                 <a:t>System_key</a:t>
               </a:r>
               <a:r>
-                <a:rPr kumimoji="1" lang="en-US" altLang="ja-JP" sz="2400" dirty="0"/>
+                <a:rPr kumimoji="1" lang="en-US" altLang="ja-JP" sz="2400"/>
                 <a:t>=1</a:t>
               </a:r>
-              <a:endParaRPr kumimoji="1" lang="ja-JP" altLang="en-US" sz="2400" dirty="0"/>
+              <a:endParaRPr kumimoji="1" lang="ja-JP" altLang="en-US" sz="2400"/>
             </a:p>
           </p:txBody>
         </p:sp>
@@ -15582,6 +18522,299 @@
     <p:extLst>
       <p:ext uri="{BB962C8B-B14F-4D97-AF65-F5344CB8AC3E}">
         <p14:creationId xmlns:p14="http://schemas.microsoft.com/office/powerpoint/2010/main" val="849468075"/>
+      </p:ext>
+    </p:extLst>
+  </p:cSld>
+  <p:clrMapOvr>
+    <a:masterClrMapping/>
+  </p:clrMapOvr>
+</p:sld>
+</file>
+
+<file path=ppt/slides/slide19.xml><?xml version="1.0" encoding="utf-8"?>
+<p:sld xmlns:a="http://schemas.openxmlformats.org/drawingml/2006/main" xmlns:r="http://schemas.openxmlformats.org/officeDocument/2006/relationships" xmlns:p="http://schemas.openxmlformats.org/presentationml/2006/main">
+  <p:cSld>
+    <p:spTree>
+      <p:nvGrpSpPr>
+        <p:cNvPr id="1" name=""/>
+        <p:cNvGrpSpPr/>
+        <p:nvPr/>
+      </p:nvGrpSpPr>
+      <p:grpSpPr>
+        <a:xfrm>
+          <a:off x="0" y="0"/>
+          <a:ext cx="0" cy="0"/>
+          <a:chOff x="0" y="0"/>
+          <a:chExt cx="0" cy="0"/>
+        </a:xfrm>
+      </p:grpSpPr>
+      <p:grpSp>
+        <p:nvGrpSpPr>
+          <p:cNvPr id="4" name="グループ化 3">
+            <a:extLst>
+              <a:ext uri="{FF2B5EF4-FFF2-40B4-BE49-F238E27FC236}">
+                <a16:creationId xmlns:a16="http://schemas.microsoft.com/office/drawing/2014/main" id="{E28E42D5-DA63-5BAC-AD82-00F8881965D0}"/>
+              </a:ext>
+            </a:extLst>
+          </p:cNvPr>
+          <p:cNvGrpSpPr/>
+          <p:nvPr/>
+        </p:nvGrpSpPr>
+        <p:grpSpPr>
+          <a:xfrm>
+            <a:off x="4288682" y="685801"/>
+            <a:ext cx="7217229" cy="5866053"/>
+            <a:chOff x="4321339" y="707572"/>
+            <a:chExt cx="7217229" cy="5866053"/>
+          </a:xfrm>
+        </p:grpSpPr>
+        <p:graphicFrame>
+          <p:nvGraphicFramePr>
+            <p:cNvPr id="5" name="図表 4">
+              <a:extLst>
+                <a:ext uri="{FF2B5EF4-FFF2-40B4-BE49-F238E27FC236}">
+                  <a16:creationId xmlns:a16="http://schemas.microsoft.com/office/drawing/2014/main" id="{860F2B95-EC39-3D8C-94A5-60E8538FF38F}"/>
+                </a:ext>
+              </a:extLst>
+            </p:cNvPr>
+            <p:cNvGraphicFramePr/>
+            <p:nvPr>
+              <p:extLst>
+                <p:ext uri="{D42A27DB-BD31-4B8C-83A1-F6EECF244321}">
+                  <p14:modId xmlns:p14="http://schemas.microsoft.com/office/powerpoint/2010/main" val="337612613"/>
+                </p:ext>
+              </p:extLst>
+            </p:nvPr>
+          </p:nvGraphicFramePr>
+          <p:xfrm>
+            <a:off x="4321339" y="707572"/>
+            <a:ext cx="7217229" cy="5464628"/>
+          </p:xfrm>
+          <a:graphic>
+            <a:graphicData uri="http://schemas.openxmlformats.org/drawingml/2006/diagram">
+              <dgm:relIds xmlns:dgm="http://schemas.openxmlformats.org/drawingml/2006/diagram" xmlns:r="http://schemas.openxmlformats.org/officeDocument/2006/relationships" r:dm="rId2" r:lo="rId3" r:qs="rId4" r:cs="rId5"/>
+            </a:graphicData>
+          </a:graphic>
+        </p:graphicFrame>
+        <p:sp>
+          <p:nvSpPr>
+            <p:cNvPr id="6" name="矢印: 環状 5">
+              <a:extLst>
+                <a:ext uri="{FF2B5EF4-FFF2-40B4-BE49-F238E27FC236}">
+                  <a16:creationId xmlns:a16="http://schemas.microsoft.com/office/drawing/2014/main" id="{003A6BC1-9BBC-0CA2-A6E3-EBAC1DBA988B}"/>
+                </a:ext>
+              </a:extLst>
+            </p:cNvPr>
+            <p:cNvSpPr/>
+            <p:nvPr/>
+          </p:nvSpPr>
+          <p:spPr>
+            <a:xfrm>
+              <a:off x="6558521" y="2789612"/>
+              <a:ext cx="2433080" cy="2118073"/>
+            </a:xfrm>
+            <a:prstGeom prst="circularArrow">
+              <a:avLst/>
+            </a:prstGeom>
+            <a:solidFill>
+              <a:srgbClr val="FDE6CB"/>
+            </a:solidFill>
+            <a:ln>
+              <a:solidFill>
+                <a:schemeClr val="bg1"/>
+              </a:solidFill>
+            </a:ln>
+          </p:spPr>
+          <p:style>
+            <a:lnRef idx="2">
+              <a:schemeClr val="accent1">
+                <a:shade val="50000"/>
+              </a:schemeClr>
+            </a:lnRef>
+            <a:fillRef idx="1">
+              <a:schemeClr val="accent1"/>
+            </a:fillRef>
+            <a:effectRef idx="0">
+              <a:schemeClr val="accent1"/>
+            </a:effectRef>
+            <a:fontRef idx="minor">
+              <a:schemeClr val="lt1"/>
+            </a:fontRef>
+          </p:style>
+          <p:txBody>
+            <a:bodyPr rtlCol="0" anchor="ctr"/>
+            <a:lstStyle/>
+            <a:p>
+              <a:pPr algn="ctr"/>
+              <a:endParaRPr kumimoji="1" lang="ja-JP" altLang="en-US">
+                <a:solidFill>
+                  <a:schemeClr val="tx1"/>
+                </a:solidFill>
+              </a:endParaRPr>
+            </a:p>
+          </p:txBody>
+        </p:sp>
+        <p:sp>
+          <p:nvSpPr>
+            <p:cNvPr id="9" name="テキスト ボックス 8">
+              <a:extLst>
+                <a:ext uri="{FF2B5EF4-FFF2-40B4-BE49-F238E27FC236}">
+                  <a16:creationId xmlns:a16="http://schemas.microsoft.com/office/drawing/2014/main" id="{7A52A8B7-788A-5960-D28C-BBE403464536}"/>
+                </a:ext>
+              </a:extLst>
+            </p:cNvPr>
+            <p:cNvSpPr txBox="1"/>
+            <p:nvPr/>
+          </p:nvSpPr>
+          <p:spPr>
+            <a:xfrm>
+              <a:off x="9600189" y="2962763"/>
+              <a:ext cx="1572866" cy="461665"/>
+            </a:xfrm>
+            <a:prstGeom prst="rect">
+              <a:avLst/>
+            </a:prstGeom>
+            <a:noFill/>
+          </p:spPr>
+          <p:txBody>
+            <a:bodyPr wrap="none" rtlCol="0">
+              <a:spAutoFit/>
+            </a:bodyPr>
+            <a:lstStyle/>
+            <a:p>
+              <a:r>
+                <a:rPr kumimoji="1" lang="en-US" altLang="ja-JP" sz="2400"/>
+                <a:t>Space</a:t>
+              </a:r>
+              <a:r>
+                <a:rPr kumimoji="1" lang="ja-JP" altLang="en-US" sz="2400"/>
+                <a:t>キー</a:t>
+              </a:r>
+            </a:p>
+          </p:txBody>
+        </p:sp>
+        <p:sp>
+          <p:nvSpPr>
+            <p:cNvPr id="11" name="テキスト ボックス 10">
+              <a:extLst>
+                <a:ext uri="{FF2B5EF4-FFF2-40B4-BE49-F238E27FC236}">
+                  <a16:creationId xmlns:a16="http://schemas.microsoft.com/office/drawing/2014/main" id="{30D2DA61-46A8-4551-3C97-CE232CEFDE38}"/>
+                </a:ext>
+              </a:extLst>
+            </p:cNvPr>
+            <p:cNvSpPr txBox="1"/>
+            <p:nvPr/>
+          </p:nvSpPr>
+          <p:spPr>
+            <a:xfrm>
+              <a:off x="7143519" y="6111960"/>
+              <a:ext cx="1572866" cy="461665"/>
+            </a:xfrm>
+            <a:prstGeom prst="rect">
+              <a:avLst/>
+            </a:prstGeom>
+            <a:noFill/>
+          </p:spPr>
+          <p:txBody>
+            <a:bodyPr wrap="none" rtlCol="0">
+              <a:spAutoFit/>
+            </a:bodyPr>
+            <a:lstStyle/>
+            <a:p>
+              <a:r>
+                <a:rPr kumimoji="1" lang="en-US" altLang="ja-JP" sz="2400"/>
+                <a:t>Space</a:t>
+              </a:r>
+              <a:r>
+                <a:rPr kumimoji="1" lang="ja-JP" altLang="en-US" sz="2400"/>
+                <a:t>キー</a:t>
+              </a:r>
+            </a:p>
+          </p:txBody>
+        </p:sp>
+        <p:sp>
+          <p:nvSpPr>
+            <p:cNvPr id="12" name="テキスト ボックス 11">
+              <a:extLst>
+                <a:ext uri="{FF2B5EF4-FFF2-40B4-BE49-F238E27FC236}">
+                  <a16:creationId xmlns:a16="http://schemas.microsoft.com/office/drawing/2014/main" id="{EE4F4D9A-59DE-F57F-E999-C83AF5F02BFB}"/>
+                </a:ext>
+              </a:extLst>
+            </p:cNvPr>
+            <p:cNvSpPr txBox="1"/>
+            <p:nvPr/>
+          </p:nvSpPr>
+          <p:spPr>
+            <a:xfrm>
+              <a:off x="7122339" y="2978221"/>
+              <a:ext cx="1572866" cy="461665"/>
+            </a:xfrm>
+            <a:prstGeom prst="rect">
+              <a:avLst/>
+            </a:prstGeom>
+            <a:noFill/>
+          </p:spPr>
+          <p:txBody>
+            <a:bodyPr wrap="none" rtlCol="0">
+              <a:spAutoFit/>
+            </a:bodyPr>
+            <a:lstStyle/>
+            <a:p>
+              <a:r>
+                <a:rPr kumimoji="1" lang="en-US" altLang="ja-JP" sz="2400"/>
+                <a:t>Space</a:t>
+              </a:r>
+              <a:r>
+                <a:rPr kumimoji="1" lang="ja-JP" altLang="en-US" sz="2400"/>
+                <a:t>キー</a:t>
+              </a:r>
+            </a:p>
+          </p:txBody>
+        </p:sp>
+        <p:sp>
+          <p:nvSpPr>
+            <p:cNvPr id="13" name="テキスト ボックス 12">
+              <a:extLst>
+                <a:ext uri="{FF2B5EF4-FFF2-40B4-BE49-F238E27FC236}">
+                  <a16:creationId xmlns:a16="http://schemas.microsoft.com/office/drawing/2014/main" id="{A488A81F-0638-3551-1DE2-8359D6842285}"/>
+                </a:ext>
+              </a:extLst>
+            </p:cNvPr>
+            <p:cNvSpPr txBox="1"/>
+            <p:nvPr/>
+          </p:nvSpPr>
+          <p:spPr>
+            <a:xfrm>
+              <a:off x="5373801" y="2962762"/>
+              <a:ext cx="902811" cy="461665"/>
+            </a:xfrm>
+            <a:prstGeom prst="rect">
+              <a:avLst/>
+            </a:prstGeom>
+            <a:noFill/>
+          </p:spPr>
+          <p:txBody>
+            <a:bodyPr wrap="none" rtlCol="0">
+              <a:spAutoFit/>
+            </a:bodyPr>
+            <a:lstStyle/>
+            <a:p>
+              <a:r>
+                <a:rPr kumimoji="1" lang="en-US" altLang="ja-JP" sz="2400"/>
+                <a:t>r</a:t>
+              </a:r>
+              <a:r>
+                <a:rPr kumimoji="1" lang="ja-JP" altLang="en-US" sz="2400"/>
+                <a:t>キー</a:t>
+              </a:r>
+            </a:p>
+          </p:txBody>
+        </p:sp>
+      </p:grpSp>
+    </p:spTree>
+    <p:extLst>
+      <p:ext uri="{BB962C8B-B14F-4D97-AF65-F5344CB8AC3E}">
+        <p14:creationId xmlns:p14="http://schemas.microsoft.com/office/powerpoint/2010/main" val="2048276999"/>
       </p:ext>
     </p:extLst>
   </p:cSld>
